--- a/samples/IoT_Central_REST_Hvac_Control/Hvac.Control.JavaScript.REST.Client/architecture.pptx
+++ b/samples/IoT_Central_REST_Hvac_Control/Hvac.Control.JavaScript.REST.Client/architecture.pptx
@@ -2,15 +2,13 @@
 <file path=ppt/presentation.xml><?xml version="1.0" encoding="utf-8"?>
 <p:presentation xmlns:a="http://schemas.openxmlformats.org/drawingml/2006/main" xmlns:r="http://schemas.openxmlformats.org/officeDocument/2006/relationships" xmlns:p="http://schemas.openxmlformats.org/presentationml/2006/main" saveSubsetFonts="1">
   <p:sldMasterIdLst>
-    <p:sldMasterId id="2147483648" r:id="rId1"/>
-    <p:sldMasterId id="2147483660" r:id="rId2"/>
+    <p:sldMasterId id="2147483660" r:id="rId1"/>
   </p:sldMasterIdLst>
   <p:notesMasterIdLst>
-    <p:notesMasterId r:id="rId5"/>
+    <p:notesMasterId r:id="rId3"/>
   </p:notesMasterIdLst>
   <p:sldIdLst>
-    <p:sldId id="256" r:id="rId3"/>
-    <p:sldId id="2076138166" r:id="rId4"/>
+    <p:sldId id="2076138166" r:id="rId2"/>
   </p:sldIdLst>
   <p:sldSz cx="12192000" cy="6858000"/>
   <p:notesSz cx="6858000" cy="9144000"/>
@@ -597,7 +595,7 @@
                 <a:tabLst/>
                 <a:defRPr/>
               </a:pPr>
-              <a:t>2</a:t>
+              <a:t>1</a:t>
             </a:fld>
             <a:endParaRPr kumimoji="0" lang="en-US" sz="1200" b="0" i="0" u="none" strike="noStrike" kern="1200" cap="none" spc="0" normalizeH="0" baseline="0" noProof="0">
               <a:ln>
@@ -624,638 +622,6 @@
 </file>
 
 <file path=ppt/slideLayouts/slideLayout1.xml><?xml version="1.0" encoding="utf-8"?>
-<p:sldLayout xmlns:a="http://schemas.openxmlformats.org/drawingml/2006/main" xmlns:r="http://schemas.openxmlformats.org/officeDocument/2006/relationships" xmlns:p="http://schemas.openxmlformats.org/presentationml/2006/main" type="title" preserve="1">
-  <p:cSld name="Title Slide">
-    <p:spTree>
-      <p:nvGrpSpPr>
-        <p:cNvPr id="1" name=""/>
-        <p:cNvGrpSpPr/>
-        <p:nvPr/>
-      </p:nvGrpSpPr>
-      <p:grpSpPr>
-        <a:xfrm>
-          <a:off x="0" y="0"/>
-          <a:ext cx="0" cy="0"/>
-          <a:chOff x="0" y="0"/>
-          <a:chExt cx="0" cy="0"/>
-        </a:xfrm>
-      </p:grpSpPr>
-      <p:sp>
-        <p:nvSpPr>
-          <p:cNvPr id="2" name="Title 1">
-            <a:extLst>
-              <a:ext uri="{FF2B5EF4-FFF2-40B4-BE49-F238E27FC236}">
-                <a16:creationId xmlns:a16="http://schemas.microsoft.com/office/drawing/2014/main" id="{81860E22-A39C-4D3B-BE21-C20B05C47254}"/>
-              </a:ext>
-            </a:extLst>
-          </p:cNvPr>
-          <p:cNvSpPr>
-            <a:spLocks noGrp="1"/>
-          </p:cNvSpPr>
-          <p:nvPr>
-            <p:ph type="ctrTitle"/>
-          </p:nvPr>
-        </p:nvSpPr>
-        <p:spPr>
-          <a:xfrm>
-            <a:off x="1524000" y="1122363"/>
-            <a:ext cx="9144000" cy="2387600"/>
-          </a:xfrm>
-        </p:spPr>
-        <p:txBody>
-          <a:bodyPr anchor="b"/>
-          <a:lstStyle>
-            <a:lvl1pPr algn="ctr">
-              <a:defRPr sz="6000"/>
-            </a:lvl1pPr>
-          </a:lstStyle>
-          <a:p>
-            <a:r>
-              <a:rPr lang="en-US"/>
-              <a:t>Click to edit Master title style</a:t>
-            </a:r>
-            <a:endParaRPr lang="en-AU"/>
-          </a:p>
-        </p:txBody>
-      </p:sp>
-      <p:sp>
-        <p:nvSpPr>
-          <p:cNvPr id="3" name="Subtitle 2">
-            <a:extLst>
-              <a:ext uri="{FF2B5EF4-FFF2-40B4-BE49-F238E27FC236}">
-                <a16:creationId xmlns:a16="http://schemas.microsoft.com/office/drawing/2014/main" id="{9AC3029D-37CC-47EF-8EDF-6D31ECD88678}"/>
-              </a:ext>
-            </a:extLst>
-          </p:cNvPr>
-          <p:cNvSpPr>
-            <a:spLocks noGrp="1"/>
-          </p:cNvSpPr>
-          <p:nvPr>
-            <p:ph type="subTitle" idx="1"/>
-          </p:nvPr>
-        </p:nvSpPr>
-        <p:spPr>
-          <a:xfrm>
-            <a:off x="1524000" y="3602038"/>
-            <a:ext cx="9144000" cy="1655762"/>
-          </a:xfrm>
-        </p:spPr>
-        <p:txBody>
-          <a:bodyPr/>
-          <a:lstStyle>
-            <a:lvl1pPr marL="0" indent="0" algn="ctr">
-              <a:buNone/>
-              <a:defRPr sz="2400"/>
-            </a:lvl1pPr>
-            <a:lvl2pPr marL="457200" indent="0" algn="ctr">
-              <a:buNone/>
-              <a:defRPr sz="2000"/>
-            </a:lvl2pPr>
-            <a:lvl3pPr marL="914400" indent="0" algn="ctr">
-              <a:buNone/>
-              <a:defRPr sz="1800"/>
-            </a:lvl3pPr>
-            <a:lvl4pPr marL="1371600" indent="0" algn="ctr">
-              <a:buNone/>
-              <a:defRPr sz="1600"/>
-            </a:lvl4pPr>
-            <a:lvl5pPr marL="1828800" indent="0" algn="ctr">
-              <a:buNone/>
-              <a:defRPr sz="1600"/>
-            </a:lvl5pPr>
-            <a:lvl6pPr marL="2286000" indent="0" algn="ctr">
-              <a:buNone/>
-              <a:defRPr sz="1600"/>
-            </a:lvl6pPr>
-            <a:lvl7pPr marL="2743200" indent="0" algn="ctr">
-              <a:buNone/>
-              <a:defRPr sz="1600"/>
-            </a:lvl7pPr>
-            <a:lvl8pPr marL="3200400" indent="0" algn="ctr">
-              <a:buNone/>
-              <a:defRPr sz="1600"/>
-            </a:lvl8pPr>
-            <a:lvl9pPr marL="3657600" indent="0" algn="ctr">
-              <a:buNone/>
-              <a:defRPr sz="1600"/>
-            </a:lvl9pPr>
-          </a:lstStyle>
-          <a:p>
-            <a:r>
-              <a:rPr lang="en-US"/>
-              <a:t>Click to edit Master subtitle style</a:t>
-            </a:r>
-            <a:endParaRPr lang="en-AU"/>
-          </a:p>
-        </p:txBody>
-      </p:sp>
-      <p:sp>
-        <p:nvSpPr>
-          <p:cNvPr id="4" name="Date Placeholder 3">
-            <a:extLst>
-              <a:ext uri="{FF2B5EF4-FFF2-40B4-BE49-F238E27FC236}">
-                <a16:creationId xmlns:a16="http://schemas.microsoft.com/office/drawing/2014/main" id="{06A085BA-9881-4DEA-A026-EA8741EE435F}"/>
-              </a:ext>
-            </a:extLst>
-          </p:cNvPr>
-          <p:cNvSpPr>
-            <a:spLocks noGrp="1"/>
-          </p:cNvSpPr>
-          <p:nvPr>
-            <p:ph type="dt" sz="half" idx="10"/>
-          </p:nvPr>
-        </p:nvSpPr>
-        <p:spPr/>
-        <p:txBody>
-          <a:bodyPr/>
-          <a:lstStyle/>
-          <a:p>
-            <a:fld id="{CEDABD4D-9266-40A2-8134-424B35C51FFB}" type="datetimeFigureOut">
-              <a:rPr lang="en-AU" smtClean="0"/>
-              <a:t>31/10/2020</a:t>
-            </a:fld>
-            <a:endParaRPr lang="en-AU"/>
-          </a:p>
-        </p:txBody>
-      </p:sp>
-      <p:sp>
-        <p:nvSpPr>
-          <p:cNvPr id="5" name="Footer Placeholder 4">
-            <a:extLst>
-              <a:ext uri="{FF2B5EF4-FFF2-40B4-BE49-F238E27FC236}">
-                <a16:creationId xmlns:a16="http://schemas.microsoft.com/office/drawing/2014/main" id="{815B13F2-D82F-4517-997D-E91F5BD9BF11}"/>
-              </a:ext>
-            </a:extLst>
-          </p:cNvPr>
-          <p:cNvSpPr>
-            <a:spLocks noGrp="1"/>
-          </p:cNvSpPr>
-          <p:nvPr>
-            <p:ph type="ftr" sz="quarter" idx="11"/>
-          </p:nvPr>
-        </p:nvSpPr>
-        <p:spPr/>
-        <p:txBody>
-          <a:bodyPr/>
-          <a:lstStyle/>
-          <a:p>
-            <a:endParaRPr lang="en-AU"/>
-          </a:p>
-        </p:txBody>
-      </p:sp>
-      <p:sp>
-        <p:nvSpPr>
-          <p:cNvPr id="6" name="Slide Number Placeholder 5">
-            <a:extLst>
-              <a:ext uri="{FF2B5EF4-FFF2-40B4-BE49-F238E27FC236}">
-                <a16:creationId xmlns:a16="http://schemas.microsoft.com/office/drawing/2014/main" id="{8E4835D7-B4E2-4EB2-9599-067E421D3825}"/>
-              </a:ext>
-            </a:extLst>
-          </p:cNvPr>
-          <p:cNvSpPr>
-            <a:spLocks noGrp="1"/>
-          </p:cNvSpPr>
-          <p:nvPr>
-            <p:ph type="sldNum" sz="quarter" idx="12"/>
-          </p:nvPr>
-        </p:nvSpPr>
-        <p:spPr/>
-        <p:txBody>
-          <a:bodyPr/>
-          <a:lstStyle/>
-          <a:p>
-            <a:fld id="{F8A3CFEC-82BA-4ACC-BF15-DA4DFD18E398}" type="slidenum">
-              <a:rPr lang="en-AU" smtClean="0"/>
-              <a:t>‹#›</a:t>
-            </a:fld>
-            <a:endParaRPr lang="en-AU"/>
-          </a:p>
-        </p:txBody>
-      </p:sp>
-    </p:spTree>
-    <p:extLst>
-      <p:ext uri="{BB962C8B-B14F-4D97-AF65-F5344CB8AC3E}">
-        <p14:creationId xmlns:p14="http://schemas.microsoft.com/office/powerpoint/2010/main" val="3749712917"/>
-      </p:ext>
-    </p:extLst>
-  </p:cSld>
-  <p:clrMapOvr>
-    <a:masterClrMapping/>
-  </p:clrMapOvr>
-</p:sldLayout>
-</file>
-
-<file path=ppt/slideLayouts/slideLayout10.xml><?xml version="1.0" encoding="utf-8"?>
-<p:sldLayout xmlns:a="http://schemas.openxmlformats.org/drawingml/2006/main" xmlns:r="http://schemas.openxmlformats.org/officeDocument/2006/relationships" xmlns:p="http://schemas.openxmlformats.org/presentationml/2006/main" type="vertTx" preserve="1">
-  <p:cSld name="Title and Vertical Text">
-    <p:spTree>
-      <p:nvGrpSpPr>
-        <p:cNvPr id="1" name=""/>
-        <p:cNvGrpSpPr/>
-        <p:nvPr/>
-      </p:nvGrpSpPr>
-      <p:grpSpPr>
-        <a:xfrm>
-          <a:off x="0" y="0"/>
-          <a:ext cx="0" cy="0"/>
-          <a:chOff x="0" y="0"/>
-          <a:chExt cx="0" cy="0"/>
-        </a:xfrm>
-      </p:grpSpPr>
-      <p:sp>
-        <p:nvSpPr>
-          <p:cNvPr id="2" name="Title 1">
-            <a:extLst>
-              <a:ext uri="{FF2B5EF4-FFF2-40B4-BE49-F238E27FC236}">
-                <a16:creationId xmlns:a16="http://schemas.microsoft.com/office/drawing/2014/main" id="{316C48EE-C530-432B-B011-FC66F7469490}"/>
-              </a:ext>
-            </a:extLst>
-          </p:cNvPr>
-          <p:cNvSpPr>
-            <a:spLocks noGrp="1"/>
-          </p:cNvSpPr>
-          <p:nvPr>
-            <p:ph type="title"/>
-          </p:nvPr>
-        </p:nvSpPr>
-        <p:spPr/>
-        <p:txBody>
-          <a:bodyPr/>
-          <a:lstStyle/>
-          <a:p>
-            <a:r>
-              <a:rPr lang="en-US"/>
-              <a:t>Click to edit Master title style</a:t>
-            </a:r>
-            <a:endParaRPr lang="en-AU"/>
-          </a:p>
-        </p:txBody>
-      </p:sp>
-      <p:sp>
-        <p:nvSpPr>
-          <p:cNvPr id="3" name="Vertical Text Placeholder 2">
-            <a:extLst>
-              <a:ext uri="{FF2B5EF4-FFF2-40B4-BE49-F238E27FC236}">
-                <a16:creationId xmlns:a16="http://schemas.microsoft.com/office/drawing/2014/main" id="{CBEE7128-94F9-4AC9-8DE7-084DD4C042D8}"/>
-              </a:ext>
-            </a:extLst>
-          </p:cNvPr>
-          <p:cNvSpPr>
-            <a:spLocks noGrp="1"/>
-          </p:cNvSpPr>
-          <p:nvPr>
-            <p:ph type="body" orient="vert" idx="1"/>
-          </p:nvPr>
-        </p:nvSpPr>
-        <p:spPr/>
-        <p:txBody>
-          <a:bodyPr vert="eaVert"/>
-          <a:lstStyle/>
-          <a:p>
-            <a:pPr lvl="0"/>
-            <a:r>
-              <a:rPr lang="en-US"/>
-              <a:t>Click to edit Master text styles</a:t>
-            </a:r>
-          </a:p>
-          <a:p>
-            <a:pPr lvl="1"/>
-            <a:r>
-              <a:rPr lang="en-US"/>
-              <a:t>Second level</a:t>
-            </a:r>
-          </a:p>
-          <a:p>
-            <a:pPr lvl="2"/>
-            <a:r>
-              <a:rPr lang="en-US"/>
-              <a:t>Third level</a:t>
-            </a:r>
-          </a:p>
-          <a:p>
-            <a:pPr lvl="3"/>
-            <a:r>
-              <a:rPr lang="en-US"/>
-              <a:t>Fourth level</a:t>
-            </a:r>
-          </a:p>
-          <a:p>
-            <a:pPr lvl="4"/>
-            <a:r>
-              <a:rPr lang="en-US"/>
-              <a:t>Fifth level</a:t>
-            </a:r>
-            <a:endParaRPr lang="en-AU"/>
-          </a:p>
-        </p:txBody>
-      </p:sp>
-      <p:sp>
-        <p:nvSpPr>
-          <p:cNvPr id="4" name="Date Placeholder 3">
-            <a:extLst>
-              <a:ext uri="{FF2B5EF4-FFF2-40B4-BE49-F238E27FC236}">
-                <a16:creationId xmlns:a16="http://schemas.microsoft.com/office/drawing/2014/main" id="{B7A1AC09-E36D-499A-9C68-C59CF733A0C5}"/>
-              </a:ext>
-            </a:extLst>
-          </p:cNvPr>
-          <p:cNvSpPr>
-            <a:spLocks noGrp="1"/>
-          </p:cNvSpPr>
-          <p:nvPr>
-            <p:ph type="dt" sz="half" idx="10"/>
-          </p:nvPr>
-        </p:nvSpPr>
-        <p:spPr/>
-        <p:txBody>
-          <a:bodyPr/>
-          <a:lstStyle/>
-          <a:p>
-            <a:fld id="{CEDABD4D-9266-40A2-8134-424B35C51FFB}" type="datetimeFigureOut">
-              <a:rPr lang="en-AU" smtClean="0"/>
-              <a:t>31/10/2020</a:t>
-            </a:fld>
-            <a:endParaRPr lang="en-AU"/>
-          </a:p>
-        </p:txBody>
-      </p:sp>
-      <p:sp>
-        <p:nvSpPr>
-          <p:cNvPr id="5" name="Footer Placeholder 4">
-            <a:extLst>
-              <a:ext uri="{FF2B5EF4-FFF2-40B4-BE49-F238E27FC236}">
-                <a16:creationId xmlns:a16="http://schemas.microsoft.com/office/drawing/2014/main" id="{51363AFC-FEC1-4F48-99C3-442449F8A6A9}"/>
-              </a:ext>
-            </a:extLst>
-          </p:cNvPr>
-          <p:cNvSpPr>
-            <a:spLocks noGrp="1"/>
-          </p:cNvSpPr>
-          <p:nvPr>
-            <p:ph type="ftr" sz="quarter" idx="11"/>
-          </p:nvPr>
-        </p:nvSpPr>
-        <p:spPr/>
-        <p:txBody>
-          <a:bodyPr/>
-          <a:lstStyle/>
-          <a:p>
-            <a:endParaRPr lang="en-AU"/>
-          </a:p>
-        </p:txBody>
-      </p:sp>
-      <p:sp>
-        <p:nvSpPr>
-          <p:cNvPr id="6" name="Slide Number Placeholder 5">
-            <a:extLst>
-              <a:ext uri="{FF2B5EF4-FFF2-40B4-BE49-F238E27FC236}">
-                <a16:creationId xmlns:a16="http://schemas.microsoft.com/office/drawing/2014/main" id="{4689ACE1-0B13-494A-943D-BE33F7B742FC}"/>
-              </a:ext>
-            </a:extLst>
-          </p:cNvPr>
-          <p:cNvSpPr>
-            <a:spLocks noGrp="1"/>
-          </p:cNvSpPr>
-          <p:nvPr>
-            <p:ph type="sldNum" sz="quarter" idx="12"/>
-          </p:nvPr>
-        </p:nvSpPr>
-        <p:spPr/>
-        <p:txBody>
-          <a:bodyPr/>
-          <a:lstStyle/>
-          <a:p>
-            <a:fld id="{F8A3CFEC-82BA-4ACC-BF15-DA4DFD18E398}" type="slidenum">
-              <a:rPr lang="en-AU" smtClean="0"/>
-              <a:t>‹#›</a:t>
-            </a:fld>
-            <a:endParaRPr lang="en-AU"/>
-          </a:p>
-        </p:txBody>
-      </p:sp>
-    </p:spTree>
-    <p:extLst>
-      <p:ext uri="{BB962C8B-B14F-4D97-AF65-F5344CB8AC3E}">
-        <p14:creationId xmlns:p14="http://schemas.microsoft.com/office/powerpoint/2010/main" val="2378892600"/>
-      </p:ext>
-    </p:extLst>
-  </p:cSld>
-  <p:clrMapOvr>
-    <a:masterClrMapping/>
-  </p:clrMapOvr>
-</p:sldLayout>
-</file>
-
-<file path=ppt/slideLayouts/slideLayout11.xml><?xml version="1.0" encoding="utf-8"?>
-<p:sldLayout xmlns:a="http://schemas.openxmlformats.org/drawingml/2006/main" xmlns:r="http://schemas.openxmlformats.org/officeDocument/2006/relationships" xmlns:p="http://schemas.openxmlformats.org/presentationml/2006/main" type="vertTitleAndTx" preserve="1">
-  <p:cSld name="Vertical Title and Text">
-    <p:spTree>
-      <p:nvGrpSpPr>
-        <p:cNvPr id="1" name=""/>
-        <p:cNvGrpSpPr/>
-        <p:nvPr/>
-      </p:nvGrpSpPr>
-      <p:grpSpPr>
-        <a:xfrm>
-          <a:off x="0" y="0"/>
-          <a:ext cx="0" cy="0"/>
-          <a:chOff x="0" y="0"/>
-          <a:chExt cx="0" cy="0"/>
-        </a:xfrm>
-      </p:grpSpPr>
-      <p:sp>
-        <p:nvSpPr>
-          <p:cNvPr id="2" name="Vertical Title 1">
-            <a:extLst>
-              <a:ext uri="{FF2B5EF4-FFF2-40B4-BE49-F238E27FC236}">
-                <a16:creationId xmlns:a16="http://schemas.microsoft.com/office/drawing/2014/main" id="{97830D0C-0FB4-49AE-988A-78F8656B116E}"/>
-              </a:ext>
-            </a:extLst>
-          </p:cNvPr>
-          <p:cNvSpPr>
-            <a:spLocks noGrp="1"/>
-          </p:cNvSpPr>
-          <p:nvPr>
-            <p:ph type="title" orient="vert"/>
-          </p:nvPr>
-        </p:nvSpPr>
-        <p:spPr>
-          <a:xfrm>
-            <a:off x="8724900" y="365125"/>
-            <a:ext cx="2628900" cy="5811838"/>
-          </a:xfrm>
-        </p:spPr>
-        <p:txBody>
-          <a:bodyPr vert="eaVert"/>
-          <a:lstStyle/>
-          <a:p>
-            <a:r>
-              <a:rPr lang="en-US"/>
-              <a:t>Click to edit Master title style</a:t>
-            </a:r>
-            <a:endParaRPr lang="en-AU"/>
-          </a:p>
-        </p:txBody>
-      </p:sp>
-      <p:sp>
-        <p:nvSpPr>
-          <p:cNvPr id="3" name="Vertical Text Placeholder 2">
-            <a:extLst>
-              <a:ext uri="{FF2B5EF4-FFF2-40B4-BE49-F238E27FC236}">
-                <a16:creationId xmlns:a16="http://schemas.microsoft.com/office/drawing/2014/main" id="{14114A23-5D36-4ABA-A941-4EADE0C3EBF0}"/>
-              </a:ext>
-            </a:extLst>
-          </p:cNvPr>
-          <p:cNvSpPr>
-            <a:spLocks noGrp="1"/>
-          </p:cNvSpPr>
-          <p:nvPr>
-            <p:ph type="body" orient="vert" idx="1"/>
-          </p:nvPr>
-        </p:nvSpPr>
-        <p:spPr>
-          <a:xfrm>
-            <a:off x="838200" y="365125"/>
-            <a:ext cx="7734300" cy="5811838"/>
-          </a:xfrm>
-        </p:spPr>
-        <p:txBody>
-          <a:bodyPr vert="eaVert"/>
-          <a:lstStyle/>
-          <a:p>
-            <a:pPr lvl="0"/>
-            <a:r>
-              <a:rPr lang="en-US"/>
-              <a:t>Click to edit Master text styles</a:t>
-            </a:r>
-          </a:p>
-          <a:p>
-            <a:pPr lvl="1"/>
-            <a:r>
-              <a:rPr lang="en-US"/>
-              <a:t>Second level</a:t>
-            </a:r>
-          </a:p>
-          <a:p>
-            <a:pPr lvl="2"/>
-            <a:r>
-              <a:rPr lang="en-US"/>
-              <a:t>Third level</a:t>
-            </a:r>
-          </a:p>
-          <a:p>
-            <a:pPr lvl="3"/>
-            <a:r>
-              <a:rPr lang="en-US"/>
-              <a:t>Fourth level</a:t>
-            </a:r>
-          </a:p>
-          <a:p>
-            <a:pPr lvl="4"/>
-            <a:r>
-              <a:rPr lang="en-US"/>
-              <a:t>Fifth level</a:t>
-            </a:r>
-            <a:endParaRPr lang="en-AU"/>
-          </a:p>
-        </p:txBody>
-      </p:sp>
-      <p:sp>
-        <p:nvSpPr>
-          <p:cNvPr id="4" name="Date Placeholder 3">
-            <a:extLst>
-              <a:ext uri="{FF2B5EF4-FFF2-40B4-BE49-F238E27FC236}">
-                <a16:creationId xmlns:a16="http://schemas.microsoft.com/office/drawing/2014/main" id="{1E5AD08C-EE98-4854-BCD3-1757B95526AD}"/>
-              </a:ext>
-            </a:extLst>
-          </p:cNvPr>
-          <p:cNvSpPr>
-            <a:spLocks noGrp="1"/>
-          </p:cNvSpPr>
-          <p:nvPr>
-            <p:ph type="dt" sz="half" idx="10"/>
-          </p:nvPr>
-        </p:nvSpPr>
-        <p:spPr/>
-        <p:txBody>
-          <a:bodyPr/>
-          <a:lstStyle/>
-          <a:p>
-            <a:fld id="{CEDABD4D-9266-40A2-8134-424B35C51FFB}" type="datetimeFigureOut">
-              <a:rPr lang="en-AU" smtClean="0"/>
-              <a:t>31/10/2020</a:t>
-            </a:fld>
-            <a:endParaRPr lang="en-AU"/>
-          </a:p>
-        </p:txBody>
-      </p:sp>
-      <p:sp>
-        <p:nvSpPr>
-          <p:cNvPr id="5" name="Footer Placeholder 4">
-            <a:extLst>
-              <a:ext uri="{FF2B5EF4-FFF2-40B4-BE49-F238E27FC236}">
-                <a16:creationId xmlns:a16="http://schemas.microsoft.com/office/drawing/2014/main" id="{43437D24-5F29-403B-8502-9E35635BDB25}"/>
-              </a:ext>
-            </a:extLst>
-          </p:cNvPr>
-          <p:cNvSpPr>
-            <a:spLocks noGrp="1"/>
-          </p:cNvSpPr>
-          <p:nvPr>
-            <p:ph type="ftr" sz="quarter" idx="11"/>
-          </p:nvPr>
-        </p:nvSpPr>
-        <p:spPr/>
-        <p:txBody>
-          <a:bodyPr/>
-          <a:lstStyle/>
-          <a:p>
-            <a:endParaRPr lang="en-AU"/>
-          </a:p>
-        </p:txBody>
-      </p:sp>
-      <p:sp>
-        <p:nvSpPr>
-          <p:cNvPr id="6" name="Slide Number Placeholder 5">
-            <a:extLst>
-              <a:ext uri="{FF2B5EF4-FFF2-40B4-BE49-F238E27FC236}">
-                <a16:creationId xmlns:a16="http://schemas.microsoft.com/office/drawing/2014/main" id="{AB9E02EC-136A-4B42-88D7-5D9E540F3978}"/>
-              </a:ext>
-            </a:extLst>
-          </p:cNvPr>
-          <p:cNvSpPr>
-            <a:spLocks noGrp="1"/>
-          </p:cNvSpPr>
-          <p:nvPr>
-            <p:ph type="sldNum" sz="quarter" idx="12"/>
-          </p:nvPr>
-        </p:nvSpPr>
-        <p:spPr/>
-        <p:txBody>
-          <a:bodyPr/>
-          <a:lstStyle/>
-          <a:p>
-            <a:fld id="{F8A3CFEC-82BA-4ACC-BF15-DA4DFD18E398}" type="slidenum">
-              <a:rPr lang="en-AU" smtClean="0"/>
-              <a:t>‹#›</a:t>
-            </a:fld>
-            <a:endParaRPr lang="en-AU"/>
-          </a:p>
-        </p:txBody>
-      </p:sp>
-    </p:spTree>
-    <p:extLst>
-      <p:ext uri="{BB962C8B-B14F-4D97-AF65-F5344CB8AC3E}">
-        <p14:creationId xmlns:p14="http://schemas.microsoft.com/office/powerpoint/2010/main" val="3918244076"/>
-      </p:ext>
-    </p:extLst>
-  </p:cSld>
-  <p:clrMapOvr>
-    <a:masterClrMapping/>
-  </p:clrMapOvr>
-</p:sldLayout>
-</file>
-
-<file path=ppt/slideLayouts/slideLayout12.xml><?xml version="1.0" encoding="utf-8"?>
 <p:sldLayout xmlns:a="http://schemas.openxmlformats.org/drawingml/2006/main" xmlns:r="http://schemas.openxmlformats.org/officeDocument/2006/relationships" xmlns:p="http://schemas.openxmlformats.org/presentationml/2006/main" preserve="1" userDrawn="1">
   <p:cSld name="cover_layout">
     <p:spTree>
@@ -1582,2887 +948,7 @@
 </p:sldLayout>
 </file>
 
-<file path=ppt/slideLayouts/slideLayout13.xml><?xml version="1.0" encoding="utf-8"?>
-<p:sldLayout xmlns:a="http://schemas.openxmlformats.org/drawingml/2006/main" xmlns:r="http://schemas.openxmlformats.org/officeDocument/2006/relationships" xmlns:p="http://schemas.openxmlformats.org/presentationml/2006/main" preserve="1" userDrawn="1">
-  <p:cSld name="title_layout">
-    <p:bg>
-      <p:bgPr>
-        <a:solidFill>
-          <a:srgbClr val="243A5E"/>
-        </a:solidFill>
-        <a:effectLst/>
-      </p:bgPr>
-    </p:bg>
-    <p:spTree>
-      <p:nvGrpSpPr>
-        <p:cNvPr id="1" name=""/>
-        <p:cNvGrpSpPr/>
-        <p:nvPr/>
-      </p:nvGrpSpPr>
-      <p:grpSpPr>
-        <a:xfrm>
-          <a:off x="0" y="0"/>
-          <a:ext cx="0" cy="0"/>
-          <a:chOff x="0" y="0"/>
-          <a:chExt cx="0" cy="0"/>
-        </a:xfrm>
-      </p:grpSpPr>
-      <p:pic>
-        <p:nvPicPr>
-          <p:cNvPr id="3" name="Image" descr="Image">
-            <a:extLst>
-              <a:ext uri="{FF2B5EF4-FFF2-40B4-BE49-F238E27FC236}">
-                <a16:creationId xmlns:a16="http://schemas.microsoft.com/office/drawing/2014/main" id="{2F454218-0D46-4351-BBBB-D82416BE5B22}"/>
-              </a:ext>
-            </a:extLst>
-          </p:cNvPr>
-          <p:cNvPicPr>
-            <a:picLocks noChangeAspect="1"/>
-          </p:cNvPicPr>
-          <p:nvPr userDrawn="1"/>
-        </p:nvPicPr>
-        <p:blipFill>
-          <a:blip r:embed="rId2"/>
-          <a:stretch>
-            <a:fillRect/>
-          </a:stretch>
-        </p:blipFill>
-        <p:spPr>
-          <a:xfrm>
-            <a:off x="1" y="0"/>
-            <a:ext cx="12192000" cy="6858000"/>
-          </a:xfrm>
-          <a:prstGeom prst="rect">
-            <a:avLst/>
-          </a:prstGeom>
-          <a:ln w="12700">
-            <a:miter lim="400000"/>
-          </a:ln>
-        </p:spPr>
-      </p:pic>
-      <p:pic>
-        <p:nvPicPr>
-          <p:cNvPr id="4" name="Image" descr="Image">
-            <a:extLst>
-              <a:ext uri="{FF2B5EF4-FFF2-40B4-BE49-F238E27FC236}">
-                <a16:creationId xmlns:a16="http://schemas.microsoft.com/office/drawing/2014/main" id="{639BE83B-0B32-4FF7-946B-BAF64DA16D80}"/>
-              </a:ext>
-            </a:extLst>
-          </p:cNvPr>
-          <p:cNvPicPr>
-            <a:picLocks noChangeAspect="1"/>
-          </p:cNvPicPr>
-          <p:nvPr userDrawn="1"/>
-        </p:nvPicPr>
-        <p:blipFill>
-          <a:blip r:embed="rId3"/>
-          <a:stretch>
-            <a:fillRect/>
-          </a:stretch>
-        </p:blipFill>
-        <p:spPr>
-          <a:xfrm>
-            <a:off x="0" y="702520"/>
-            <a:ext cx="12190286" cy="6155481"/>
-          </a:xfrm>
-          <a:prstGeom prst="rect">
-            <a:avLst/>
-          </a:prstGeom>
-          <a:ln w="12700">
-            <a:miter lim="400000"/>
-          </a:ln>
-        </p:spPr>
-      </p:pic>
-      <p:sp>
-        <p:nvSpPr>
-          <p:cNvPr id="9" name="Title"/>
-          <p:cNvSpPr>
-            <a:spLocks noGrp="1"/>
-          </p:cNvSpPr>
-          <p:nvPr>
-            <p:ph type="title" hasCustomPrompt="1"/>
-          </p:nvPr>
-        </p:nvSpPr>
-        <p:spPr>
-          <a:xfrm>
-            <a:off x="584200" y="2979778"/>
-            <a:ext cx="6883400" cy="553998"/>
-          </a:xfrm>
-          <a:noFill/>
-        </p:spPr>
-        <p:txBody>
-          <a:bodyPr wrap="square" lIns="0" tIns="0" rIns="0" bIns="0" anchor="b" anchorCtr="0">
-            <a:spAutoFit/>
-          </a:bodyPr>
-          <a:lstStyle>
-            <a:lvl1pPr>
-              <a:defRPr sz="3600" spc="-50" baseline="0">
-                <a:solidFill>
-                  <a:schemeClr val="tx1"/>
-                </a:solidFill>
-                <a:latin typeface="+mj-lt"/>
-                <a:cs typeface="Segoe UI" pitchFamily="34" charset="0"/>
-              </a:defRPr>
-            </a:lvl1pPr>
-          </a:lstStyle>
-          <a:p>
-            <a:r>
-              <a:rPr lang="en-US"/>
-              <a:t>Presentation title </a:t>
-            </a:r>
-          </a:p>
-        </p:txBody>
-      </p:sp>
-      <p:sp>
-        <p:nvSpPr>
-          <p:cNvPr id="5" name="Subtitle"/>
-          <p:cNvSpPr>
-            <a:spLocks noGrp="1"/>
-          </p:cNvSpPr>
-          <p:nvPr>
-            <p:ph type="body" sz="quarter" idx="12" hasCustomPrompt="1"/>
-          </p:nvPr>
-        </p:nvSpPr>
-        <p:spPr>
-          <a:xfrm>
-            <a:off x="584200" y="3962400"/>
-            <a:ext cx="6883400" cy="338554"/>
-          </a:xfrm>
-          <a:noFill/>
-        </p:spPr>
-        <p:txBody>
-          <a:bodyPr wrap="square" lIns="0" tIns="0" rIns="0" bIns="0">
-            <a:spAutoFit/>
-          </a:bodyPr>
-          <a:lstStyle>
-            <a:lvl1pPr marL="0" indent="0">
-              <a:spcBef>
-                <a:spcPct val="0"/>
-              </a:spcBef>
-              <a:buNone/>
-              <a:defRPr sz="2200" spc="0" baseline="0">
-                <a:solidFill>
-                  <a:schemeClr val="tx1"/>
-                </a:solidFill>
-                <a:latin typeface="+mn-lt"/>
-                <a:cs typeface="Segoe UI" pitchFamily="34" charset="0"/>
-              </a:defRPr>
-            </a:lvl1pPr>
-          </a:lstStyle>
-          <a:p>
-            <a:pPr lvl="0"/>
-            <a:r>
-              <a:rPr lang="en-US"/>
-              <a:t>Speaker name or subtitle text</a:t>
-            </a:r>
-          </a:p>
-        </p:txBody>
-      </p:sp>
-      <p:pic>
-        <p:nvPicPr>
-          <p:cNvPr id="2" name="MS logo white - EMF" descr="Microsoft logo white text version">
-            <a:extLst>
-              <a:ext uri="{FF2B5EF4-FFF2-40B4-BE49-F238E27FC236}">
-                <a16:creationId xmlns:a16="http://schemas.microsoft.com/office/drawing/2014/main" id="{FBA90332-A7D9-4353-82A5-431FF1E924E8}"/>
-              </a:ext>
-            </a:extLst>
-          </p:cNvPr>
-          <p:cNvPicPr>
-            <a:picLocks noChangeAspect="1"/>
-          </p:cNvPicPr>
-          <p:nvPr userDrawn="1"/>
-        </p:nvPicPr>
-        <p:blipFill>
-          <a:blip r:embed="rId4"/>
-          <a:stretch>
-            <a:fillRect/>
-          </a:stretch>
-        </p:blipFill>
-        <p:spPr bwMode="invGray">
-          <a:xfrm>
-            <a:off x="584200" y="585788"/>
-            <a:ext cx="1366245" cy="292608"/>
-          </a:xfrm>
-          <a:prstGeom prst="rect">
-            <a:avLst/>
-          </a:prstGeom>
-        </p:spPr>
-      </p:pic>
-    </p:spTree>
-    <p:extLst>
-      <p:ext uri="{BB962C8B-B14F-4D97-AF65-F5344CB8AC3E}">
-        <p14:creationId xmlns:p14="http://schemas.microsoft.com/office/powerpoint/2010/main" val="1464735399"/>
-      </p:ext>
-    </p:extLst>
-  </p:cSld>
-  <p:clrMapOvr>
-    <a:overrideClrMapping bg1="dk1" tx1="lt1" bg2="dk2" tx2="lt2" accent1="accent1" accent2="accent2" accent3="accent3" accent4="accent4" accent5="accent5" accent6="accent6" hlink="hlink" folHlink="folHlink"/>
-  </p:clrMapOvr>
-  <mc:AlternateContent xmlns:mc="http://schemas.openxmlformats.org/markup-compatibility/2006" xmlns:p14="http://schemas.microsoft.com/office/powerpoint/2010/main">
-    <mc:Choice Requires="p14">
-      <p:transition spd="med" p14:dur="700">
-        <p:fade/>
-      </p:transition>
-    </mc:Choice>
-    <mc:Fallback xmlns="">
-      <p:transition spd="med">
-        <p:fade/>
-      </p:transition>
-    </mc:Fallback>
-  </mc:AlternateContent>
-  <p:extLst>
-    <p:ext uri="{DCECCB84-F9BA-43D5-87BE-67443E8EF086}">
-      <p15:sldGuideLst xmlns:p15="http://schemas.microsoft.com/office/powerpoint/2012/main">
-        <p15:guide id="1" orient="horz" pos="2228">
-          <p15:clr>
-            <a:srgbClr val="5ACBF0"/>
-          </p15:clr>
-        </p15:guide>
-        <p15:guide id="2" orient="horz" pos="2496">
-          <p15:clr>
-            <a:srgbClr val="5ACBF0"/>
-          </p15:clr>
-        </p15:guide>
-        <p15:guide id="3" pos="4704">
-          <p15:clr>
-            <a:srgbClr val="5ACBF0"/>
-          </p15:clr>
-        </p15:guide>
-        <p15:guide id="4" orient="horz" pos="2160">
-          <p15:clr>
-            <a:srgbClr val="FBAE40"/>
-          </p15:clr>
-        </p15:guide>
-      </p15:sldGuideLst>
-    </p:ext>
-  </p:extLst>
-</p:sldLayout>
-</file>
-
-<file path=ppt/slideLayouts/slideLayout14.xml><?xml version="1.0" encoding="utf-8"?>
-<p:sldLayout xmlns:a="http://schemas.openxmlformats.org/drawingml/2006/main" xmlns:r="http://schemas.openxmlformats.org/officeDocument/2006/relationships" xmlns:p="http://schemas.openxmlformats.org/presentationml/2006/main" preserve="1" userDrawn="1">
-  <p:cSld name="content_layout">
-    <p:spTree>
-      <p:nvGrpSpPr>
-        <p:cNvPr id="1" name=""/>
-        <p:cNvGrpSpPr/>
-        <p:nvPr/>
-      </p:nvGrpSpPr>
-      <p:grpSpPr>
-        <a:xfrm>
-          <a:off x="0" y="0"/>
-          <a:ext cx="0" cy="0"/>
-          <a:chOff x="0" y="0"/>
-          <a:chExt cx="0" cy="0"/>
-        </a:xfrm>
-      </p:grpSpPr>
-      <p:sp>
-        <p:nvSpPr>
-          <p:cNvPr id="2" name="Title">
-            <a:extLst>
-              <a:ext uri="{FF2B5EF4-FFF2-40B4-BE49-F238E27FC236}">
-                <a16:creationId xmlns:a16="http://schemas.microsoft.com/office/drawing/2014/main" id="{22FCFEFD-88E5-4869-B5C3-1611B0B50E15}"/>
-              </a:ext>
-            </a:extLst>
-          </p:cNvPr>
-          <p:cNvSpPr>
-            <a:spLocks noGrp="1"/>
-          </p:cNvSpPr>
-          <p:nvPr>
-            <p:ph type="title"/>
-          </p:nvPr>
-        </p:nvSpPr>
-        <p:spPr/>
-        <p:txBody>
-          <a:bodyPr/>
-          <a:lstStyle>
-            <a:lvl1pPr>
-              <a:defRPr>
-                <a:solidFill>
-                  <a:schemeClr val="tx1"/>
-                </a:solidFill>
-              </a:defRPr>
-            </a:lvl1pPr>
-          </a:lstStyle>
-          <a:p>
-            <a:r>
-              <a:rPr lang="en-US"/>
-              <a:t>Click to edit Master title style</a:t>
-            </a:r>
-          </a:p>
-        </p:txBody>
-      </p:sp>
-      <p:sp>
-        <p:nvSpPr>
-          <p:cNvPr id="4" name="Subtitle">
-            <a:extLst>
-              <a:ext uri="{FF2B5EF4-FFF2-40B4-BE49-F238E27FC236}">
-                <a16:creationId xmlns:a16="http://schemas.microsoft.com/office/drawing/2014/main" id="{58A212C2-8B30-4835-8711-AA981B6CFBE1}"/>
-              </a:ext>
-            </a:extLst>
-          </p:cNvPr>
-          <p:cNvSpPr>
-            <a:spLocks noGrp="1"/>
-          </p:cNvSpPr>
-          <p:nvPr>
-            <p:ph sz="quarter" idx="10"/>
-          </p:nvPr>
-        </p:nvSpPr>
-        <p:spPr>
-          <a:xfrm>
-            <a:off x="584200" y="1435100"/>
-            <a:ext cx="11018838" cy="1612749"/>
-          </a:xfrm>
-        </p:spPr>
-        <p:txBody>
-          <a:bodyPr/>
-          <a:lstStyle>
-            <a:lvl1pPr marL="0" indent="0">
-              <a:buNone/>
-              <a:defRPr>
-                <a:solidFill>
-                  <a:schemeClr val="tx1"/>
-                </a:solidFill>
-              </a:defRPr>
-            </a:lvl1pPr>
-            <a:lvl2pPr>
-              <a:defRPr>
-                <a:solidFill>
-                  <a:schemeClr val="tx1"/>
-                </a:solidFill>
-              </a:defRPr>
-            </a:lvl2pPr>
-            <a:lvl3pPr>
-              <a:defRPr>
-                <a:solidFill>
-                  <a:schemeClr val="tx1"/>
-                </a:solidFill>
-              </a:defRPr>
-            </a:lvl3pPr>
-            <a:lvl4pPr>
-              <a:defRPr>
-                <a:solidFill>
-                  <a:schemeClr val="tx1"/>
-                </a:solidFill>
-              </a:defRPr>
-            </a:lvl4pPr>
-            <a:lvl5pPr>
-              <a:defRPr>
-                <a:solidFill>
-                  <a:schemeClr val="tx1"/>
-                </a:solidFill>
-              </a:defRPr>
-            </a:lvl5pPr>
-          </a:lstStyle>
-          <a:p>
-            <a:pPr lvl="0"/>
-            <a:r>
-              <a:rPr lang="en-US"/>
-              <a:t>Click to edit Master text styles</a:t>
-            </a:r>
-          </a:p>
-          <a:p>
-            <a:pPr lvl="1"/>
-            <a:r>
-              <a:rPr lang="en-US"/>
-              <a:t>Second level</a:t>
-            </a:r>
-          </a:p>
-          <a:p>
-            <a:pPr lvl="2"/>
-            <a:r>
-              <a:rPr lang="en-US"/>
-              <a:t>Third level</a:t>
-            </a:r>
-          </a:p>
-          <a:p>
-            <a:pPr lvl="3"/>
-            <a:r>
-              <a:rPr lang="en-US"/>
-              <a:t>Fourth level</a:t>
-            </a:r>
-          </a:p>
-          <a:p>
-            <a:pPr lvl="4"/>
-            <a:r>
-              <a:rPr lang="en-US"/>
-              <a:t>Fifth level</a:t>
-            </a:r>
-          </a:p>
-        </p:txBody>
-      </p:sp>
-      <p:sp>
-        <p:nvSpPr>
-          <p:cNvPr id="6" name="TextBox 5">
-            <a:extLst>
-              <a:ext uri="{FF2B5EF4-FFF2-40B4-BE49-F238E27FC236}">
-                <a16:creationId xmlns:a16="http://schemas.microsoft.com/office/drawing/2014/main" id="{4F9662A5-6E2F-47B0-9B6E-E87983D3753C}"/>
-              </a:ext>
-              <a:ext uri="{C183D7F6-B498-43B3-948B-1728B52AA6E4}">
-                <adec:decorative xmlns:adec="http://schemas.microsoft.com/office/drawing/2017/decorative" val="1"/>
-              </a:ext>
-            </a:extLst>
-          </p:cNvPr>
-          <p:cNvSpPr txBox="1"/>
-          <p:nvPr userDrawn="1"/>
-        </p:nvSpPr>
-        <p:spPr>
-          <a:xfrm>
-            <a:off x="12355721" y="-203944"/>
-            <a:ext cx="577081" cy="153888"/>
-          </a:xfrm>
-          <a:prstGeom prst="rect">
-            <a:avLst/>
-          </a:prstGeom>
-          <a:noFill/>
-        </p:spPr>
-        <p:txBody>
-          <a:bodyPr wrap="none" lIns="0" tIns="0" rIns="0" bIns="0" rtlCol="0">
-            <a:spAutoFit/>
-          </a:bodyPr>
-          <a:lstStyle>
-            <a:defPPr>
-              <a:defRPr lang="en-US"/>
-            </a:defPPr>
-          </a:lstStyle>
-          <a:p>
-            <a:pPr algn="l"/>
-            <a:r>
-              <a:rPr lang="en-US" sz="1000">
-                <a:solidFill>
-                  <a:srgbClr val="A3A3A3"/>
-                </a:solidFill>
-              </a:rPr>
-              <a:t>ELT layout</a:t>
-            </a:r>
-          </a:p>
-        </p:txBody>
-      </p:sp>
-    </p:spTree>
-    <p:extLst>
-      <p:ext uri="{BB962C8B-B14F-4D97-AF65-F5344CB8AC3E}">
-        <p14:creationId xmlns:p14="http://schemas.microsoft.com/office/powerpoint/2010/main" val="809243366"/>
-      </p:ext>
-    </p:extLst>
-  </p:cSld>
-  <p:clrMapOvr>
-    <a:masterClrMapping/>
-  </p:clrMapOvr>
-  <p:transition>
-    <p:fade/>
-  </p:transition>
-  <p:extLst>
-    <p:ext uri="{DCECCB84-F9BA-43D5-87BE-67443E8EF086}">
-      <p15:sldGuideLst xmlns:p15="http://schemas.microsoft.com/office/powerpoint/2012/main">
-        <p15:guide id="2" orient="horz" pos="1272">
-          <p15:clr>
-            <a:srgbClr val="5ACBF0"/>
-          </p15:clr>
-        </p15:guide>
-        <p15:guide id="3" orient="horz" pos="288">
-          <p15:clr>
-            <a:srgbClr val="5ACBF0"/>
-          </p15:clr>
-        </p15:guide>
-        <p15:guide id="5" orient="horz" pos="904">
-          <p15:clr>
-            <a:srgbClr val="5ACBF0"/>
-          </p15:clr>
-        </p15:guide>
-      </p15:sldGuideLst>
-    </p:ext>
-  </p:extLst>
-</p:sldLayout>
-</file>
-
-<file path=ppt/slideLayouts/slideLayout15.xml><?xml version="1.0" encoding="utf-8"?>
-<p:sldLayout xmlns:a="http://schemas.openxmlformats.org/drawingml/2006/main" xmlns:r="http://schemas.openxmlformats.org/officeDocument/2006/relationships" xmlns:p="http://schemas.openxmlformats.org/presentationml/2006/main" preserve="1" userDrawn="1">
-  <p:cSld name="Title &amp; Non-bulleted text">
-    <p:spTree>
-      <p:nvGrpSpPr>
-        <p:cNvPr id="1" name=""/>
-        <p:cNvGrpSpPr/>
-        <p:nvPr/>
-      </p:nvGrpSpPr>
-      <p:grpSpPr>
-        <a:xfrm>
-          <a:off x="0" y="0"/>
-          <a:ext cx="0" cy="0"/>
-          <a:chOff x="0" y="0"/>
-          <a:chExt cx="0" cy="0"/>
-        </a:xfrm>
-      </p:grpSpPr>
-      <p:sp>
-        <p:nvSpPr>
-          <p:cNvPr id="7" name="Title">
-            <a:extLst>
-              <a:ext uri="{FF2B5EF4-FFF2-40B4-BE49-F238E27FC236}">
-                <a16:creationId xmlns:a16="http://schemas.microsoft.com/office/drawing/2014/main" id="{34B655BA-10A4-4A57-89DB-CFFBE1CA1E33}"/>
-              </a:ext>
-            </a:extLst>
-          </p:cNvPr>
-          <p:cNvSpPr>
-            <a:spLocks noGrp="1"/>
-          </p:cNvSpPr>
-          <p:nvPr>
-            <p:ph type="title"/>
-          </p:nvPr>
-        </p:nvSpPr>
-        <p:spPr/>
-        <p:txBody>
-          <a:bodyPr/>
-          <a:lstStyle/>
-          <a:p>
-            <a:r>
-              <a:rPr lang="en-US"/>
-              <a:t>Click to edit Master title style</a:t>
-            </a:r>
-          </a:p>
-        </p:txBody>
-      </p:sp>
-      <p:sp>
-        <p:nvSpPr>
-          <p:cNvPr id="4" name="Subtitle"/>
-          <p:cNvSpPr>
-            <a:spLocks noGrp="1"/>
-          </p:cNvSpPr>
-          <p:nvPr>
-            <p:ph type="body" sz="quarter" idx="10"/>
-          </p:nvPr>
-        </p:nvSpPr>
-        <p:spPr>
-          <a:xfrm>
-            <a:off x="586390" y="1434370"/>
-            <a:ext cx="11018520" cy="2308324"/>
-          </a:xfrm>
-        </p:spPr>
-        <p:txBody>
-          <a:bodyPr wrap="square">
-            <a:spAutoFit/>
-          </a:bodyPr>
-          <a:lstStyle>
-            <a:lvl1pPr marL="0" indent="0">
-              <a:buNone/>
-              <a:defRPr/>
-            </a:lvl1pPr>
-            <a:lvl2pPr marL="228600" indent="0">
-              <a:buNone/>
-              <a:defRPr/>
-            </a:lvl2pPr>
-            <a:lvl3pPr marL="457200" indent="0">
-              <a:buNone/>
-              <a:defRPr/>
-            </a:lvl3pPr>
-            <a:lvl4pPr marL="685800" indent="0">
-              <a:buNone/>
-              <a:defRPr/>
-            </a:lvl4pPr>
-            <a:lvl5pPr marL="914400" indent="0">
-              <a:buNone/>
-              <a:defRPr/>
-            </a:lvl5pPr>
-          </a:lstStyle>
-          <a:p>
-            <a:pPr lvl="0"/>
-            <a:r>
-              <a:rPr lang="en-US"/>
-              <a:t>Click to edit Master text styles</a:t>
-            </a:r>
-          </a:p>
-          <a:p>
-            <a:pPr lvl="1"/>
-            <a:r>
-              <a:rPr lang="en-US"/>
-              <a:t>Second level</a:t>
-            </a:r>
-          </a:p>
-          <a:p>
-            <a:pPr lvl="2"/>
-            <a:r>
-              <a:rPr lang="en-US"/>
-              <a:t>Third level</a:t>
-            </a:r>
-          </a:p>
-          <a:p>
-            <a:pPr lvl="3"/>
-            <a:r>
-              <a:rPr lang="en-US"/>
-              <a:t>Fourth level</a:t>
-            </a:r>
-          </a:p>
-          <a:p>
-            <a:pPr lvl="4"/>
-            <a:r>
-              <a:rPr lang="en-US"/>
-              <a:t>Fifth level</a:t>
-            </a:r>
-          </a:p>
-        </p:txBody>
-      </p:sp>
-    </p:spTree>
-    <p:extLst>
-      <p:ext uri="{BB962C8B-B14F-4D97-AF65-F5344CB8AC3E}">
-        <p14:creationId xmlns:p14="http://schemas.microsoft.com/office/powerpoint/2010/main" val="3070812738"/>
-      </p:ext>
-    </p:extLst>
-  </p:cSld>
-  <p:clrMapOvr>
-    <a:masterClrMapping/>
-  </p:clrMapOvr>
-  <p:transition>
-    <p:fade/>
-  </p:transition>
-  <p:extLst>
-    <p:ext uri="{DCECCB84-F9BA-43D5-87BE-67443E8EF086}">
-      <p15:sldGuideLst xmlns:p15="http://schemas.microsoft.com/office/powerpoint/2012/main">
-        <p15:guide id="1" orient="horz" pos="288">
-          <p15:clr>
-            <a:srgbClr val="5ACBF0"/>
-          </p15:clr>
-        </p15:guide>
-        <p15:guide id="2" orient="horz" pos="905">
-          <p15:clr>
-            <a:srgbClr val="5ACBF0"/>
-          </p15:clr>
-        </p15:guide>
-        <p15:guide id="4" orient="horz" pos="1272">
-          <p15:clr>
-            <a:srgbClr val="5ACBF0"/>
-          </p15:clr>
-        </p15:guide>
-      </p15:sldGuideLst>
-    </p:ext>
-  </p:extLst>
-</p:sldLayout>
-</file>
-
-<file path=ppt/slideLayouts/slideLayout16.xml><?xml version="1.0" encoding="utf-8"?>
-<p:sldLayout xmlns:a="http://schemas.openxmlformats.org/drawingml/2006/main" xmlns:r="http://schemas.openxmlformats.org/officeDocument/2006/relationships" xmlns:p="http://schemas.openxmlformats.org/presentationml/2006/main" preserve="1" userDrawn="1">
-  <p:cSld name="Two Column Bullet text">
-    <p:spTree>
-      <p:nvGrpSpPr>
-        <p:cNvPr id="1" name=""/>
-        <p:cNvGrpSpPr/>
-        <p:nvPr/>
-      </p:nvGrpSpPr>
-      <p:grpSpPr>
-        <a:xfrm>
-          <a:off x="0" y="0"/>
-          <a:ext cx="0" cy="0"/>
-          <a:chOff x="0" y="0"/>
-          <a:chExt cx="0" cy="0"/>
-        </a:xfrm>
-      </p:grpSpPr>
-      <p:sp>
-        <p:nvSpPr>
-          <p:cNvPr id="2" name="Title">
-            <a:extLst>
-              <a:ext uri="{FF2B5EF4-FFF2-40B4-BE49-F238E27FC236}">
-                <a16:creationId xmlns:a16="http://schemas.microsoft.com/office/drawing/2014/main" id="{A1BE2550-DA43-453C-A328-33C740E65403}"/>
-              </a:ext>
-            </a:extLst>
-          </p:cNvPr>
-          <p:cNvSpPr>
-            <a:spLocks noGrp="1"/>
-          </p:cNvSpPr>
-          <p:nvPr>
-            <p:ph type="title"/>
-          </p:nvPr>
-        </p:nvSpPr>
-        <p:spPr/>
-        <p:txBody>
-          <a:bodyPr/>
-          <a:lstStyle/>
-          <a:p>
-            <a:r>
-              <a:rPr lang="en-US"/>
-              <a:t>Click to edit Master title style</a:t>
-            </a:r>
-          </a:p>
-        </p:txBody>
-      </p:sp>
-      <p:sp>
-        <p:nvSpPr>
-          <p:cNvPr id="5" name="ContentBlock1">
-            <a:extLst>
-              <a:ext uri="{FF2B5EF4-FFF2-40B4-BE49-F238E27FC236}">
-                <a16:creationId xmlns:a16="http://schemas.microsoft.com/office/drawing/2014/main" id="{14B7A288-CDAC-4184-9F73-137C95F5E643}"/>
-              </a:ext>
-            </a:extLst>
-          </p:cNvPr>
-          <p:cNvSpPr>
-            <a:spLocks noGrp="1"/>
-          </p:cNvSpPr>
-          <p:nvPr>
-            <p:ph sz="quarter" idx="12"/>
-          </p:nvPr>
-        </p:nvSpPr>
-        <p:spPr>
-          <a:xfrm>
-            <a:off x="584200" y="1435100"/>
-            <a:ext cx="5211763" cy="4833938"/>
-          </a:xfrm>
-        </p:spPr>
-        <p:txBody>
-          <a:bodyPr/>
-          <a:lstStyle/>
-          <a:p>
-            <a:pPr lvl="0"/>
-            <a:r>
-              <a:rPr lang="en-US"/>
-              <a:t>Click to edit Master text styles</a:t>
-            </a:r>
-          </a:p>
-          <a:p>
-            <a:pPr lvl="1"/>
-            <a:r>
-              <a:rPr lang="en-US"/>
-              <a:t>Second level</a:t>
-            </a:r>
-          </a:p>
-          <a:p>
-            <a:pPr lvl="2"/>
-            <a:r>
-              <a:rPr lang="en-US"/>
-              <a:t>Third level</a:t>
-            </a:r>
-          </a:p>
-          <a:p>
-            <a:pPr lvl="3"/>
-            <a:r>
-              <a:rPr lang="en-US"/>
-              <a:t>Fourth level</a:t>
-            </a:r>
-          </a:p>
-          <a:p>
-            <a:pPr lvl="4"/>
-            <a:r>
-              <a:rPr lang="en-US"/>
-              <a:t>Fifth level</a:t>
-            </a:r>
-          </a:p>
-        </p:txBody>
-      </p:sp>
-      <p:sp>
-        <p:nvSpPr>
-          <p:cNvPr id="9" name="ContentBlock2">
-            <a:extLst>
-              <a:ext uri="{FF2B5EF4-FFF2-40B4-BE49-F238E27FC236}">
-                <a16:creationId xmlns:a16="http://schemas.microsoft.com/office/drawing/2014/main" id="{CEC22105-78D6-4753-94FA-3DA949361A95}"/>
-              </a:ext>
-            </a:extLst>
-          </p:cNvPr>
-          <p:cNvSpPr>
-            <a:spLocks noGrp="1"/>
-          </p:cNvSpPr>
-          <p:nvPr>
-            <p:ph sz="quarter" idx="13"/>
-          </p:nvPr>
-        </p:nvSpPr>
-        <p:spPr>
-          <a:xfrm>
-            <a:off x="6389688" y="1435100"/>
-            <a:ext cx="5219700" cy="4833938"/>
-          </a:xfrm>
-        </p:spPr>
-        <p:txBody>
-          <a:bodyPr/>
-          <a:lstStyle/>
-          <a:p>
-            <a:pPr lvl="0"/>
-            <a:r>
-              <a:rPr lang="en-US"/>
-              <a:t>Click to edit Master text styles</a:t>
-            </a:r>
-          </a:p>
-          <a:p>
-            <a:pPr lvl="1"/>
-            <a:r>
-              <a:rPr lang="en-US"/>
-              <a:t>Second level</a:t>
-            </a:r>
-          </a:p>
-          <a:p>
-            <a:pPr lvl="2"/>
-            <a:r>
-              <a:rPr lang="en-US"/>
-              <a:t>Third level</a:t>
-            </a:r>
-          </a:p>
-          <a:p>
-            <a:pPr lvl="3"/>
-            <a:r>
-              <a:rPr lang="en-US"/>
-              <a:t>Fourth level</a:t>
-            </a:r>
-          </a:p>
-          <a:p>
-            <a:pPr lvl="4"/>
-            <a:r>
-              <a:rPr lang="en-US"/>
-              <a:t>Fifth level</a:t>
-            </a:r>
-          </a:p>
-        </p:txBody>
-      </p:sp>
-      <p:sp>
-        <p:nvSpPr>
-          <p:cNvPr id="6" name="TextBox 5">
-            <a:extLst>
-              <a:ext uri="{FF2B5EF4-FFF2-40B4-BE49-F238E27FC236}">
-                <a16:creationId xmlns:a16="http://schemas.microsoft.com/office/drawing/2014/main" id="{5F6A123D-3A27-499F-9210-3E0D7CED39C6}"/>
-              </a:ext>
-              <a:ext uri="{C183D7F6-B498-43B3-948B-1728B52AA6E4}">
-                <adec:decorative xmlns:adec="http://schemas.microsoft.com/office/drawing/2017/decorative" val="1"/>
-              </a:ext>
-            </a:extLst>
-          </p:cNvPr>
-          <p:cNvSpPr txBox="1"/>
-          <p:nvPr userDrawn="1"/>
-        </p:nvSpPr>
-        <p:spPr>
-          <a:xfrm>
-            <a:off x="12355721" y="-203944"/>
-            <a:ext cx="577081" cy="153888"/>
-          </a:xfrm>
-          <a:prstGeom prst="rect">
-            <a:avLst/>
-          </a:prstGeom>
-          <a:noFill/>
-        </p:spPr>
-        <p:txBody>
-          <a:bodyPr wrap="none" lIns="0" tIns="0" rIns="0" bIns="0" rtlCol="0">
-            <a:spAutoFit/>
-          </a:bodyPr>
-          <a:lstStyle>
-            <a:defPPr>
-              <a:defRPr lang="en-US"/>
-            </a:defPPr>
-          </a:lstStyle>
-          <a:p>
-            <a:pPr algn="l"/>
-            <a:r>
-              <a:rPr lang="en-US" sz="1000">
-                <a:solidFill>
-                  <a:srgbClr val="A3A3A3"/>
-                </a:solidFill>
-              </a:rPr>
-              <a:t>ELT layout</a:t>
-            </a:r>
-          </a:p>
-        </p:txBody>
-      </p:sp>
-    </p:spTree>
-    <p:extLst>
-      <p:ext uri="{BB962C8B-B14F-4D97-AF65-F5344CB8AC3E}">
-        <p14:creationId xmlns:p14="http://schemas.microsoft.com/office/powerpoint/2010/main" val="2082638144"/>
-      </p:ext>
-    </p:extLst>
-  </p:cSld>
-  <p:clrMapOvr>
-    <a:masterClrMapping/>
-  </p:clrMapOvr>
-  <p:transition>
-    <p:fade/>
-  </p:transition>
-  <p:extLst>
-    <p:ext uri="{DCECCB84-F9BA-43D5-87BE-67443E8EF086}">
-      <p15:sldGuideLst xmlns:p15="http://schemas.microsoft.com/office/powerpoint/2012/main">
-        <p15:guide id="1" orient="horz" pos="288">
-          <p15:clr>
-            <a:srgbClr val="5ACBF0"/>
-          </p15:clr>
-        </p15:guide>
-        <p15:guide id="2" orient="horz" pos="1276">
-          <p15:clr>
-            <a:srgbClr val="5ACBF0"/>
-          </p15:clr>
-        </p15:guide>
-        <p15:guide id="3" orient="horz" pos="905">
-          <p15:clr>
-            <a:srgbClr val="5ACBF0"/>
-          </p15:clr>
-        </p15:guide>
-        <p15:guide id="4" pos="3660">
-          <p15:clr>
-            <a:srgbClr val="5ACBF0"/>
-          </p15:clr>
-        </p15:guide>
-        <p15:guide id="5" pos="4024">
-          <p15:clr>
-            <a:srgbClr val="5ACBF0"/>
-          </p15:clr>
-        </p15:guide>
-      </p15:sldGuideLst>
-    </p:ext>
-  </p:extLst>
-</p:sldLayout>
-</file>
-
-<file path=ppt/slideLayouts/slideLayout17.xml><?xml version="1.0" encoding="utf-8"?>
-<p:sldLayout xmlns:a="http://schemas.openxmlformats.org/drawingml/2006/main" xmlns:r="http://schemas.openxmlformats.org/officeDocument/2006/relationships" xmlns:p="http://schemas.openxmlformats.org/presentationml/2006/main" preserve="1" userDrawn="1">
-  <p:cSld name="Two Column Non-bulleted text">
-    <p:spTree>
-      <p:nvGrpSpPr>
-        <p:cNvPr id="1" name=""/>
-        <p:cNvGrpSpPr/>
-        <p:nvPr/>
-      </p:nvGrpSpPr>
-      <p:grpSpPr>
-        <a:xfrm>
-          <a:off x="0" y="0"/>
-          <a:ext cx="0" cy="0"/>
-          <a:chOff x="0" y="0"/>
-          <a:chExt cx="0" cy="0"/>
-        </a:xfrm>
-      </p:grpSpPr>
-      <p:sp>
-        <p:nvSpPr>
-          <p:cNvPr id="2" name="Title 1">
-            <a:extLst>
-              <a:ext uri="{FF2B5EF4-FFF2-40B4-BE49-F238E27FC236}">
-                <a16:creationId xmlns:a16="http://schemas.microsoft.com/office/drawing/2014/main" id="{8D876633-3E8D-4CF4-A5D4-D4E9D88A6DE0}"/>
-              </a:ext>
-            </a:extLst>
-          </p:cNvPr>
-          <p:cNvSpPr>
-            <a:spLocks noGrp="1"/>
-          </p:cNvSpPr>
-          <p:nvPr>
-            <p:ph type="title"/>
-          </p:nvPr>
-        </p:nvSpPr>
-        <p:spPr>
-          <a:xfrm>
-            <a:off x="588263" y="457200"/>
-            <a:ext cx="11018520" cy="553998"/>
-          </a:xfrm>
-        </p:spPr>
-        <p:txBody>
-          <a:bodyPr/>
-          <a:lstStyle/>
-          <a:p>
-            <a:r>
-              <a:rPr lang="en-US"/>
-              <a:t>Click to edit Master title style</a:t>
-            </a:r>
-          </a:p>
-        </p:txBody>
-      </p:sp>
-      <p:sp>
-        <p:nvSpPr>
-          <p:cNvPr id="4" name="Text Placeholder 3"/>
-          <p:cNvSpPr>
-            <a:spLocks noGrp="1"/>
-          </p:cNvSpPr>
-          <p:nvPr>
-            <p:ph type="body" sz="quarter" idx="10"/>
-          </p:nvPr>
-        </p:nvSpPr>
-        <p:spPr>
-          <a:xfrm>
-            <a:off x="584200" y="1435100"/>
-            <a:ext cx="5212080" cy="1649682"/>
-          </a:xfrm>
-        </p:spPr>
-        <p:txBody>
-          <a:bodyPr wrap="square">
-            <a:spAutoFit/>
-          </a:bodyPr>
-          <a:lstStyle>
-            <a:lvl1pPr marL="0" indent="0">
-              <a:spcBef>
-                <a:spcPts val="1224"/>
-              </a:spcBef>
-              <a:buClr>
-                <a:schemeClr val="tx1"/>
-              </a:buClr>
-              <a:buFont typeface="Wingdings" panose="05000000000000000000" pitchFamily="2" charset="2"/>
-              <a:buNone/>
-              <a:defRPr sz="2800" b="0">
-                <a:latin typeface="Segoe UI" panose="020B0502040204020203" pitchFamily="34" charset="0"/>
-                <a:cs typeface="Segoe UI" pitchFamily="34" charset="0"/>
-              </a:defRPr>
-            </a:lvl1pPr>
-            <a:lvl2pPr marL="255588" indent="0">
-              <a:buFont typeface="Wingdings" panose="05000000000000000000" pitchFamily="2" charset="2"/>
-              <a:buNone/>
-              <a:defRPr sz="2000" b="0"/>
-            </a:lvl2pPr>
-            <a:lvl3pPr marL="450850" indent="0">
-              <a:buFont typeface="Wingdings" panose="05000000000000000000" pitchFamily="2" charset="2"/>
-              <a:buNone/>
-              <a:defRPr sz="1600" b="0"/>
-            </a:lvl3pPr>
-            <a:lvl4pPr marL="652462" indent="0">
-              <a:buFont typeface="Wingdings" panose="05000000000000000000" pitchFamily="2" charset="2"/>
-              <a:buNone/>
-              <a:defRPr sz="1400" b="0"/>
-            </a:lvl4pPr>
-            <a:lvl5pPr marL="854075" indent="0">
-              <a:buFont typeface="Wingdings" panose="05000000000000000000" pitchFamily="2" charset="2"/>
-              <a:buNone/>
-              <a:defRPr sz="1400" b="0"/>
-            </a:lvl5pPr>
-          </a:lstStyle>
-          <a:p>
-            <a:pPr lvl="0"/>
-            <a:r>
-              <a:rPr lang="en-US"/>
-              <a:t>Click to edit Master text styles</a:t>
-            </a:r>
-          </a:p>
-          <a:p>
-            <a:pPr lvl="1"/>
-            <a:r>
-              <a:rPr lang="en-US"/>
-              <a:t>Second level</a:t>
-            </a:r>
-          </a:p>
-          <a:p>
-            <a:pPr lvl="2"/>
-            <a:r>
-              <a:rPr lang="en-US"/>
-              <a:t>Third level</a:t>
-            </a:r>
-          </a:p>
-          <a:p>
-            <a:pPr lvl="3"/>
-            <a:r>
-              <a:rPr lang="en-US"/>
-              <a:t>Fourth level</a:t>
-            </a:r>
-          </a:p>
-          <a:p>
-            <a:pPr lvl="4"/>
-            <a:r>
-              <a:rPr lang="en-US"/>
-              <a:t>Fifth level</a:t>
-            </a:r>
-          </a:p>
-        </p:txBody>
-      </p:sp>
-      <p:sp>
-        <p:nvSpPr>
-          <p:cNvPr id="6" name="Text Placeholder 3">
-            <a:extLst>
-              <a:ext uri="{FF2B5EF4-FFF2-40B4-BE49-F238E27FC236}">
-                <a16:creationId xmlns:a16="http://schemas.microsoft.com/office/drawing/2014/main" id="{8E9CDCB4-03E1-4763-B83E-A1334BCDB0C0}"/>
-              </a:ext>
-            </a:extLst>
-          </p:cNvPr>
-          <p:cNvSpPr>
-            <a:spLocks noGrp="1"/>
-          </p:cNvSpPr>
-          <p:nvPr>
-            <p:ph type="body" sz="quarter" idx="12"/>
-          </p:nvPr>
-        </p:nvSpPr>
-        <p:spPr>
-          <a:xfrm>
-            <a:off x="6397171" y="1435100"/>
-            <a:ext cx="5212080" cy="1649682"/>
-          </a:xfrm>
-        </p:spPr>
-        <p:txBody>
-          <a:bodyPr wrap="square">
-            <a:spAutoFit/>
-          </a:bodyPr>
-          <a:lstStyle>
-            <a:lvl1pPr marL="0" indent="0">
-              <a:spcBef>
-                <a:spcPts val="1224"/>
-              </a:spcBef>
-              <a:buClr>
-                <a:schemeClr val="tx1"/>
-              </a:buClr>
-              <a:buFont typeface="Wingdings" panose="05000000000000000000" pitchFamily="2" charset="2"/>
-              <a:buNone/>
-              <a:defRPr sz="2800" b="0">
-                <a:latin typeface="Segoe UI" panose="020B0502040204020203" pitchFamily="34" charset="0"/>
-                <a:cs typeface="Segoe UI" pitchFamily="34" charset="0"/>
-              </a:defRPr>
-            </a:lvl1pPr>
-            <a:lvl2pPr marL="255588" indent="0">
-              <a:buFont typeface="Wingdings" panose="05000000000000000000" pitchFamily="2" charset="2"/>
-              <a:buNone/>
-              <a:defRPr sz="2000" b="0"/>
-            </a:lvl2pPr>
-            <a:lvl3pPr marL="450850" indent="0">
-              <a:buFont typeface="Wingdings" panose="05000000000000000000" pitchFamily="2" charset="2"/>
-              <a:buNone/>
-              <a:defRPr sz="1600" b="0"/>
-            </a:lvl3pPr>
-            <a:lvl4pPr marL="652462" indent="0">
-              <a:buFont typeface="Wingdings" panose="05000000000000000000" pitchFamily="2" charset="2"/>
-              <a:buNone/>
-              <a:defRPr sz="1400" b="0"/>
-            </a:lvl4pPr>
-            <a:lvl5pPr marL="854075" indent="0">
-              <a:buFont typeface="Wingdings" panose="05000000000000000000" pitchFamily="2" charset="2"/>
-              <a:buNone/>
-              <a:defRPr sz="1400" b="0"/>
-            </a:lvl5pPr>
-          </a:lstStyle>
-          <a:p>
-            <a:pPr lvl="0"/>
-            <a:r>
-              <a:rPr lang="en-US"/>
-              <a:t>Click to edit Master text styles</a:t>
-            </a:r>
-          </a:p>
-          <a:p>
-            <a:pPr lvl="1"/>
-            <a:r>
-              <a:rPr lang="en-US"/>
-              <a:t>Second level</a:t>
-            </a:r>
-          </a:p>
-          <a:p>
-            <a:pPr lvl="2"/>
-            <a:r>
-              <a:rPr lang="en-US"/>
-              <a:t>Third level</a:t>
-            </a:r>
-          </a:p>
-          <a:p>
-            <a:pPr lvl="3"/>
-            <a:r>
-              <a:rPr lang="en-US"/>
-              <a:t>Fourth level</a:t>
-            </a:r>
-          </a:p>
-          <a:p>
-            <a:pPr lvl="4"/>
-            <a:r>
-              <a:rPr lang="en-US"/>
-              <a:t>Fifth level</a:t>
-            </a:r>
-          </a:p>
-        </p:txBody>
-      </p:sp>
-    </p:spTree>
-    <p:extLst>
-      <p:ext uri="{BB962C8B-B14F-4D97-AF65-F5344CB8AC3E}">
-        <p14:creationId xmlns:p14="http://schemas.microsoft.com/office/powerpoint/2010/main" val="1355215254"/>
-      </p:ext>
-    </p:extLst>
-  </p:cSld>
-  <p:clrMapOvr>
-    <a:masterClrMapping/>
-  </p:clrMapOvr>
-  <p:transition>
-    <p:fade/>
-  </p:transition>
-  <p:extLst>
-    <p:ext uri="{DCECCB84-F9BA-43D5-87BE-67443E8EF086}">
-      <p15:sldGuideLst xmlns:p15="http://schemas.microsoft.com/office/powerpoint/2012/main">
-        <p15:guide id="1" orient="horz" pos="288">
-          <p15:clr>
-            <a:srgbClr val="5ACBF0"/>
-          </p15:clr>
-        </p15:guide>
-        <p15:guide id="2" orient="horz" pos="1272">
-          <p15:clr>
-            <a:srgbClr val="5ACBF0"/>
-          </p15:clr>
-        </p15:guide>
-        <p15:guide id="3" orient="horz" pos="903">
-          <p15:clr>
-            <a:srgbClr val="5ACBF0"/>
-          </p15:clr>
-        </p15:guide>
-        <p15:guide id="4" pos="3656">
-          <p15:clr>
-            <a:srgbClr val="5ACBF0"/>
-          </p15:clr>
-        </p15:guide>
-        <p15:guide id="5" pos="4024">
-          <p15:clr>
-            <a:srgbClr val="5ACBF0"/>
-          </p15:clr>
-        </p15:guide>
-      </p15:sldGuideLst>
-    </p:ext>
-  </p:extLst>
-</p:sldLayout>
-</file>
-
-<file path=ppt/slideLayouts/slideLayout18.xml><?xml version="1.0" encoding="utf-8"?>
-<p:sldLayout xmlns:a="http://schemas.openxmlformats.org/drawingml/2006/main" xmlns:r="http://schemas.openxmlformats.org/officeDocument/2006/relationships" xmlns:p="http://schemas.openxmlformats.org/presentationml/2006/main" preserve="1" userDrawn="1">
-  <p:cSld name="Two Column Bullet with Subheads">
-    <p:spTree>
-      <p:nvGrpSpPr>
-        <p:cNvPr id="1" name=""/>
-        <p:cNvGrpSpPr/>
-        <p:nvPr/>
-      </p:nvGrpSpPr>
-      <p:grpSpPr>
-        <a:xfrm>
-          <a:off x="0" y="0"/>
-          <a:ext cx="0" cy="0"/>
-          <a:chOff x="0" y="0"/>
-          <a:chExt cx="0" cy="0"/>
-        </a:xfrm>
-      </p:grpSpPr>
-      <p:sp>
-        <p:nvSpPr>
-          <p:cNvPr id="2" name="Title 1">
-            <a:extLst>
-              <a:ext uri="{FF2B5EF4-FFF2-40B4-BE49-F238E27FC236}">
-                <a16:creationId xmlns:a16="http://schemas.microsoft.com/office/drawing/2014/main" id="{8D876633-3E8D-4CF4-A5D4-D4E9D88A6DE0}"/>
-              </a:ext>
-            </a:extLst>
-          </p:cNvPr>
-          <p:cNvSpPr>
-            <a:spLocks noGrp="1"/>
-          </p:cNvSpPr>
-          <p:nvPr>
-            <p:ph type="title"/>
-          </p:nvPr>
-        </p:nvSpPr>
-        <p:spPr>
-          <a:xfrm>
-            <a:off x="588263" y="457200"/>
-            <a:ext cx="11018520" cy="553998"/>
-          </a:xfrm>
-        </p:spPr>
-        <p:txBody>
-          <a:bodyPr>
-            <a:spAutoFit/>
-          </a:bodyPr>
-          <a:lstStyle>
-            <a:lvl1pPr>
-              <a:defRPr/>
-            </a:lvl1pPr>
-          </a:lstStyle>
-          <a:p>
-            <a:r>
-              <a:rPr lang="en-US"/>
-              <a:t>Click to edit Master title style</a:t>
-            </a:r>
-          </a:p>
-        </p:txBody>
-      </p:sp>
-      <p:sp>
-        <p:nvSpPr>
-          <p:cNvPr id="12" name="Text Placeholder 11">
-            <a:extLst>
-              <a:ext uri="{FF2B5EF4-FFF2-40B4-BE49-F238E27FC236}">
-                <a16:creationId xmlns:a16="http://schemas.microsoft.com/office/drawing/2014/main" id="{DD525736-DEE8-4391-8135-23DE0640053A}"/>
-              </a:ext>
-            </a:extLst>
-          </p:cNvPr>
-          <p:cNvSpPr>
-            <a:spLocks noGrp="1"/>
-          </p:cNvSpPr>
-          <p:nvPr>
-            <p:ph type="body" sz="quarter" idx="16"/>
-          </p:nvPr>
-        </p:nvSpPr>
-        <p:spPr>
-          <a:xfrm>
-            <a:off x="584200" y="1436688"/>
-            <a:ext cx="5219700" cy="430887"/>
-          </a:xfrm>
-        </p:spPr>
-        <p:txBody>
-          <a:bodyPr anchor="t"/>
-          <a:lstStyle>
-            <a:lvl1pPr marL="0" indent="0">
-              <a:spcBef>
-                <a:spcPct val="0"/>
-              </a:spcBef>
-              <a:buNone/>
-              <a:defRPr sz="2800">
-                <a:solidFill>
-                  <a:schemeClr val="tx1"/>
-                </a:solidFill>
-                <a:latin typeface="+mj-lt"/>
-              </a:defRPr>
-            </a:lvl1pPr>
-          </a:lstStyle>
-          <a:p>
-            <a:pPr lvl="0"/>
-            <a:r>
-              <a:rPr lang="en-US"/>
-              <a:t>Click to edit Master text styles</a:t>
-            </a:r>
-          </a:p>
-        </p:txBody>
-      </p:sp>
-      <p:sp>
-        <p:nvSpPr>
-          <p:cNvPr id="8" name="Text Placeholder 7">
-            <a:extLst>
-              <a:ext uri="{FF2B5EF4-FFF2-40B4-BE49-F238E27FC236}">
-                <a16:creationId xmlns:a16="http://schemas.microsoft.com/office/drawing/2014/main" id="{98E90344-0294-48E2-AAF0-601BB99500E7}"/>
-              </a:ext>
-            </a:extLst>
-          </p:cNvPr>
-          <p:cNvSpPr>
-            <a:spLocks noGrp="1"/>
-          </p:cNvSpPr>
-          <p:nvPr>
-            <p:ph type="body" sz="quarter" idx="14"/>
-          </p:nvPr>
-        </p:nvSpPr>
-        <p:spPr>
-          <a:xfrm>
-            <a:off x="584200" y="2084388"/>
-            <a:ext cx="5219700" cy="1612749"/>
-          </a:xfrm>
-        </p:spPr>
-        <p:txBody>
-          <a:bodyPr>
-            <a:spAutoFit/>
-          </a:bodyPr>
-          <a:lstStyle>
-            <a:lvl1pPr marL="171450" indent="-171450">
-              <a:defRPr lang="en-US" sz="2400"/>
-            </a:lvl1pPr>
-            <a:lvl2pPr marL="342900" indent="-171450">
-              <a:defRPr lang="en-US"/>
-            </a:lvl2pPr>
-            <a:lvl3pPr marL="514350" indent="-171450">
-              <a:defRPr lang="en-US"/>
-            </a:lvl3pPr>
-            <a:lvl4pPr marL="666750" indent="-152400">
-              <a:defRPr lang="en-US"/>
-            </a:lvl4pPr>
-            <a:lvl5pPr marL="793750" indent="-120650">
-              <a:defRPr lang="en-US"/>
-            </a:lvl5pPr>
-          </a:lstStyle>
-          <a:p>
-            <a:pPr lvl="0"/>
-            <a:r>
-              <a:rPr lang="en-US"/>
-              <a:t>Click to edit Master text styles</a:t>
-            </a:r>
-          </a:p>
-          <a:p>
-            <a:pPr lvl="1"/>
-            <a:r>
-              <a:rPr lang="en-US"/>
-              <a:t>Second level</a:t>
-            </a:r>
-          </a:p>
-          <a:p>
-            <a:pPr lvl="2"/>
-            <a:r>
-              <a:rPr lang="en-US"/>
-              <a:t>Third level</a:t>
-            </a:r>
-          </a:p>
-          <a:p>
-            <a:pPr lvl="3"/>
-            <a:r>
-              <a:rPr lang="en-US"/>
-              <a:t>Fourth level</a:t>
-            </a:r>
-          </a:p>
-          <a:p>
-            <a:pPr lvl="4"/>
-            <a:r>
-              <a:rPr lang="en-US"/>
-              <a:t>Fifth level</a:t>
-            </a:r>
-          </a:p>
-        </p:txBody>
-      </p:sp>
-      <p:sp>
-        <p:nvSpPr>
-          <p:cNvPr id="13" name="Text Placeholder 11">
-            <a:extLst>
-              <a:ext uri="{FF2B5EF4-FFF2-40B4-BE49-F238E27FC236}">
-                <a16:creationId xmlns:a16="http://schemas.microsoft.com/office/drawing/2014/main" id="{B4F729D4-B1F1-45F2-A06A-40234B19C883}"/>
-              </a:ext>
-            </a:extLst>
-          </p:cNvPr>
-          <p:cNvSpPr>
-            <a:spLocks noGrp="1"/>
-          </p:cNvSpPr>
-          <p:nvPr>
-            <p:ph type="body" sz="quarter" idx="17"/>
-          </p:nvPr>
-        </p:nvSpPr>
-        <p:spPr>
-          <a:xfrm>
-            <a:off x="6397625" y="1436688"/>
-            <a:ext cx="5219700" cy="430887"/>
-          </a:xfrm>
-        </p:spPr>
-        <p:txBody>
-          <a:bodyPr anchor="t"/>
-          <a:lstStyle>
-            <a:lvl1pPr marL="0" indent="0">
-              <a:spcBef>
-                <a:spcPct val="0"/>
-              </a:spcBef>
-              <a:buNone/>
-              <a:defRPr sz="2800">
-                <a:solidFill>
-                  <a:schemeClr val="tx1"/>
-                </a:solidFill>
-                <a:latin typeface="+mj-lt"/>
-              </a:defRPr>
-            </a:lvl1pPr>
-          </a:lstStyle>
-          <a:p>
-            <a:pPr lvl="0"/>
-            <a:r>
-              <a:rPr lang="en-US"/>
-              <a:t>Click to edit Master text styles</a:t>
-            </a:r>
-          </a:p>
-        </p:txBody>
-      </p:sp>
-      <p:sp>
-        <p:nvSpPr>
-          <p:cNvPr id="10" name="Text Placeholder 9">
-            <a:extLst>
-              <a:ext uri="{FF2B5EF4-FFF2-40B4-BE49-F238E27FC236}">
-                <a16:creationId xmlns:a16="http://schemas.microsoft.com/office/drawing/2014/main" id="{D1F896FB-325C-4849-B372-8DF0D6C0562C}"/>
-              </a:ext>
-            </a:extLst>
-          </p:cNvPr>
-          <p:cNvSpPr>
-            <a:spLocks noGrp="1"/>
-          </p:cNvSpPr>
-          <p:nvPr>
-            <p:ph type="body" sz="quarter" idx="15"/>
-          </p:nvPr>
-        </p:nvSpPr>
-        <p:spPr>
-          <a:xfrm>
-            <a:off x="6397625" y="2084388"/>
-            <a:ext cx="5219700" cy="1612749"/>
-          </a:xfrm>
-        </p:spPr>
-        <p:txBody>
-          <a:bodyPr>
-            <a:spAutoFit/>
-          </a:bodyPr>
-          <a:lstStyle>
-            <a:lvl1pPr marL="171450" indent="-171450">
-              <a:defRPr lang="en-US" sz="2400"/>
-            </a:lvl1pPr>
-            <a:lvl2pPr marL="342900" indent="-171450">
-              <a:defRPr lang="en-US"/>
-            </a:lvl2pPr>
-            <a:lvl3pPr marL="514350" indent="-171450">
-              <a:defRPr lang="en-US"/>
-            </a:lvl3pPr>
-            <a:lvl4pPr marL="685800" indent="-136525">
-              <a:defRPr lang="en-US"/>
-            </a:lvl4pPr>
-            <a:lvl5pPr marL="793750" indent="-120650">
-              <a:defRPr lang="en-US"/>
-            </a:lvl5pPr>
-          </a:lstStyle>
-          <a:p>
-            <a:pPr lvl="0"/>
-            <a:r>
-              <a:rPr lang="en-US"/>
-              <a:t>Click to edit Master text styles</a:t>
-            </a:r>
-          </a:p>
-          <a:p>
-            <a:pPr lvl="1"/>
-            <a:r>
-              <a:rPr lang="en-US"/>
-              <a:t>Second level</a:t>
-            </a:r>
-          </a:p>
-          <a:p>
-            <a:pPr lvl="2"/>
-            <a:r>
-              <a:rPr lang="en-US"/>
-              <a:t>Third level</a:t>
-            </a:r>
-          </a:p>
-          <a:p>
-            <a:pPr lvl="3"/>
-            <a:r>
-              <a:rPr lang="en-US"/>
-              <a:t>Fourth level</a:t>
-            </a:r>
-          </a:p>
-          <a:p>
-            <a:pPr lvl="4"/>
-            <a:r>
-              <a:rPr lang="en-US"/>
-              <a:t>Fifth level</a:t>
-            </a:r>
-          </a:p>
-        </p:txBody>
-      </p:sp>
-    </p:spTree>
-    <p:extLst>
-      <p:ext uri="{BB962C8B-B14F-4D97-AF65-F5344CB8AC3E}">
-        <p14:creationId xmlns:p14="http://schemas.microsoft.com/office/powerpoint/2010/main" val="1706030189"/>
-      </p:ext>
-    </p:extLst>
-  </p:cSld>
-  <p:clrMapOvr>
-    <a:masterClrMapping/>
-  </p:clrMapOvr>
-  <p:transition>
-    <p:fade/>
-  </p:transition>
-  <p:extLst>
-    <p:ext uri="{DCECCB84-F9BA-43D5-87BE-67443E8EF086}">
-      <p15:sldGuideLst xmlns:p15="http://schemas.microsoft.com/office/powerpoint/2012/main">
-        <p15:guide id="1" orient="horz" pos="288">
-          <p15:clr>
-            <a:srgbClr val="5ACBF0"/>
-          </p15:clr>
-        </p15:guide>
-        <p15:guide id="2" orient="horz" pos="1311">
-          <p15:clr>
-            <a:srgbClr val="5ACBF0"/>
-          </p15:clr>
-        </p15:guide>
-        <p15:guide id="4" pos="3656">
-          <p15:clr>
-            <a:srgbClr val="5ACBF0"/>
-          </p15:clr>
-        </p15:guide>
-        <p15:guide id="5" pos="4024">
-          <p15:clr>
-            <a:srgbClr val="5ACBF0"/>
-          </p15:clr>
-        </p15:guide>
-        <p15:guide id="7" orient="horz" pos="905">
-          <p15:clr>
-            <a:srgbClr val="5ACBF0"/>
-          </p15:clr>
-        </p15:guide>
-      </p15:sldGuideLst>
-    </p:ext>
-  </p:extLst>
-</p:sldLayout>
-</file>
-
-<file path=ppt/slideLayouts/slideLayout19.xml><?xml version="1.0" encoding="utf-8"?>
-<p:sldLayout xmlns:a="http://schemas.openxmlformats.org/drawingml/2006/main" xmlns:r="http://schemas.openxmlformats.org/officeDocument/2006/relationships" xmlns:p="http://schemas.openxmlformats.org/presentationml/2006/main" preserve="1" userDrawn="1">
-  <p:cSld name="Three Column Bullet with Subheads">
-    <p:spTree>
-      <p:nvGrpSpPr>
-        <p:cNvPr id="1" name=""/>
-        <p:cNvGrpSpPr/>
-        <p:nvPr/>
-      </p:nvGrpSpPr>
-      <p:grpSpPr>
-        <a:xfrm>
-          <a:off x="0" y="0"/>
-          <a:ext cx="0" cy="0"/>
-          <a:chOff x="0" y="0"/>
-          <a:chExt cx="0" cy="0"/>
-        </a:xfrm>
-      </p:grpSpPr>
-      <p:sp>
-        <p:nvSpPr>
-          <p:cNvPr id="3" name="Title 2">
-            <a:extLst>
-              <a:ext uri="{FF2B5EF4-FFF2-40B4-BE49-F238E27FC236}">
-                <a16:creationId xmlns:a16="http://schemas.microsoft.com/office/drawing/2014/main" id="{F260F77E-464D-46F7-A8F8-6F281DAB0C7A}"/>
-              </a:ext>
-            </a:extLst>
-          </p:cNvPr>
-          <p:cNvSpPr>
-            <a:spLocks noGrp="1"/>
-          </p:cNvSpPr>
-          <p:nvPr>
-            <p:ph type="title"/>
-          </p:nvPr>
-        </p:nvSpPr>
-        <p:spPr>
-          <a:xfrm>
-            <a:off x="588263" y="457200"/>
-            <a:ext cx="11018520" cy="553998"/>
-          </a:xfrm>
-        </p:spPr>
-        <p:txBody>
-          <a:bodyPr>
-            <a:spAutoFit/>
-          </a:bodyPr>
-          <a:lstStyle/>
-          <a:p>
-            <a:r>
-              <a:rPr lang="en-US"/>
-              <a:t>Click to edit Master title style</a:t>
-            </a:r>
-          </a:p>
-        </p:txBody>
-      </p:sp>
-      <p:sp>
-        <p:nvSpPr>
-          <p:cNvPr id="19" name="Text Placeholder 11">
-            <a:extLst>
-              <a:ext uri="{FF2B5EF4-FFF2-40B4-BE49-F238E27FC236}">
-                <a16:creationId xmlns:a16="http://schemas.microsoft.com/office/drawing/2014/main" id="{CB20F198-3776-433D-85A8-C2B6AC6235FF}"/>
-              </a:ext>
-            </a:extLst>
-          </p:cNvPr>
-          <p:cNvSpPr>
-            <a:spLocks noGrp="1"/>
-          </p:cNvSpPr>
-          <p:nvPr>
-            <p:ph type="body" sz="quarter" idx="16"/>
-          </p:nvPr>
-        </p:nvSpPr>
-        <p:spPr>
-          <a:xfrm>
-            <a:off x="585217" y="1438275"/>
-            <a:ext cx="3264408" cy="738664"/>
-          </a:xfrm>
-        </p:spPr>
-        <p:txBody>
-          <a:bodyPr anchor="t"/>
-          <a:lstStyle>
-            <a:lvl1pPr marL="0" indent="0">
-              <a:spcBef>
-                <a:spcPct val="0"/>
-              </a:spcBef>
-              <a:buNone/>
-              <a:defRPr sz="2400">
-                <a:solidFill>
-                  <a:schemeClr val="tx1"/>
-                </a:solidFill>
-                <a:latin typeface="+mj-lt"/>
-              </a:defRPr>
-            </a:lvl1pPr>
-          </a:lstStyle>
-          <a:p>
-            <a:pPr lvl="0"/>
-            <a:r>
-              <a:rPr lang="en-US"/>
-              <a:t>Click to edit Master text styles</a:t>
-            </a:r>
-          </a:p>
-        </p:txBody>
-      </p:sp>
-      <p:sp>
-        <p:nvSpPr>
-          <p:cNvPr id="20" name="Text Placeholder 7">
-            <a:extLst>
-              <a:ext uri="{FF2B5EF4-FFF2-40B4-BE49-F238E27FC236}">
-                <a16:creationId xmlns:a16="http://schemas.microsoft.com/office/drawing/2014/main" id="{97BC59AA-6CF8-4091-8008-21AA9AD8E8B5}"/>
-              </a:ext>
-            </a:extLst>
-          </p:cNvPr>
-          <p:cNvSpPr>
-            <a:spLocks noGrp="1"/>
-          </p:cNvSpPr>
-          <p:nvPr>
-            <p:ph type="body" sz="quarter" idx="14"/>
-          </p:nvPr>
-        </p:nvSpPr>
-        <p:spPr>
-          <a:xfrm>
-            <a:off x="585217" y="2390775"/>
-            <a:ext cx="3264408" cy="1760482"/>
-          </a:xfrm>
-        </p:spPr>
-        <p:txBody>
-          <a:bodyPr wrap="square">
-            <a:spAutoFit/>
-          </a:bodyPr>
-          <a:lstStyle>
-            <a:lvl1pPr marL="176213" indent="-176213">
-              <a:defRPr lang="en-US" sz="2000"/>
-            </a:lvl1pPr>
-            <a:lvl2pPr marL="322263" indent="-150813">
-              <a:defRPr lang="en-US" sz="1800"/>
-            </a:lvl2pPr>
-            <a:lvl3pPr marL="466725" indent="-138113">
-              <a:defRPr lang="en-US"/>
-            </a:lvl3pPr>
-            <a:lvl4pPr marL="595313" indent="-128588">
-              <a:defRPr lang="en-US"/>
-            </a:lvl4pPr>
-            <a:lvl5pPr marL="731838" indent="-122238">
-              <a:defRPr lang="en-US"/>
-            </a:lvl5pPr>
-          </a:lstStyle>
-          <a:p>
-            <a:pPr lvl="0"/>
-            <a:r>
-              <a:rPr lang="en-US"/>
-              <a:t>Click to edit Master text styles</a:t>
-            </a:r>
-          </a:p>
-          <a:p>
-            <a:pPr lvl="1"/>
-            <a:r>
-              <a:rPr lang="en-US"/>
-              <a:t>Second level</a:t>
-            </a:r>
-          </a:p>
-          <a:p>
-            <a:pPr lvl="2"/>
-            <a:r>
-              <a:rPr lang="en-US"/>
-              <a:t>Third level</a:t>
-            </a:r>
-          </a:p>
-          <a:p>
-            <a:pPr lvl="3"/>
-            <a:r>
-              <a:rPr lang="en-US"/>
-              <a:t>Fourth level</a:t>
-            </a:r>
-          </a:p>
-          <a:p>
-            <a:pPr lvl="4"/>
-            <a:r>
-              <a:rPr lang="en-US"/>
-              <a:t>Fifth level</a:t>
-            </a:r>
-          </a:p>
-        </p:txBody>
-      </p:sp>
-      <p:sp>
-        <p:nvSpPr>
-          <p:cNvPr id="21" name="Text Placeholder 11">
-            <a:extLst>
-              <a:ext uri="{FF2B5EF4-FFF2-40B4-BE49-F238E27FC236}">
-                <a16:creationId xmlns:a16="http://schemas.microsoft.com/office/drawing/2014/main" id="{BECED387-BA3E-49B2-8F1E-0E371E09E0A4}"/>
-              </a:ext>
-            </a:extLst>
-          </p:cNvPr>
-          <p:cNvSpPr>
-            <a:spLocks noGrp="1"/>
-          </p:cNvSpPr>
-          <p:nvPr>
-            <p:ph type="body" sz="quarter" idx="17"/>
-          </p:nvPr>
-        </p:nvSpPr>
-        <p:spPr>
-          <a:xfrm>
-            <a:off x="4463796" y="1438275"/>
-            <a:ext cx="3264408" cy="738664"/>
-          </a:xfrm>
-        </p:spPr>
-        <p:txBody>
-          <a:bodyPr anchor="t"/>
-          <a:lstStyle>
-            <a:lvl1pPr marL="0" indent="0">
-              <a:spcBef>
-                <a:spcPct val="0"/>
-              </a:spcBef>
-              <a:buNone/>
-              <a:defRPr sz="2400">
-                <a:solidFill>
-                  <a:schemeClr val="tx1"/>
-                </a:solidFill>
-                <a:latin typeface="+mj-lt"/>
-              </a:defRPr>
-            </a:lvl1pPr>
-          </a:lstStyle>
-          <a:p>
-            <a:pPr lvl="0"/>
-            <a:r>
-              <a:rPr lang="en-US"/>
-              <a:t>Click to edit Master text styles</a:t>
-            </a:r>
-          </a:p>
-        </p:txBody>
-      </p:sp>
-      <p:sp>
-        <p:nvSpPr>
-          <p:cNvPr id="22" name="Text Placeholder 9">
-            <a:extLst>
-              <a:ext uri="{FF2B5EF4-FFF2-40B4-BE49-F238E27FC236}">
-                <a16:creationId xmlns:a16="http://schemas.microsoft.com/office/drawing/2014/main" id="{6B26A1CD-81F9-4C2F-896F-E69757C6658C}"/>
-              </a:ext>
-            </a:extLst>
-          </p:cNvPr>
-          <p:cNvSpPr>
-            <a:spLocks noGrp="1"/>
-          </p:cNvSpPr>
-          <p:nvPr>
-            <p:ph type="body" sz="quarter" idx="15"/>
-          </p:nvPr>
-        </p:nvSpPr>
-        <p:spPr>
-          <a:xfrm>
-            <a:off x="4463796" y="2384135"/>
-            <a:ext cx="3264408" cy="1760482"/>
-          </a:xfrm>
-        </p:spPr>
-        <p:txBody>
-          <a:bodyPr wrap="square">
-            <a:spAutoFit/>
-          </a:bodyPr>
-          <a:lstStyle>
-            <a:lvl1pPr marL="176213" indent="-176213">
-              <a:defRPr lang="en-US" sz="2000"/>
-            </a:lvl1pPr>
-            <a:lvl2pPr marL="398463" indent="-169863">
-              <a:defRPr lang="en-US" sz="1800"/>
-            </a:lvl2pPr>
-            <a:lvl3pPr marL="555625" indent="-157163">
-              <a:defRPr lang="en-US"/>
-            </a:lvl3pPr>
-            <a:lvl4pPr marL="685800" indent="-136525">
-              <a:defRPr lang="en-US"/>
-            </a:lvl4pPr>
-            <a:lvl5pPr marL="800100" indent="-111125">
-              <a:defRPr lang="en-US"/>
-            </a:lvl5pPr>
-          </a:lstStyle>
-          <a:p>
-            <a:pPr lvl="0"/>
-            <a:r>
-              <a:rPr lang="en-US"/>
-              <a:t>Click to edit Master text styles</a:t>
-            </a:r>
-          </a:p>
-          <a:p>
-            <a:pPr lvl="1"/>
-            <a:r>
-              <a:rPr lang="en-US"/>
-              <a:t>Second level</a:t>
-            </a:r>
-          </a:p>
-          <a:p>
-            <a:pPr lvl="2"/>
-            <a:r>
-              <a:rPr lang="en-US"/>
-              <a:t>Third level</a:t>
-            </a:r>
-          </a:p>
-          <a:p>
-            <a:pPr lvl="3"/>
-            <a:r>
-              <a:rPr lang="en-US"/>
-              <a:t>Fourth level</a:t>
-            </a:r>
-          </a:p>
-          <a:p>
-            <a:pPr lvl="4"/>
-            <a:r>
-              <a:rPr lang="en-US"/>
-              <a:t>Fifth level</a:t>
-            </a:r>
-          </a:p>
-        </p:txBody>
-      </p:sp>
-      <p:sp>
-        <p:nvSpPr>
-          <p:cNvPr id="23" name="Text Placeholder 11">
-            <a:extLst>
-              <a:ext uri="{FF2B5EF4-FFF2-40B4-BE49-F238E27FC236}">
-                <a16:creationId xmlns:a16="http://schemas.microsoft.com/office/drawing/2014/main" id="{79263A4B-A9A8-4CE5-96A8-6F6EC365E512}"/>
-              </a:ext>
-            </a:extLst>
-          </p:cNvPr>
-          <p:cNvSpPr>
-            <a:spLocks noGrp="1"/>
-          </p:cNvSpPr>
-          <p:nvPr>
-            <p:ph type="body" sz="quarter" idx="18"/>
-          </p:nvPr>
-        </p:nvSpPr>
-        <p:spPr>
-          <a:xfrm>
-            <a:off x="8342375" y="1438275"/>
-            <a:ext cx="3264408" cy="738664"/>
-          </a:xfrm>
-        </p:spPr>
-        <p:txBody>
-          <a:bodyPr anchor="t"/>
-          <a:lstStyle>
-            <a:lvl1pPr marL="0" indent="0">
-              <a:spcBef>
-                <a:spcPct val="0"/>
-              </a:spcBef>
-              <a:buNone/>
-              <a:defRPr sz="2400">
-                <a:solidFill>
-                  <a:schemeClr val="tx1"/>
-                </a:solidFill>
-                <a:latin typeface="+mj-lt"/>
-              </a:defRPr>
-            </a:lvl1pPr>
-          </a:lstStyle>
-          <a:p>
-            <a:pPr lvl="0"/>
-            <a:r>
-              <a:rPr lang="en-US"/>
-              <a:t>Click to edit Master text styles</a:t>
-            </a:r>
-          </a:p>
-        </p:txBody>
-      </p:sp>
-      <p:sp>
-        <p:nvSpPr>
-          <p:cNvPr id="24" name="Text Placeholder 7">
-            <a:extLst>
-              <a:ext uri="{FF2B5EF4-FFF2-40B4-BE49-F238E27FC236}">
-                <a16:creationId xmlns:a16="http://schemas.microsoft.com/office/drawing/2014/main" id="{2205743D-F71A-4647-9BE4-2900BDA2582B}"/>
-              </a:ext>
-            </a:extLst>
-          </p:cNvPr>
-          <p:cNvSpPr>
-            <a:spLocks noGrp="1"/>
-          </p:cNvSpPr>
-          <p:nvPr>
-            <p:ph type="body" sz="quarter" idx="19"/>
-          </p:nvPr>
-        </p:nvSpPr>
-        <p:spPr>
-          <a:xfrm>
-            <a:off x="8342375" y="2390775"/>
-            <a:ext cx="3264408" cy="1760482"/>
-          </a:xfrm>
-        </p:spPr>
-        <p:txBody>
-          <a:bodyPr wrap="square">
-            <a:spAutoFit/>
-          </a:bodyPr>
-          <a:lstStyle>
-            <a:lvl1pPr marL="176213" indent="-176213">
-              <a:defRPr lang="en-US" sz="2000"/>
-            </a:lvl1pPr>
-            <a:lvl2pPr marL="398463" indent="-169863">
-              <a:defRPr lang="en-US" sz="1800"/>
-            </a:lvl2pPr>
-            <a:lvl3pPr marL="555625" indent="-157163">
-              <a:defRPr lang="en-US"/>
-            </a:lvl3pPr>
-            <a:lvl4pPr marL="685800" indent="-136525">
-              <a:defRPr lang="en-US"/>
-            </a:lvl4pPr>
-            <a:lvl5pPr marL="800100" indent="-111125">
-              <a:defRPr lang="en-US"/>
-            </a:lvl5pPr>
-          </a:lstStyle>
-          <a:p>
-            <a:pPr lvl="0"/>
-            <a:r>
-              <a:rPr lang="en-US"/>
-              <a:t>Click to edit Master text styles</a:t>
-            </a:r>
-          </a:p>
-          <a:p>
-            <a:pPr lvl="1"/>
-            <a:r>
-              <a:rPr lang="en-US"/>
-              <a:t>Second level</a:t>
-            </a:r>
-          </a:p>
-          <a:p>
-            <a:pPr lvl="2"/>
-            <a:r>
-              <a:rPr lang="en-US"/>
-              <a:t>Third level</a:t>
-            </a:r>
-          </a:p>
-          <a:p>
-            <a:pPr lvl="3"/>
-            <a:r>
-              <a:rPr lang="en-US"/>
-              <a:t>Fourth level</a:t>
-            </a:r>
-          </a:p>
-          <a:p>
-            <a:pPr lvl="4"/>
-            <a:r>
-              <a:rPr lang="en-US"/>
-              <a:t>Fifth level</a:t>
-            </a:r>
-          </a:p>
-        </p:txBody>
-      </p:sp>
-    </p:spTree>
-    <p:extLst>
-      <p:ext uri="{BB962C8B-B14F-4D97-AF65-F5344CB8AC3E}">
-        <p14:creationId xmlns:p14="http://schemas.microsoft.com/office/powerpoint/2010/main" val="2685649403"/>
-      </p:ext>
-    </p:extLst>
-  </p:cSld>
-  <p:clrMapOvr>
-    <a:masterClrMapping/>
-  </p:clrMapOvr>
-  <p:transition>
-    <p:fade/>
-  </p:transition>
-  <p:extLst>
-    <p:ext uri="{DCECCB84-F9BA-43D5-87BE-67443E8EF086}">
-      <p15:sldGuideLst xmlns:p15="http://schemas.microsoft.com/office/powerpoint/2012/main">
-        <p15:guide id="3" orient="horz" pos="1506">
-          <p15:clr>
-            <a:srgbClr val="5ACBF0"/>
-          </p15:clr>
-        </p15:guide>
-        <p15:guide id="4" orient="horz" pos="906">
-          <p15:clr>
-            <a:srgbClr val="5ACBF0"/>
-          </p15:clr>
-        </p15:guide>
-        <p15:guide id="5" orient="horz" pos="288">
-          <p15:clr>
-            <a:srgbClr val="5ACBF0"/>
-          </p15:clr>
-        </p15:guide>
-        <p15:guide id="6" pos="2430">
-          <p15:clr>
-            <a:srgbClr val="5ACBF0"/>
-          </p15:clr>
-        </p15:guide>
-        <p15:guide id="7" pos="2811">
-          <p15:clr>
-            <a:srgbClr val="5ACBF0"/>
-          </p15:clr>
-        </p15:guide>
-        <p15:guide id="8" pos="4871">
-          <p15:clr>
-            <a:srgbClr val="5ACBF0"/>
-          </p15:clr>
-        </p15:guide>
-        <p15:guide id="9" pos="5251">
-          <p15:clr>
-            <a:srgbClr val="5ACBF0"/>
-          </p15:clr>
-        </p15:guide>
-      </p15:sldGuideLst>
-    </p:ext>
-  </p:extLst>
-</p:sldLayout>
-</file>
-
-<file path=ppt/slideLayouts/slideLayout2.xml><?xml version="1.0" encoding="utf-8"?>
-<p:sldLayout xmlns:a="http://schemas.openxmlformats.org/drawingml/2006/main" xmlns:r="http://schemas.openxmlformats.org/officeDocument/2006/relationships" xmlns:p="http://schemas.openxmlformats.org/presentationml/2006/main" type="obj" preserve="1">
-  <p:cSld name="Title and Content">
-    <p:spTree>
-      <p:nvGrpSpPr>
-        <p:cNvPr id="1" name=""/>
-        <p:cNvGrpSpPr/>
-        <p:nvPr/>
-      </p:nvGrpSpPr>
-      <p:grpSpPr>
-        <a:xfrm>
-          <a:off x="0" y="0"/>
-          <a:ext cx="0" cy="0"/>
-          <a:chOff x="0" y="0"/>
-          <a:chExt cx="0" cy="0"/>
-        </a:xfrm>
-      </p:grpSpPr>
-      <p:sp>
-        <p:nvSpPr>
-          <p:cNvPr id="2" name="Title 1">
-            <a:extLst>
-              <a:ext uri="{FF2B5EF4-FFF2-40B4-BE49-F238E27FC236}">
-                <a16:creationId xmlns:a16="http://schemas.microsoft.com/office/drawing/2014/main" id="{3EE2B844-ED93-457F-9688-B2CDB5C49885}"/>
-              </a:ext>
-            </a:extLst>
-          </p:cNvPr>
-          <p:cNvSpPr>
-            <a:spLocks noGrp="1"/>
-          </p:cNvSpPr>
-          <p:nvPr>
-            <p:ph type="title"/>
-          </p:nvPr>
-        </p:nvSpPr>
-        <p:spPr/>
-        <p:txBody>
-          <a:bodyPr/>
-          <a:lstStyle/>
-          <a:p>
-            <a:r>
-              <a:rPr lang="en-US"/>
-              <a:t>Click to edit Master title style</a:t>
-            </a:r>
-            <a:endParaRPr lang="en-AU"/>
-          </a:p>
-        </p:txBody>
-      </p:sp>
-      <p:sp>
-        <p:nvSpPr>
-          <p:cNvPr id="3" name="Content Placeholder 2">
-            <a:extLst>
-              <a:ext uri="{FF2B5EF4-FFF2-40B4-BE49-F238E27FC236}">
-                <a16:creationId xmlns:a16="http://schemas.microsoft.com/office/drawing/2014/main" id="{EA32A2ED-41E3-4524-92F5-1B954D6A6CE3}"/>
-              </a:ext>
-            </a:extLst>
-          </p:cNvPr>
-          <p:cNvSpPr>
-            <a:spLocks noGrp="1"/>
-          </p:cNvSpPr>
-          <p:nvPr>
-            <p:ph idx="1"/>
-          </p:nvPr>
-        </p:nvSpPr>
-        <p:spPr/>
-        <p:txBody>
-          <a:bodyPr/>
-          <a:lstStyle/>
-          <a:p>
-            <a:pPr lvl="0"/>
-            <a:r>
-              <a:rPr lang="en-US"/>
-              <a:t>Click to edit Master text styles</a:t>
-            </a:r>
-          </a:p>
-          <a:p>
-            <a:pPr lvl="1"/>
-            <a:r>
-              <a:rPr lang="en-US"/>
-              <a:t>Second level</a:t>
-            </a:r>
-          </a:p>
-          <a:p>
-            <a:pPr lvl="2"/>
-            <a:r>
-              <a:rPr lang="en-US"/>
-              <a:t>Third level</a:t>
-            </a:r>
-          </a:p>
-          <a:p>
-            <a:pPr lvl="3"/>
-            <a:r>
-              <a:rPr lang="en-US"/>
-              <a:t>Fourth level</a:t>
-            </a:r>
-          </a:p>
-          <a:p>
-            <a:pPr lvl="4"/>
-            <a:r>
-              <a:rPr lang="en-US"/>
-              <a:t>Fifth level</a:t>
-            </a:r>
-            <a:endParaRPr lang="en-AU"/>
-          </a:p>
-        </p:txBody>
-      </p:sp>
-      <p:sp>
-        <p:nvSpPr>
-          <p:cNvPr id="4" name="Date Placeholder 3">
-            <a:extLst>
-              <a:ext uri="{FF2B5EF4-FFF2-40B4-BE49-F238E27FC236}">
-                <a16:creationId xmlns:a16="http://schemas.microsoft.com/office/drawing/2014/main" id="{C9F6BDBD-DF89-4618-981D-CEBE30D5E4E8}"/>
-              </a:ext>
-            </a:extLst>
-          </p:cNvPr>
-          <p:cNvSpPr>
-            <a:spLocks noGrp="1"/>
-          </p:cNvSpPr>
-          <p:nvPr>
-            <p:ph type="dt" sz="half" idx="10"/>
-          </p:nvPr>
-        </p:nvSpPr>
-        <p:spPr/>
-        <p:txBody>
-          <a:bodyPr/>
-          <a:lstStyle/>
-          <a:p>
-            <a:fld id="{CEDABD4D-9266-40A2-8134-424B35C51FFB}" type="datetimeFigureOut">
-              <a:rPr lang="en-AU" smtClean="0"/>
-              <a:t>31/10/2020</a:t>
-            </a:fld>
-            <a:endParaRPr lang="en-AU"/>
-          </a:p>
-        </p:txBody>
-      </p:sp>
-      <p:sp>
-        <p:nvSpPr>
-          <p:cNvPr id="5" name="Footer Placeholder 4">
-            <a:extLst>
-              <a:ext uri="{FF2B5EF4-FFF2-40B4-BE49-F238E27FC236}">
-                <a16:creationId xmlns:a16="http://schemas.microsoft.com/office/drawing/2014/main" id="{81A1CA65-30E0-4CFD-A023-C98C738BF44A}"/>
-              </a:ext>
-            </a:extLst>
-          </p:cNvPr>
-          <p:cNvSpPr>
-            <a:spLocks noGrp="1"/>
-          </p:cNvSpPr>
-          <p:nvPr>
-            <p:ph type="ftr" sz="quarter" idx="11"/>
-          </p:nvPr>
-        </p:nvSpPr>
-        <p:spPr/>
-        <p:txBody>
-          <a:bodyPr/>
-          <a:lstStyle/>
-          <a:p>
-            <a:endParaRPr lang="en-AU"/>
-          </a:p>
-        </p:txBody>
-      </p:sp>
-      <p:sp>
-        <p:nvSpPr>
-          <p:cNvPr id="6" name="Slide Number Placeholder 5">
-            <a:extLst>
-              <a:ext uri="{FF2B5EF4-FFF2-40B4-BE49-F238E27FC236}">
-                <a16:creationId xmlns:a16="http://schemas.microsoft.com/office/drawing/2014/main" id="{BBFC7152-9CE4-4266-9845-F5F9A2262CBB}"/>
-              </a:ext>
-            </a:extLst>
-          </p:cNvPr>
-          <p:cNvSpPr>
-            <a:spLocks noGrp="1"/>
-          </p:cNvSpPr>
-          <p:nvPr>
-            <p:ph type="sldNum" sz="quarter" idx="12"/>
-          </p:nvPr>
-        </p:nvSpPr>
-        <p:spPr/>
-        <p:txBody>
-          <a:bodyPr/>
-          <a:lstStyle/>
-          <a:p>
-            <a:fld id="{F8A3CFEC-82BA-4ACC-BF15-DA4DFD18E398}" type="slidenum">
-              <a:rPr lang="en-AU" smtClean="0"/>
-              <a:t>‹#›</a:t>
-            </a:fld>
-            <a:endParaRPr lang="en-AU"/>
-          </a:p>
-        </p:txBody>
-      </p:sp>
-    </p:spTree>
-    <p:extLst>
-      <p:ext uri="{BB962C8B-B14F-4D97-AF65-F5344CB8AC3E}">
-        <p14:creationId xmlns:p14="http://schemas.microsoft.com/office/powerpoint/2010/main" val="3445704713"/>
-      </p:ext>
-    </p:extLst>
-  </p:cSld>
-  <p:clrMapOvr>
-    <a:masterClrMapping/>
-  </p:clrMapOvr>
-</p:sldLayout>
-</file>
-
-<file path=ppt/slideLayouts/slideLayout20.xml><?xml version="1.0" encoding="utf-8"?>
-<p:sldLayout xmlns:a="http://schemas.openxmlformats.org/drawingml/2006/main" xmlns:r="http://schemas.openxmlformats.org/officeDocument/2006/relationships" xmlns:p="http://schemas.openxmlformats.org/presentationml/2006/main" preserve="1" userDrawn="1">
-  <p:cSld name="Four Column Bullet with Subheads">
-    <p:spTree>
-      <p:nvGrpSpPr>
-        <p:cNvPr id="1" name=""/>
-        <p:cNvGrpSpPr/>
-        <p:nvPr/>
-      </p:nvGrpSpPr>
-      <p:grpSpPr>
-        <a:xfrm>
-          <a:off x="0" y="0"/>
-          <a:ext cx="0" cy="0"/>
-          <a:chOff x="0" y="0"/>
-          <a:chExt cx="0" cy="0"/>
-        </a:xfrm>
-      </p:grpSpPr>
-      <p:sp>
-        <p:nvSpPr>
-          <p:cNvPr id="3" name="Title 2">
-            <a:extLst>
-              <a:ext uri="{FF2B5EF4-FFF2-40B4-BE49-F238E27FC236}">
-                <a16:creationId xmlns:a16="http://schemas.microsoft.com/office/drawing/2014/main" id="{87A434B7-D4B9-4D45-A31C-F0CC4D227945}"/>
-              </a:ext>
-            </a:extLst>
-          </p:cNvPr>
-          <p:cNvSpPr>
-            <a:spLocks noGrp="1"/>
-          </p:cNvSpPr>
-          <p:nvPr>
-            <p:ph type="title"/>
-          </p:nvPr>
-        </p:nvSpPr>
-        <p:spPr>
-          <a:xfrm>
-            <a:off x="588263" y="457200"/>
-            <a:ext cx="11018520" cy="553998"/>
-          </a:xfrm>
-        </p:spPr>
-        <p:txBody>
-          <a:bodyPr>
-            <a:spAutoFit/>
-          </a:bodyPr>
-          <a:lstStyle/>
-          <a:p>
-            <a:r>
-              <a:rPr lang="en-US"/>
-              <a:t>Click to edit Master title style</a:t>
-            </a:r>
-          </a:p>
-        </p:txBody>
-      </p:sp>
-      <p:sp>
-        <p:nvSpPr>
-          <p:cNvPr id="22" name="Text Placeholder 11">
-            <a:extLst>
-              <a:ext uri="{FF2B5EF4-FFF2-40B4-BE49-F238E27FC236}">
-                <a16:creationId xmlns:a16="http://schemas.microsoft.com/office/drawing/2014/main" id="{92783506-927E-48F7-8EFC-36257F3E2812}"/>
-              </a:ext>
-            </a:extLst>
-          </p:cNvPr>
-          <p:cNvSpPr>
-            <a:spLocks noGrp="1"/>
-          </p:cNvSpPr>
-          <p:nvPr>
-            <p:ph type="body" sz="quarter" idx="16"/>
-          </p:nvPr>
-        </p:nvSpPr>
-        <p:spPr>
-          <a:xfrm>
-            <a:off x="584200" y="1438275"/>
-            <a:ext cx="2532063" cy="615553"/>
-          </a:xfrm>
-        </p:spPr>
-        <p:txBody>
-          <a:bodyPr anchor="t"/>
-          <a:lstStyle>
-            <a:lvl1pPr marL="0" indent="0">
-              <a:spcBef>
-                <a:spcPct val="0"/>
-              </a:spcBef>
-              <a:buNone/>
-              <a:defRPr sz="2000">
-                <a:solidFill>
-                  <a:schemeClr val="tx1"/>
-                </a:solidFill>
-                <a:latin typeface="+mj-lt"/>
-              </a:defRPr>
-            </a:lvl1pPr>
-          </a:lstStyle>
-          <a:p>
-            <a:pPr lvl="0"/>
-            <a:r>
-              <a:rPr lang="en-US"/>
-              <a:t>Click to edit Master text styles</a:t>
-            </a:r>
-          </a:p>
-        </p:txBody>
-      </p:sp>
-      <p:sp>
-        <p:nvSpPr>
-          <p:cNvPr id="23" name="Text Placeholder 7">
-            <a:extLst>
-              <a:ext uri="{FF2B5EF4-FFF2-40B4-BE49-F238E27FC236}">
-                <a16:creationId xmlns:a16="http://schemas.microsoft.com/office/drawing/2014/main" id="{FB6093D3-3EDF-4A80-8450-C5EBB1990775}"/>
-              </a:ext>
-            </a:extLst>
-          </p:cNvPr>
-          <p:cNvSpPr>
-            <a:spLocks noGrp="1"/>
-          </p:cNvSpPr>
-          <p:nvPr>
-            <p:ph type="body" sz="quarter" idx="14"/>
-          </p:nvPr>
-        </p:nvSpPr>
-        <p:spPr>
-          <a:xfrm>
-            <a:off x="584200" y="2283115"/>
-            <a:ext cx="2532063" cy="1698927"/>
-          </a:xfrm>
-        </p:spPr>
-        <p:txBody>
-          <a:bodyPr wrap="square">
-            <a:spAutoFit/>
-          </a:bodyPr>
-          <a:lstStyle>
-            <a:lvl1pPr marL="141288" indent="-141288">
-              <a:defRPr lang="en-US" sz="1800"/>
-            </a:lvl1pPr>
-            <a:lvl2pPr marL="285750" indent="-125413">
-              <a:defRPr lang="en-US" sz="1600"/>
-            </a:lvl2pPr>
-            <a:lvl3pPr marL="438150" indent="-133350">
-              <a:defRPr lang="en-US"/>
-            </a:lvl3pPr>
-            <a:lvl4pPr marL="566738" indent="-114300">
-              <a:defRPr lang="en-US"/>
-            </a:lvl4pPr>
-            <a:lvl5pPr marL="685800" indent="-109538">
-              <a:defRPr lang="en-US"/>
-            </a:lvl5pPr>
-          </a:lstStyle>
-          <a:p>
-            <a:pPr lvl="0"/>
-            <a:r>
-              <a:rPr lang="en-US"/>
-              <a:t>Click to edit Master text styles</a:t>
-            </a:r>
-          </a:p>
-          <a:p>
-            <a:pPr lvl="1"/>
-            <a:r>
-              <a:rPr lang="en-US"/>
-              <a:t>Second level</a:t>
-            </a:r>
-          </a:p>
-          <a:p>
-            <a:pPr lvl="2"/>
-            <a:r>
-              <a:rPr lang="en-US"/>
-              <a:t>Third level</a:t>
-            </a:r>
-          </a:p>
-          <a:p>
-            <a:pPr lvl="3"/>
-            <a:r>
-              <a:rPr lang="en-US"/>
-              <a:t>Fourth level</a:t>
-            </a:r>
-          </a:p>
-          <a:p>
-            <a:pPr lvl="4"/>
-            <a:r>
-              <a:rPr lang="en-US"/>
-              <a:t>Fifth level</a:t>
-            </a:r>
-          </a:p>
-        </p:txBody>
-      </p:sp>
-      <p:sp>
-        <p:nvSpPr>
-          <p:cNvPr id="24" name="Text Placeholder 11">
-            <a:extLst>
-              <a:ext uri="{FF2B5EF4-FFF2-40B4-BE49-F238E27FC236}">
-                <a16:creationId xmlns:a16="http://schemas.microsoft.com/office/drawing/2014/main" id="{438D2C80-6884-451D-8D7D-B69022CCC5C4}"/>
-              </a:ext>
-            </a:extLst>
-          </p:cNvPr>
-          <p:cNvSpPr>
-            <a:spLocks noGrp="1"/>
-          </p:cNvSpPr>
-          <p:nvPr>
-            <p:ph type="body" sz="quarter" idx="17"/>
-          </p:nvPr>
-        </p:nvSpPr>
-        <p:spPr>
-          <a:xfrm>
-            <a:off x="3413125" y="1438275"/>
-            <a:ext cx="2533650" cy="615553"/>
-          </a:xfrm>
-        </p:spPr>
-        <p:txBody>
-          <a:bodyPr anchor="t"/>
-          <a:lstStyle>
-            <a:lvl1pPr marL="0" indent="0">
-              <a:spcBef>
-                <a:spcPct val="0"/>
-              </a:spcBef>
-              <a:buNone/>
-              <a:defRPr sz="2000">
-                <a:solidFill>
-                  <a:schemeClr val="tx1"/>
-                </a:solidFill>
-                <a:latin typeface="+mj-lt"/>
-              </a:defRPr>
-            </a:lvl1pPr>
-          </a:lstStyle>
-          <a:p>
-            <a:pPr lvl="0"/>
-            <a:r>
-              <a:rPr lang="en-US"/>
-              <a:t>Click to edit Master text styles</a:t>
-            </a:r>
-          </a:p>
-        </p:txBody>
-      </p:sp>
-      <p:sp>
-        <p:nvSpPr>
-          <p:cNvPr id="25" name="Text Placeholder 9">
-            <a:extLst>
-              <a:ext uri="{FF2B5EF4-FFF2-40B4-BE49-F238E27FC236}">
-                <a16:creationId xmlns:a16="http://schemas.microsoft.com/office/drawing/2014/main" id="{7614A884-0AD6-4A85-A432-2B13E7464DA9}"/>
-              </a:ext>
-            </a:extLst>
-          </p:cNvPr>
-          <p:cNvSpPr>
-            <a:spLocks noGrp="1"/>
-          </p:cNvSpPr>
-          <p:nvPr>
-            <p:ph type="body" sz="quarter" idx="15"/>
-          </p:nvPr>
-        </p:nvSpPr>
-        <p:spPr>
-          <a:xfrm>
-            <a:off x="3413125" y="2276475"/>
-            <a:ext cx="2532063" cy="1698927"/>
-          </a:xfrm>
-        </p:spPr>
-        <p:txBody>
-          <a:bodyPr wrap="square">
-            <a:spAutoFit/>
-          </a:bodyPr>
-          <a:lstStyle>
-            <a:lvl1pPr marL="141288" indent="-141288">
-              <a:defRPr lang="en-US" sz="1800"/>
-            </a:lvl1pPr>
-            <a:lvl2pPr marL="285750" indent="-125413">
-              <a:defRPr lang="en-US" sz="1600"/>
-            </a:lvl2pPr>
-            <a:lvl3pPr marL="438150" indent="-133350">
-              <a:defRPr lang="en-US"/>
-            </a:lvl3pPr>
-            <a:lvl4pPr marL="566738" indent="-114300">
-              <a:defRPr lang="en-US"/>
-            </a:lvl4pPr>
-            <a:lvl5pPr marL="685800" indent="-109538">
-              <a:defRPr lang="en-US"/>
-            </a:lvl5pPr>
-          </a:lstStyle>
-          <a:p>
-            <a:pPr lvl="0"/>
-            <a:r>
-              <a:rPr lang="en-US"/>
-              <a:t>Click to edit Master text styles</a:t>
-            </a:r>
-          </a:p>
-          <a:p>
-            <a:pPr lvl="1"/>
-            <a:r>
-              <a:rPr lang="en-US"/>
-              <a:t>Second level</a:t>
-            </a:r>
-          </a:p>
-          <a:p>
-            <a:pPr lvl="2"/>
-            <a:r>
-              <a:rPr lang="en-US"/>
-              <a:t>Third level</a:t>
-            </a:r>
-          </a:p>
-          <a:p>
-            <a:pPr lvl="3"/>
-            <a:r>
-              <a:rPr lang="en-US"/>
-              <a:t>Fourth level</a:t>
-            </a:r>
-          </a:p>
-          <a:p>
-            <a:pPr lvl="4"/>
-            <a:r>
-              <a:rPr lang="en-US"/>
-              <a:t>Fifth level</a:t>
-            </a:r>
-          </a:p>
-        </p:txBody>
-      </p:sp>
-      <p:sp>
-        <p:nvSpPr>
-          <p:cNvPr id="26" name="Text Placeholder 11">
-            <a:extLst>
-              <a:ext uri="{FF2B5EF4-FFF2-40B4-BE49-F238E27FC236}">
-                <a16:creationId xmlns:a16="http://schemas.microsoft.com/office/drawing/2014/main" id="{7D8FFDED-9FE5-4D94-8EB0-7D645C10FBFF}"/>
-              </a:ext>
-            </a:extLst>
-          </p:cNvPr>
-          <p:cNvSpPr>
-            <a:spLocks noGrp="1"/>
-          </p:cNvSpPr>
-          <p:nvPr>
-            <p:ph type="body" sz="quarter" idx="18"/>
-          </p:nvPr>
-        </p:nvSpPr>
-        <p:spPr>
-          <a:xfrm>
-            <a:off x="6244208" y="1438275"/>
-            <a:ext cx="2532063" cy="615553"/>
-          </a:xfrm>
-        </p:spPr>
-        <p:txBody>
-          <a:bodyPr anchor="t"/>
-          <a:lstStyle>
-            <a:lvl1pPr marL="0" indent="0">
-              <a:spcBef>
-                <a:spcPct val="0"/>
-              </a:spcBef>
-              <a:buNone/>
-              <a:defRPr sz="2000">
-                <a:solidFill>
-                  <a:schemeClr val="tx1"/>
-                </a:solidFill>
-                <a:latin typeface="+mj-lt"/>
-              </a:defRPr>
-            </a:lvl1pPr>
-          </a:lstStyle>
-          <a:p>
-            <a:pPr lvl="0"/>
-            <a:r>
-              <a:rPr lang="en-US"/>
-              <a:t>Click to edit Master text styles</a:t>
-            </a:r>
-          </a:p>
-        </p:txBody>
-      </p:sp>
-      <p:sp>
-        <p:nvSpPr>
-          <p:cNvPr id="27" name="Text Placeholder 7">
-            <a:extLst>
-              <a:ext uri="{FF2B5EF4-FFF2-40B4-BE49-F238E27FC236}">
-                <a16:creationId xmlns:a16="http://schemas.microsoft.com/office/drawing/2014/main" id="{D429D954-9297-44FA-B7BD-56586012419C}"/>
-              </a:ext>
-            </a:extLst>
-          </p:cNvPr>
-          <p:cNvSpPr>
-            <a:spLocks noGrp="1"/>
-          </p:cNvSpPr>
-          <p:nvPr>
-            <p:ph type="body" sz="quarter" idx="19"/>
-          </p:nvPr>
-        </p:nvSpPr>
-        <p:spPr>
-          <a:xfrm>
-            <a:off x="6244208" y="2283115"/>
-            <a:ext cx="2532063" cy="1698927"/>
-          </a:xfrm>
-        </p:spPr>
-        <p:txBody>
-          <a:bodyPr wrap="square">
-            <a:spAutoFit/>
-          </a:bodyPr>
-          <a:lstStyle>
-            <a:lvl1pPr marL="141288" indent="-141288">
-              <a:defRPr lang="en-US" sz="1800"/>
-            </a:lvl1pPr>
-            <a:lvl2pPr marL="285750" indent="-125413">
-              <a:defRPr lang="en-US" sz="1600"/>
-            </a:lvl2pPr>
-            <a:lvl3pPr marL="438150" indent="-133350">
-              <a:defRPr lang="en-US"/>
-            </a:lvl3pPr>
-            <a:lvl4pPr marL="566738" indent="-114300">
-              <a:defRPr lang="en-US"/>
-            </a:lvl4pPr>
-            <a:lvl5pPr marL="685800" indent="-109538">
-              <a:defRPr lang="en-US"/>
-            </a:lvl5pPr>
-          </a:lstStyle>
-          <a:p>
-            <a:pPr lvl="0"/>
-            <a:r>
-              <a:rPr lang="en-US"/>
-              <a:t>Click to edit Master text styles</a:t>
-            </a:r>
-          </a:p>
-          <a:p>
-            <a:pPr lvl="1"/>
-            <a:r>
-              <a:rPr lang="en-US"/>
-              <a:t>Second level</a:t>
-            </a:r>
-          </a:p>
-          <a:p>
-            <a:pPr lvl="2"/>
-            <a:r>
-              <a:rPr lang="en-US"/>
-              <a:t>Third level</a:t>
-            </a:r>
-          </a:p>
-          <a:p>
-            <a:pPr lvl="3"/>
-            <a:r>
-              <a:rPr lang="en-US"/>
-              <a:t>Fourth level</a:t>
-            </a:r>
-          </a:p>
-          <a:p>
-            <a:pPr lvl="4"/>
-            <a:r>
-              <a:rPr lang="en-US"/>
-              <a:t>Fifth level</a:t>
-            </a:r>
-          </a:p>
-        </p:txBody>
-      </p:sp>
-      <p:sp>
-        <p:nvSpPr>
-          <p:cNvPr id="28" name="Text Placeholder 11">
-            <a:extLst>
-              <a:ext uri="{FF2B5EF4-FFF2-40B4-BE49-F238E27FC236}">
-                <a16:creationId xmlns:a16="http://schemas.microsoft.com/office/drawing/2014/main" id="{04D43B0D-50F8-4F63-AFA3-34A46F42E816}"/>
-              </a:ext>
-            </a:extLst>
-          </p:cNvPr>
-          <p:cNvSpPr>
-            <a:spLocks noGrp="1"/>
-          </p:cNvSpPr>
-          <p:nvPr>
-            <p:ph type="body" sz="quarter" idx="20"/>
-          </p:nvPr>
-        </p:nvSpPr>
-        <p:spPr>
-          <a:xfrm>
-            <a:off x="9073133" y="1438275"/>
-            <a:ext cx="2533650" cy="615553"/>
-          </a:xfrm>
-        </p:spPr>
-        <p:txBody>
-          <a:bodyPr anchor="t"/>
-          <a:lstStyle>
-            <a:lvl1pPr marL="0" indent="0">
-              <a:spcBef>
-                <a:spcPct val="0"/>
-              </a:spcBef>
-              <a:buNone/>
-              <a:defRPr sz="2000">
-                <a:solidFill>
-                  <a:schemeClr val="tx1"/>
-                </a:solidFill>
-                <a:latin typeface="+mj-lt"/>
-              </a:defRPr>
-            </a:lvl1pPr>
-          </a:lstStyle>
-          <a:p>
-            <a:pPr lvl="0"/>
-            <a:r>
-              <a:rPr lang="en-US"/>
-              <a:t>Click to edit Master text styles</a:t>
-            </a:r>
-          </a:p>
-        </p:txBody>
-      </p:sp>
-      <p:sp>
-        <p:nvSpPr>
-          <p:cNvPr id="29" name="Text Placeholder 9">
-            <a:extLst>
-              <a:ext uri="{FF2B5EF4-FFF2-40B4-BE49-F238E27FC236}">
-                <a16:creationId xmlns:a16="http://schemas.microsoft.com/office/drawing/2014/main" id="{804CEFDA-6A6F-42D3-B65C-4BE1054C905E}"/>
-              </a:ext>
-            </a:extLst>
-          </p:cNvPr>
-          <p:cNvSpPr>
-            <a:spLocks noGrp="1"/>
-          </p:cNvSpPr>
-          <p:nvPr>
-            <p:ph type="body" sz="quarter" idx="21"/>
-          </p:nvPr>
-        </p:nvSpPr>
-        <p:spPr>
-          <a:xfrm>
-            <a:off x="9073133" y="2276475"/>
-            <a:ext cx="2532063" cy="1698927"/>
-          </a:xfrm>
-        </p:spPr>
-        <p:txBody>
-          <a:bodyPr wrap="square">
-            <a:spAutoFit/>
-          </a:bodyPr>
-          <a:lstStyle>
-            <a:lvl1pPr marL="141288" indent="-141288">
-              <a:defRPr lang="en-US" sz="1800"/>
-            </a:lvl1pPr>
-            <a:lvl2pPr marL="285750" indent="-125413">
-              <a:defRPr lang="en-US" sz="1600"/>
-            </a:lvl2pPr>
-            <a:lvl3pPr marL="438150" indent="-133350">
-              <a:defRPr lang="en-US"/>
-            </a:lvl3pPr>
-            <a:lvl4pPr marL="566738" indent="-114300">
-              <a:defRPr lang="en-US"/>
-            </a:lvl4pPr>
-            <a:lvl5pPr marL="685800" indent="-109538">
-              <a:defRPr lang="en-US"/>
-            </a:lvl5pPr>
-          </a:lstStyle>
-          <a:p>
-            <a:pPr lvl="0"/>
-            <a:r>
-              <a:rPr lang="en-US"/>
-              <a:t>Click to edit Master text styles</a:t>
-            </a:r>
-          </a:p>
-          <a:p>
-            <a:pPr lvl="1"/>
-            <a:r>
-              <a:rPr lang="en-US"/>
-              <a:t>Second level</a:t>
-            </a:r>
-          </a:p>
-          <a:p>
-            <a:pPr lvl="2"/>
-            <a:r>
-              <a:rPr lang="en-US"/>
-              <a:t>Third level</a:t>
-            </a:r>
-          </a:p>
-          <a:p>
-            <a:pPr lvl="3"/>
-            <a:r>
-              <a:rPr lang="en-US"/>
-              <a:t>Fourth level</a:t>
-            </a:r>
-          </a:p>
-          <a:p>
-            <a:pPr lvl="4"/>
-            <a:r>
-              <a:rPr lang="en-US"/>
-              <a:t>Fifth level</a:t>
-            </a:r>
-          </a:p>
-        </p:txBody>
-      </p:sp>
-    </p:spTree>
-    <p:extLst>
-      <p:ext uri="{BB962C8B-B14F-4D97-AF65-F5344CB8AC3E}">
-        <p14:creationId xmlns:p14="http://schemas.microsoft.com/office/powerpoint/2010/main" val="592109696"/>
-      </p:ext>
-    </p:extLst>
-  </p:cSld>
-  <p:clrMapOvr>
-    <a:masterClrMapping/>
-  </p:clrMapOvr>
-  <p:transition>
-    <p:fade/>
-  </p:transition>
-  <p:extLst>
-    <p:ext uri="{DCECCB84-F9BA-43D5-87BE-67443E8EF086}">
-      <p15:sldGuideLst xmlns:p15="http://schemas.microsoft.com/office/powerpoint/2012/main">
-        <p15:guide id="4" orient="horz" pos="906">
-          <p15:clr>
-            <a:srgbClr val="5ACBF0"/>
-          </p15:clr>
-        </p15:guide>
-        <p15:guide id="5" orient="horz" pos="288">
-          <p15:clr>
-            <a:srgbClr val="5ACBF0"/>
-          </p15:clr>
-        </p15:guide>
-        <p15:guide id="6" pos="1963">
-          <p15:clr>
-            <a:srgbClr val="5ACBF0"/>
-          </p15:clr>
-        </p15:guide>
-        <p15:guide id="7" pos="2150">
-          <p15:clr>
-            <a:srgbClr val="5ACBF0"/>
-          </p15:clr>
-        </p15:guide>
-        <p15:guide id="8" pos="3746">
-          <p15:clr>
-            <a:srgbClr val="5ACBF0"/>
-          </p15:clr>
-        </p15:guide>
-        <p15:guide id="9" pos="3934">
-          <p15:clr>
-            <a:srgbClr val="5ACBF0"/>
-          </p15:clr>
-        </p15:guide>
-        <p15:guide id="10" pos="5530">
-          <p15:clr>
-            <a:srgbClr val="5ACBF0"/>
-          </p15:clr>
-        </p15:guide>
-        <p15:guide id="11" pos="5716">
-          <p15:clr>
-            <a:srgbClr val="5ACBF0"/>
-          </p15:clr>
-        </p15:guide>
-        <p15:guide id="12" orient="horz" pos="1436">
-          <p15:clr>
-            <a:srgbClr val="5ACBF0"/>
-          </p15:clr>
-        </p15:guide>
-      </p15:sldGuideLst>
-    </p:ext>
-  </p:extLst>
-</p:sldLayout>
-</file>
-
-<file path=ppt/slideLayouts/slideLayout21.xml><?xml version="1.0" encoding="utf-8"?>
+<file path=ppt/slideLayouts/slideLayout10.xml><?xml version="1.0" encoding="utf-8"?>
 <p:sldLayout xmlns:a="http://schemas.openxmlformats.org/drawingml/2006/main" xmlns:r="http://schemas.openxmlformats.org/officeDocument/2006/relationships" xmlns:p="http://schemas.openxmlformats.org/presentationml/2006/main" preserve="1" userDrawn="1">
   <p:cSld name="Title Only">
     <p:spTree>
@@ -4654,7 +1140,7 @@
 </p:sldLayout>
 </file>
 
-<file path=ppt/slideLayouts/slideLayout22.xml><?xml version="1.0" encoding="utf-8"?>
+<file path=ppt/slideLayouts/slideLayout11.xml><?xml version="1.0" encoding="utf-8"?>
 <p:sldLayout xmlns:a="http://schemas.openxmlformats.org/drawingml/2006/main" xmlns:r="http://schemas.openxmlformats.org/officeDocument/2006/relationships" xmlns:p="http://schemas.openxmlformats.org/presentationml/2006/main" preserve="1" userDrawn="1">
   <p:cSld name="Title Only - left side ">
     <p:spTree>
@@ -4858,7 +1344,7 @@
 </p:sldLayout>
 </file>
 
-<file path=ppt/slideLayouts/slideLayout23.xml><?xml version="1.0" encoding="utf-8"?>
+<file path=ppt/slideLayouts/slideLayout12.xml><?xml version="1.0" encoding="utf-8"?>
 <p:sldLayout xmlns:a="http://schemas.openxmlformats.org/drawingml/2006/main" xmlns:r="http://schemas.openxmlformats.org/officeDocument/2006/relationships" xmlns:p="http://schemas.openxmlformats.org/presentationml/2006/main" preserve="1" userDrawn="1">
   <p:cSld name="Small title - half page">
     <p:spTree>
@@ -5062,7 +1548,7 @@
 </p:sldLayout>
 </file>
 
-<file path=ppt/slideLayouts/slideLayout24.xml><?xml version="1.0" encoding="utf-8"?>
+<file path=ppt/slideLayouts/slideLayout13.xml><?xml version="1.0" encoding="utf-8"?>
 <p:sldLayout xmlns:a="http://schemas.openxmlformats.org/drawingml/2006/main" xmlns:r="http://schemas.openxmlformats.org/officeDocument/2006/relationships" xmlns:p="http://schemas.openxmlformats.org/presentationml/2006/main" preserve="1" userDrawn="1">
   <p:cSld name="Title - Square Photo ">
     <p:spTree>
@@ -5346,7 +1832,7 @@
 </p:sldLayout>
 </file>
 
-<file path=ppt/slideLayouts/slideLayout25.xml><?xml version="1.0" encoding="utf-8"?>
+<file path=ppt/slideLayouts/slideLayout14.xml><?xml version="1.0" encoding="utf-8"?>
 <p:sldLayout xmlns:a="http://schemas.openxmlformats.org/drawingml/2006/main" xmlns:r="http://schemas.openxmlformats.org/officeDocument/2006/relationships" xmlns:p="http://schemas.openxmlformats.org/presentationml/2006/main" preserve="1" userDrawn="1">
   <p:cSld name="Title - Diagonal Photo ">
     <p:spTree>
@@ -5666,7 +2152,7 @@
 </p:sldLayout>
 </file>
 
-<file path=ppt/slideLayouts/slideLayout26.xml><?xml version="1.0" encoding="utf-8"?>
+<file path=ppt/slideLayouts/slideLayout15.xml><?xml version="1.0" encoding="utf-8"?>
 <p:sldLayout xmlns:a="http://schemas.openxmlformats.org/drawingml/2006/main" xmlns:r="http://schemas.openxmlformats.org/officeDocument/2006/relationships" xmlns:p="http://schemas.openxmlformats.org/presentationml/2006/main" preserve="1" userDrawn="1">
   <p:cSld name="Square Photo ">
     <p:spTree>
@@ -5879,7 +2365,7 @@
 </p:sldLayout>
 </file>
 
-<file path=ppt/slideLayouts/slideLayout27.xml><?xml version="1.0" encoding="utf-8"?>
+<file path=ppt/slideLayouts/slideLayout16.xml><?xml version="1.0" encoding="utf-8"?>
 <p:sldLayout xmlns:a="http://schemas.openxmlformats.org/drawingml/2006/main" xmlns:r="http://schemas.openxmlformats.org/officeDocument/2006/relationships" xmlns:p="http://schemas.openxmlformats.org/presentationml/2006/main" preserve="1" userDrawn="1">
   <p:cSld name="Diagonal Right Photo ">
     <p:spTree>
@@ -6123,7 +2609,7 @@
 </p:sldLayout>
 </file>
 
-<file path=ppt/slideLayouts/slideLayout28.xml><?xml version="1.0" encoding="utf-8"?>
+<file path=ppt/slideLayouts/slideLayout17.xml><?xml version="1.0" encoding="utf-8"?>
 <p:sldLayout xmlns:a="http://schemas.openxmlformats.org/drawingml/2006/main" xmlns:r="http://schemas.openxmlformats.org/officeDocument/2006/relationships" xmlns:p="http://schemas.openxmlformats.org/presentationml/2006/main" preserve="1" userDrawn="1">
   <p:cSld name="Square Photo 2">
     <p:spTree>
@@ -6340,7 +2826,7 @@
 </p:sldLayout>
 </file>
 
-<file path=ppt/slideLayouts/slideLayout29.xml><?xml version="1.0" encoding="utf-8"?>
+<file path=ppt/slideLayouts/slideLayout18.xml><?xml version="1.0" encoding="utf-8"?>
 <p:sldLayout xmlns:a="http://schemas.openxmlformats.org/drawingml/2006/main" xmlns:r="http://schemas.openxmlformats.org/officeDocument/2006/relationships" xmlns:p="http://schemas.openxmlformats.org/presentationml/2006/main" preserve="1" userDrawn="1">
   <p:cSld name="Photo full bleed lower title">
     <p:spTree>
@@ -6553,283 +3039,7 @@
 </p:sldLayout>
 </file>
 
-<file path=ppt/slideLayouts/slideLayout3.xml><?xml version="1.0" encoding="utf-8"?>
-<p:sldLayout xmlns:a="http://schemas.openxmlformats.org/drawingml/2006/main" xmlns:r="http://schemas.openxmlformats.org/officeDocument/2006/relationships" xmlns:p="http://schemas.openxmlformats.org/presentationml/2006/main" type="secHead" preserve="1">
-  <p:cSld name="Section Header">
-    <p:spTree>
-      <p:nvGrpSpPr>
-        <p:cNvPr id="1" name=""/>
-        <p:cNvGrpSpPr/>
-        <p:nvPr/>
-      </p:nvGrpSpPr>
-      <p:grpSpPr>
-        <a:xfrm>
-          <a:off x="0" y="0"/>
-          <a:ext cx="0" cy="0"/>
-          <a:chOff x="0" y="0"/>
-          <a:chExt cx="0" cy="0"/>
-        </a:xfrm>
-      </p:grpSpPr>
-      <p:sp>
-        <p:nvSpPr>
-          <p:cNvPr id="2" name="Title 1">
-            <a:extLst>
-              <a:ext uri="{FF2B5EF4-FFF2-40B4-BE49-F238E27FC236}">
-                <a16:creationId xmlns:a16="http://schemas.microsoft.com/office/drawing/2014/main" id="{FBB3FFC3-AD21-45DE-83B4-CED858C6B565}"/>
-              </a:ext>
-            </a:extLst>
-          </p:cNvPr>
-          <p:cNvSpPr>
-            <a:spLocks noGrp="1"/>
-          </p:cNvSpPr>
-          <p:nvPr>
-            <p:ph type="title"/>
-          </p:nvPr>
-        </p:nvSpPr>
-        <p:spPr>
-          <a:xfrm>
-            <a:off x="831850" y="1709738"/>
-            <a:ext cx="10515600" cy="2852737"/>
-          </a:xfrm>
-        </p:spPr>
-        <p:txBody>
-          <a:bodyPr anchor="b"/>
-          <a:lstStyle>
-            <a:lvl1pPr>
-              <a:defRPr sz="6000"/>
-            </a:lvl1pPr>
-          </a:lstStyle>
-          <a:p>
-            <a:r>
-              <a:rPr lang="en-US"/>
-              <a:t>Click to edit Master title style</a:t>
-            </a:r>
-            <a:endParaRPr lang="en-AU"/>
-          </a:p>
-        </p:txBody>
-      </p:sp>
-      <p:sp>
-        <p:nvSpPr>
-          <p:cNvPr id="3" name="Text Placeholder 2">
-            <a:extLst>
-              <a:ext uri="{FF2B5EF4-FFF2-40B4-BE49-F238E27FC236}">
-                <a16:creationId xmlns:a16="http://schemas.microsoft.com/office/drawing/2014/main" id="{92FBE5F3-8F24-43B1-9711-8183946549E2}"/>
-              </a:ext>
-            </a:extLst>
-          </p:cNvPr>
-          <p:cNvSpPr>
-            <a:spLocks noGrp="1"/>
-          </p:cNvSpPr>
-          <p:nvPr>
-            <p:ph type="body" idx="1"/>
-          </p:nvPr>
-        </p:nvSpPr>
-        <p:spPr>
-          <a:xfrm>
-            <a:off x="831850" y="4589463"/>
-            <a:ext cx="10515600" cy="1500187"/>
-          </a:xfrm>
-        </p:spPr>
-        <p:txBody>
-          <a:bodyPr/>
-          <a:lstStyle>
-            <a:lvl1pPr marL="0" indent="0">
-              <a:buNone/>
-              <a:defRPr sz="2400">
-                <a:solidFill>
-                  <a:schemeClr val="tx1">
-                    <a:tint val="75000"/>
-                  </a:schemeClr>
-                </a:solidFill>
-              </a:defRPr>
-            </a:lvl1pPr>
-            <a:lvl2pPr marL="457200" indent="0">
-              <a:buNone/>
-              <a:defRPr sz="2000">
-                <a:solidFill>
-                  <a:schemeClr val="tx1">
-                    <a:tint val="75000"/>
-                  </a:schemeClr>
-                </a:solidFill>
-              </a:defRPr>
-            </a:lvl2pPr>
-            <a:lvl3pPr marL="914400" indent="0">
-              <a:buNone/>
-              <a:defRPr sz="1800">
-                <a:solidFill>
-                  <a:schemeClr val="tx1">
-                    <a:tint val="75000"/>
-                  </a:schemeClr>
-                </a:solidFill>
-              </a:defRPr>
-            </a:lvl3pPr>
-            <a:lvl4pPr marL="1371600" indent="0">
-              <a:buNone/>
-              <a:defRPr sz="1600">
-                <a:solidFill>
-                  <a:schemeClr val="tx1">
-                    <a:tint val="75000"/>
-                  </a:schemeClr>
-                </a:solidFill>
-              </a:defRPr>
-            </a:lvl4pPr>
-            <a:lvl5pPr marL="1828800" indent="0">
-              <a:buNone/>
-              <a:defRPr sz="1600">
-                <a:solidFill>
-                  <a:schemeClr val="tx1">
-                    <a:tint val="75000"/>
-                  </a:schemeClr>
-                </a:solidFill>
-              </a:defRPr>
-            </a:lvl5pPr>
-            <a:lvl6pPr marL="2286000" indent="0">
-              <a:buNone/>
-              <a:defRPr sz="1600">
-                <a:solidFill>
-                  <a:schemeClr val="tx1">
-                    <a:tint val="75000"/>
-                  </a:schemeClr>
-                </a:solidFill>
-              </a:defRPr>
-            </a:lvl6pPr>
-            <a:lvl7pPr marL="2743200" indent="0">
-              <a:buNone/>
-              <a:defRPr sz="1600">
-                <a:solidFill>
-                  <a:schemeClr val="tx1">
-                    <a:tint val="75000"/>
-                  </a:schemeClr>
-                </a:solidFill>
-              </a:defRPr>
-            </a:lvl7pPr>
-            <a:lvl8pPr marL="3200400" indent="0">
-              <a:buNone/>
-              <a:defRPr sz="1600">
-                <a:solidFill>
-                  <a:schemeClr val="tx1">
-                    <a:tint val="75000"/>
-                  </a:schemeClr>
-                </a:solidFill>
-              </a:defRPr>
-            </a:lvl8pPr>
-            <a:lvl9pPr marL="3657600" indent="0">
-              <a:buNone/>
-              <a:defRPr sz="1600">
-                <a:solidFill>
-                  <a:schemeClr val="tx1">
-                    <a:tint val="75000"/>
-                  </a:schemeClr>
-                </a:solidFill>
-              </a:defRPr>
-            </a:lvl9pPr>
-          </a:lstStyle>
-          <a:p>
-            <a:pPr lvl="0"/>
-            <a:r>
-              <a:rPr lang="en-US"/>
-              <a:t>Click to edit Master text styles</a:t>
-            </a:r>
-          </a:p>
-        </p:txBody>
-      </p:sp>
-      <p:sp>
-        <p:nvSpPr>
-          <p:cNvPr id="4" name="Date Placeholder 3">
-            <a:extLst>
-              <a:ext uri="{FF2B5EF4-FFF2-40B4-BE49-F238E27FC236}">
-                <a16:creationId xmlns:a16="http://schemas.microsoft.com/office/drawing/2014/main" id="{B7B2760A-682B-48C7-B9E5-4D74A02CD733}"/>
-              </a:ext>
-            </a:extLst>
-          </p:cNvPr>
-          <p:cNvSpPr>
-            <a:spLocks noGrp="1"/>
-          </p:cNvSpPr>
-          <p:nvPr>
-            <p:ph type="dt" sz="half" idx="10"/>
-          </p:nvPr>
-        </p:nvSpPr>
-        <p:spPr/>
-        <p:txBody>
-          <a:bodyPr/>
-          <a:lstStyle/>
-          <a:p>
-            <a:fld id="{CEDABD4D-9266-40A2-8134-424B35C51FFB}" type="datetimeFigureOut">
-              <a:rPr lang="en-AU" smtClean="0"/>
-              <a:t>31/10/2020</a:t>
-            </a:fld>
-            <a:endParaRPr lang="en-AU"/>
-          </a:p>
-        </p:txBody>
-      </p:sp>
-      <p:sp>
-        <p:nvSpPr>
-          <p:cNvPr id="5" name="Footer Placeholder 4">
-            <a:extLst>
-              <a:ext uri="{FF2B5EF4-FFF2-40B4-BE49-F238E27FC236}">
-                <a16:creationId xmlns:a16="http://schemas.microsoft.com/office/drawing/2014/main" id="{EEC13D75-2CB8-40CA-9653-B3380D43FD24}"/>
-              </a:ext>
-            </a:extLst>
-          </p:cNvPr>
-          <p:cNvSpPr>
-            <a:spLocks noGrp="1"/>
-          </p:cNvSpPr>
-          <p:nvPr>
-            <p:ph type="ftr" sz="quarter" idx="11"/>
-          </p:nvPr>
-        </p:nvSpPr>
-        <p:spPr/>
-        <p:txBody>
-          <a:bodyPr/>
-          <a:lstStyle/>
-          <a:p>
-            <a:endParaRPr lang="en-AU"/>
-          </a:p>
-        </p:txBody>
-      </p:sp>
-      <p:sp>
-        <p:nvSpPr>
-          <p:cNvPr id="6" name="Slide Number Placeholder 5">
-            <a:extLst>
-              <a:ext uri="{FF2B5EF4-FFF2-40B4-BE49-F238E27FC236}">
-                <a16:creationId xmlns:a16="http://schemas.microsoft.com/office/drawing/2014/main" id="{3A2DB8B1-FA4F-40B8-9EA1-EA7A83C21B75}"/>
-              </a:ext>
-            </a:extLst>
-          </p:cNvPr>
-          <p:cNvSpPr>
-            <a:spLocks noGrp="1"/>
-          </p:cNvSpPr>
-          <p:nvPr>
-            <p:ph type="sldNum" sz="quarter" idx="12"/>
-          </p:nvPr>
-        </p:nvSpPr>
-        <p:spPr/>
-        <p:txBody>
-          <a:bodyPr/>
-          <a:lstStyle/>
-          <a:p>
-            <a:fld id="{F8A3CFEC-82BA-4ACC-BF15-DA4DFD18E398}" type="slidenum">
-              <a:rPr lang="en-AU" smtClean="0"/>
-              <a:t>‹#›</a:t>
-            </a:fld>
-            <a:endParaRPr lang="en-AU"/>
-          </a:p>
-        </p:txBody>
-      </p:sp>
-    </p:spTree>
-    <p:extLst>
-      <p:ext uri="{BB962C8B-B14F-4D97-AF65-F5344CB8AC3E}">
-        <p14:creationId xmlns:p14="http://schemas.microsoft.com/office/powerpoint/2010/main" val="1387947561"/>
-      </p:ext>
-    </p:extLst>
-  </p:cSld>
-  <p:clrMapOvr>
-    <a:masterClrMapping/>
-  </p:clrMapOvr>
-</p:sldLayout>
-</file>
-
-<file path=ppt/slideLayouts/slideLayout30.xml><?xml version="1.0" encoding="utf-8"?>
+<file path=ppt/slideLayouts/slideLayout19.xml><?xml version="1.0" encoding="utf-8"?>
 <p:sldLayout xmlns:a="http://schemas.openxmlformats.org/drawingml/2006/main" xmlns:r="http://schemas.openxmlformats.org/officeDocument/2006/relationships" xmlns:p="http://schemas.openxmlformats.org/presentationml/2006/main" preserve="1" userDrawn="1">
   <p:cSld name="Photo full bleed left title">
     <p:spTree>
@@ -7054,7 +3264,264 @@
 </p:sldLayout>
 </file>
 
-<file path=ppt/slideLayouts/slideLayout31.xml><?xml version="1.0" encoding="utf-8"?>
+<file path=ppt/slideLayouts/slideLayout2.xml><?xml version="1.0" encoding="utf-8"?>
+<p:sldLayout xmlns:a="http://schemas.openxmlformats.org/drawingml/2006/main" xmlns:r="http://schemas.openxmlformats.org/officeDocument/2006/relationships" xmlns:p="http://schemas.openxmlformats.org/presentationml/2006/main" preserve="1" userDrawn="1">
+  <p:cSld name="title_layout">
+    <p:bg>
+      <p:bgPr>
+        <a:solidFill>
+          <a:srgbClr val="243A5E"/>
+        </a:solidFill>
+        <a:effectLst/>
+      </p:bgPr>
+    </p:bg>
+    <p:spTree>
+      <p:nvGrpSpPr>
+        <p:cNvPr id="1" name=""/>
+        <p:cNvGrpSpPr/>
+        <p:nvPr/>
+      </p:nvGrpSpPr>
+      <p:grpSpPr>
+        <a:xfrm>
+          <a:off x="0" y="0"/>
+          <a:ext cx="0" cy="0"/>
+          <a:chOff x="0" y="0"/>
+          <a:chExt cx="0" cy="0"/>
+        </a:xfrm>
+      </p:grpSpPr>
+      <p:pic>
+        <p:nvPicPr>
+          <p:cNvPr id="3" name="Image" descr="Image">
+            <a:extLst>
+              <a:ext uri="{FF2B5EF4-FFF2-40B4-BE49-F238E27FC236}">
+                <a16:creationId xmlns:a16="http://schemas.microsoft.com/office/drawing/2014/main" id="{2F454218-0D46-4351-BBBB-D82416BE5B22}"/>
+              </a:ext>
+            </a:extLst>
+          </p:cNvPr>
+          <p:cNvPicPr>
+            <a:picLocks noChangeAspect="1"/>
+          </p:cNvPicPr>
+          <p:nvPr userDrawn="1"/>
+        </p:nvPicPr>
+        <p:blipFill>
+          <a:blip r:embed="rId2"/>
+          <a:stretch>
+            <a:fillRect/>
+          </a:stretch>
+        </p:blipFill>
+        <p:spPr>
+          <a:xfrm>
+            <a:off x="1" y="0"/>
+            <a:ext cx="12192000" cy="6858000"/>
+          </a:xfrm>
+          <a:prstGeom prst="rect">
+            <a:avLst/>
+          </a:prstGeom>
+          <a:ln w="12700">
+            <a:miter lim="400000"/>
+          </a:ln>
+        </p:spPr>
+      </p:pic>
+      <p:pic>
+        <p:nvPicPr>
+          <p:cNvPr id="4" name="Image" descr="Image">
+            <a:extLst>
+              <a:ext uri="{FF2B5EF4-FFF2-40B4-BE49-F238E27FC236}">
+                <a16:creationId xmlns:a16="http://schemas.microsoft.com/office/drawing/2014/main" id="{639BE83B-0B32-4FF7-946B-BAF64DA16D80}"/>
+              </a:ext>
+            </a:extLst>
+          </p:cNvPr>
+          <p:cNvPicPr>
+            <a:picLocks noChangeAspect="1"/>
+          </p:cNvPicPr>
+          <p:nvPr userDrawn="1"/>
+        </p:nvPicPr>
+        <p:blipFill>
+          <a:blip r:embed="rId3"/>
+          <a:stretch>
+            <a:fillRect/>
+          </a:stretch>
+        </p:blipFill>
+        <p:spPr>
+          <a:xfrm>
+            <a:off x="0" y="702520"/>
+            <a:ext cx="12190286" cy="6155481"/>
+          </a:xfrm>
+          <a:prstGeom prst="rect">
+            <a:avLst/>
+          </a:prstGeom>
+          <a:ln w="12700">
+            <a:miter lim="400000"/>
+          </a:ln>
+        </p:spPr>
+      </p:pic>
+      <p:sp>
+        <p:nvSpPr>
+          <p:cNvPr id="9" name="Title"/>
+          <p:cNvSpPr>
+            <a:spLocks noGrp="1"/>
+          </p:cNvSpPr>
+          <p:nvPr>
+            <p:ph type="title" hasCustomPrompt="1"/>
+          </p:nvPr>
+        </p:nvSpPr>
+        <p:spPr>
+          <a:xfrm>
+            <a:off x="584200" y="2979778"/>
+            <a:ext cx="6883400" cy="553998"/>
+          </a:xfrm>
+          <a:noFill/>
+        </p:spPr>
+        <p:txBody>
+          <a:bodyPr wrap="square" lIns="0" tIns="0" rIns="0" bIns="0" anchor="b" anchorCtr="0">
+            <a:spAutoFit/>
+          </a:bodyPr>
+          <a:lstStyle>
+            <a:lvl1pPr>
+              <a:defRPr sz="3600" spc="-50" baseline="0">
+                <a:solidFill>
+                  <a:schemeClr val="tx1"/>
+                </a:solidFill>
+                <a:latin typeface="+mj-lt"/>
+                <a:cs typeface="Segoe UI" pitchFamily="34" charset="0"/>
+              </a:defRPr>
+            </a:lvl1pPr>
+          </a:lstStyle>
+          <a:p>
+            <a:r>
+              <a:rPr lang="en-US"/>
+              <a:t>Presentation title </a:t>
+            </a:r>
+          </a:p>
+        </p:txBody>
+      </p:sp>
+      <p:sp>
+        <p:nvSpPr>
+          <p:cNvPr id="5" name="Subtitle"/>
+          <p:cNvSpPr>
+            <a:spLocks noGrp="1"/>
+          </p:cNvSpPr>
+          <p:nvPr>
+            <p:ph type="body" sz="quarter" idx="12" hasCustomPrompt="1"/>
+          </p:nvPr>
+        </p:nvSpPr>
+        <p:spPr>
+          <a:xfrm>
+            <a:off x="584200" y="3962400"/>
+            <a:ext cx="6883400" cy="338554"/>
+          </a:xfrm>
+          <a:noFill/>
+        </p:spPr>
+        <p:txBody>
+          <a:bodyPr wrap="square" lIns="0" tIns="0" rIns="0" bIns="0">
+            <a:spAutoFit/>
+          </a:bodyPr>
+          <a:lstStyle>
+            <a:lvl1pPr marL="0" indent="0">
+              <a:spcBef>
+                <a:spcPct val="0"/>
+              </a:spcBef>
+              <a:buNone/>
+              <a:defRPr sz="2200" spc="0" baseline="0">
+                <a:solidFill>
+                  <a:schemeClr val="tx1"/>
+                </a:solidFill>
+                <a:latin typeface="+mn-lt"/>
+                <a:cs typeface="Segoe UI" pitchFamily="34" charset="0"/>
+              </a:defRPr>
+            </a:lvl1pPr>
+          </a:lstStyle>
+          <a:p>
+            <a:pPr lvl="0"/>
+            <a:r>
+              <a:rPr lang="en-US"/>
+              <a:t>Speaker name or subtitle text</a:t>
+            </a:r>
+          </a:p>
+        </p:txBody>
+      </p:sp>
+      <p:pic>
+        <p:nvPicPr>
+          <p:cNvPr id="2" name="MS logo white - EMF" descr="Microsoft logo white text version">
+            <a:extLst>
+              <a:ext uri="{FF2B5EF4-FFF2-40B4-BE49-F238E27FC236}">
+                <a16:creationId xmlns:a16="http://schemas.microsoft.com/office/drawing/2014/main" id="{FBA90332-A7D9-4353-82A5-431FF1E924E8}"/>
+              </a:ext>
+            </a:extLst>
+          </p:cNvPr>
+          <p:cNvPicPr>
+            <a:picLocks noChangeAspect="1"/>
+          </p:cNvPicPr>
+          <p:nvPr userDrawn="1"/>
+        </p:nvPicPr>
+        <p:blipFill>
+          <a:blip r:embed="rId4"/>
+          <a:stretch>
+            <a:fillRect/>
+          </a:stretch>
+        </p:blipFill>
+        <p:spPr bwMode="invGray">
+          <a:xfrm>
+            <a:off x="584200" y="585788"/>
+            <a:ext cx="1366245" cy="292608"/>
+          </a:xfrm>
+          <a:prstGeom prst="rect">
+            <a:avLst/>
+          </a:prstGeom>
+        </p:spPr>
+      </p:pic>
+    </p:spTree>
+    <p:extLst>
+      <p:ext uri="{BB962C8B-B14F-4D97-AF65-F5344CB8AC3E}">
+        <p14:creationId xmlns:p14="http://schemas.microsoft.com/office/powerpoint/2010/main" val="1464735399"/>
+      </p:ext>
+    </p:extLst>
+  </p:cSld>
+  <p:clrMapOvr>
+    <a:overrideClrMapping bg1="dk1" tx1="lt1" bg2="dk2" tx2="lt2" accent1="accent1" accent2="accent2" accent3="accent3" accent4="accent4" accent5="accent5" accent6="accent6" hlink="hlink" folHlink="folHlink"/>
+  </p:clrMapOvr>
+  <mc:AlternateContent xmlns:mc="http://schemas.openxmlformats.org/markup-compatibility/2006" xmlns:p14="http://schemas.microsoft.com/office/powerpoint/2010/main">
+    <mc:Choice Requires="p14">
+      <p:transition spd="med" p14:dur="700">
+        <p:fade/>
+      </p:transition>
+    </mc:Choice>
+    <mc:Fallback xmlns="">
+      <p:transition spd="med">
+        <p:fade/>
+      </p:transition>
+    </mc:Fallback>
+  </mc:AlternateContent>
+  <p:extLst>
+    <p:ext uri="{DCECCB84-F9BA-43D5-87BE-67443E8EF086}">
+      <p15:sldGuideLst xmlns:p15="http://schemas.microsoft.com/office/powerpoint/2012/main">
+        <p15:guide id="1" orient="horz" pos="2228">
+          <p15:clr>
+            <a:srgbClr val="5ACBF0"/>
+          </p15:clr>
+        </p15:guide>
+        <p15:guide id="2" orient="horz" pos="2496">
+          <p15:clr>
+            <a:srgbClr val="5ACBF0"/>
+          </p15:clr>
+        </p15:guide>
+        <p15:guide id="3" pos="4704">
+          <p15:clr>
+            <a:srgbClr val="5ACBF0"/>
+          </p15:clr>
+        </p15:guide>
+        <p15:guide id="4" orient="horz" pos="2160">
+          <p15:clr>
+            <a:srgbClr val="FBAE40"/>
+          </p15:clr>
+        </p15:guide>
+      </p15:sldGuideLst>
+    </p:ext>
+  </p:extLst>
+</p:sldLayout>
+</file>
+
+<file path=ppt/slideLayouts/slideLayout20.xml><?xml version="1.0" encoding="utf-8"?>
 <p:sldLayout xmlns:a="http://schemas.openxmlformats.org/drawingml/2006/main" xmlns:r="http://schemas.openxmlformats.org/officeDocument/2006/relationships" xmlns:p="http://schemas.openxmlformats.org/presentationml/2006/main" preserve="1" userDrawn="1">
   <p:cSld name="Photo full bleed right title">
     <p:spTree>
@@ -7279,7 +3746,7 @@
 </p:sldLayout>
 </file>
 
-<file path=ppt/slideLayouts/slideLayout32.xml><?xml version="1.0" encoding="utf-8"?>
+<file path=ppt/slideLayouts/slideLayout21.xml><?xml version="1.0" encoding="utf-8"?>
 <p:sldLayout xmlns:a="http://schemas.openxmlformats.org/drawingml/2006/main" xmlns:r="http://schemas.openxmlformats.org/officeDocument/2006/relationships" xmlns:p="http://schemas.openxmlformats.org/presentationml/2006/main" preserve="1" userDrawn="1">
   <p:cSld name="Top horizontal photo and title">
     <p:spTree>
@@ -7477,7 +3944,7 @@
 </p:sldLayout>
 </file>
 
-<file path=ppt/slideLayouts/slideLayout33.xml><?xml version="1.0" encoding="utf-8"?>
+<file path=ppt/slideLayouts/slideLayout22.xml><?xml version="1.0" encoding="utf-8"?>
 <p:sldLayout xmlns:a="http://schemas.openxmlformats.org/drawingml/2006/main" xmlns:r="http://schemas.openxmlformats.org/officeDocument/2006/relationships" xmlns:p="http://schemas.openxmlformats.org/presentationml/2006/main" preserve="1" userDrawn="1">
   <p:cSld name="Bottom horizontal photo and title">
     <p:spTree>
@@ -7675,7 +4142,7 @@
 </p:sldLayout>
 </file>
 
-<file path=ppt/slideLayouts/slideLayout34.xml><?xml version="1.0" encoding="utf-8"?>
+<file path=ppt/slideLayouts/slideLayout23.xml><?xml version="1.0" encoding="utf-8"?>
 <p:sldLayout xmlns:a="http://schemas.openxmlformats.org/drawingml/2006/main" xmlns:r="http://schemas.openxmlformats.org/officeDocument/2006/relationships" xmlns:p="http://schemas.openxmlformats.org/presentationml/2006/main" preserve="1" userDrawn="1">
   <p:cSld name="Two picture content">
     <p:spTree>
@@ -8037,7 +4504,7 @@
 </p:sldLayout>
 </file>
 
-<file path=ppt/slideLayouts/slideLayout35.xml><?xml version="1.0" encoding="utf-8"?>
+<file path=ppt/slideLayouts/slideLayout24.xml><?xml version="1.0" encoding="utf-8"?>
 <p:sldLayout xmlns:a="http://schemas.openxmlformats.org/drawingml/2006/main" xmlns:r="http://schemas.openxmlformats.org/officeDocument/2006/relationships" xmlns:p="http://schemas.openxmlformats.org/presentationml/2006/main" preserve="1" userDrawn="1">
   <p:cSld name="Three picture content">
     <p:spTree>
@@ -8530,7 +4997,7 @@
 </p:sldLayout>
 </file>
 
-<file path=ppt/slideLayouts/slideLayout36.xml><?xml version="1.0" encoding="utf-8"?>
+<file path=ppt/slideLayouts/slideLayout25.xml><?xml version="1.0" encoding="utf-8"?>
 <p:sldLayout xmlns:a="http://schemas.openxmlformats.org/drawingml/2006/main" xmlns:r="http://schemas.openxmlformats.org/officeDocument/2006/relationships" xmlns:p="http://schemas.openxmlformats.org/presentationml/2006/main" preserve="1" userDrawn="1">
   <p:cSld name="Four picture content">
     <p:spTree>
@@ -9146,7 +5613,7 @@
 </p:sldLayout>
 </file>
 
-<file path=ppt/slideLayouts/slideLayout37.xml><?xml version="1.0" encoding="utf-8"?>
+<file path=ppt/slideLayouts/slideLayout26.xml><?xml version="1.0" encoding="utf-8"?>
 <p:sldLayout xmlns:a="http://schemas.openxmlformats.org/drawingml/2006/main" xmlns:r="http://schemas.openxmlformats.org/officeDocument/2006/relationships" xmlns:p="http://schemas.openxmlformats.org/presentationml/2006/main" preserve="1" userDrawn="1">
   <p:cSld name="Three round photos">
     <p:spTree>
@@ -9677,7 +6144,7 @@
 </p:sldLayout>
 </file>
 
-<file path=ppt/slideLayouts/slideLayout38.xml><?xml version="1.0" encoding="utf-8"?>
+<file path=ppt/slideLayouts/slideLayout27.xml><?xml version="1.0" encoding="utf-8"?>
 <p:sldLayout xmlns:a="http://schemas.openxmlformats.org/drawingml/2006/main" xmlns:r="http://schemas.openxmlformats.org/officeDocument/2006/relationships" xmlns:p="http://schemas.openxmlformats.org/presentationml/2006/main" preserve="1" userDrawn="1">
   <p:cSld name="Four round photos">
     <p:spTree>
@@ -10329,7 +6796,7 @@
 </p:sldLayout>
 </file>
 
-<file path=ppt/slideLayouts/slideLayout39.xml><?xml version="1.0" encoding="utf-8"?>
+<file path=ppt/slideLayouts/slideLayout28.xml><?xml version="1.0" encoding="utf-8"?>
 <p:sldLayout xmlns:a="http://schemas.openxmlformats.org/drawingml/2006/main" xmlns:r="http://schemas.openxmlformats.org/officeDocument/2006/relationships" xmlns:p="http://schemas.openxmlformats.org/presentationml/2006/main" preserve="1" userDrawn="1">
   <p:cSld name="bulleted_layout">
     <p:spTree>
@@ -10610,275 +7077,7 @@
 </p:sldLayout>
 </file>
 
-<file path=ppt/slideLayouts/slideLayout4.xml><?xml version="1.0" encoding="utf-8"?>
-<p:sldLayout xmlns:a="http://schemas.openxmlformats.org/drawingml/2006/main" xmlns:r="http://schemas.openxmlformats.org/officeDocument/2006/relationships" xmlns:p="http://schemas.openxmlformats.org/presentationml/2006/main" type="twoObj" preserve="1">
-  <p:cSld name="Two Content">
-    <p:spTree>
-      <p:nvGrpSpPr>
-        <p:cNvPr id="1" name=""/>
-        <p:cNvGrpSpPr/>
-        <p:nvPr/>
-      </p:nvGrpSpPr>
-      <p:grpSpPr>
-        <a:xfrm>
-          <a:off x="0" y="0"/>
-          <a:ext cx="0" cy="0"/>
-          <a:chOff x="0" y="0"/>
-          <a:chExt cx="0" cy="0"/>
-        </a:xfrm>
-      </p:grpSpPr>
-      <p:sp>
-        <p:nvSpPr>
-          <p:cNvPr id="2" name="Title 1">
-            <a:extLst>
-              <a:ext uri="{FF2B5EF4-FFF2-40B4-BE49-F238E27FC236}">
-                <a16:creationId xmlns:a16="http://schemas.microsoft.com/office/drawing/2014/main" id="{23E48703-A2BE-4C9D-A6EE-1655D03EDA57}"/>
-              </a:ext>
-            </a:extLst>
-          </p:cNvPr>
-          <p:cNvSpPr>
-            <a:spLocks noGrp="1"/>
-          </p:cNvSpPr>
-          <p:nvPr>
-            <p:ph type="title"/>
-          </p:nvPr>
-        </p:nvSpPr>
-        <p:spPr/>
-        <p:txBody>
-          <a:bodyPr/>
-          <a:lstStyle/>
-          <a:p>
-            <a:r>
-              <a:rPr lang="en-US"/>
-              <a:t>Click to edit Master title style</a:t>
-            </a:r>
-            <a:endParaRPr lang="en-AU"/>
-          </a:p>
-        </p:txBody>
-      </p:sp>
-      <p:sp>
-        <p:nvSpPr>
-          <p:cNvPr id="3" name="Content Placeholder 2">
-            <a:extLst>
-              <a:ext uri="{FF2B5EF4-FFF2-40B4-BE49-F238E27FC236}">
-                <a16:creationId xmlns:a16="http://schemas.microsoft.com/office/drawing/2014/main" id="{254A5763-A16A-4807-AC17-E22CA8A30F68}"/>
-              </a:ext>
-            </a:extLst>
-          </p:cNvPr>
-          <p:cNvSpPr>
-            <a:spLocks noGrp="1"/>
-          </p:cNvSpPr>
-          <p:nvPr>
-            <p:ph sz="half" idx="1"/>
-          </p:nvPr>
-        </p:nvSpPr>
-        <p:spPr>
-          <a:xfrm>
-            <a:off x="838200" y="1825625"/>
-            <a:ext cx="5181600" cy="4351338"/>
-          </a:xfrm>
-        </p:spPr>
-        <p:txBody>
-          <a:bodyPr/>
-          <a:lstStyle/>
-          <a:p>
-            <a:pPr lvl="0"/>
-            <a:r>
-              <a:rPr lang="en-US"/>
-              <a:t>Click to edit Master text styles</a:t>
-            </a:r>
-          </a:p>
-          <a:p>
-            <a:pPr lvl="1"/>
-            <a:r>
-              <a:rPr lang="en-US"/>
-              <a:t>Second level</a:t>
-            </a:r>
-          </a:p>
-          <a:p>
-            <a:pPr lvl="2"/>
-            <a:r>
-              <a:rPr lang="en-US"/>
-              <a:t>Third level</a:t>
-            </a:r>
-          </a:p>
-          <a:p>
-            <a:pPr lvl="3"/>
-            <a:r>
-              <a:rPr lang="en-US"/>
-              <a:t>Fourth level</a:t>
-            </a:r>
-          </a:p>
-          <a:p>
-            <a:pPr lvl="4"/>
-            <a:r>
-              <a:rPr lang="en-US"/>
-              <a:t>Fifth level</a:t>
-            </a:r>
-            <a:endParaRPr lang="en-AU"/>
-          </a:p>
-        </p:txBody>
-      </p:sp>
-      <p:sp>
-        <p:nvSpPr>
-          <p:cNvPr id="4" name="Content Placeholder 3">
-            <a:extLst>
-              <a:ext uri="{FF2B5EF4-FFF2-40B4-BE49-F238E27FC236}">
-                <a16:creationId xmlns:a16="http://schemas.microsoft.com/office/drawing/2014/main" id="{B31E6C98-3C83-47F5-AE51-FAD6477A8138}"/>
-              </a:ext>
-            </a:extLst>
-          </p:cNvPr>
-          <p:cNvSpPr>
-            <a:spLocks noGrp="1"/>
-          </p:cNvSpPr>
-          <p:nvPr>
-            <p:ph sz="half" idx="2"/>
-          </p:nvPr>
-        </p:nvSpPr>
-        <p:spPr>
-          <a:xfrm>
-            <a:off x="6172200" y="1825625"/>
-            <a:ext cx="5181600" cy="4351338"/>
-          </a:xfrm>
-        </p:spPr>
-        <p:txBody>
-          <a:bodyPr/>
-          <a:lstStyle/>
-          <a:p>
-            <a:pPr lvl="0"/>
-            <a:r>
-              <a:rPr lang="en-US"/>
-              <a:t>Click to edit Master text styles</a:t>
-            </a:r>
-          </a:p>
-          <a:p>
-            <a:pPr lvl="1"/>
-            <a:r>
-              <a:rPr lang="en-US"/>
-              <a:t>Second level</a:t>
-            </a:r>
-          </a:p>
-          <a:p>
-            <a:pPr lvl="2"/>
-            <a:r>
-              <a:rPr lang="en-US"/>
-              <a:t>Third level</a:t>
-            </a:r>
-          </a:p>
-          <a:p>
-            <a:pPr lvl="3"/>
-            <a:r>
-              <a:rPr lang="en-US"/>
-              <a:t>Fourth level</a:t>
-            </a:r>
-          </a:p>
-          <a:p>
-            <a:pPr lvl="4"/>
-            <a:r>
-              <a:rPr lang="en-US"/>
-              <a:t>Fifth level</a:t>
-            </a:r>
-            <a:endParaRPr lang="en-AU"/>
-          </a:p>
-        </p:txBody>
-      </p:sp>
-      <p:sp>
-        <p:nvSpPr>
-          <p:cNvPr id="5" name="Date Placeholder 4">
-            <a:extLst>
-              <a:ext uri="{FF2B5EF4-FFF2-40B4-BE49-F238E27FC236}">
-                <a16:creationId xmlns:a16="http://schemas.microsoft.com/office/drawing/2014/main" id="{96F79D49-B404-4DE2-B5F8-CE38615CC891}"/>
-              </a:ext>
-            </a:extLst>
-          </p:cNvPr>
-          <p:cNvSpPr>
-            <a:spLocks noGrp="1"/>
-          </p:cNvSpPr>
-          <p:nvPr>
-            <p:ph type="dt" sz="half" idx="10"/>
-          </p:nvPr>
-        </p:nvSpPr>
-        <p:spPr/>
-        <p:txBody>
-          <a:bodyPr/>
-          <a:lstStyle/>
-          <a:p>
-            <a:fld id="{CEDABD4D-9266-40A2-8134-424B35C51FFB}" type="datetimeFigureOut">
-              <a:rPr lang="en-AU" smtClean="0"/>
-              <a:t>31/10/2020</a:t>
-            </a:fld>
-            <a:endParaRPr lang="en-AU"/>
-          </a:p>
-        </p:txBody>
-      </p:sp>
-      <p:sp>
-        <p:nvSpPr>
-          <p:cNvPr id="6" name="Footer Placeholder 5">
-            <a:extLst>
-              <a:ext uri="{FF2B5EF4-FFF2-40B4-BE49-F238E27FC236}">
-                <a16:creationId xmlns:a16="http://schemas.microsoft.com/office/drawing/2014/main" id="{F41E6A3F-F8B4-4847-868A-C59C18B7B898}"/>
-              </a:ext>
-            </a:extLst>
-          </p:cNvPr>
-          <p:cNvSpPr>
-            <a:spLocks noGrp="1"/>
-          </p:cNvSpPr>
-          <p:nvPr>
-            <p:ph type="ftr" sz="quarter" idx="11"/>
-          </p:nvPr>
-        </p:nvSpPr>
-        <p:spPr/>
-        <p:txBody>
-          <a:bodyPr/>
-          <a:lstStyle/>
-          <a:p>
-            <a:endParaRPr lang="en-AU"/>
-          </a:p>
-        </p:txBody>
-      </p:sp>
-      <p:sp>
-        <p:nvSpPr>
-          <p:cNvPr id="7" name="Slide Number Placeholder 6">
-            <a:extLst>
-              <a:ext uri="{FF2B5EF4-FFF2-40B4-BE49-F238E27FC236}">
-                <a16:creationId xmlns:a16="http://schemas.microsoft.com/office/drawing/2014/main" id="{617FD766-6979-4DCB-AE4A-EFFDFA88D716}"/>
-              </a:ext>
-            </a:extLst>
-          </p:cNvPr>
-          <p:cNvSpPr>
-            <a:spLocks noGrp="1"/>
-          </p:cNvSpPr>
-          <p:nvPr>
-            <p:ph type="sldNum" sz="quarter" idx="12"/>
-          </p:nvPr>
-        </p:nvSpPr>
-        <p:spPr/>
-        <p:txBody>
-          <a:bodyPr/>
-          <a:lstStyle/>
-          <a:p>
-            <a:fld id="{F8A3CFEC-82BA-4ACC-BF15-DA4DFD18E398}" type="slidenum">
-              <a:rPr lang="en-AU" smtClean="0"/>
-              <a:t>‹#›</a:t>
-            </a:fld>
-            <a:endParaRPr lang="en-AU"/>
-          </a:p>
-        </p:txBody>
-      </p:sp>
-    </p:spTree>
-    <p:extLst>
-      <p:ext uri="{BB962C8B-B14F-4D97-AF65-F5344CB8AC3E}">
-        <p14:creationId xmlns:p14="http://schemas.microsoft.com/office/powerpoint/2010/main" val="1984529507"/>
-      </p:ext>
-    </p:extLst>
-  </p:cSld>
-  <p:clrMapOvr>
-    <a:masterClrMapping/>
-  </p:clrMapOvr>
-</p:sldLayout>
-</file>
-
-<file path=ppt/slideLayouts/slideLayout40.xml><?xml version="1.0" encoding="utf-8"?>
+<file path=ppt/slideLayouts/slideLayout29.xml><?xml version="1.0" encoding="utf-8"?>
 <p:sldLayout xmlns:a="http://schemas.openxmlformats.org/drawingml/2006/main" xmlns:r="http://schemas.openxmlformats.org/officeDocument/2006/relationships" xmlns:p="http://schemas.openxmlformats.org/presentationml/2006/main" preserve="1" userDrawn="1">
   <p:cSld name="Title and text side by side 2">
     <p:spTree>
@@ -11107,7 +7306,243 @@
 </p:sldLayout>
 </file>
 
-<file path=ppt/slideLayouts/slideLayout41.xml><?xml version="1.0" encoding="utf-8"?>
+<file path=ppt/slideLayouts/slideLayout3.xml><?xml version="1.0" encoding="utf-8"?>
+<p:sldLayout xmlns:a="http://schemas.openxmlformats.org/drawingml/2006/main" xmlns:r="http://schemas.openxmlformats.org/officeDocument/2006/relationships" xmlns:p="http://schemas.openxmlformats.org/presentationml/2006/main" preserve="1" userDrawn="1">
+  <p:cSld name="content_layout">
+    <p:spTree>
+      <p:nvGrpSpPr>
+        <p:cNvPr id="1" name=""/>
+        <p:cNvGrpSpPr/>
+        <p:nvPr/>
+      </p:nvGrpSpPr>
+      <p:grpSpPr>
+        <a:xfrm>
+          <a:off x="0" y="0"/>
+          <a:ext cx="0" cy="0"/>
+          <a:chOff x="0" y="0"/>
+          <a:chExt cx="0" cy="0"/>
+        </a:xfrm>
+      </p:grpSpPr>
+      <p:sp>
+        <p:nvSpPr>
+          <p:cNvPr id="2" name="Title">
+            <a:extLst>
+              <a:ext uri="{FF2B5EF4-FFF2-40B4-BE49-F238E27FC236}">
+                <a16:creationId xmlns:a16="http://schemas.microsoft.com/office/drawing/2014/main" id="{22FCFEFD-88E5-4869-B5C3-1611B0B50E15}"/>
+              </a:ext>
+            </a:extLst>
+          </p:cNvPr>
+          <p:cNvSpPr>
+            <a:spLocks noGrp="1"/>
+          </p:cNvSpPr>
+          <p:nvPr>
+            <p:ph type="title"/>
+          </p:nvPr>
+        </p:nvSpPr>
+        <p:spPr/>
+        <p:txBody>
+          <a:bodyPr/>
+          <a:lstStyle>
+            <a:lvl1pPr>
+              <a:defRPr>
+                <a:solidFill>
+                  <a:schemeClr val="tx1"/>
+                </a:solidFill>
+              </a:defRPr>
+            </a:lvl1pPr>
+          </a:lstStyle>
+          <a:p>
+            <a:r>
+              <a:rPr lang="en-US"/>
+              <a:t>Click to edit Master title style</a:t>
+            </a:r>
+          </a:p>
+        </p:txBody>
+      </p:sp>
+      <p:sp>
+        <p:nvSpPr>
+          <p:cNvPr id="4" name="Subtitle">
+            <a:extLst>
+              <a:ext uri="{FF2B5EF4-FFF2-40B4-BE49-F238E27FC236}">
+                <a16:creationId xmlns:a16="http://schemas.microsoft.com/office/drawing/2014/main" id="{58A212C2-8B30-4835-8711-AA981B6CFBE1}"/>
+              </a:ext>
+            </a:extLst>
+          </p:cNvPr>
+          <p:cNvSpPr>
+            <a:spLocks noGrp="1"/>
+          </p:cNvSpPr>
+          <p:nvPr>
+            <p:ph sz="quarter" idx="10"/>
+          </p:nvPr>
+        </p:nvSpPr>
+        <p:spPr>
+          <a:xfrm>
+            <a:off x="584200" y="1435100"/>
+            <a:ext cx="11018838" cy="1612749"/>
+          </a:xfrm>
+        </p:spPr>
+        <p:txBody>
+          <a:bodyPr/>
+          <a:lstStyle>
+            <a:lvl1pPr marL="0" indent="0">
+              <a:buNone/>
+              <a:defRPr>
+                <a:solidFill>
+                  <a:schemeClr val="tx1"/>
+                </a:solidFill>
+              </a:defRPr>
+            </a:lvl1pPr>
+            <a:lvl2pPr>
+              <a:defRPr>
+                <a:solidFill>
+                  <a:schemeClr val="tx1"/>
+                </a:solidFill>
+              </a:defRPr>
+            </a:lvl2pPr>
+            <a:lvl3pPr>
+              <a:defRPr>
+                <a:solidFill>
+                  <a:schemeClr val="tx1"/>
+                </a:solidFill>
+              </a:defRPr>
+            </a:lvl3pPr>
+            <a:lvl4pPr>
+              <a:defRPr>
+                <a:solidFill>
+                  <a:schemeClr val="tx1"/>
+                </a:solidFill>
+              </a:defRPr>
+            </a:lvl4pPr>
+            <a:lvl5pPr>
+              <a:defRPr>
+                <a:solidFill>
+                  <a:schemeClr val="tx1"/>
+                </a:solidFill>
+              </a:defRPr>
+            </a:lvl5pPr>
+          </a:lstStyle>
+          <a:p>
+            <a:pPr lvl="0"/>
+            <a:r>
+              <a:rPr lang="en-US"/>
+              <a:t>Click to edit Master text styles</a:t>
+            </a:r>
+          </a:p>
+          <a:p>
+            <a:pPr lvl="1"/>
+            <a:r>
+              <a:rPr lang="en-US"/>
+              <a:t>Second level</a:t>
+            </a:r>
+          </a:p>
+          <a:p>
+            <a:pPr lvl="2"/>
+            <a:r>
+              <a:rPr lang="en-US"/>
+              <a:t>Third level</a:t>
+            </a:r>
+          </a:p>
+          <a:p>
+            <a:pPr lvl="3"/>
+            <a:r>
+              <a:rPr lang="en-US"/>
+              <a:t>Fourth level</a:t>
+            </a:r>
+          </a:p>
+          <a:p>
+            <a:pPr lvl="4"/>
+            <a:r>
+              <a:rPr lang="en-US"/>
+              <a:t>Fifth level</a:t>
+            </a:r>
+          </a:p>
+        </p:txBody>
+      </p:sp>
+      <p:sp>
+        <p:nvSpPr>
+          <p:cNvPr id="6" name="TextBox 5">
+            <a:extLst>
+              <a:ext uri="{FF2B5EF4-FFF2-40B4-BE49-F238E27FC236}">
+                <a16:creationId xmlns:a16="http://schemas.microsoft.com/office/drawing/2014/main" id="{4F9662A5-6E2F-47B0-9B6E-E87983D3753C}"/>
+              </a:ext>
+              <a:ext uri="{C183D7F6-B498-43B3-948B-1728B52AA6E4}">
+                <adec:decorative xmlns:adec="http://schemas.microsoft.com/office/drawing/2017/decorative" val="1"/>
+              </a:ext>
+            </a:extLst>
+          </p:cNvPr>
+          <p:cNvSpPr txBox="1"/>
+          <p:nvPr userDrawn="1"/>
+        </p:nvSpPr>
+        <p:spPr>
+          <a:xfrm>
+            <a:off x="12355721" y="-203944"/>
+            <a:ext cx="577081" cy="153888"/>
+          </a:xfrm>
+          <a:prstGeom prst="rect">
+            <a:avLst/>
+          </a:prstGeom>
+          <a:noFill/>
+        </p:spPr>
+        <p:txBody>
+          <a:bodyPr wrap="none" lIns="0" tIns="0" rIns="0" bIns="0" rtlCol="0">
+            <a:spAutoFit/>
+          </a:bodyPr>
+          <a:lstStyle>
+            <a:defPPr>
+              <a:defRPr lang="en-US"/>
+            </a:defPPr>
+          </a:lstStyle>
+          <a:p>
+            <a:pPr algn="l"/>
+            <a:r>
+              <a:rPr lang="en-US" sz="1000">
+                <a:solidFill>
+                  <a:srgbClr val="A3A3A3"/>
+                </a:solidFill>
+              </a:rPr>
+              <a:t>ELT layout</a:t>
+            </a:r>
+          </a:p>
+        </p:txBody>
+      </p:sp>
+    </p:spTree>
+    <p:extLst>
+      <p:ext uri="{BB962C8B-B14F-4D97-AF65-F5344CB8AC3E}">
+        <p14:creationId xmlns:p14="http://schemas.microsoft.com/office/powerpoint/2010/main" val="809243366"/>
+      </p:ext>
+    </p:extLst>
+  </p:cSld>
+  <p:clrMapOvr>
+    <a:masterClrMapping/>
+  </p:clrMapOvr>
+  <p:transition>
+    <p:fade/>
+  </p:transition>
+  <p:extLst>
+    <p:ext uri="{DCECCB84-F9BA-43D5-87BE-67443E8EF086}">
+      <p15:sldGuideLst xmlns:p15="http://schemas.microsoft.com/office/powerpoint/2012/main">
+        <p15:guide id="2" orient="horz" pos="1272">
+          <p15:clr>
+            <a:srgbClr val="5ACBF0"/>
+          </p15:clr>
+        </p15:guide>
+        <p15:guide id="3" orient="horz" pos="288">
+          <p15:clr>
+            <a:srgbClr val="5ACBF0"/>
+          </p15:clr>
+        </p15:guide>
+        <p15:guide id="5" orient="horz" pos="904">
+          <p15:clr>
+            <a:srgbClr val="5ACBF0"/>
+          </p15:clr>
+        </p15:guide>
+      </p15:sldGuideLst>
+    </p:ext>
+  </p:extLst>
+</p:sldLayout>
+</file>
+
+<file path=ppt/slideLayouts/slideLayout30.xml><?xml version="1.0" encoding="utf-8"?>
 <p:sldLayout xmlns:a="http://schemas.openxmlformats.org/drawingml/2006/main" xmlns:r="http://schemas.openxmlformats.org/officeDocument/2006/relationships" xmlns:p="http://schemas.openxmlformats.org/presentationml/2006/main" preserve="1" userDrawn="1">
   <p:cSld name="code_layout_fullscreen">
     <p:bg>
@@ -11398,7 +7833,7 @@
 </p:sldLayout>
 </file>
 
-<file path=ppt/slideLayouts/slideLayout42.xml><?xml version="1.0" encoding="utf-8"?>
+<file path=ppt/slideLayouts/slideLayout31.xml><?xml version="1.0" encoding="utf-8"?>
 <p:sldLayout xmlns:a="http://schemas.openxmlformats.org/drawingml/2006/main" xmlns:r="http://schemas.openxmlformats.org/officeDocument/2006/relationships" xmlns:p="http://schemas.openxmlformats.org/presentationml/2006/main" preserve="1" userDrawn="1">
   <p:cSld name="test">
     <p:bg>
@@ -11718,7 +8153,7 @@
 </p:sldLayout>
 </file>
 
-<file path=ppt/slideLayouts/slideLayout43.xml><?xml version="1.0" encoding="utf-8"?>
+<file path=ppt/slideLayouts/slideLayout32.xml><?xml version="1.0" encoding="utf-8"?>
 <p:sldLayout xmlns:a="http://schemas.openxmlformats.org/drawingml/2006/main" xmlns:r="http://schemas.openxmlformats.org/officeDocument/2006/relationships" xmlns:p="http://schemas.openxmlformats.org/presentationml/2006/main" preserve="1" userDrawn="1">
   <p:cSld name="code_layout">
     <p:bg>
@@ -12146,7 +8581,7 @@
 </p:sldLayout>
 </file>
 
-<file path=ppt/slideLayouts/slideLayout44.xml><?xml version="1.0" encoding="utf-8"?>
+<file path=ppt/slideLayouts/slideLayout33.xml><?xml version="1.0" encoding="utf-8"?>
 <p:sldLayout xmlns:a="http://schemas.openxmlformats.org/drawingml/2006/main" xmlns:r="http://schemas.openxmlformats.org/officeDocument/2006/relationships" xmlns:p="http://schemas.openxmlformats.org/presentationml/2006/main" preserve="1" userDrawn="1">
   <p:cSld name="Code Top">
     <p:bg>
@@ -12579,7 +9014,7 @@
 </p:sldLayout>
 </file>
 
-<file path=ppt/slideLayouts/slideLayout45.xml><?xml version="1.0" encoding="utf-8"?>
+<file path=ppt/slideLayouts/slideLayout34.xml><?xml version="1.0" encoding="utf-8"?>
 <p:sldLayout xmlns:a="http://schemas.openxmlformats.org/drawingml/2006/main" xmlns:r="http://schemas.openxmlformats.org/officeDocument/2006/relationships" xmlns:p="http://schemas.openxmlformats.org/presentationml/2006/main" preserve="1" userDrawn="1">
   <p:cSld name="Code Right side">
     <p:bg>
@@ -13034,7 +9469,7 @@
 </p:sldLayout>
 </file>
 
-<file path=ppt/slideLayouts/slideLayout46.xml><?xml version="1.0" encoding="utf-8"?>
+<file path=ppt/slideLayouts/slideLayout35.xml><?xml version="1.0" encoding="utf-8"?>
 <p:sldLayout xmlns:a="http://schemas.openxmlformats.org/drawingml/2006/main" xmlns:r="http://schemas.openxmlformats.org/officeDocument/2006/relationships" xmlns:p="http://schemas.openxmlformats.org/presentationml/2006/main" preserve="1" userDrawn="1">
   <p:cSld name="Code Left sde">
     <p:bg>
@@ -13489,7 +9924,7 @@
 </p:sldLayout>
 </file>
 
-<file path=ppt/slideLayouts/slideLayout47.xml><?xml version="1.0" encoding="utf-8"?>
+<file path=ppt/slideLayouts/slideLayout36.xml><?xml version="1.0" encoding="utf-8"?>
 <p:sldLayout xmlns:a="http://schemas.openxmlformats.org/drawingml/2006/main" xmlns:r="http://schemas.openxmlformats.org/officeDocument/2006/relationships" xmlns:p="http://schemas.openxmlformats.org/presentationml/2006/main" preserve="1" userDrawn="1">
   <p:cSld name="exercise_layout">
     <p:bg>
@@ -13731,7 +10166,7 @@
 </p:sldLayout>
 </file>
 
-<file path=ppt/slideLayouts/slideLayout48.xml><?xml version="1.0" encoding="utf-8"?>
+<file path=ppt/slideLayouts/slideLayout37.xml><?xml version="1.0" encoding="utf-8"?>
 <p:sldLayout xmlns:a="http://schemas.openxmlformats.org/drawingml/2006/main" xmlns:r="http://schemas.openxmlformats.org/officeDocument/2006/relationships" xmlns:p="http://schemas.openxmlformats.org/presentationml/2006/main" preserve="1" userDrawn="1">
   <p:cSld name="section_layout">
     <p:bg>
@@ -13920,7 +10355,7 @@
 </p:sldLayout>
 </file>
 
-<file path=ppt/slideLayouts/slideLayout49.xml><?xml version="1.0" encoding="utf-8"?>
+<file path=ppt/slideLayouts/slideLayout38.xml><?xml version="1.0" encoding="utf-8"?>
 <p:sldLayout xmlns:a="http://schemas.openxmlformats.org/drawingml/2006/main" xmlns:r="http://schemas.openxmlformats.org/officeDocument/2006/relationships" xmlns:p="http://schemas.openxmlformats.org/presentationml/2006/main" preserve="1" userDrawn="1">
   <p:cSld name="Section Title 2">
     <p:bg>
@@ -14040,422 +10475,7 @@
 </p:sldLayout>
 </file>
 
-<file path=ppt/slideLayouts/slideLayout5.xml><?xml version="1.0" encoding="utf-8"?>
-<p:sldLayout xmlns:a="http://schemas.openxmlformats.org/drawingml/2006/main" xmlns:r="http://schemas.openxmlformats.org/officeDocument/2006/relationships" xmlns:p="http://schemas.openxmlformats.org/presentationml/2006/main" type="twoTxTwoObj" preserve="1">
-  <p:cSld name="Comparison">
-    <p:spTree>
-      <p:nvGrpSpPr>
-        <p:cNvPr id="1" name=""/>
-        <p:cNvGrpSpPr/>
-        <p:nvPr/>
-      </p:nvGrpSpPr>
-      <p:grpSpPr>
-        <a:xfrm>
-          <a:off x="0" y="0"/>
-          <a:ext cx="0" cy="0"/>
-          <a:chOff x="0" y="0"/>
-          <a:chExt cx="0" cy="0"/>
-        </a:xfrm>
-      </p:grpSpPr>
-      <p:sp>
-        <p:nvSpPr>
-          <p:cNvPr id="2" name="Title 1">
-            <a:extLst>
-              <a:ext uri="{FF2B5EF4-FFF2-40B4-BE49-F238E27FC236}">
-                <a16:creationId xmlns:a16="http://schemas.microsoft.com/office/drawing/2014/main" id="{5F87CE22-9632-4CAA-ADFF-A5F8F2918806}"/>
-              </a:ext>
-            </a:extLst>
-          </p:cNvPr>
-          <p:cNvSpPr>
-            <a:spLocks noGrp="1"/>
-          </p:cNvSpPr>
-          <p:nvPr>
-            <p:ph type="title"/>
-          </p:nvPr>
-        </p:nvSpPr>
-        <p:spPr>
-          <a:xfrm>
-            <a:off x="839788" y="365125"/>
-            <a:ext cx="10515600" cy="1325563"/>
-          </a:xfrm>
-        </p:spPr>
-        <p:txBody>
-          <a:bodyPr/>
-          <a:lstStyle/>
-          <a:p>
-            <a:r>
-              <a:rPr lang="en-US"/>
-              <a:t>Click to edit Master title style</a:t>
-            </a:r>
-            <a:endParaRPr lang="en-AU"/>
-          </a:p>
-        </p:txBody>
-      </p:sp>
-      <p:sp>
-        <p:nvSpPr>
-          <p:cNvPr id="3" name="Text Placeholder 2">
-            <a:extLst>
-              <a:ext uri="{FF2B5EF4-FFF2-40B4-BE49-F238E27FC236}">
-                <a16:creationId xmlns:a16="http://schemas.microsoft.com/office/drawing/2014/main" id="{85E16F2F-F52C-42A5-9D70-726B1D2D3764}"/>
-              </a:ext>
-            </a:extLst>
-          </p:cNvPr>
-          <p:cNvSpPr>
-            <a:spLocks noGrp="1"/>
-          </p:cNvSpPr>
-          <p:nvPr>
-            <p:ph type="body" idx="1"/>
-          </p:nvPr>
-        </p:nvSpPr>
-        <p:spPr>
-          <a:xfrm>
-            <a:off x="839788" y="1681163"/>
-            <a:ext cx="5157787" cy="823912"/>
-          </a:xfrm>
-        </p:spPr>
-        <p:txBody>
-          <a:bodyPr anchor="b"/>
-          <a:lstStyle>
-            <a:lvl1pPr marL="0" indent="0">
-              <a:buNone/>
-              <a:defRPr sz="2400" b="1"/>
-            </a:lvl1pPr>
-            <a:lvl2pPr marL="457200" indent="0">
-              <a:buNone/>
-              <a:defRPr sz="2000" b="1"/>
-            </a:lvl2pPr>
-            <a:lvl3pPr marL="914400" indent="0">
-              <a:buNone/>
-              <a:defRPr sz="1800" b="1"/>
-            </a:lvl3pPr>
-            <a:lvl4pPr marL="1371600" indent="0">
-              <a:buNone/>
-              <a:defRPr sz="1600" b="1"/>
-            </a:lvl4pPr>
-            <a:lvl5pPr marL="1828800" indent="0">
-              <a:buNone/>
-              <a:defRPr sz="1600" b="1"/>
-            </a:lvl5pPr>
-            <a:lvl6pPr marL="2286000" indent="0">
-              <a:buNone/>
-              <a:defRPr sz="1600" b="1"/>
-            </a:lvl6pPr>
-            <a:lvl7pPr marL="2743200" indent="0">
-              <a:buNone/>
-              <a:defRPr sz="1600" b="1"/>
-            </a:lvl7pPr>
-            <a:lvl8pPr marL="3200400" indent="0">
-              <a:buNone/>
-              <a:defRPr sz="1600" b="1"/>
-            </a:lvl8pPr>
-            <a:lvl9pPr marL="3657600" indent="0">
-              <a:buNone/>
-              <a:defRPr sz="1600" b="1"/>
-            </a:lvl9pPr>
-          </a:lstStyle>
-          <a:p>
-            <a:pPr lvl="0"/>
-            <a:r>
-              <a:rPr lang="en-US"/>
-              <a:t>Click to edit Master text styles</a:t>
-            </a:r>
-          </a:p>
-        </p:txBody>
-      </p:sp>
-      <p:sp>
-        <p:nvSpPr>
-          <p:cNvPr id="4" name="Content Placeholder 3">
-            <a:extLst>
-              <a:ext uri="{FF2B5EF4-FFF2-40B4-BE49-F238E27FC236}">
-                <a16:creationId xmlns:a16="http://schemas.microsoft.com/office/drawing/2014/main" id="{F5F02D78-F7F9-464B-A16D-930EB73FEAE6}"/>
-              </a:ext>
-            </a:extLst>
-          </p:cNvPr>
-          <p:cNvSpPr>
-            <a:spLocks noGrp="1"/>
-          </p:cNvSpPr>
-          <p:nvPr>
-            <p:ph sz="half" idx="2"/>
-          </p:nvPr>
-        </p:nvSpPr>
-        <p:spPr>
-          <a:xfrm>
-            <a:off x="839788" y="2505075"/>
-            <a:ext cx="5157787" cy="3684588"/>
-          </a:xfrm>
-        </p:spPr>
-        <p:txBody>
-          <a:bodyPr/>
-          <a:lstStyle/>
-          <a:p>
-            <a:pPr lvl="0"/>
-            <a:r>
-              <a:rPr lang="en-US"/>
-              <a:t>Click to edit Master text styles</a:t>
-            </a:r>
-          </a:p>
-          <a:p>
-            <a:pPr lvl="1"/>
-            <a:r>
-              <a:rPr lang="en-US"/>
-              <a:t>Second level</a:t>
-            </a:r>
-          </a:p>
-          <a:p>
-            <a:pPr lvl="2"/>
-            <a:r>
-              <a:rPr lang="en-US"/>
-              <a:t>Third level</a:t>
-            </a:r>
-          </a:p>
-          <a:p>
-            <a:pPr lvl="3"/>
-            <a:r>
-              <a:rPr lang="en-US"/>
-              <a:t>Fourth level</a:t>
-            </a:r>
-          </a:p>
-          <a:p>
-            <a:pPr lvl="4"/>
-            <a:r>
-              <a:rPr lang="en-US"/>
-              <a:t>Fifth level</a:t>
-            </a:r>
-            <a:endParaRPr lang="en-AU"/>
-          </a:p>
-        </p:txBody>
-      </p:sp>
-      <p:sp>
-        <p:nvSpPr>
-          <p:cNvPr id="5" name="Text Placeholder 4">
-            <a:extLst>
-              <a:ext uri="{FF2B5EF4-FFF2-40B4-BE49-F238E27FC236}">
-                <a16:creationId xmlns:a16="http://schemas.microsoft.com/office/drawing/2014/main" id="{E25FCC97-231C-4762-80A7-7CA745F66F5B}"/>
-              </a:ext>
-            </a:extLst>
-          </p:cNvPr>
-          <p:cNvSpPr>
-            <a:spLocks noGrp="1"/>
-          </p:cNvSpPr>
-          <p:nvPr>
-            <p:ph type="body" sz="quarter" idx="3"/>
-          </p:nvPr>
-        </p:nvSpPr>
-        <p:spPr>
-          <a:xfrm>
-            <a:off x="6172200" y="1681163"/>
-            <a:ext cx="5183188" cy="823912"/>
-          </a:xfrm>
-        </p:spPr>
-        <p:txBody>
-          <a:bodyPr anchor="b"/>
-          <a:lstStyle>
-            <a:lvl1pPr marL="0" indent="0">
-              <a:buNone/>
-              <a:defRPr sz="2400" b="1"/>
-            </a:lvl1pPr>
-            <a:lvl2pPr marL="457200" indent="0">
-              <a:buNone/>
-              <a:defRPr sz="2000" b="1"/>
-            </a:lvl2pPr>
-            <a:lvl3pPr marL="914400" indent="0">
-              <a:buNone/>
-              <a:defRPr sz="1800" b="1"/>
-            </a:lvl3pPr>
-            <a:lvl4pPr marL="1371600" indent="0">
-              <a:buNone/>
-              <a:defRPr sz="1600" b="1"/>
-            </a:lvl4pPr>
-            <a:lvl5pPr marL="1828800" indent="0">
-              <a:buNone/>
-              <a:defRPr sz="1600" b="1"/>
-            </a:lvl5pPr>
-            <a:lvl6pPr marL="2286000" indent="0">
-              <a:buNone/>
-              <a:defRPr sz="1600" b="1"/>
-            </a:lvl6pPr>
-            <a:lvl7pPr marL="2743200" indent="0">
-              <a:buNone/>
-              <a:defRPr sz="1600" b="1"/>
-            </a:lvl7pPr>
-            <a:lvl8pPr marL="3200400" indent="0">
-              <a:buNone/>
-              <a:defRPr sz="1600" b="1"/>
-            </a:lvl8pPr>
-            <a:lvl9pPr marL="3657600" indent="0">
-              <a:buNone/>
-              <a:defRPr sz="1600" b="1"/>
-            </a:lvl9pPr>
-          </a:lstStyle>
-          <a:p>
-            <a:pPr lvl="0"/>
-            <a:r>
-              <a:rPr lang="en-US"/>
-              <a:t>Click to edit Master text styles</a:t>
-            </a:r>
-          </a:p>
-        </p:txBody>
-      </p:sp>
-      <p:sp>
-        <p:nvSpPr>
-          <p:cNvPr id="6" name="Content Placeholder 5">
-            <a:extLst>
-              <a:ext uri="{FF2B5EF4-FFF2-40B4-BE49-F238E27FC236}">
-                <a16:creationId xmlns:a16="http://schemas.microsoft.com/office/drawing/2014/main" id="{22247B2A-58F9-494D-8CEE-3EA3608D9DD3}"/>
-              </a:ext>
-            </a:extLst>
-          </p:cNvPr>
-          <p:cNvSpPr>
-            <a:spLocks noGrp="1"/>
-          </p:cNvSpPr>
-          <p:nvPr>
-            <p:ph sz="quarter" idx="4"/>
-          </p:nvPr>
-        </p:nvSpPr>
-        <p:spPr>
-          <a:xfrm>
-            <a:off x="6172200" y="2505075"/>
-            <a:ext cx="5183188" cy="3684588"/>
-          </a:xfrm>
-        </p:spPr>
-        <p:txBody>
-          <a:bodyPr/>
-          <a:lstStyle/>
-          <a:p>
-            <a:pPr lvl="0"/>
-            <a:r>
-              <a:rPr lang="en-US"/>
-              <a:t>Click to edit Master text styles</a:t>
-            </a:r>
-          </a:p>
-          <a:p>
-            <a:pPr lvl="1"/>
-            <a:r>
-              <a:rPr lang="en-US"/>
-              <a:t>Second level</a:t>
-            </a:r>
-          </a:p>
-          <a:p>
-            <a:pPr lvl="2"/>
-            <a:r>
-              <a:rPr lang="en-US"/>
-              <a:t>Third level</a:t>
-            </a:r>
-          </a:p>
-          <a:p>
-            <a:pPr lvl="3"/>
-            <a:r>
-              <a:rPr lang="en-US"/>
-              <a:t>Fourth level</a:t>
-            </a:r>
-          </a:p>
-          <a:p>
-            <a:pPr lvl="4"/>
-            <a:r>
-              <a:rPr lang="en-US"/>
-              <a:t>Fifth level</a:t>
-            </a:r>
-            <a:endParaRPr lang="en-AU"/>
-          </a:p>
-        </p:txBody>
-      </p:sp>
-      <p:sp>
-        <p:nvSpPr>
-          <p:cNvPr id="7" name="Date Placeholder 6">
-            <a:extLst>
-              <a:ext uri="{FF2B5EF4-FFF2-40B4-BE49-F238E27FC236}">
-                <a16:creationId xmlns:a16="http://schemas.microsoft.com/office/drawing/2014/main" id="{B3D6A7AB-BFB4-49E0-90BF-29443D5BD66E}"/>
-              </a:ext>
-            </a:extLst>
-          </p:cNvPr>
-          <p:cNvSpPr>
-            <a:spLocks noGrp="1"/>
-          </p:cNvSpPr>
-          <p:nvPr>
-            <p:ph type="dt" sz="half" idx="10"/>
-          </p:nvPr>
-        </p:nvSpPr>
-        <p:spPr/>
-        <p:txBody>
-          <a:bodyPr/>
-          <a:lstStyle/>
-          <a:p>
-            <a:fld id="{CEDABD4D-9266-40A2-8134-424B35C51FFB}" type="datetimeFigureOut">
-              <a:rPr lang="en-AU" smtClean="0"/>
-              <a:t>31/10/2020</a:t>
-            </a:fld>
-            <a:endParaRPr lang="en-AU"/>
-          </a:p>
-        </p:txBody>
-      </p:sp>
-      <p:sp>
-        <p:nvSpPr>
-          <p:cNvPr id="8" name="Footer Placeholder 7">
-            <a:extLst>
-              <a:ext uri="{FF2B5EF4-FFF2-40B4-BE49-F238E27FC236}">
-                <a16:creationId xmlns:a16="http://schemas.microsoft.com/office/drawing/2014/main" id="{810FF770-8F93-4250-8CC9-94CA7F0C4476}"/>
-              </a:ext>
-            </a:extLst>
-          </p:cNvPr>
-          <p:cNvSpPr>
-            <a:spLocks noGrp="1"/>
-          </p:cNvSpPr>
-          <p:nvPr>
-            <p:ph type="ftr" sz="quarter" idx="11"/>
-          </p:nvPr>
-        </p:nvSpPr>
-        <p:spPr/>
-        <p:txBody>
-          <a:bodyPr/>
-          <a:lstStyle/>
-          <a:p>
-            <a:endParaRPr lang="en-AU"/>
-          </a:p>
-        </p:txBody>
-      </p:sp>
-      <p:sp>
-        <p:nvSpPr>
-          <p:cNvPr id="9" name="Slide Number Placeholder 8">
-            <a:extLst>
-              <a:ext uri="{FF2B5EF4-FFF2-40B4-BE49-F238E27FC236}">
-                <a16:creationId xmlns:a16="http://schemas.microsoft.com/office/drawing/2014/main" id="{7F13638E-5047-416E-82D3-5A37EA80905A}"/>
-              </a:ext>
-            </a:extLst>
-          </p:cNvPr>
-          <p:cNvSpPr>
-            <a:spLocks noGrp="1"/>
-          </p:cNvSpPr>
-          <p:nvPr>
-            <p:ph type="sldNum" sz="quarter" idx="12"/>
-          </p:nvPr>
-        </p:nvSpPr>
-        <p:spPr/>
-        <p:txBody>
-          <a:bodyPr/>
-          <a:lstStyle/>
-          <a:p>
-            <a:fld id="{F8A3CFEC-82BA-4ACC-BF15-DA4DFD18E398}" type="slidenum">
-              <a:rPr lang="en-AU" smtClean="0"/>
-              <a:t>‹#›</a:t>
-            </a:fld>
-            <a:endParaRPr lang="en-AU"/>
-          </a:p>
-        </p:txBody>
-      </p:sp>
-    </p:spTree>
-    <p:extLst>
-      <p:ext uri="{BB962C8B-B14F-4D97-AF65-F5344CB8AC3E}">
-        <p14:creationId xmlns:p14="http://schemas.microsoft.com/office/powerpoint/2010/main" val="3042787955"/>
-      </p:ext>
-    </p:extLst>
-  </p:cSld>
-  <p:clrMapOvr>
-    <a:masterClrMapping/>
-  </p:clrMapOvr>
-</p:sldLayout>
-</file>
-
-<file path=ppt/slideLayouts/slideLayout50.xml><?xml version="1.0" encoding="utf-8"?>
+<file path=ppt/slideLayouts/slideLayout39.xml><?xml version="1.0" encoding="utf-8"?>
 <p:sldLayout xmlns:a="http://schemas.openxmlformats.org/drawingml/2006/main" xmlns:r="http://schemas.openxmlformats.org/officeDocument/2006/relationships" xmlns:p="http://schemas.openxmlformats.org/presentationml/2006/main" preserve="1" userDrawn="1">
   <p:cSld name="Blank">
     <p:spTree>
@@ -14619,7 +10639,168 @@
 </p:sldLayout>
 </file>
 
-<file path=ppt/slideLayouts/slideLayout51.xml><?xml version="1.0" encoding="utf-8"?>
+<file path=ppt/slideLayouts/slideLayout4.xml><?xml version="1.0" encoding="utf-8"?>
+<p:sldLayout xmlns:a="http://schemas.openxmlformats.org/drawingml/2006/main" xmlns:r="http://schemas.openxmlformats.org/officeDocument/2006/relationships" xmlns:p="http://schemas.openxmlformats.org/presentationml/2006/main" preserve="1" userDrawn="1">
+  <p:cSld name="Title &amp; Non-bulleted text">
+    <p:spTree>
+      <p:nvGrpSpPr>
+        <p:cNvPr id="1" name=""/>
+        <p:cNvGrpSpPr/>
+        <p:nvPr/>
+      </p:nvGrpSpPr>
+      <p:grpSpPr>
+        <a:xfrm>
+          <a:off x="0" y="0"/>
+          <a:ext cx="0" cy="0"/>
+          <a:chOff x="0" y="0"/>
+          <a:chExt cx="0" cy="0"/>
+        </a:xfrm>
+      </p:grpSpPr>
+      <p:sp>
+        <p:nvSpPr>
+          <p:cNvPr id="7" name="Title">
+            <a:extLst>
+              <a:ext uri="{FF2B5EF4-FFF2-40B4-BE49-F238E27FC236}">
+                <a16:creationId xmlns:a16="http://schemas.microsoft.com/office/drawing/2014/main" id="{34B655BA-10A4-4A57-89DB-CFFBE1CA1E33}"/>
+              </a:ext>
+            </a:extLst>
+          </p:cNvPr>
+          <p:cNvSpPr>
+            <a:spLocks noGrp="1"/>
+          </p:cNvSpPr>
+          <p:nvPr>
+            <p:ph type="title"/>
+          </p:nvPr>
+        </p:nvSpPr>
+        <p:spPr/>
+        <p:txBody>
+          <a:bodyPr/>
+          <a:lstStyle/>
+          <a:p>
+            <a:r>
+              <a:rPr lang="en-US"/>
+              <a:t>Click to edit Master title style</a:t>
+            </a:r>
+          </a:p>
+        </p:txBody>
+      </p:sp>
+      <p:sp>
+        <p:nvSpPr>
+          <p:cNvPr id="4" name="Subtitle"/>
+          <p:cNvSpPr>
+            <a:spLocks noGrp="1"/>
+          </p:cNvSpPr>
+          <p:nvPr>
+            <p:ph type="body" sz="quarter" idx="10"/>
+          </p:nvPr>
+        </p:nvSpPr>
+        <p:spPr>
+          <a:xfrm>
+            <a:off x="586390" y="1434370"/>
+            <a:ext cx="11018520" cy="2308324"/>
+          </a:xfrm>
+        </p:spPr>
+        <p:txBody>
+          <a:bodyPr wrap="square">
+            <a:spAutoFit/>
+          </a:bodyPr>
+          <a:lstStyle>
+            <a:lvl1pPr marL="0" indent="0">
+              <a:buNone/>
+              <a:defRPr/>
+            </a:lvl1pPr>
+            <a:lvl2pPr marL="228600" indent="0">
+              <a:buNone/>
+              <a:defRPr/>
+            </a:lvl2pPr>
+            <a:lvl3pPr marL="457200" indent="0">
+              <a:buNone/>
+              <a:defRPr/>
+            </a:lvl3pPr>
+            <a:lvl4pPr marL="685800" indent="0">
+              <a:buNone/>
+              <a:defRPr/>
+            </a:lvl4pPr>
+            <a:lvl5pPr marL="914400" indent="0">
+              <a:buNone/>
+              <a:defRPr/>
+            </a:lvl5pPr>
+          </a:lstStyle>
+          <a:p>
+            <a:pPr lvl="0"/>
+            <a:r>
+              <a:rPr lang="en-US"/>
+              <a:t>Click to edit Master text styles</a:t>
+            </a:r>
+          </a:p>
+          <a:p>
+            <a:pPr lvl="1"/>
+            <a:r>
+              <a:rPr lang="en-US"/>
+              <a:t>Second level</a:t>
+            </a:r>
+          </a:p>
+          <a:p>
+            <a:pPr lvl="2"/>
+            <a:r>
+              <a:rPr lang="en-US"/>
+              <a:t>Third level</a:t>
+            </a:r>
+          </a:p>
+          <a:p>
+            <a:pPr lvl="3"/>
+            <a:r>
+              <a:rPr lang="en-US"/>
+              <a:t>Fourth level</a:t>
+            </a:r>
+          </a:p>
+          <a:p>
+            <a:pPr lvl="4"/>
+            <a:r>
+              <a:rPr lang="en-US"/>
+              <a:t>Fifth level</a:t>
+            </a:r>
+          </a:p>
+        </p:txBody>
+      </p:sp>
+    </p:spTree>
+    <p:extLst>
+      <p:ext uri="{BB962C8B-B14F-4D97-AF65-F5344CB8AC3E}">
+        <p14:creationId xmlns:p14="http://schemas.microsoft.com/office/powerpoint/2010/main" val="3070812738"/>
+      </p:ext>
+    </p:extLst>
+  </p:cSld>
+  <p:clrMapOvr>
+    <a:masterClrMapping/>
+  </p:clrMapOvr>
+  <p:transition>
+    <p:fade/>
+  </p:transition>
+  <p:extLst>
+    <p:ext uri="{DCECCB84-F9BA-43D5-87BE-67443E8EF086}">
+      <p15:sldGuideLst xmlns:p15="http://schemas.microsoft.com/office/powerpoint/2012/main">
+        <p15:guide id="1" orient="horz" pos="288">
+          <p15:clr>
+            <a:srgbClr val="5ACBF0"/>
+          </p15:clr>
+        </p15:guide>
+        <p15:guide id="2" orient="horz" pos="905">
+          <p15:clr>
+            <a:srgbClr val="5ACBF0"/>
+          </p15:clr>
+        </p15:guide>
+        <p15:guide id="4" orient="horz" pos="1272">
+          <p15:clr>
+            <a:srgbClr val="5ACBF0"/>
+          </p15:clr>
+        </p15:guide>
+      </p15:sldGuideLst>
+    </p:ext>
+  </p:extLst>
+</p:sldLayout>
+</file>
+
+<file path=ppt/slideLayouts/slideLayout40.xml><?xml version="1.0" encoding="utf-8"?>
 <p:sldLayout xmlns:a="http://schemas.openxmlformats.org/drawingml/2006/main" xmlns:r="http://schemas.openxmlformats.org/officeDocument/2006/relationships" xmlns:p="http://schemas.openxmlformats.org/presentationml/2006/main" preserve="1" userDrawn="1">
   <p:cSld name=" Blank 2">
     <p:bg>
@@ -14788,7 +10969,7 @@
 </p:sldLayout>
 </file>
 
-<file path=ppt/slideLayouts/slideLayout52.xml><?xml version="1.0" encoding="utf-8"?>
+<file path=ppt/slideLayouts/slideLayout41.xml><?xml version="1.0" encoding="utf-8"?>
 <p:sldLayout xmlns:a="http://schemas.openxmlformats.org/drawingml/2006/main" xmlns:r="http://schemas.openxmlformats.org/officeDocument/2006/relationships" xmlns:p="http://schemas.openxmlformats.org/presentationml/2006/main" preserve="1" userDrawn="1">
   <p:cSld name="closing_layout">
     <p:bg>
@@ -14910,7 +11091,7 @@
 </p:sldLayout>
 </file>
 
-<file path=ppt/slideLayouts/slideLayout53.xml><?xml version="1.0" encoding="utf-8"?>
+<file path=ppt/slideLayouts/slideLayout42.xml><?xml version="1.0" encoding="utf-8"?>
 <p:sldLayout xmlns:a="http://schemas.openxmlformats.org/drawingml/2006/main" xmlns:r="http://schemas.openxmlformats.org/officeDocument/2006/relationships" xmlns:p="http://schemas.openxmlformats.org/presentationml/2006/main" preserve="1" userDrawn="1">
   <p:cSld name="Black Notes slide Layout">
     <p:bg bwMode="gray">
@@ -15137,7 +11318,7 @@
 </p:sldLayout>
 </file>
 
-<file path=ppt/slideLayouts/slideLayout54.xml><?xml version="1.0" encoding="utf-8"?>
+<file path=ppt/slideLayouts/slideLayout43.xml><?xml version="1.0" encoding="utf-8"?>
 <p:sldLayout xmlns:a="http://schemas.openxmlformats.org/drawingml/2006/main" xmlns:r="http://schemas.openxmlformats.org/officeDocument/2006/relationships" xmlns:p="http://schemas.openxmlformats.org/presentationml/2006/main" preserve="1" userDrawn="1">
   <p:cSld name="Code Bottom">
     <p:bg>
@@ -15563,7 +11744,7 @@
 </p:sldLayout>
 </file>
 
-<file path=ppt/slideLayouts/slideLayout55.xml><?xml version="1.0" encoding="utf-8"?>
+<file path=ppt/slideLayouts/slideLayout44.xml><?xml version="1.0" encoding="utf-8"?>
 <p:sldLayout xmlns:a="http://schemas.openxmlformats.org/drawingml/2006/main" xmlns:r="http://schemas.openxmlformats.org/officeDocument/2006/relationships" xmlns:p="http://schemas.openxmlformats.org/presentationml/2006/main" userDrawn="1">
   <p:cSld name="Call to action">
     <p:bg>
@@ -15893,7 +12074,7 @@
 </p:sldLayout>
 </file>
 
-<file path=ppt/slideLayouts/slideLayout56.xml><?xml version="1.0" encoding="utf-8"?>
+<file path=ppt/slideLayouts/slideLayout45.xml><?xml version="1.0" encoding="utf-8"?>
 <p:sldLayout xmlns:a="http://schemas.openxmlformats.org/drawingml/2006/main" xmlns:r="http://schemas.openxmlformats.org/officeDocument/2006/relationships" xmlns:p="http://schemas.openxmlformats.org/presentationml/2006/main" userDrawn="1">
   <p:cSld name="1_Title Slide">
     <p:spTree>
@@ -15972,7 +12153,7 @@
 </p:sldLayout>
 </file>
 
-<file path=ppt/slideLayouts/slideLayout57.xml><?xml version="1.0" encoding="utf-8"?>
+<file path=ppt/slideLayouts/slideLayout46.xml><?xml version="1.0" encoding="utf-8"?>
 <p:sldLayout xmlns:a="http://schemas.openxmlformats.org/drawingml/2006/main" xmlns:r="http://schemas.openxmlformats.org/officeDocument/2006/relationships" xmlns:p="http://schemas.openxmlformats.org/presentationml/2006/main" userDrawn="1">
   <p:cSld name="Title &amp; body slide">
     <p:spTree>
@@ -16190,7 +12371,7 @@
 </p:sldLayout>
 </file>
 
-<file path=ppt/slideLayouts/slideLayout58.xml><?xml version="1.0" encoding="utf-8"?>
+<file path=ppt/slideLayouts/slideLayout47.xml><?xml version="1.0" encoding="utf-8"?>
 <p:sldLayout xmlns:a="http://schemas.openxmlformats.org/drawingml/2006/main" xmlns:r="http://schemas.openxmlformats.org/officeDocument/2006/relationships" xmlns:p="http://schemas.openxmlformats.org/presentationml/2006/main" userDrawn="1">
   <p:cSld name="Section Title diagonal">
     <p:spTree>
@@ -16451,7 +12632,7 @@
 </p:sldLayout>
 </file>
 
-<file path=ppt/slideLayouts/slideLayout59.xml><?xml version="1.0" encoding="utf-8"?>
+<file path=ppt/slideLayouts/slideLayout48.xml><?xml version="1.0" encoding="utf-8"?>
 <p:sldLayout xmlns:a="http://schemas.openxmlformats.org/drawingml/2006/main" xmlns:r="http://schemas.openxmlformats.org/officeDocument/2006/relationships" xmlns:p="http://schemas.openxmlformats.org/presentationml/2006/main" type="title">
   <p:cSld name="Title Slide">
     <p:bg>
@@ -16681,9 +12862,272 @@
 </p:sldLayout>
 </file>
 
+<file path=ppt/slideLayouts/slideLayout5.xml><?xml version="1.0" encoding="utf-8"?>
+<p:sldLayout xmlns:a="http://schemas.openxmlformats.org/drawingml/2006/main" xmlns:r="http://schemas.openxmlformats.org/officeDocument/2006/relationships" xmlns:p="http://schemas.openxmlformats.org/presentationml/2006/main" preserve="1" userDrawn="1">
+  <p:cSld name="Two Column Bullet text">
+    <p:spTree>
+      <p:nvGrpSpPr>
+        <p:cNvPr id="1" name=""/>
+        <p:cNvGrpSpPr/>
+        <p:nvPr/>
+      </p:nvGrpSpPr>
+      <p:grpSpPr>
+        <a:xfrm>
+          <a:off x="0" y="0"/>
+          <a:ext cx="0" cy="0"/>
+          <a:chOff x="0" y="0"/>
+          <a:chExt cx="0" cy="0"/>
+        </a:xfrm>
+      </p:grpSpPr>
+      <p:sp>
+        <p:nvSpPr>
+          <p:cNvPr id="2" name="Title">
+            <a:extLst>
+              <a:ext uri="{FF2B5EF4-FFF2-40B4-BE49-F238E27FC236}">
+                <a16:creationId xmlns:a16="http://schemas.microsoft.com/office/drawing/2014/main" id="{A1BE2550-DA43-453C-A328-33C740E65403}"/>
+              </a:ext>
+            </a:extLst>
+          </p:cNvPr>
+          <p:cNvSpPr>
+            <a:spLocks noGrp="1"/>
+          </p:cNvSpPr>
+          <p:nvPr>
+            <p:ph type="title"/>
+          </p:nvPr>
+        </p:nvSpPr>
+        <p:spPr/>
+        <p:txBody>
+          <a:bodyPr/>
+          <a:lstStyle/>
+          <a:p>
+            <a:r>
+              <a:rPr lang="en-US"/>
+              <a:t>Click to edit Master title style</a:t>
+            </a:r>
+          </a:p>
+        </p:txBody>
+      </p:sp>
+      <p:sp>
+        <p:nvSpPr>
+          <p:cNvPr id="5" name="ContentBlock1">
+            <a:extLst>
+              <a:ext uri="{FF2B5EF4-FFF2-40B4-BE49-F238E27FC236}">
+                <a16:creationId xmlns:a16="http://schemas.microsoft.com/office/drawing/2014/main" id="{14B7A288-CDAC-4184-9F73-137C95F5E643}"/>
+              </a:ext>
+            </a:extLst>
+          </p:cNvPr>
+          <p:cNvSpPr>
+            <a:spLocks noGrp="1"/>
+          </p:cNvSpPr>
+          <p:nvPr>
+            <p:ph sz="quarter" idx="12"/>
+          </p:nvPr>
+        </p:nvSpPr>
+        <p:spPr>
+          <a:xfrm>
+            <a:off x="584200" y="1435100"/>
+            <a:ext cx="5211763" cy="4833938"/>
+          </a:xfrm>
+        </p:spPr>
+        <p:txBody>
+          <a:bodyPr/>
+          <a:lstStyle/>
+          <a:p>
+            <a:pPr lvl="0"/>
+            <a:r>
+              <a:rPr lang="en-US"/>
+              <a:t>Click to edit Master text styles</a:t>
+            </a:r>
+          </a:p>
+          <a:p>
+            <a:pPr lvl="1"/>
+            <a:r>
+              <a:rPr lang="en-US"/>
+              <a:t>Second level</a:t>
+            </a:r>
+          </a:p>
+          <a:p>
+            <a:pPr lvl="2"/>
+            <a:r>
+              <a:rPr lang="en-US"/>
+              <a:t>Third level</a:t>
+            </a:r>
+          </a:p>
+          <a:p>
+            <a:pPr lvl="3"/>
+            <a:r>
+              <a:rPr lang="en-US"/>
+              <a:t>Fourth level</a:t>
+            </a:r>
+          </a:p>
+          <a:p>
+            <a:pPr lvl="4"/>
+            <a:r>
+              <a:rPr lang="en-US"/>
+              <a:t>Fifth level</a:t>
+            </a:r>
+          </a:p>
+        </p:txBody>
+      </p:sp>
+      <p:sp>
+        <p:nvSpPr>
+          <p:cNvPr id="9" name="ContentBlock2">
+            <a:extLst>
+              <a:ext uri="{FF2B5EF4-FFF2-40B4-BE49-F238E27FC236}">
+                <a16:creationId xmlns:a16="http://schemas.microsoft.com/office/drawing/2014/main" id="{CEC22105-78D6-4753-94FA-3DA949361A95}"/>
+              </a:ext>
+            </a:extLst>
+          </p:cNvPr>
+          <p:cNvSpPr>
+            <a:spLocks noGrp="1"/>
+          </p:cNvSpPr>
+          <p:nvPr>
+            <p:ph sz="quarter" idx="13"/>
+          </p:nvPr>
+        </p:nvSpPr>
+        <p:spPr>
+          <a:xfrm>
+            <a:off x="6389688" y="1435100"/>
+            <a:ext cx="5219700" cy="4833938"/>
+          </a:xfrm>
+        </p:spPr>
+        <p:txBody>
+          <a:bodyPr/>
+          <a:lstStyle/>
+          <a:p>
+            <a:pPr lvl="0"/>
+            <a:r>
+              <a:rPr lang="en-US"/>
+              <a:t>Click to edit Master text styles</a:t>
+            </a:r>
+          </a:p>
+          <a:p>
+            <a:pPr lvl="1"/>
+            <a:r>
+              <a:rPr lang="en-US"/>
+              <a:t>Second level</a:t>
+            </a:r>
+          </a:p>
+          <a:p>
+            <a:pPr lvl="2"/>
+            <a:r>
+              <a:rPr lang="en-US"/>
+              <a:t>Third level</a:t>
+            </a:r>
+          </a:p>
+          <a:p>
+            <a:pPr lvl="3"/>
+            <a:r>
+              <a:rPr lang="en-US"/>
+              <a:t>Fourth level</a:t>
+            </a:r>
+          </a:p>
+          <a:p>
+            <a:pPr lvl="4"/>
+            <a:r>
+              <a:rPr lang="en-US"/>
+              <a:t>Fifth level</a:t>
+            </a:r>
+          </a:p>
+        </p:txBody>
+      </p:sp>
+      <p:sp>
+        <p:nvSpPr>
+          <p:cNvPr id="6" name="TextBox 5">
+            <a:extLst>
+              <a:ext uri="{FF2B5EF4-FFF2-40B4-BE49-F238E27FC236}">
+                <a16:creationId xmlns:a16="http://schemas.microsoft.com/office/drawing/2014/main" id="{5F6A123D-3A27-499F-9210-3E0D7CED39C6}"/>
+              </a:ext>
+              <a:ext uri="{C183D7F6-B498-43B3-948B-1728B52AA6E4}">
+                <adec:decorative xmlns:adec="http://schemas.microsoft.com/office/drawing/2017/decorative" val="1"/>
+              </a:ext>
+            </a:extLst>
+          </p:cNvPr>
+          <p:cNvSpPr txBox="1"/>
+          <p:nvPr userDrawn="1"/>
+        </p:nvSpPr>
+        <p:spPr>
+          <a:xfrm>
+            <a:off x="12355721" y="-203944"/>
+            <a:ext cx="577081" cy="153888"/>
+          </a:xfrm>
+          <a:prstGeom prst="rect">
+            <a:avLst/>
+          </a:prstGeom>
+          <a:noFill/>
+        </p:spPr>
+        <p:txBody>
+          <a:bodyPr wrap="none" lIns="0" tIns="0" rIns="0" bIns="0" rtlCol="0">
+            <a:spAutoFit/>
+          </a:bodyPr>
+          <a:lstStyle>
+            <a:defPPr>
+              <a:defRPr lang="en-US"/>
+            </a:defPPr>
+          </a:lstStyle>
+          <a:p>
+            <a:pPr algn="l"/>
+            <a:r>
+              <a:rPr lang="en-US" sz="1000">
+                <a:solidFill>
+                  <a:srgbClr val="A3A3A3"/>
+                </a:solidFill>
+              </a:rPr>
+              <a:t>ELT layout</a:t>
+            </a:r>
+          </a:p>
+        </p:txBody>
+      </p:sp>
+    </p:spTree>
+    <p:extLst>
+      <p:ext uri="{BB962C8B-B14F-4D97-AF65-F5344CB8AC3E}">
+        <p14:creationId xmlns:p14="http://schemas.microsoft.com/office/powerpoint/2010/main" val="2082638144"/>
+      </p:ext>
+    </p:extLst>
+  </p:cSld>
+  <p:clrMapOvr>
+    <a:masterClrMapping/>
+  </p:clrMapOvr>
+  <p:transition>
+    <p:fade/>
+  </p:transition>
+  <p:extLst>
+    <p:ext uri="{DCECCB84-F9BA-43D5-87BE-67443E8EF086}">
+      <p15:sldGuideLst xmlns:p15="http://schemas.microsoft.com/office/powerpoint/2012/main">
+        <p15:guide id="1" orient="horz" pos="288">
+          <p15:clr>
+            <a:srgbClr val="5ACBF0"/>
+          </p15:clr>
+        </p15:guide>
+        <p15:guide id="2" orient="horz" pos="1276">
+          <p15:clr>
+            <a:srgbClr val="5ACBF0"/>
+          </p15:clr>
+        </p15:guide>
+        <p15:guide id="3" orient="horz" pos="905">
+          <p15:clr>
+            <a:srgbClr val="5ACBF0"/>
+          </p15:clr>
+        </p15:guide>
+        <p15:guide id="4" pos="3660">
+          <p15:clr>
+            <a:srgbClr val="5ACBF0"/>
+          </p15:clr>
+        </p15:guide>
+        <p15:guide id="5" pos="4024">
+          <p15:clr>
+            <a:srgbClr val="5ACBF0"/>
+          </p15:clr>
+        </p15:guide>
+      </p15:sldGuideLst>
+    </p:ext>
+  </p:extLst>
+</p:sldLayout>
+</file>
+
 <file path=ppt/slideLayouts/slideLayout6.xml><?xml version="1.0" encoding="utf-8"?>
-<p:sldLayout xmlns:a="http://schemas.openxmlformats.org/drawingml/2006/main" xmlns:r="http://schemas.openxmlformats.org/officeDocument/2006/relationships" xmlns:p="http://schemas.openxmlformats.org/presentationml/2006/main" type="titleOnly" preserve="1">
-  <p:cSld name="Title Only">
+<p:sldLayout xmlns:a="http://schemas.openxmlformats.org/drawingml/2006/main" xmlns:r="http://schemas.openxmlformats.org/officeDocument/2006/relationships" xmlns:p="http://schemas.openxmlformats.org/presentationml/2006/main" preserve="1" userDrawn="1">
+  <p:cSld name="Two Column Non-bulleted text">
     <p:spTree>
       <p:nvGrpSpPr>
         <p:cNvPr id="1" name=""/>
@@ -16703,7 +13147,7 @@
           <p:cNvPr id="2" name="Title 1">
             <a:extLst>
               <a:ext uri="{FF2B5EF4-FFF2-40B4-BE49-F238E27FC236}">
-                <a16:creationId xmlns:a16="http://schemas.microsoft.com/office/drawing/2014/main" id="{1E7E1BC9-587B-40C7-B079-367FF8FD1FA2}"/>
+                <a16:creationId xmlns:a16="http://schemas.microsoft.com/office/drawing/2014/main" id="{8D876633-3E8D-4CF4-A5D4-D4E9D88A6DE0}"/>
               </a:ext>
             </a:extLst>
           </p:cNvPr>
@@ -16714,7 +13158,12 @@
             <p:ph type="title"/>
           </p:nvPr>
         </p:nvSpPr>
-        <p:spPr/>
+        <p:spPr>
+          <a:xfrm>
+            <a:off x="588263" y="457200"/>
+            <a:ext cx="11018520" cy="553998"/>
+          </a:xfrm>
+        </p:spPr>
         <p:txBody>
           <a:bodyPr/>
           <a:lstStyle/>
@@ -16723,16 +13172,108 @@
               <a:rPr lang="en-US"/>
               <a:t>Click to edit Master title style</a:t>
             </a:r>
-            <a:endParaRPr lang="en-AU"/>
           </a:p>
         </p:txBody>
       </p:sp>
       <p:sp>
         <p:nvSpPr>
-          <p:cNvPr id="3" name="Date Placeholder 2">
+          <p:cNvPr id="4" name="Text Placeholder 3"/>
+          <p:cNvSpPr>
+            <a:spLocks noGrp="1"/>
+          </p:cNvSpPr>
+          <p:nvPr>
+            <p:ph type="body" sz="quarter" idx="10"/>
+          </p:nvPr>
+        </p:nvSpPr>
+        <p:spPr>
+          <a:xfrm>
+            <a:off x="584200" y="1435100"/>
+            <a:ext cx="5212080" cy="1649682"/>
+          </a:xfrm>
+        </p:spPr>
+        <p:txBody>
+          <a:bodyPr wrap="square">
+            <a:spAutoFit/>
+          </a:bodyPr>
+          <a:lstStyle>
+            <a:lvl1pPr marL="0" indent="0">
+              <a:spcBef>
+                <a:spcPts val="1224"/>
+              </a:spcBef>
+              <a:buClr>
+                <a:schemeClr val="tx1"/>
+              </a:buClr>
+              <a:buFont typeface="Wingdings" panose="05000000000000000000" pitchFamily="2" charset="2"/>
+              <a:buNone/>
+              <a:defRPr sz="2800" b="0">
+                <a:latin typeface="Segoe UI" panose="020B0502040204020203" pitchFamily="34" charset="0"/>
+                <a:cs typeface="Segoe UI" pitchFamily="34" charset="0"/>
+              </a:defRPr>
+            </a:lvl1pPr>
+            <a:lvl2pPr marL="255588" indent="0">
+              <a:buFont typeface="Wingdings" panose="05000000000000000000" pitchFamily="2" charset="2"/>
+              <a:buNone/>
+              <a:defRPr sz="2000" b="0"/>
+            </a:lvl2pPr>
+            <a:lvl3pPr marL="450850" indent="0">
+              <a:buFont typeface="Wingdings" panose="05000000000000000000" pitchFamily="2" charset="2"/>
+              <a:buNone/>
+              <a:defRPr sz="1600" b="0"/>
+            </a:lvl3pPr>
+            <a:lvl4pPr marL="652462" indent="0">
+              <a:buFont typeface="Wingdings" panose="05000000000000000000" pitchFamily="2" charset="2"/>
+              <a:buNone/>
+              <a:defRPr sz="1400" b="0"/>
+            </a:lvl4pPr>
+            <a:lvl5pPr marL="854075" indent="0">
+              <a:buFont typeface="Wingdings" panose="05000000000000000000" pitchFamily="2" charset="2"/>
+              <a:buNone/>
+              <a:defRPr sz="1400" b="0"/>
+            </a:lvl5pPr>
+          </a:lstStyle>
+          <a:p>
+            <a:pPr lvl="0"/>
+            <a:r>
+              <a:rPr lang="en-US"/>
+              <a:t>Click to edit Master text styles</a:t>
+            </a:r>
+          </a:p>
+          <a:p>
+            <a:pPr lvl="1"/>
+            <a:r>
+              <a:rPr lang="en-US"/>
+              <a:t>Second level</a:t>
+            </a:r>
+          </a:p>
+          <a:p>
+            <a:pPr lvl="2"/>
+            <a:r>
+              <a:rPr lang="en-US"/>
+              <a:t>Third level</a:t>
+            </a:r>
+          </a:p>
+          <a:p>
+            <a:pPr lvl="3"/>
+            <a:r>
+              <a:rPr lang="en-US"/>
+              <a:t>Fourth level</a:t>
+            </a:r>
+          </a:p>
+          <a:p>
+            <a:pPr lvl="4"/>
+            <a:r>
+              <a:rPr lang="en-US"/>
+              <a:t>Fifth level</a:t>
+            </a:r>
+          </a:p>
+        </p:txBody>
+      </p:sp>
+      <p:sp>
+        <p:nvSpPr>
+          <p:cNvPr id="6" name="Text Placeholder 3">
             <a:extLst>
               <a:ext uri="{FF2B5EF4-FFF2-40B4-BE49-F238E27FC236}">
-                <a16:creationId xmlns:a16="http://schemas.microsoft.com/office/drawing/2014/main" id="{88807261-E9A1-47E3-BB01-625BF0335BF6}"/>
+                <a16:creationId xmlns:a16="http://schemas.microsoft.com/office/drawing/2014/main" id="{8E9CDCB4-03E1-4763-B83E-A1334BCDB0C0}"/>
               </a:ext>
             </a:extLst>
           </p:cNvPr>
@@ -16740,205 +13281,142 @@
             <a:spLocks noGrp="1"/>
           </p:cNvSpPr>
           <p:nvPr>
-            <p:ph type="dt" sz="half" idx="10"/>
+            <p:ph type="body" sz="quarter" idx="12"/>
           </p:nvPr>
         </p:nvSpPr>
-        <p:spPr/>
+        <p:spPr>
+          <a:xfrm>
+            <a:off x="6397171" y="1435100"/>
+            <a:ext cx="5212080" cy="1649682"/>
+          </a:xfrm>
+        </p:spPr>
         <p:txBody>
-          <a:bodyPr/>
-          <a:lstStyle/>
-          <a:p>
-            <a:fld id="{CEDABD4D-9266-40A2-8134-424B35C51FFB}" type="datetimeFigureOut">
-              <a:rPr lang="en-AU" smtClean="0"/>
-              <a:t>31/10/2020</a:t>
-            </a:fld>
-            <a:endParaRPr lang="en-AU"/>
-          </a:p>
-        </p:txBody>
-      </p:sp>
-      <p:sp>
-        <p:nvSpPr>
-          <p:cNvPr id="4" name="Footer Placeholder 3">
-            <a:extLst>
-              <a:ext uri="{FF2B5EF4-FFF2-40B4-BE49-F238E27FC236}">
-                <a16:creationId xmlns:a16="http://schemas.microsoft.com/office/drawing/2014/main" id="{FD13AB3C-ED76-4857-9836-06765CDCEDF8}"/>
-              </a:ext>
-            </a:extLst>
-          </p:cNvPr>
-          <p:cNvSpPr>
-            <a:spLocks noGrp="1"/>
-          </p:cNvSpPr>
-          <p:nvPr>
-            <p:ph type="ftr" sz="quarter" idx="11"/>
-          </p:nvPr>
-        </p:nvSpPr>
-        <p:spPr/>
-        <p:txBody>
-          <a:bodyPr/>
-          <a:lstStyle/>
-          <a:p>
-            <a:endParaRPr lang="en-AU"/>
-          </a:p>
-        </p:txBody>
-      </p:sp>
-      <p:sp>
-        <p:nvSpPr>
-          <p:cNvPr id="5" name="Slide Number Placeholder 4">
-            <a:extLst>
-              <a:ext uri="{FF2B5EF4-FFF2-40B4-BE49-F238E27FC236}">
-                <a16:creationId xmlns:a16="http://schemas.microsoft.com/office/drawing/2014/main" id="{F548A6D1-3A6F-40D4-8625-4F51A443482B}"/>
-              </a:ext>
-            </a:extLst>
-          </p:cNvPr>
-          <p:cNvSpPr>
-            <a:spLocks noGrp="1"/>
-          </p:cNvSpPr>
-          <p:nvPr>
-            <p:ph type="sldNum" sz="quarter" idx="12"/>
-          </p:nvPr>
-        </p:nvSpPr>
-        <p:spPr/>
-        <p:txBody>
-          <a:bodyPr/>
-          <a:lstStyle/>
-          <a:p>
-            <a:fld id="{F8A3CFEC-82BA-4ACC-BF15-DA4DFD18E398}" type="slidenum">
-              <a:rPr lang="en-AU" smtClean="0"/>
-              <a:t>‹#›</a:t>
-            </a:fld>
-            <a:endParaRPr lang="en-AU"/>
+          <a:bodyPr wrap="square">
+            <a:spAutoFit/>
+          </a:bodyPr>
+          <a:lstStyle>
+            <a:lvl1pPr marL="0" indent="0">
+              <a:spcBef>
+                <a:spcPts val="1224"/>
+              </a:spcBef>
+              <a:buClr>
+                <a:schemeClr val="tx1"/>
+              </a:buClr>
+              <a:buFont typeface="Wingdings" panose="05000000000000000000" pitchFamily="2" charset="2"/>
+              <a:buNone/>
+              <a:defRPr sz="2800" b="0">
+                <a:latin typeface="Segoe UI" panose="020B0502040204020203" pitchFamily="34" charset="0"/>
+                <a:cs typeface="Segoe UI" pitchFamily="34" charset="0"/>
+              </a:defRPr>
+            </a:lvl1pPr>
+            <a:lvl2pPr marL="255588" indent="0">
+              <a:buFont typeface="Wingdings" panose="05000000000000000000" pitchFamily="2" charset="2"/>
+              <a:buNone/>
+              <a:defRPr sz="2000" b="0"/>
+            </a:lvl2pPr>
+            <a:lvl3pPr marL="450850" indent="0">
+              <a:buFont typeface="Wingdings" panose="05000000000000000000" pitchFamily="2" charset="2"/>
+              <a:buNone/>
+              <a:defRPr sz="1600" b="0"/>
+            </a:lvl3pPr>
+            <a:lvl4pPr marL="652462" indent="0">
+              <a:buFont typeface="Wingdings" panose="05000000000000000000" pitchFamily="2" charset="2"/>
+              <a:buNone/>
+              <a:defRPr sz="1400" b="0"/>
+            </a:lvl4pPr>
+            <a:lvl5pPr marL="854075" indent="0">
+              <a:buFont typeface="Wingdings" panose="05000000000000000000" pitchFamily="2" charset="2"/>
+              <a:buNone/>
+              <a:defRPr sz="1400" b="0"/>
+            </a:lvl5pPr>
+          </a:lstStyle>
+          <a:p>
+            <a:pPr lvl="0"/>
+            <a:r>
+              <a:rPr lang="en-US"/>
+              <a:t>Click to edit Master text styles</a:t>
+            </a:r>
+          </a:p>
+          <a:p>
+            <a:pPr lvl="1"/>
+            <a:r>
+              <a:rPr lang="en-US"/>
+              <a:t>Second level</a:t>
+            </a:r>
+          </a:p>
+          <a:p>
+            <a:pPr lvl="2"/>
+            <a:r>
+              <a:rPr lang="en-US"/>
+              <a:t>Third level</a:t>
+            </a:r>
+          </a:p>
+          <a:p>
+            <a:pPr lvl="3"/>
+            <a:r>
+              <a:rPr lang="en-US"/>
+              <a:t>Fourth level</a:t>
+            </a:r>
+          </a:p>
+          <a:p>
+            <a:pPr lvl="4"/>
+            <a:r>
+              <a:rPr lang="en-US"/>
+              <a:t>Fifth level</a:t>
+            </a:r>
           </a:p>
         </p:txBody>
       </p:sp>
     </p:spTree>
     <p:extLst>
       <p:ext uri="{BB962C8B-B14F-4D97-AF65-F5344CB8AC3E}">
-        <p14:creationId xmlns:p14="http://schemas.microsoft.com/office/powerpoint/2010/main" val="3970694953"/>
+        <p14:creationId xmlns:p14="http://schemas.microsoft.com/office/powerpoint/2010/main" val="1355215254"/>
       </p:ext>
     </p:extLst>
   </p:cSld>
   <p:clrMapOvr>
     <a:masterClrMapping/>
   </p:clrMapOvr>
+  <p:transition>
+    <p:fade/>
+  </p:transition>
+  <p:extLst>
+    <p:ext uri="{DCECCB84-F9BA-43D5-87BE-67443E8EF086}">
+      <p15:sldGuideLst xmlns:p15="http://schemas.microsoft.com/office/powerpoint/2012/main">
+        <p15:guide id="1" orient="horz" pos="288">
+          <p15:clr>
+            <a:srgbClr val="5ACBF0"/>
+          </p15:clr>
+        </p15:guide>
+        <p15:guide id="2" orient="horz" pos="1272">
+          <p15:clr>
+            <a:srgbClr val="5ACBF0"/>
+          </p15:clr>
+        </p15:guide>
+        <p15:guide id="3" orient="horz" pos="903">
+          <p15:clr>
+            <a:srgbClr val="5ACBF0"/>
+          </p15:clr>
+        </p15:guide>
+        <p15:guide id="4" pos="3656">
+          <p15:clr>
+            <a:srgbClr val="5ACBF0"/>
+          </p15:clr>
+        </p15:guide>
+        <p15:guide id="5" pos="4024">
+          <p15:clr>
+            <a:srgbClr val="5ACBF0"/>
+          </p15:clr>
+        </p15:guide>
+      </p15:sldGuideLst>
+    </p:ext>
+  </p:extLst>
 </p:sldLayout>
 </file>
 
 <file path=ppt/slideLayouts/slideLayout7.xml><?xml version="1.0" encoding="utf-8"?>
-<p:sldLayout xmlns:a="http://schemas.openxmlformats.org/drawingml/2006/main" xmlns:r="http://schemas.openxmlformats.org/officeDocument/2006/relationships" xmlns:p="http://schemas.openxmlformats.org/presentationml/2006/main" type="blank" preserve="1">
-  <p:cSld name="Blank">
-    <p:spTree>
-      <p:nvGrpSpPr>
-        <p:cNvPr id="1" name=""/>
-        <p:cNvGrpSpPr/>
-        <p:nvPr/>
-      </p:nvGrpSpPr>
-      <p:grpSpPr>
-        <a:xfrm>
-          <a:off x="0" y="0"/>
-          <a:ext cx="0" cy="0"/>
-          <a:chOff x="0" y="0"/>
-          <a:chExt cx="0" cy="0"/>
-        </a:xfrm>
-      </p:grpSpPr>
-      <p:sp>
-        <p:nvSpPr>
-          <p:cNvPr id="2" name="Date Placeholder 1">
-            <a:extLst>
-              <a:ext uri="{FF2B5EF4-FFF2-40B4-BE49-F238E27FC236}">
-                <a16:creationId xmlns:a16="http://schemas.microsoft.com/office/drawing/2014/main" id="{4A99D030-26E2-4CB0-BFE6-257916F811EC}"/>
-              </a:ext>
-            </a:extLst>
-          </p:cNvPr>
-          <p:cNvSpPr>
-            <a:spLocks noGrp="1"/>
-          </p:cNvSpPr>
-          <p:nvPr>
-            <p:ph type="dt" sz="half" idx="10"/>
-          </p:nvPr>
-        </p:nvSpPr>
-        <p:spPr/>
-        <p:txBody>
-          <a:bodyPr/>
-          <a:lstStyle/>
-          <a:p>
-            <a:fld id="{CEDABD4D-9266-40A2-8134-424B35C51FFB}" type="datetimeFigureOut">
-              <a:rPr lang="en-AU" smtClean="0"/>
-              <a:t>31/10/2020</a:t>
-            </a:fld>
-            <a:endParaRPr lang="en-AU"/>
-          </a:p>
-        </p:txBody>
-      </p:sp>
-      <p:sp>
-        <p:nvSpPr>
-          <p:cNvPr id="3" name="Footer Placeholder 2">
-            <a:extLst>
-              <a:ext uri="{FF2B5EF4-FFF2-40B4-BE49-F238E27FC236}">
-                <a16:creationId xmlns:a16="http://schemas.microsoft.com/office/drawing/2014/main" id="{36F08869-EF94-4BAF-9CC3-6F9EED36E763}"/>
-              </a:ext>
-            </a:extLst>
-          </p:cNvPr>
-          <p:cNvSpPr>
-            <a:spLocks noGrp="1"/>
-          </p:cNvSpPr>
-          <p:nvPr>
-            <p:ph type="ftr" sz="quarter" idx="11"/>
-          </p:nvPr>
-        </p:nvSpPr>
-        <p:spPr/>
-        <p:txBody>
-          <a:bodyPr/>
-          <a:lstStyle/>
-          <a:p>
-            <a:endParaRPr lang="en-AU"/>
-          </a:p>
-        </p:txBody>
-      </p:sp>
-      <p:sp>
-        <p:nvSpPr>
-          <p:cNvPr id="4" name="Slide Number Placeholder 3">
-            <a:extLst>
-              <a:ext uri="{FF2B5EF4-FFF2-40B4-BE49-F238E27FC236}">
-                <a16:creationId xmlns:a16="http://schemas.microsoft.com/office/drawing/2014/main" id="{57E18B60-4210-4647-A81C-4D480FD624F7}"/>
-              </a:ext>
-            </a:extLst>
-          </p:cNvPr>
-          <p:cNvSpPr>
-            <a:spLocks noGrp="1"/>
-          </p:cNvSpPr>
-          <p:nvPr>
-            <p:ph type="sldNum" sz="quarter" idx="12"/>
-          </p:nvPr>
-        </p:nvSpPr>
-        <p:spPr/>
-        <p:txBody>
-          <a:bodyPr/>
-          <a:lstStyle/>
-          <a:p>
-            <a:fld id="{F8A3CFEC-82BA-4ACC-BF15-DA4DFD18E398}" type="slidenum">
-              <a:rPr lang="en-AU" smtClean="0"/>
-              <a:t>‹#›</a:t>
-            </a:fld>
-            <a:endParaRPr lang="en-AU"/>
-          </a:p>
-        </p:txBody>
-      </p:sp>
-    </p:spTree>
-    <p:extLst>
-      <p:ext uri="{BB962C8B-B14F-4D97-AF65-F5344CB8AC3E}">
-        <p14:creationId xmlns:p14="http://schemas.microsoft.com/office/powerpoint/2010/main" val="1608943314"/>
-      </p:ext>
-    </p:extLst>
-  </p:cSld>
-  <p:clrMapOvr>
-    <a:masterClrMapping/>
-  </p:clrMapOvr>
-</p:sldLayout>
-</file>
-
-<file path=ppt/slideLayouts/slideLayout8.xml><?xml version="1.0" encoding="utf-8"?>
-<p:sldLayout xmlns:a="http://schemas.openxmlformats.org/drawingml/2006/main" xmlns:r="http://schemas.openxmlformats.org/officeDocument/2006/relationships" xmlns:p="http://schemas.openxmlformats.org/presentationml/2006/main" type="objTx" preserve="1">
-  <p:cSld name="Content with Caption">
+<p:sldLayout xmlns:a="http://schemas.openxmlformats.org/drawingml/2006/main" xmlns:r="http://schemas.openxmlformats.org/officeDocument/2006/relationships" xmlns:p="http://schemas.openxmlformats.org/presentationml/2006/main" preserve="1" userDrawn="1">
+  <p:cSld name="Two Column Bullet with Subheads">
     <p:spTree>
       <p:nvGrpSpPr>
         <p:cNvPr id="1" name=""/>
@@ -16958,7 +13436,7 @@
           <p:cNvPr id="2" name="Title 1">
             <a:extLst>
               <a:ext uri="{FF2B5EF4-FFF2-40B4-BE49-F238E27FC236}">
-                <a16:creationId xmlns:a16="http://schemas.microsoft.com/office/drawing/2014/main" id="{50395FBF-F82E-4138-BEB5-5BBA64132E7D}"/>
+                <a16:creationId xmlns:a16="http://schemas.microsoft.com/office/drawing/2014/main" id="{8D876633-3E8D-4CF4-A5D4-D4E9D88A6DE0}"/>
               </a:ext>
             </a:extLst>
           </p:cNvPr>
@@ -16971,15 +13449,17 @@
         </p:nvSpPr>
         <p:spPr>
           <a:xfrm>
-            <a:off x="839788" y="457200"/>
-            <a:ext cx="3932237" cy="1600200"/>
+            <a:off x="588263" y="457200"/>
+            <a:ext cx="11018520" cy="553998"/>
           </a:xfrm>
         </p:spPr>
         <p:txBody>
-          <a:bodyPr anchor="b"/>
+          <a:bodyPr>
+            <a:spAutoFit/>
+          </a:bodyPr>
           <a:lstStyle>
             <a:lvl1pPr>
-              <a:defRPr sz="3200"/>
+              <a:defRPr/>
             </a:lvl1pPr>
           </a:lstStyle>
           <a:p>
@@ -16987,16 +13467,15 @@
               <a:rPr lang="en-US"/>
               <a:t>Click to edit Master title style</a:t>
             </a:r>
-            <a:endParaRPr lang="en-AU"/>
           </a:p>
         </p:txBody>
       </p:sp>
       <p:sp>
         <p:nvSpPr>
-          <p:cNvPr id="3" name="Content Placeholder 2">
+          <p:cNvPr id="12" name="Text Placeholder 11">
             <a:extLst>
               <a:ext uri="{FF2B5EF4-FFF2-40B4-BE49-F238E27FC236}">
-                <a16:creationId xmlns:a16="http://schemas.microsoft.com/office/drawing/2014/main" id="{04C018A7-53D4-455B-89DA-B0EF7CFA0CB9}"/>
+                <a16:creationId xmlns:a16="http://schemas.microsoft.com/office/drawing/2014/main" id="{DD525736-DEE8-4391-8135-23DE0640053A}"/>
               </a:ext>
             </a:extLst>
           </p:cNvPr>
@@ -17004,45 +13483,30 @@
             <a:spLocks noGrp="1"/>
           </p:cNvSpPr>
           <p:nvPr>
-            <p:ph idx="1"/>
+            <p:ph type="body" sz="quarter" idx="16"/>
           </p:nvPr>
         </p:nvSpPr>
         <p:spPr>
           <a:xfrm>
-            <a:off x="5183188" y="987425"/>
-            <a:ext cx="6172200" cy="4873625"/>
+            <a:off x="584200" y="1436688"/>
+            <a:ext cx="5219700" cy="430887"/>
           </a:xfrm>
         </p:spPr>
         <p:txBody>
-          <a:bodyPr/>
+          <a:bodyPr anchor="t"/>
           <a:lstStyle>
-            <a:lvl1pPr>
-              <a:defRPr sz="3200"/>
+            <a:lvl1pPr marL="0" indent="0">
+              <a:spcBef>
+                <a:spcPct val="0"/>
+              </a:spcBef>
+              <a:buNone/>
+              <a:defRPr sz="2800">
+                <a:solidFill>
+                  <a:schemeClr val="tx1"/>
+                </a:solidFill>
+                <a:latin typeface="+mj-lt"/>
+              </a:defRPr>
             </a:lvl1pPr>
-            <a:lvl2pPr>
-              <a:defRPr sz="2800"/>
-            </a:lvl2pPr>
-            <a:lvl3pPr>
-              <a:defRPr sz="2400"/>
-            </a:lvl3pPr>
-            <a:lvl4pPr>
-              <a:defRPr sz="2000"/>
-            </a:lvl4pPr>
-            <a:lvl5pPr>
-              <a:defRPr sz="2000"/>
-            </a:lvl5pPr>
-            <a:lvl6pPr>
-              <a:defRPr sz="2000"/>
-            </a:lvl6pPr>
-            <a:lvl7pPr>
-              <a:defRPr sz="2000"/>
-            </a:lvl7pPr>
-            <a:lvl8pPr>
-              <a:defRPr sz="2000"/>
-            </a:lvl8pPr>
-            <a:lvl9pPr>
-              <a:defRPr sz="2000"/>
-            </a:lvl9pPr>
           </a:lstStyle>
           <a:p>
             <a:pPr lvl="0"/>
@@ -17050,44 +13514,15 @@
               <a:rPr lang="en-US"/>
               <a:t>Click to edit Master text styles</a:t>
             </a:r>
-          </a:p>
-          <a:p>
-            <a:pPr lvl="1"/>
-            <a:r>
-              <a:rPr lang="en-US"/>
-              <a:t>Second level</a:t>
-            </a:r>
-          </a:p>
-          <a:p>
-            <a:pPr lvl="2"/>
-            <a:r>
-              <a:rPr lang="en-US"/>
-              <a:t>Third level</a:t>
-            </a:r>
-          </a:p>
-          <a:p>
-            <a:pPr lvl="3"/>
-            <a:r>
-              <a:rPr lang="en-US"/>
-              <a:t>Fourth level</a:t>
-            </a:r>
-          </a:p>
-          <a:p>
-            <a:pPr lvl="4"/>
-            <a:r>
-              <a:rPr lang="en-US"/>
-              <a:t>Fifth level</a:t>
-            </a:r>
-            <a:endParaRPr lang="en-AU"/>
           </a:p>
         </p:txBody>
       </p:sp>
       <p:sp>
         <p:nvSpPr>
-          <p:cNvPr id="4" name="Text Placeholder 3">
+          <p:cNvPr id="8" name="Text Placeholder 7">
             <a:extLst>
               <a:ext uri="{FF2B5EF4-FFF2-40B4-BE49-F238E27FC236}">
-                <a16:creationId xmlns:a16="http://schemas.microsoft.com/office/drawing/2014/main" id="{EAD53C9E-2026-4377-88B5-D360C6D8C89A}"/>
+                <a16:creationId xmlns:a16="http://schemas.microsoft.com/office/drawing/2014/main" id="{98E90344-0294-48E2-AAF0-601BB99500E7}"/>
               </a:ext>
             </a:extLst>
           </p:cNvPr>
@@ -17095,70 +13530,79 @@
             <a:spLocks noGrp="1"/>
           </p:cNvSpPr>
           <p:nvPr>
-            <p:ph type="body" sz="half" idx="2"/>
+            <p:ph type="body" sz="quarter" idx="14"/>
           </p:nvPr>
         </p:nvSpPr>
         <p:spPr>
           <a:xfrm>
-            <a:off x="839788" y="2057400"/>
-            <a:ext cx="3932237" cy="3811588"/>
+            <a:off x="584200" y="2084388"/>
+            <a:ext cx="5219700" cy="1612749"/>
           </a:xfrm>
         </p:spPr>
         <p:txBody>
-          <a:bodyPr/>
+          <a:bodyPr>
+            <a:spAutoFit/>
+          </a:bodyPr>
           <a:lstStyle>
-            <a:lvl1pPr marL="0" indent="0">
-              <a:buNone/>
-              <a:defRPr sz="1600"/>
+            <a:lvl1pPr marL="171450" indent="-171450">
+              <a:defRPr lang="en-US" sz="2400"/>
             </a:lvl1pPr>
-            <a:lvl2pPr marL="457200" indent="0">
-              <a:buNone/>
-              <a:defRPr sz="1400"/>
+            <a:lvl2pPr marL="342900" indent="-171450">
+              <a:defRPr lang="en-US"/>
             </a:lvl2pPr>
-            <a:lvl3pPr marL="914400" indent="0">
-              <a:buNone/>
-              <a:defRPr sz="1200"/>
+            <a:lvl3pPr marL="514350" indent="-171450">
+              <a:defRPr lang="en-US"/>
             </a:lvl3pPr>
-            <a:lvl4pPr marL="1371600" indent="0">
-              <a:buNone/>
-              <a:defRPr sz="1000"/>
+            <a:lvl4pPr marL="666750" indent="-152400">
+              <a:defRPr lang="en-US"/>
             </a:lvl4pPr>
-            <a:lvl5pPr marL="1828800" indent="0">
-              <a:buNone/>
-              <a:defRPr sz="1000"/>
+            <a:lvl5pPr marL="793750" indent="-120650">
+              <a:defRPr lang="en-US"/>
             </a:lvl5pPr>
-            <a:lvl6pPr marL="2286000" indent="0">
-              <a:buNone/>
-              <a:defRPr sz="1000"/>
-            </a:lvl6pPr>
-            <a:lvl7pPr marL="2743200" indent="0">
-              <a:buNone/>
-              <a:defRPr sz="1000"/>
-            </a:lvl7pPr>
-            <a:lvl8pPr marL="3200400" indent="0">
-              <a:buNone/>
-              <a:defRPr sz="1000"/>
-            </a:lvl8pPr>
-            <a:lvl9pPr marL="3657600" indent="0">
-              <a:buNone/>
-              <a:defRPr sz="1000"/>
-            </a:lvl9pPr>
           </a:lstStyle>
           <a:p>
             <a:pPr lvl="0"/>
             <a:r>
               <a:rPr lang="en-US"/>
               <a:t>Click to edit Master text styles</a:t>
+            </a:r>
+          </a:p>
+          <a:p>
+            <a:pPr lvl="1"/>
+            <a:r>
+              <a:rPr lang="en-US"/>
+              <a:t>Second level</a:t>
+            </a:r>
+          </a:p>
+          <a:p>
+            <a:pPr lvl="2"/>
+            <a:r>
+              <a:rPr lang="en-US"/>
+              <a:t>Third level</a:t>
+            </a:r>
+          </a:p>
+          <a:p>
+            <a:pPr lvl="3"/>
+            <a:r>
+              <a:rPr lang="en-US"/>
+              <a:t>Fourth level</a:t>
+            </a:r>
+          </a:p>
+          <a:p>
+            <a:pPr lvl="4"/>
+            <a:r>
+              <a:rPr lang="en-US"/>
+              <a:t>Fifth level</a:t>
             </a:r>
           </a:p>
         </p:txBody>
       </p:sp>
       <p:sp>
         <p:nvSpPr>
-          <p:cNvPr id="5" name="Date Placeholder 4">
+          <p:cNvPr id="13" name="Text Placeholder 11">
             <a:extLst>
               <a:ext uri="{FF2B5EF4-FFF2-40B4-BE49-F238E27FC236}">
-                <a16:creationId xmlns:a16="http://schemas.microsoft.com/office/drawing/2014/main" id="{6EABF190-E271-4FCF-9D6B-AA116B06EFAA}"/>
+                <a16:creationId xmlns:a16="http://schemas.microsoft.com/office/drawing/2014/main" id="{B4F729D4-B1F1-45F2-A06A-40234B19C883}"/>
               </a:ext>
             </a:extLst>
           </p:cNvPr>
@@ -17166,28 +13610,46 @@
             <a:spLocks noGrp="1"/>
           </p:cNvSpPr>
           <p:nvPr>
-            <p:ph type="dt" sz="half" idx="10"/>
+            <p:ph type="body" sz="quarter" idx="17"/>
           </p:nvPr>
         </p:nvSpPr>
-        <p:spPr/>
+        <p:spPr>
+          <a:xfrm>
+            <a:off x="6397625" y="1436688"/>
+            <a:ext cx="5219700" cy="430887"/>
+          </a:xfrm>
+        </p:spPr>
         <p:txBody>
-          <a:bodyPr/>
-          <a:lstStyle/>
-          <a:p>
-            <a:fld id="{CEDABD4D-9266-40A2-8134-424B35C51FFB}" type="datetimeFigureOut">
-              <a:rPr lang="en-AU" smtClean="0"/>
-              <a:t>31/10/2020</a:t>
-            </a:fld>
-            <a:endParaRPr lang="en-AU"/>
+          <a:bodyPr anchor="t"/>
+          <a:lstStyle>
+            <a:lvl1pPr marL="0" indent="0">
+              <a:spcBef>
+                <a:spcPct val="0"/>
+              </a:spcBef>
+              <a:buNone/>
+              <a:defRPr sz="2800">
+                <a:solidFill>
+                  <a:schemeClr val="tx1"/>
+                </a:solidFill>
+                <a:latin typeface="+mj-lt"/>
+              </a:defRPr>
+            </a:lvl1pPr>
+          </a:lstStyle>
+          <a:p>
+            <a:pPr lvl="0"/>
+            <a:r>
+              <a:rPr lang="en-US"/>
+              <a:t>Click to edit Master text styles</a:t>
+            </a:r>
           </a:p>
         </p:txBody>
       </p:sp>
       <p:sp>
         <p:nvSpPr>
-          <p:cNvPr id="6" name="Footer Placeholder 5">
+          <p:cNvPr id="10" name="Text Placeholder 9">
             <a:extLst>
               <a:ext uri="{FF2B5EF4-FFF2-40B4-BE49-F238E27FC236}">
-                <a16:creationId xmlns:a16="http://schemas.microsoft.com/office/drawing/2014/main" id="{4BB8B655-8068-437C-AB28-9CE56D2DF374}"/>
+                <a16:creationId xmlns:a16="http://schemas.microsoft.com/office/drawing/2014/main" id="{D1F896FB-325C-4849-B372-8DF0D6C0562C}"/>
               </a:ext>
             </a:extLst>
           </p:cNvPr>
@@ -17195,63 +13657,123 @@
             <a:spLocks noGrp="1"/>
           </p:cNvSpPr>
           <p:nvPr>
-            <p:ph type="ftr" sz="quarter" idx="11"/>
+            <p:ph type="body" sz="quarter" idx="15"/>
           </p:nvPr>
         </p:nvSpPr>
-        <p:spPr/>
+        <p:spPr>
+          <a:xfrm>
+            <a:off x="6397625" y="2084388"/>
+            <a:ext cx="5219700" cy="1612749"/>
+          </a:xfrm>
+        </p:spPr>
         <p:txBody>
-          <a:bodyPr/>
-          <a:lstStyle/>
-          <a:p>
-            <a:endParaRPr lang="en-AU"/>
-          </a:p>
-        </p:txBody>
-      </p:sp>
-      <p:sp>
-        <p:nvSpPr>
-          <p:cNvPr id="7" name="Slide Number Placeholder 6">
-            <a:extLst>
-              <a:ext uri="{FF2B5EF4-FFF2-40B4-BE49-F238E27FC236}">
-                <a16:creationId xmlns:a16="http://schemas.microsoft.com/office/drawing/2014/main" id="{010BD395-C607-4A31-B135-EDD2A1CB60BD}"/>
-              </a:ext>
-            </a:extLst>
-          </p:cNvPr>
-          <p:cNvSpPr>
-            <a:spLocks noGrp="1"/>
-          </p:cNvSpPr>
-          <p:nvPr>
-            <p:ph type="sldNum" sz="quarter" idx="12"/>
-          </p:nvPr>
-        </p:nvSpPr>
-        <p:spPr/>
-        <p:txBody>
-          <a:bodyPr/>
-          <a:lstStyle/>
-          <a:p>
-            <a:fld id="{F8A3CFEC-82BA-4ACC-BF15-DA4DFD18E398}" type="slidenum">
-              <a:rPr lang="en-AU" smtClean="0"/>
-              <a:t>‹#›</a:t>
-            </a:fld>
-            <a:endParaRPr lang="en-AU"/>
+          <a:bodyPr>
+            <a:spAutoFit/>
+          </a:bodyPr>
+          <a:lstStyle>
+            <a:lvl1pPr marL="171450" indent="-171450">
+              <a:defRPr lang="en-US" sz="2400"/>
+            </a:lvl1pPr>
+            <a:lvl2pPr marL="342900" indent="-171450">
+              <a:defRPr lang="en-US"/>
+            </a:lvl2pPr>
+            <a:lvl3pPr marL="514350" indent="-171450">
+              <a:defRPr lang="en-US"/>
+            </a:lvl3pPr>
+            <a:lvl4pPr marL="685800" indent="-136525">
+              <a:defRPr lang="en-US"/>
+            </a:lvl4pPr>
+            <a:lvl5pPr marL="793750" indent="-120650">
+              <a:defRPr lang="en-US"/>
+            </a:lvl5pPr>
+          </a:lstStyle>
+          <a:p>
+            <a:pPr lvl="0"/>
+            <a:r>
+              <a:rPr lang="en-US"/>
+              <a:t>Click to edit Master text styles</a:t>
+            </a:r>
+          </a:p>
+          <a:p>
+            <a:pPr lvl="1"/>
+            <a:r>
+              <a:rPr lang="en-US"/>
+              <a:t>Second level</a:t>
+            </a:r>
+          </a:p>
+          <a:p>
+            <a:pPr lvl="2"/>
+            <a:r>
+              <a:rPr lang="en-US"/>
+              <a:t>Third level</a:t>
+            </a:r>
+          </a:p>
+          <a:p>
+            <a:pPr lvl="3"/>
+            <a:r>
+              <a:rPr lang="en-US"/>
+              <a:t>Fourth level</a:t>
+            </a:r>
+          </a:p>
+          <a:p>
+            <a:pPr lvl="4"/>
+            <a:r>
+              <a:rPr lang="en-US"/>
+              <a:t>Fifth level</a:t>
+            </a:r>
           </a:p>
         </p:txBody>
       </p:sp>
     </p:spTree>
     <p:extLst>
       <p:ext uri="{BB962C8B-B14F-4D97-AF65-F5344CB8AC3E}">
-        <p14:creationId xmlns:p14="http://schemas.microsoft.com/office/powerpoint/2010/main" val="470994318"/>
+        <p14:creationId xmlns:p14="http://schemas.microsoft.com/office/powerpoint/2010/main" val="1706030189"/>
       </p:ext>
     </p:extLst>
   </p:cSld>
   <p:clrMapOvr>
     <a:masterClrMapping/>
   </p:clrMapOvr>
+  <p:transition>
+    <p:fade/>
+  </p:transition>
+  <p:extLst>
+    <p:ext uri="{DCECCB84-F9BA-43D5-87BE-67443E8EF086}">
+      <p15:sldGuideLst xmlns:p15="http://schemas.microsoft.com/office/powerpoint/2012/main">
+        <p15:guide id="1" orient="horz" pos="288">
+          <p15:clr>
+            <a:srgbClr val="5ACBF0"/>
+          </p15:clr>
+        </p15:guide>
+        <p15:guide id="2" orient="horz" pos="1311">
+          <p15:clr>
+            <a:srgbClr val="5ACBF0"/>
+          </p15:clr>
+        </p15:guide>
+        <p15:guide id="4" pos="3656">
+          <p15:clr>
+            <a:srgbClr val="5ACBF0"/>
+          </p15:clr>
+        </p15:guide>
+        <p15:guide id="5" pos="4024">
+          <p15:clr>
+            <a:srgbClr val="5ACBF0"/>
+          </p15:clr>
+        </p15:guide>
+        <p15:guide id="7" orient="horz" pos="905">
+          <p15:clr>
+            <a:srgbClr val="5ACBF0"/>
+          </p15:clr>
+        </p15:guide>
+      </p15:sldGuideLst>
+    </p:ext>
+  </p:extLst>
 </p:sldLayout>
 </file>
 
-<file path=ppt/slideLayouts/slideLayout9.xml><?xml version="1.0" encoding="utf-8"?>
-<p:sldLayout xmlns:a="http://schemas.openxmlformats.org/drawingml/2006/main" xmlns:r="http://schemas.openxmlformats.org/officeDocument/2006/relationships" xmlns:p="http://schemas.openxmlformats.org/presentationml/2006/main" type="picTx" preserve="1">
-  <p:cSld name="Picture with Caption">
+<file path=ppt/slideLayouts/slideLayout8.xml><?xml version="1.0" encoding="utf-8"?>
+<p:sldLayout xmlns:a="http://schemas.openxmlformats.org/drawingml/2006/main" xmlns:r="http://schemas.openxmlformats.org/officeDocument/2006/relationships" xmlns:p="http://schemas.openxmlformats.org/presentationml/2006/main" preserve="1" userDrawn="1">
+  <p:cSld name="Three Column Bullet with Subheads">
     <p:spTree>
       <p:nvGrpSpPr>
         <p:cNvPr id="1" name=""/>
@@ -17268,10 +13790,10 @@
       </p:grpSpPr>
       <p:sp>
         <p:nvSpPr>
-          <p:cNvPr id="2" name="Title 1">
+          <p:cNvPr id="3" name="Title 2">
             <a:extLst>
               <a:ext uri="{FF2B5EF4-FFF2-40B4-BE49-F238E27FC236}">
-                <a16:creationId xmlns:a16="http://schemas.microsoft.com/office/drawing/2014/main" id="{FB324191-1CD2-4400-8706-8FA000F305CC}"/>
+                <a16:creationId xmlns:a16="http://schemas.microsoft.com/office/drawing/2014/main" id="{F260F77E-464D-46F7-A8F8-6F281DAB0C7A}"/>
               </a:ext>
             </a:extLst>
           </p:cNvPr>
@@ -17284,32 +13806,29 @@
         </p:nvSpPr>
         <p:spPr>
           <a:xfrm>
-            <a:off x="839788" y="457200"/>
-            <a:ext cx="3932237" cy="1600200"/>
+            <a:off x="588263" y="457200"/>
+            <a:ext cx="11018520" cy="553998"/>
           </a:xfrm>
         </p:spPr>
         <p:txBody>
-          <a:bodyPr anchor="b"/>
-          <a:lstStyle>
-            <a:lvl1pPr>
-              <a:defRPr sz="3200"/>
-            </a:lvl1pPr>
-          </a:lstStyle>
+          <a:bodyPr>
+            <a:spAutoFit/>
+          </a:bodyPr>
+          <a:lstStyle/>
           <a:p>
             <a:r>
               <a:rPr lang="en-US"/>
               <a:t>Click to edit Master title style</a:t>
             </a:r>
-            <a:endParaRPr lang="en-AU"/>
           </a:p>
         </p:txBody>
       </p:sp>
       <p:sp>
         <p:nvSpPr>
-          <p:cNvPr id="3" name="Picture Placeholder 2">
+          <p:cNvPr id="19" name="Text Placeholder 11">
             <a:extLst>
               <a:ext uri="{FF2B5EF4-FFF2-40B4-BE49-F238E27FC236}">
-                <a16:creationId xmlns:a16="http://schemas.microsoft.com/office/drawing/2014/main" id="{C7E6AABA-C40C-42D0-AE9B-35BE34C6CD81}"/>
+                <a16:creationId xmlns:a16="http://schemas.microsoft.com/office/drawing/2014/main" id="{CB20F198-3776-433D-85A8-C2B6AC6235FF}"/>
               </a:ext>
             </a:extLst>
           </p:cNvPr>
@@ -17317,66 +13836,46 @@
             <a:spLocks noGrp="1"/>
           </p:cNvSpPr>
           <p:nvPr>
-            <p:ph type="pic" idx="1"/>
+            <p:ph type="body" sz="quarter" idx="16"/>
           </p:nvPr>
         </p:nvSpPr>
         <p:spPr>
           <a:xfrm>
-            <a:off x="5183188" y="987425"/>
-            <a:ext cx="6172200" cy="4873625"/>
+            <a:off x="585217" y="1438275"/>
+            <a:ext cx="3264408" cy="738664"/>
           </a:xfrm>
         </p:spPr>
         <p:txBody>
-          <a:bodyPr/>
+          <a:bodyPr anchor="t"/>
           <a:lstStyle>
             <a:lvl1pPr marL="0" indent="0">
+              <a:spcBef>
+                <a:spcPct val="0"/>
+              </a:spcBef>
               <a:buNone/>
-              <a:defRPr sz="3200"/>
+              <a:defRPr sz="2400">
+                <a:solidFill>
+                  <a:schemeClr val="tx1"/>
+                </a:solidFill>
+                <a:latin typeface="+mj-lt"/>
+              </a:defRPr>
             </a:lvl1pPr>
-            <a:lvl2pPr marL="457200" indent="0">
-              <a:buNone/>
-              <a:defRPr sz="2800"/>
-            </a:lvl2pPr>
-            <a:lvl3pPr marL="914400" indent="0">
-              <a:buNone/>
-              <a:defRPr sz="2400"/>
-            </a:lvl3pPr>
-            <a:lvl4pPr marL="1371600" indent="0">
-              <a:buNone/>
-              <a:defRPr sz="2000"/>
-            </a:lvl4pPr>
-            <a:lvl5pPr marL="1828800" indent="0">
-              <a:buNone/>
-              <a:defRPr sz="2000"/>
-            </a:lvl5pPr>
-            <a:lvl6pPr marL="2286000" indent="0">
-              <a:buNone/>
-              <a:defRPr sz="2000"/>
-            </a:lvl6pPr>
-            <a:lvl7pPr marL="2743200" indent="0">
-              <a:buNone/>
-              <a:defRPr sz="2000"/>
-            </a:lvl7pPr>
-            <a:lvl8pPr marL="3200400" indent="0">
-              <a:buNone/>
-              <a:defRPr sz="2000"/>
-            </a:lvl8pPr>
-            <a:lvl9pPr marL="3657600" indent="0">
-              <a:buNone/>
-              <a:defRPr sz="2000"/>
-            </a:lvl9pPr>
           </a:lstStyle>
           <a:p>
-            <a:endParaRPr lang="en-AU"/>
+            <a:pPr lvl="0"/>
+            <a:r>
+              <a:rPr lang="en-US"/>
+              <a:t>Click to edit Master text styles</a:t>
+            </a:r>
           </a:p>
         </p:txBody>
       </p:sp>
       <p:sp>
         <p:nvSpPr>
-          <p:cNvPr id="4" name="Text Placeholder 3">
+          <p:cNvPr id="20" name="Text Placeholder 7">
             <a:extLst>
               <a:ext uri="{FF2B5EF4-FFF2-40B4-BE49-F238E27FC236}">
-                <a16:creationId xmlns:a16="http://schemas.microsoft.com/office/drawing/2014/main" id="{720BCF43-A068-44FC-B014-140B57F17069}"/>
+                <a16:creationId xmlns:a16="http://schemas.microsoft.com/office/drawing/2014/main" id="{97BC59AA-6CF8-4091-8008-21AA9AD8E8B5}"/>
               </a:ext>
             </a:extLst>
           </p:cNvPr>
@@ -17384,70 +13883,79 @@
             <a:spLocks noGrp="1"/>
           </p:cNvSpPr>
           <p:nvPr>
-            <p:ph type="body" sz="half" idx="2"/>
+            <p:ph type="body" sz="quarter" idx="14"/>
           </p:nvPr>
         </p:nvSpPr>
         <p:spPr>
           <a:xfrm>
-            <a:off x="839788" y="2057400"/>
-            <a:ext cx="3932237" cy="3811588"/>
+            <a:off x="585217" y="2390775"/>
+            <a:ext cx="3264408" cy="1760482"/>
           </a:xfrm>
         </p:spPr>
         <p:txBody>
-          <a:bodyPr/>
+          <a:bodyPr wrap="square">
+            <a:spAutoFit/>
+          </a:bodyPr>
           <a:lstStyle>
-            <a:lvl1pPr marL="0" indent="0">
-              <a:buNone/>
-              <a:defRPr sz="1600"/>
+            <a:lvl1pPr marL="176213" indent="-176213">
+              <a:defRPr lang="en-US" sz="2000"/>
             </a:lvl1pPr>
-            <a:lvl2pPr marL="457200" indent="0">
-              <a:buNone/>
-              <a:defRPr sz="1400"/>
+            <a:lvl2pPr marL="322263" indent="-150813">
+              <a:defRPr lang="en-US" sz="1800"/>
             </a:lvl2pPr>
-            <a:lvl3pPr marL="914400" indent="0">
-              <a:buNone/>
-              <a:defRPr sz="1200"/>
+            <a:lvl3pPr marL="466725" indent="-138113">
+              <a:defRPr lang="en-US"/>
             </a:lvl3pPr>
-            <a:lvl4pPr marL="1371600" indent="0">
-              <a:buNone/>
-              <a:defRPr sz="1000"/>
+            <a:lvl4pPr marL="595313" indent="-128588">
+              <a:defRPr lang="en-US"/>
             </a:lvl4pPr>
-            <a:lvl5pPr marL="1828800" indent="0">
-              <a:buNone/>
-              <a:defRPr sz="1000"/>
+            <a:lvl5pPr marL="731838" indent="-122238">
+              <a:defRPr lang="en-US"/>
             </a:lvl5pPr>
-            <a:lvl6pPr marL="2286000" indent="0">
-              <a:buNone/>
-              <a:defRPr sz="1000"/>
-            </a:lvl6pPr>
-            <a:lvl7pPr marL="2743200" indent="0">
-              <a:buNone/>
-              <a:defRPr sz="1000"/>
-            </a:lvl7pPr>
-            <a:lvl8pPr marL="3200400" indent="0">
-              <a:buNone/>
-              <a:defRPr sz="1000"/>
-            </a:lvl8pPr>
-            <a:lvl9pPr marL="3657600" indent="0">
-              <a:buNone/>
-              <a:defRPr sz="1000"/>
-            </a:lvl9pPr>
           </a:lstStyle>
           <a:p>
             <a:pPr lvl="0"/>
             <a:r>
               <a:rPr lang="en-US"/>
               <a:t>Click to edit Master text styles</a:t>
+            </a:r>
+          </a:p>
+          <a:p>
+            <a:pPr lvl="1"/>
+            <a:r>
+              <a:rPr lang="en-US"/>
+              <a:t>Second level</a:t>
+            </a:r>
+          </a:p>
+          <a:p>
+            <a:pPr lvl="2"/>
+            <a:r>
+              <a:rPr lang="en-US"/>
+              <a:t>Third level</a:t>
+            </a:r>
+          </a:p>
+          <a:p>
+            <a:pPr lvl="3"/>
+            <a:r>
+              <a:rPr lang="en-US"/>
+              <a:t>Fourth level</a:t>
+            </a:r>
+          </a:p>
+          <a:p>
+            <a:pPr lvl="4"/>
+            <a:r>
+              <a:rPr lang="en-US"/>
+              <a:t>Fifth level</a:t>
             </a:r>
           </a:p>
         </p:txBody>
       </p:sp>
       <p:sp>
         <p:nvSpPr>
-          <p:cNvPr id="5" name="Date Placeholder 4">
+          <p:cNvPr id="21" name="Text Placeholder 11">
             <a:extLst>
               <a:ext uri="{FF2B5EF4-FFF2-40B4-BE49-F238E27FC236}">
-                <a16:creationId xmlns:a16="http://schemas.microsoft.com/office/drawing/2014/main" id="{1D23AA1A-11CB-4A78-B16B-DCBCAD9BEF2B}"/>
+                <a16:creationId xmlns:a16="http://schemas.microsoft.com/office/drawing/2014/main" id="{BECED387-BA3E-49B2-8F1E-0E371E09E0A4}"/>
               </a:ext>
             </a:extLst>
           </p:cNvPr>
@@ -17455,28 +13963,46 @@
             <a:spLocks noGrp="1"/>
           </p:cNvSpPr>
           <p:nvPr>
-            <p:ph type="dt" sz="half" idx="10"/>
+            <p:ph type="body" sz="quarter" idx="17"/>
           </p:nvPr>
         </p:nvSpPr>
-        <p:spPr/>
+        <p:spPr>
+          <a:xfrm>
+            <a:off x="4463796" y="1438275"/>
+            <a:ext cx="3264408" cy="738664"/>
+          </a:xfrm>
+        </p:spPr>
         <p:txBody>
-          <a:bodyPr/>
-          <a:lstStyle/>
-          <a:p>
-            <a:fld id="{CEDABD4D-9266-40A2-8134-424B35C51FFB}" type="datetimeFigureOut">
-              <a:rPr lang="en-AU" smtClean="0"/>
-              <a:t>31/10/2020</a:t>
-            </a:fld>
-            <a:endParaRPr lang="en-AU"/>
+          <a:bodyPr anchor="t"/>
+          <a:lstStyle>
+            <a:lvl1pPr marL="0" indent="0">
+              <a:spcBef>
+                <a:spcPct val="0"/>
+              </a:spcBef>
+              <a:buNone/>
+              <a:defRPr sz="2400">
+                <a:solidFill>
+                  <a:schemeClr val="tx1"/>
+                </a:solidFill>
+                <a:latin typeface="+mj-lt"/>
+              </a:defRPr>
+            </a:lvl1pPr>
+          </a:lstStyle>
+          <a:p>
+            <a:pPr lvl="0"/>
+            <a:r>
+              <a:rPr lang="en-US"/>
+              <a:t>Click to edit Master text styles</a:t>
+            </a:r>
           </a:p>
         </p:txBody>
       </p:sp>
       <p:sp>
         <p:nvSpPr>
-          <p:cNvPr id="6" name="Footer Placeholder 5">
+          <p:cNvPr id="22" name="Text Placeholder 9">
             <a:extLst>
               <a:ext uri="{FF2B5EF4-FFF2-40B4-BE49-F238E27FC236}">
-                <a16:creationId xmlns:a16="http://schemas.microsoft.com/office/drawing/2014/main" id="{1678F603-6D86-48FA-8B40-55AB2B88F65F}"/>
+                <a16:creationId xmlns:a16="http://schemas.microsoft.com/office/drawing/2014/main" id="{6B26A1CD-81F9-4C2F-896F-E69757C6658C}"/>
               </a:ext>
             </a:extLst>
           </p:cNvPr>
@@ -17484,24 +14010,79 @@
             <a:spLocks noGrp="1"/>
           </p:cNvSpPr>
           <p:nvPr>
-            <p:ph type="ftr" sz="quarter" idx="11"/>
+            <p:ph type="body" sz="quarter" idx="15"/>
           </p:nvPr>
         </p:nvSpPr>
-        <p:spPr/>
+        <p:spPr>
+          <a:xfrm>
+            <a:off x="4463796" y="2384135"/>
+            <a:ext cx="3264408" cy="1760482"/>
+          </a:xfrm>
+        </p:spPr>
         <p:txBody>
-          <a:bodyPr/>
-          <a:lstStyle/>
-          <a:p>
-            <a:endParaRPr lang="en-AU"/>
+          <a:bodyPr wrap="square">
+            <a:spAutoFit/>
+          </a:bodyPr>
+          <a:lstStyle>
+            <a:lvl1pPr marL="176213" indent="-176213">
+              <a:defRPr lang="en-US" sz="2000"/>
+            </a:lvl1pPr>
+            <a:lvl2pPr marL="398463" indent="-169863">
+              <a:defRPr lang="en-US" sz="1800"/>
+            </a:lvl2pPr>
+            <a:lvl3pPr marL="555625" indent="-157163">
+              <a:defRPr lang="en-US"/>
+            </a:lvl3pPr>
+            <a:lvl4pPr marL="685800" indent="-136525">
+              <a:defRPr lang="en-US"/>
+            </a:lvl4pPr>
+            <a:lvl5pPr marL="800100" indent="-111125">
+              <a:defRPr lang="en-US"/>
+            </a:lvl5pPr>
+          </a:lstStyle>
+          <a:p>
+            <a:pPr lvl="0"/>
+            <a:r>
+              <a:rPr lang="en-US"/>
+              <a:t>Click to edit Master text styles</a:t>
+            </a:r>
+          </a:p>
+          <a:p>
+            <a:pPr lvl="1"/>
+            <a:r>
+              <a:rPr lang="en-US"/>
+              <a:t>Second level</a:t>
+            </a:r>
+          </a:p>
+          <a:p>
+            <a:pPr lvl="2"/>
+            <a:r>
+              <a:rPr lang="en-US"/>
+              <a:t>Third level</a:t>
+            </a:r>
+          </a:p>
+          <a:p>
+            <a:pPr lvl="3"/>
+            <a:r>
+              <a:rPr lang="en-US"/>
+              <a:t>Fourth level</a:t>
+            </a:r>
+          </a:p>
+          <a:p>
+            <a:pPr lvl="4"/>
+            <a:r>
+              <a:rPr lang="en-US"/>
+              <a:t>Fifth level</a:t>
+            </a:r>
           </a:p>
         </p:txBody>
       </p:sp>
       <p:sp>
         <p:nvSpPr>
-          <p:cNvPr id="7" name="Slide Number Placeholder 6">
+          <p:cNvPr id="23" name="Text Placeholder 11">
             <a:extLst>
               <a:ext uri="{FF2B5EF4-FFF2-40B4-BE49-F238E27FC236}">
-                <a16:creationId xmlns:a16="http://schemas.microsoft.com/office/drawing/2014/main" id="{65D9AF90-5600-40E9-B6DA-10A192F51890}"/>
+                <a16:creationId xmlns:a16="http://schemas.microsoft.com/office/drawing/2014/main" id="{79263A4B-A9A8-4CE5-96A8-6F6EC365E512}"/>
               </a:ext>
             </a:extLst>
           </p:cNvPr>
@@ -17509,43 +14090,180 @@
             <a:spLocks noGrp="1"/>
           </p:cNvSpPr>
           <p:nvPr>
-            <p:ph type="sldNum" sz="quarter" idx="12"/>
+            <p:ph type="body" sz="quarter" idx="18"/>
           </p:nvPr>
         </p:nvSpPr>
-        <p:spPr/>
+        <p:spPr>
+          <a:xfrm>
+            <a:off x="8342375" y="1438275"/>
+            <a:ext cx="3264408" cy="738664"/>
+          </a:xfrm>
+        </p:spPr>
         <p:txBody>
-          <a:bodyPr/>
-          <a:lstStyle/>
-          <a:p>
-            <a:fld id="{F8A3CFEC-82BA-4ACC-BF15-DA4DFD18E398}" type="slidenum">
-              <a:rPr lang="en-AU" smtClean="0"/>
-              <a:t>‹#›</a:t>
-            </a:fld>
-            <a:endParaRPr lang="en-AU"/>
+          <a:bodyPr anchor="t"/>
+          <a:lstStyle>
+            <a:lvl1pPr marL="0" indent="0">
+              <a:spcBef>
+                <a:spcPct val="0"/>
+              </a:spcBef>
+              <a:buNone/>
+              <a:defRPr sz="2400">
+                <a:solidFill>
+                  <a:schemeClr val="tx1"/>
+                </a:solidFill>
+                <a:latin typeface="+mj-lt"/>
+              </a:defRPr>
+            </a:lvl1pPr>
+          </a:lstStyle>
+          <a:p>
+            <a:pPr lvl="0"/>
+            <a:r>
+              <a:rPr lang="en-US"/>
+              <a:t>Click to edit Master text styles</a:t>
+            </a:r>
+          </a:p>
+        </p:txBody>
+      </p:sp>
+      <p:sp>
+        <p:nvSpPr>
+          <p:cNvPr id="24" name="Text Placeholder 7">
+            <a:extLst>
+              <a:ext uri="{FF2B5EF4-FFF2-40B4-BE49-F238E27FC236}">
+                <a16:creationId xmlns:a16="http://schemas.microsoft.com/office/drawing/2014/main" id="{2205743D-F71A-4647-9BE4-2900BDA2582B}"/>
+              </a:ext>
+            </a:extLst>
+          </p:cNvPr>
+          <p:cNvSpPr>
+            <a:spLocks noGrp="1"/>
+          </p:cNvSpPr>
+          <p:nvPr>
+            <p:ph type="body" sz="quarter" idx="19"/>
+          </p:nvPr>
+        </p:nvSpPr>
+        <p:spPr>
+          <a:xfrm>
+            <a:off x="8342375" y="2390775"/>
+            <a:ext cx="3264408" cy="1760482"/>
+          </a:xfrm>
+        </p:spPr>
+        <p:txBody>
+          <a:bodyPr wrap="square">
+            <a:spAutoFit/>
+          </a:bodyPr>
+          <a:lstStyle>
+            <a:lvl1pPr marL="176213" indent="-176213">
+              <a:defRPr lang="en-US" sz="2000"/>
+            </a:lvl1pPr>
+            <a:lvl2pPr marL="398463" indent="-169863">
+              <a:defRPr lang="en-US" sz="1800"/>
+            </a:lvl2pPr>
+            <a:lvl3pPr marL="555625" indent="-157163">
+              <a:defRPr lang="en-US"/>
+            </a:lvl3pPr>
+            <a:lvl4pPr marL="685800" indent="-136525">
+              <a:defRPr lang="en-US"/>
+            </a:lvl4pPr>
+            <a:lvl5pPr marL="800100" indent="-111125">
+              <a:defRPr lang="en-US"/>
+            </a:lvl5pPr>
+          </a:lstStyle>
+          <a:p>
+            <a:pPr lvl="0"/>
+            <a:r>
+              <a:rPr lang="en-US"/>
+              <a:t>Click to edit Master text styles</a:t>
+            </a:r>
+          </a:p>
+          <a:p>
+            <a:pPr lvl="1"/>
+            <a:r>
+              <a:rPr lang="en-US"/>
+              <a:t>Second level</a:t>
+            </a:r>
+          </a:p>
+          <a:p>
+            <a:pPr lvl="2"/>
+            <a:r>
+              <a:rPr lang="en-US"/>
+              <a:t>Third level</a:t>
+            </a:r>
+          </a:p>
+          <a:p>
+            <a:pPr lvl="3"/>
+            <a:r>
+              <a:rPr lang="en-US"/>
+              <a:t>Fourth level</a:t>
+            </a:r>
+          </a:p>
+          <a:p>
+            <a:pPr lvl="4"/>
+            <a:r>
+              <a:rPr lang="en-US"/>
+              <a:t>Fifth level</a:t>
+            </a:r>
           </a:p>
         </p:txBody>
       </p:sp>
     </p:spTree>
     <p:extLst>
       <p:ext uri="{BB962C8B-B14F-4D97-AF65-F5344CB8AC3E}">
-        <p14:creationId xmlns:p14="http://schemas.microsoft.com/office/powerpoint/2010/main" val="2045650642"/>
+        <p14:creationId xmlns:p14="http://schemas.microsoft.com/office/powerpoint/2010/main" val="2685649403"/>
       </p:ext>
     </p:extLst>
   </p:cSld>
   <p:clrMapOvr>
     <a:masterClrMapping/>
   </p:clrMapOvr>
+  <p:transition>
+    <p:fade/>
+  </p:transition>
+  <p:extLst>
+    <p:ext uri="{DCECCB84-F9BA-43D5-87BE-67443E8EF086}">
+      <p15:sldGuideLst xmlns:p15="http://schemas.microsoft.com/office/powerpoint/2012/main">
+        <p15:guide id="3" orient="horz" pos="1506">
+          <p15:clr>
+            <a:srgbClr val="5ACBF0"/>
+          </p15:clr>
+        </p15:guide>
+        <p15:guide id="4" orient="horz" pos="906">
+          <p15:clr>
+            <a:srgbClr val="5ACBF0"/>
+          </p15:clr>
+        </p15:guide>
+        <p15:guide id="5" orient="horz" pos="288">
+          <p15:clr>
+            <a:srgbClr val="5ACBF0"/>
+          </p15:clr>
+        </p15:guide>
+        <p15:guide id="6" pos="2430">
+          <p15:clr>
+            <a:srgbClr val="5ACBF0"/>
+          </p15:clr>
+        </p15:guide>
+        <p15:guide id="7" pos="2811">
+          <p15:clr>
+            <a:srgbClr val="5ACBF0"/>
+          </p15:clr>
+        </p15:guide>
+        <p15:guide id="8" pos="4871">
+          <p15:clr>
+            <a:srgbClr val="5ACBF0"/>
+          </p15:clr>
+        </p15:guide>
+        <p15:guide id="9" pos="5251">
+          <p15:clr>
+            <a:srgbClr val="5ACBF0"/>
+          </p15:clr>
+        </p15:guide>
+      </p15:sldGuideLst>
+    </p:ext>
+  </p:extLst>
 </p:sldLayout>
 </file>
 
-<file path=ppt/slideMasters/slideMaster1.xml><?xml version="1.0" encoding="utf-8"?>
-<p:sldMaster xmlns:a="http://schemas.openxmlformats.org/drawingml/2006/main" xmlns:r="http://schemas.openxmlformats.org/officeDocument/2006/relationships" xmlns:p="http://schemas.openxmlformats.org/presentationml/2006/main">
-  <p:cSld>
-    <p:bg>
-      <p:bgRef idx="1001">
-        <a:schemeClr val="bg1"/>
-      </p:bgRef>
-    </p:bg>
+<file path=ppt/slideLayouts/slideLayout9.xml><?xml version="1.0" encoding="utf-8"?>
+<p:sldLayout xmlns:a="http://schemas.openxmlformats.org/drawingml/2006/main" xmlns:r="http://schemas.openxmlformats.org/officeDocument/2006/relationships" xmlns:p="http://schemas.openxmlformats.org/presentationml/2006/main" preserve="1" userDrawn="1">
+  <p:cSld name="Four Column Bullet with Subheads">
     <p:spTree>
       <p:nvGrpSpPr>
         <p:cNvPr id="1" name=""/>
@@ -17562,10 +14280,10 @@
       </p:grpSpPr>
       <p:sp>
         <p:nvSpPr>
-          <p:cNvPr id="2" name="Title Placeholder 1">
+          <p:cNvPr id="3" name="Title 2">
             <a:extLst>
               <a:ext uri="{FF2B5EF4-FFF2-40B4-BE49-F238E27FC236}">
-                <a16:creationId xmlns:a16="http://schemas.microsoft.com/office/drawing/2014/main" id="{76B975CB-9693-40C1-BFDE-FD0567E7B46E}"/>
+                <a16:creationId xmlns:a16="http://schemas.microsoft.com/office/drawing/2014/main" id="{87A434B7-D4B9-4D45-A31C-F0CC4D227945}"/>
               </a:ext>
             </a:extLst>
           </p:cNvPr>
@@ -17578,16 +14296,13 @@
         </p:nvSpPr>
         <p:spPr>
           <a:xfrm>
-            <a:off x="838200" y="365125"/>
-            <a:ext cx="10515600" cy="1325563"/>
-          </a:xfrm>
-          <a:prstGeom prst="rect">
-            <a:avLst/>
-          </a:prstGeom>
+            <a:off x="588263" y="457200"/>
+            <a:ext cx="11018520" cy="553998"/>
+          </a:xfrm>
         </p:spPr>
         <p:txBody>
-          <a:bodyPr vert="horz" lIns="91440" tIns="45720" rIns="91440" bIns="45720" rtlCol="0" anchor="ctr">
-            <a:normAutofit/>
+          <a:bodyPr>
+            <a:spAutoFit/>
           </a:bodyPr>
           <a:lstStyle/>
           <a:p>
@@ -17595,16 +14310,15 @@
               <a:rPr lang="en-US"/>
               <a:t>Click to edit Master title style</a:t>
             </a:r>
-            <a:endParaRPr lang="en-AU"/>
           </a:p>
         </p:txBody>
       </p:sp>
       <p:sp>
         <p:nvSpPr>
-          <p:cNvPr id="3" name="Text Placeholder 2">
+          <p:cNvPr id="22" name="Text Placeholder 11">
             <a:extLst>
               <a:ext uri="{FF2B5EF4-FFF2-40B4-BE49-F238E27FC236}">
-                <a16:creationId xmlns:a16="http://schemas.microsoft.com/office/drawing/2014/main" id="{878B2E31-9422-4C80-99A8-136E4CD902EB}"/>
+                <a16:creationId xmlns:a16="http://schemas.microsoft.com/office/drawing/2014/main" id="{92783506-927E-48F7-8EFC-36257F3E2812}"/>
               </a:ext>
             </a:extLst>
           </p:cNvPr>
@@ -17612,67 +14326,46 @@
             <a:spLocks noGrp="1"/>
           </p:cNvSpPr>
           <p:nvPr>
-            <p:ph type="body" idx="1"/>
+            <p:ph type="body" sz="quarter" idx="16"/>
           </p:nvPr>
         </p:nvSpPr>
         <p:spPr>
           <a:xfrm>
-            <a:off x="838200" y="1825625"/>
-            <a:ext cx="10515600" cy="4351338"/>
-          </a:xfrm>
-          <a:prstGeom prst="rect">
-            <a:avLst/>
-          </a:prstGeom>
+            <a:off x="584200" y="1438275"/>
+            <a:ext cx="2532063" cy="615553"/>
+          </a:xfrm>
         </p:spPr>
         <p:txBody>
-          <a:bodyPr vert="horz" lIns="91440" tIns="45720" rIns="91440" bIns="45720" rtlCol="0">
-            <a:normAutofit/>
-          </a:bodyPr>
-          <a:lstStyle/>
+          <a:bodyPr anchor="t"/>
+          <a:lstStyle>
+            <a:lvl1pPr marL="0" indent="0">
+              <a:spcBef>
+                <a:spcPct val="0"/>
+              </a:spcBef>
+              <a:buNone/>
+              <a:defRPr sz="2000">
+                <a:solidFill>
+                  <a:schemeClr val="tx1"/>
+                </a:solidFill>
+                <a:latin typeface="+mj-lt"/>
+              </a:defRPr>
+            </a:lvl1pPr>
+          </a:lstStyle>
           <a:p>
             <a:pPr lvl="0"/>
             <a:r>
               <a:rPr lang="en-US"/>
               <a:t>Click to edit Master text styles</a:t>
             </a:r>
-          </a:p>
-          <a:p>
-            <a:pPr lvl="1"/>
-            <a:r>
-              <a:rPr lang="en-US"/>
-              <a:t>Second level</a:t>
-            </a:r>
-          </a:p>
-          <a:p>
-            <a:pPr lvl="2"/>
-            <a:r>
-              <a:rPr lang="en-US"/>
-              <a:t>Third level</a:t>
-            </a:r>
-          </a:p>
-          <a:p>
-            <a:pPr lvl="3"/>
-            <a:r>
-              <a:rPr lang="en-US"/>
-              <a:t>Fourth level</a:t>
-            </a:r>
-          </a:p>
-          <a:p>
-            <a:pPr lvl="4"/>
-            <a:r>
-              <a:rPr lang="en-US"/>
-              <a:t>Fifth level</a:t>
-            </a:r>
-            <a:endParaRPr lang="en-AU"/>
           </a:p>
         </p:txBody>
       </p:sp>
       <p:sp>
         <p:nvSpPr>
-          <p:cNvPr id="4" name="Date Placeholder 3">
+          <p:cNvPr id="23" name="Text Placeholder 7">
             <a:extLst>
               <a:ext uri="{FF2B5EF4-FFF2-40B4-BE49-F238E27FC236}">
-                <a16:creationId xmlns:a16="http://schemas.microsoft.com/office/drawing/2014/main" id="{3EEC4F09-9FB3-4BCF-81BE-914DC1417E57}"/>
+                <a16:creationId xmlns:a16="http://schemas.microsoft.com/office/drawing/2014/main" id="{FB6093D3-3EDF-4A80-8450-C5EBB1990775}"/>
               </a:ext>
             </a:extLst>
           </p:cNvPr>
@@ -17680,46 +14373,79 @@
             <a:spLocks noGrp="1"/>
           </p:cNvSpPr>
           <p:nvPr>
-            <p:ph type="dt" sz="half" idx="2"/>
+            <p:ph type="body" sz="quarter" idx="14"/>
           </p:nvPr>
         </p:nvSpPr>
         <p:spPr>
           <a:xfrm>
-            <a:off x="838200" y="6356350"/>
-            <a:ext cx="2743200" cy="365125"/>
-          </a:xfrm>
-          <a:prstGeom prst="rect">
-            <a:avLst/>
-          </a:prstGeom>
+            <a:off x="584200" y="2283115"/>
+            <a:ext cx="2532063" cy="1698927"/>
+          </a:xfrm>
         </p:spPr>
         <p:txBody>
-          <a:bodyPr vert="horz" lIns="91440" tIns="45720" rIns="91440" bIns="45720" rtlCol="0" anchor="ctr"/>
+          <a:bodyPr wrap="square">
+            <a:spAutoFit/>
+          </a:bodyPr>
           <a:lstStyle>
-            <a:lvl1pPr algn="l">
-              <a:defRPr sz="1200">
-                <a:solidFill>
-                  <a:schemeClr val="tx1">
-                    <a:tint val="75000"/>
-                  </a:schemeClr>
-                </a:solidFill>
-              </a:defRPr>
+            <a:lvl1pPr marL="141288" indent="-141288">
+              <a:defRPr lang="en-US" sz="1800"/>
             </a:lvl1pPr>
+            <a:lvl2pPr marL="285750" indent="-125413">
+              <a:defRPr lang="en-US" sz="1600"/>
+            </a:lvl2pPr>
+            <a:lvl3pPr marL="438150" indent="-133350">
+              <a:defRPr lang="en-US"/>
+            </a:lvl3pPr>
+            <a:lvl4pPr marL="566738" indent="-114300">
+              <a:defRPr lang="en-US"/>
+            </a:lvl4pPr>
+            <a:lvl5pPr marL="685800" indent="-109538">
+              <a:defRPr lang="en-US"/>
+            </a:lvl5pPr>
           </a:lstStyle>
           <a:p>
-            <a:fld id="{CEDABD4D-9266-40A2-8134-424B35C51FFB}" type="datetimeFigureOut">
-              <a:rPr lang="en-AU" smtClean="0"/>
-              <a:t>31/10/2020</a:t>
-            </a:fld>
-            <a:endParaRPr lang="en-AU"/>
+            <a:pPr lvl="0"/>
+            <a:r>
+              <a:rPr lang="en-US"/>
+              <a:t>Click to edit Master text styles</a:t>
+            </a:r>
+          </a:p>
+          <a:p>
+            <a:pPr lvl="1"/>
+            <a:r>
+              <a:rPr lang="en-US"/>
+              <a:t>Second level</a:t>
+            </a:r>
+          </a:p>
+          <a:p>
+            <a:pPr lvl="2"/>
+            <a:r>
+              <a:rPr lang="en-US"/>
+              <a:t>Third level</a:t>
+            </a:r>
+          </a:p>
+          <a:p>
+            <a:pPr lvl="3"/>
+            <a:r>
+              <a:rPr lang="en-US"/>
+              <a:t>Fourth level</a:t>
+            </a:r>
+          </a:p>
+          <a:p>
+            <a:pPr lvl="4"/>
+            <a:r>
+              <a:rPr lang="en-US"/>
+              <a:t>Fifth level</a:t>
+            </a:r>
           </a:p>
         </p:txBody>
       </p:sp>
       <p:sp>
         <p:nvSpPr>
-          <p:cNvPr id="5" name="Footer Placeholder 4">
+          <p:cNvPr id="24" name="Text Placeholder 11">
             <a:extLst>
               <a:ext uri="{FF2B5EF4-FFF2-40B4-BE49-F238E27FC236}">
-                <a16:creationId xmlns:a16="http://schemas.microsoft.com/office/drawing/2014/main" id="{6CA856C5-5685-43E9-8D8E-D9AC309179ED}"/>
+                <a16:creationId xmlns:a16="http://schemas.microsoft.com/office/drawing/2014/main" id="{438D2C80-6884-451D-8D7D-B69022CCC5C4}"/>
               </a:ext>
             </a:extLst>
           </p:cNvPr>
@@ -17727,42 +14453,46 @@
             <a:spLocks noGrp="1"/>
           </p:cNvSpPr>
           <p:nvPr>
-            <p:ph type="ftr" sz="quarter" idx="3"/>
+            <p:ph type="body" sz="quarter" idx="17"/>
           </p:nvPr>
         </p:nvSpPr>
         <p:spPr>
           <a:xfrm>
-            <a:off x="4038600" y="6356350"/>
-            <a:ext cx="4114800" cy="365125"/>
-          </a:xfrm>
-          <a:prstGeom prst="rect">
-            <a:avLst/>
-          </a:prstGeom>
+            <a:off x="3413125" y="1438275"/>
+            <a:ext cx="2533650" cy="615553"/>
+          </a:xfrm>
         </p:spPr>
         <p:txBody>
-          <a:bodyPr vert="horz" lIns="91440" tIns="45720" rIns="91440" bIns="45720" rtlCol="0" anchor="ctr"/>
+          <a:bodyPr anchor="t"/>
           <a:lstStyle>
-            <a:lvl1pPr algn="ctr">
-              <a:defRPr sz="1200">
+            <a:lvl1pPr marL="0" indent="0">
+              <a:spcBef>
+                <a:spcPct val="0"/>
+              </a:spcBef>
+              <a:buNone/>
+              <a:defRPr sz="2000">
                 <a:solidFill>
-                  <a:schemeClr val="tx1">
-                    <a:tint val="75000"/>
-                  </a:schemeClr>
+                  <a:schemeClr val="tx1"/>
                 </a:solidFill>
+                <a:latin typeface="+mj-lt"/>
               </a:defRPr>
             </a:lvl1pPr>
           </a:lstStyle>
           <a:p>
-            <a:endParaRPr lang="en-AU"/>
+            <a:pPr lvl="0"/>
+            <a:r>
+              <a:rPr lang="en-US"/>
+              <a:t>Click to edit Master text styles</a:t>
+            </a:r>
           </a:p>
         </p:txBody>
       </p:sp>
       <p:sp>
         <p:nvSpPr>
-          <p:cNvPr id="6" name="Slide Number Placeholder 5">
+          <p:cNvPr id="25" name="Text Placeholder 9">
             <a:extLst>
               <a:ext uri="{FF2B5EF4-FFF2-40B4-BE49-F238E27FC236}">
-                <a16:creationId xmlns:a16="http://schemas.microsoft.com/office/drawing/2014/main" id="{0DCA666A-2ED4-4A10-ADCA-95F69023464F}"/>
+                <a16:creationId xmlns:a16="http://schemas.microsoft.com/office/drawing/2014/main" id="{7614A884-0AD6-4A85-A432-2B13E7464DA9}"/>
               </a:ext>
             </a:extLst>
           </p:cNvPr>
@@ -17770,345 +14500,395 @@
             <a:spLocks noGrp="1"/>
           </p:cNvSpPr>
           <p:nvPr>
-            <p:ph type="sldNum" sz="quarter" idx="4"/>
+            <p:ph type="body" sz="quarter" idx="15"/>
           </p:nvPr>
         </p:nvSpPr>
         <p:spPr>
           <a:xfrm>
-            <a:off x="8610600" y="6356350"/>
-            <a:ext cx="2743200" cy="365125"/>
-          </a:xfrm>
-          <a:prstGeom prst="rect">
-            <a:avLst/>
-          </a:prstGeom>
+            <a:off x="3413125" y="2276475"/>
+            <a:ext cx="2532063" cy="1698927"/>
+          </a:xfrm>
         </p:spPr>
         <p:txBody>
-          <a:bodyPr vert="horz" lIns="91440" tIns="45720" rIns="91440" bIns="45720" rtlCol="0" anchor="ctr"/>
+          <a:bodyPr wrap="square">
+            <a:spAutoFit/>
+          </a:bodyPr>
           <a:lstStyle>
-            <a:lvl1pPr algn="r">
-              <a:defRPr sz="1200">
+            <a:lvl1pPr marL="141288" indent="-141288">
+              <a:defRPr lang="en-US" sz="1800"/>
+            </a:lvl1pPr>
+            <a:lvl2pPr marL="285750" indent="-125413">
+              <a:defRPr lang="en-US" sz="1600"/>
+            </a:lvl2pPr>
+            <a:lvl3pPr marL="438150" indent="-133350">
+              <a:defRPr lang="en-US"/>
+            </a:lvl3pPr>
+            <a:lvl4pPr marL="566738" indent="-114300">
+              <a:defRPr lang="en-US"/>
+            </a:lvl4pPr>
+            <a:lvl5pPr marL="685800" indent="-109538">
+              <a:defRPr lang="en-US"/>
+            </a:lvl5pPr>
+          </a:lstStyle>
+          <a:p>
+            <a:pPr lvl="0"/>
+            <a:r>
+              <a:rPr lang="en-US"/>
+              <a:t>Click to edit Master text styles</a:t>
+            </a:r>
+          </a:p>
+          <a:p>
+            <a:pPr lvl="1"/>
+            <a:r>
+              <a:rPr lang="en-US"/>
+              <a:t>Second level</a:t>
+            </a:r>
+          </a:p>
+          <a:p>
+            <a:pPr lvl="2"/>
+            <a:r>
+              <a:rPr lang="en-US"/>
+              <a:t>Third level</a:t>
+            </a:r>
+          </a:p>
+          <a:p>
+            <a:pPr lvl="3"/>
+            <a:r>
+              <a:rPr lang="en-US"/>
+              <a:t>Fourth level</a:t>
+            </a:r>
+          </a:p>
+          <a:p>
+            <a:pPr lvl="4"/>
+            <a:r>
+              <a:rPr lang="en-US"/>
+              <a:t>Fifth level</a:t>
+            </a:r>
+          </a:p>
+        </p:txBody>
+      </p:sp>
+      <p:sp>
+        <p:nvSpPr>
+          <p:cNvPr id="26" name="Text Placeholder 11">
+            <a:extLst>
+              <a:ext uri="{FF2B5EF4-FFF2-40B4-BE49-F238E27FC236}">
+                <a16:creationId xmlns:a16="http://schemas.microsoft.com/office/drawing/2014/main" id="{7D8FFDED-9FE5-4D94-8EB0-7D645C10FBFF}"/>
+              </a:ext>
+            </a:extLst>
+          </p:cNvPr>
+          <p:cNvSpPr>
+            <a:spLocks noGrp="1"/>
+          </p:cNvSpPr>
+          <p:nvPr>
+            <p:ph type="body" sz="quarter" idx="18"/>
+          </p:nvPr>
+        </p:nvSpPr>
+        <p:spPr>
+          <a:xfrm>
+            <a:off x="6244208" y="1438275"/>
+            <a:ext cx="2532063" cy="615553"/>
+          </a:xfrm>
+        </p:spPr>
+        <p:txBody>
+          <a:bodyPr anchor="t"/>
+          <a:lstStyle>
+            <a:lvl1pPr marL="0" indent="0">
+              <a:spcBef>
+                <a:spcPct val="0"/>
+              </a:spcBef>
+              <a:buNone/>
+              <a:defRPr sz="2000">
                 <a:solidFill>
-                  <a:schemeClr val="tx1">
-                    <a:tint val="75000"/>
-                  </a:schemeClr>
+                  <a:schemeClr val="tx1"/>
                 </a:solidFill>
+                <a:latin typeface="+mj-lt"/>
               </a:defRPr>
             </a:lvl1pPr>
           </a:lstStyle>
           <a:p>
-            <a:fld id="{F8A3CFEC-82BA-4ACC-BF15-DA4DFD18E398}" type="slidenum">
-              <a:rPr lang="en-AU" smtClean="0"/>
-              <a:t>‹#›</a:t>
-            </a:fld>
-            <a:endParaRPr lang="en-AU"/>
+            <a:pPr lvl="0"/>
+            <a:r>
+              <a:rPr lang="en-US"/>
+              <a:t>Click to edit Master text styles</a:t>
+            </a:r>
+          </a:p>
+        </p:txBody>
+      </p:sp>
+      <p:sp>
+        <p:nvSpPr>
+          <p:cNvPr id="27" name="Text Placeholder 7">
+            <a:extLst>
+              <a:ext uri="{FF2B5EF4-FFF2-40B4-BE49-F238E27FC236}">
+                <a16:creationId xmlns:a16="http://schemas.microsoft.com/office/drawing/2014/main" id="{D429D954-9297-44FA-B7BD-56586012419C}"/>
+              </a:ext>
+            </a:extLst>
+          </p:cNvPr>
+          <p:cNvSpPr>
+            <a:spLocks noGrp="1"/>
+          </p:cNvSpPr>
+          <p:nvPr>
+            <p:ph type="body" sz="quarter" idx="19"/>
+          </p:nvPr>
+        </p:nvSpPr>
+        <p:spPr>
+          <a:xfrm>
+            <a:off x="6244208" y="2283115"/>
+            <a:ext cx="2532063" cy="1698927"/>
+          </a:xfrm>
+        </p:spPr>
+        <p:txBody>
+          <a:bodyPr wrap="square">
+            <a:spAutoFit/>
+          </a:bodyPr>
+          <a:lstStyle>
+            <a:lvl1pPr marL="141288" indent="-141288">
+              <a:defRPr lang="en-US" sz="1800"/>
+            </a:lvl1pPr>
+            <a:lvl2pPr marL="285750" indent="-125413">
+              <a:defRPr lang="en-US" sz="1600"/>
+            </a:lvl2pPr>
+            <a:lvl3pPr marL="438150" indent="-133350">
+              <a:defRPr lang="en-US"/>
+            </a:lvl3pPr>
+            <a:lvl4pPr marL="566738" indent="-114300">
+              <a:defRPr lang="en-US"/>
+            </a:lvl4pPr>
+            <a:lvl5pPr marL="685800" indent="-109538">
+              <a:defRPr lang="en-US"/>
+            </a:lvl5pPr>
+          </a:lstStyle>
+          <a:p>
+            <a:pPr lvl="0"/>
+            <a:r>
+              <a:rPr lang="en-US"/>
+              <a:t>Click to edit Master text styles</a:t>
+            </a:r>
+          </a:p>
+          <a:p>
+            <a:pPr lvl="1"/>
+            <a:r>
+              <a:rPr lang="en-US"/>
+              <a:t>Second level</a:t>
+            </a:r>
+          </a:p>
+          <a:p>
+            <a:pPr lvl="2"/>
+            <a:r>
+              <a:rPr lang="en-US"/>
+              <a:t>Third level</a:t>
+            </a:r>
+          </a:p>
+          <a:p>
+            <a:pPr lvl="3"/>
+            <a:r>
+              <a:rPr lang="en-US"/>
+              <a:t>Fourth level</a:t>
+            </a:r>
+          </a:p>
+          <a:p>
+            <a:pPr lvl="4"/>
+            <a:r>
+              <a:rPr lang="en-US"/>
+              <a:t>Fifth level</a:t>
+            </a:r>
+          </a:p>
+        </p:txBody>
+      </p:sp>
+      <p:sp>
+        <p:nvSpPr>
+          <p:cNvPr id="28" name="Text Placeholder 11">
+            <a:extLst>
+              <a:ext uri="{FF2B5EF4-FFF2-40B4-BE49-F238E27FC236}">
+                <a16:creationId xmlns:a16="http://schemas.microsoft.com/office/drawing/2014/main" id="{04D43B0D-50F8-4F63-AFA3-34A46F42E816}"/>
+              </a:ext>
+            </a:extLst>
+          </p:cNvPr>
+          <p:cNvSpPr>
+            <a:spLocks noGrp="1"/>
+          </p:cNvSpPr>
+          <p:nvPr>
+            <p:ph type="body" sz="quarter" idx="20"/>
+          </p:nvPr>
+        </p:nvSpPr>
+        <p:spPr>
+          <a:xfrm>
+            <a:off x="9073133" y="1438275"/>
+            <a:ext cx="2533650" cy="615553"/>
+          </a:xfrm>
+        </p:spPr>
+        <p:txBody>
+          <a:bodyPr anchor="t"/>
+          <a:lstStyle>
+            <a:lvl1pPr marL="0" indent="0">
+              <a:spcBef>
+                <a:spcPct val="0"/>
+              </a:spcBef>
+              <a:buNone/>
+              <a:defRPr sz="2000">
+                <a:solidFill>
+                  <a:schemeClr val="tx1"/>
+                </a:solidFill>
+                <a:latin typeface="+mj-lt"/>
+              </a:defRPr>
+            </a:lvl1pPr>
+          </a:lstStyle>
+          <a:p>
+            <a:pPr lvl="0"/>
+            <a:r>
+              <a:rPr lang="en-US"/>
+              <a:t>Click to edit Master text styles</a:t>
+            </a:r>
+          </a:p>
+        </p:txBody>
+      </p:sp>
+      <p:sp>
+        <p:nvSpPr>
+          <p:cNvPr id="29" name="Text Placeholder 9">
+            <a:extLst>
+              <a:ext uri="{FF2B5EF4-FFF2-40B4-BE49-F238E27FC236}">
+                <a16:creationId xmlns:a16="http://schemas.microsoft.com/office/drawing/2014/main" id="{804CEFDA-6A6F-42D3-B65C-4BE1054C905E}"/>
+              </a:ext>
+            </a:extLst>
+          </p:cNvPr>
+          <p:cNvSpPr>
+            <a:spLocks noGrp="1"/>
+          </p:cNvSpPr>
+          <p:nvPr>
+            <p:ph type="body" sz="quarter" idx="21"/>
+          </p:nvPr>
+        </p:nvSpPr>
+        <p:spPr>
+          <a:xfrm>
+            <a:off x="9073133" y="2276475"/>
+            <a:ext cx="2532063" cy="1698927"/>
+          </a:xfrm>
+        </p:spPr>
+        <p:txBody>
+          <a:bodyPr wrap="square">
+            <a:spAutoFit/>
+          </a:bodyPr>
+          <a:lstStyle>
+            <a:lvl1pPr marL="141288" indent="-141288">
+              <a:defRPr lang="en-US" sz="1800"/>
+            </a:lvl1pPr>
+            <a:lvl2pPr marL="285750" indent="-125413">
+              <a:defRPr lang="en-US" sz="1600"/>
+            </a:lvl2pPr>
+            <a:lvl3pPr marL="438150" indent="-133350">
+              <a:defRPr lang="en-US"/>
+            </a:lvl3pPr>
+            <a:lvl4pPr marL="566738" indent="-114300">
+              <a:defRPr lang="en-US"/>
+            </a:lvl4pPr>
+            <a:lvl5pPr marL="685800" indent="-109538">
+              <a:defRPr lang="en-US"/>
+            </a:lvl5pPr>
+          </a:lstStyle>
+          <a:p>
+            <a:pPr lvl="0"/>
+            <a:r>
+              <a:rPr lang="en-US"/>
+              <a:t>Click to edit Master text styles</a:t>
+            </a:r>
+          </a:p>
+          <a:p>
+            <a:pPr lvl="1"/>
+            <a:r>
+              <a:rPr lang="en-US"/>
+              <a:t>Second level</a:t>
+            </a:r>
+          </a:p>
+          <a:p>
+            <a:pPr lvl="2"/>
+            <a:r>
+              <a:rPr lang="en-US"/>
+              <a:t>Third level</a:t>
+            </a:r>
+          </a:p>
+          <a:p>
+            <a:pPr lvl="3"/>
+            <a:r>
+              <a:rPr lang="en-US"/>
+              <a:t>Fourth level</a:t>
+            </a:r>
+          </a:p>
+          <a:p>
+            <a:pPr lvl="4"/>
+            <a:r>
+              <a:rPr lang="en-US"/>
+              <a:t>Fifth level</a:t>
+            </a:r>
           </a:p>
         </p:txBody>
       </p:sp>
     </p:spTree>
     <p:extLst>
       <p:ext uri="{BB962C8B-B14F-4D97-AF65-F5344CB8AC3E}">
-        <p14:creationId xmlns:p14="http://schemas.microsoft.com/office/powerpoint/2010/main" val="1938058575"/>
+        <p14:creationId xmlns:p14="http://schemas.microsoft.com/office/powerpoint/2010/main" val="592109696"/>
       </p:ext>
     </p:extLst>
   </p:cSld>
-  <p:clrMap bg1="lt1" tx1="dk1" bg2="lt2" tx2="dk2" accent1="accent1" accent2="accent2" accent3="accent3" accent4="accent4" accent5="accent5" accent6="accent6" hlink="hlink" folHlink="folHlink"/>
-  <p:sldLayoutIdLst>
-    <p:sldLayoutId id="2147483649" r:id="rId1"/>
-    <p:sldLayoutId id="2147483650" r:id="rId2"/>
-    <p:sldLayoutId id="2147483651" r:id="rId3"/>
-    <p:sldLayoutId id="2147483652" r:id="rId4"/>
-    <p:sldLayoutId id="2147483653" r:id="rId5"/>
-    <p:sldLayoutId id="2147483654" r:id="rId6"/>
-    <p:sldLayoutId id="2147483655" r:id="rId7"/>
-    <p:sldLayoutId id="2147483656" r:id="rId8"/>
-    <p:sldLayoutId id="2147483657" r:id="rId9"/>
-    <p:sldLayoutId id="2147483658" r:id="rId10"/>
-    <p:sldLayoutId id="2147483659" r:id="rId11"/>
-  </p:sldLayoutIdLst>
-  <p:txStyles>
-    <p:titleStyle>
-      <a:lvl1pPr algn="l" defTabSz="914400" rtl="0" eaLnBrk="1" latinLnBrk="0" hangingPunct="1">
-        <a:lnSpc>
-          <a:spcPct val="90000"/>
-        </a:lnSpc>
-        <a:spcBef>
-          <a:spcPct val="0"/>
-        </a:spcBef>
-        <a:buNone/>
-        <a:defRPr sz="4400" kern="1200">
-          <a:solidFill>
-            <a:schemeClr val="tx1"/>
-          </a:solidFill>
-          <a:latin typeface="+mj-lt"/>
-          <a:ea typeface="+mj-ea"/>
-          <a:cs typeface="+mj-cs"/>
-        </a:defRPr>
-      </a:lvl1pPr>
-    </p:titleStyle>
-    <p:bodyStyle>
-      <a:lvl1pPr marL="228600" indent="-228600" algn="l" defTabSz="914400" rtl="0" eaLnBrk="1" latinLnBrk="0" hangingPunct="1">
-        <a:lnSpc>
-          <a:spcPct val="90000"/>
-        </a:lnSpc>
-        <a:spcBef>
-          <a:spcPts val="1000"/>
-        </a:spcBef>
-        <a:buFont typeface="Arial" panose="020B0604020202020204" pitchFamily="34" charset="0"/>
-        <a:buChar char="•"/>
-        <a:defRPr sz="2800" kern="1200">
-          <a:solidFill>
-            <a:schemeClr val="tx1"/>
-          </a:solidFill>
-          <a:latin typeface="+mn-lt"/>
-          <a:ea typeface="+mn-ea"/>
-          <a:cs typeface="+mn-cs"/>
-        </a:defRPr>
-      </a:lvl1pPr>
-      <a:lvl2pPr marL="685800" indent="-228600" algn="l" defTabSz="914400" rtl="0" eaLnBrk="1" latinLnBrk="0" hangingPunct="1">
-        <a:lnSpc>
-          <a:spcPct val="90000"/>
-        </a:lnSpc>
-        <a:spcBef>
-          <a:spcPts val="500"/>
-        </a:spcBef>
-        <a:buFont typeface="Arial" panose="020B0604020202020204" pitchFamily="34" charset="0"/>
-        <a:buChar char="•"/>
-        <a:defRPr sz="2400" kern="1200">
-          <a:solidFill>
-            <a:schemeClr val="tx1"/>
-          </a:solidFill>
-          <a:latin typeface="+mn-lt"/>
-          <a:ea typeface="+mn-ea"/>
-          <a:cs typeface="+mn-cs"/>
-        </a:defRPr>
-      </a:lvl2pPr>
-      <a:lvl3pPr marL="1143000" indent="-228600" algn="l" defTabSz="914400" rtl="0" eaLnBrk="1" latinLnBrk="0" hangingPunct="1">
-        <a:lnSpc>
-          <a:spcPct val="90000"/>
-        </a:lnSpc>
-        <a:spcBef>
-          <a:spcPts val="500"/>
-        </a:spcBef>
-        <a:buFont typeface="Arial" panose="020B0604020202020204" pitchFamily="34" charset="0"/>
-        <a:buChar char="•"/>
-        <a:defRPr sz="2000" kern="1200">
-          <a:solidFill>
-            <a:schemeClr val="tx1"/>
-          </a:solidFill>
-          <a:latin typeface="+mn-lt"/>
-          <a:ea typeface="+mn-ea"/>
-          <a:cs typeface="+mn-cs"/>
-        </a:defRPr>
-      </a:lvl3pPr>
-      <a:lvl4pPr marL="1600200" indent="-228600" algn="l" defTabSz="914400" rtl="0" eaLnBrk="1" latinLnBrk="0" hangingPunct="1">
-        <a:lnSpc>
-          <a:spcPct val="90000"/>
-        </a:lnSpc>
-        <a:spcBef>
-          <a:spcPts val="500"/>
-        </a:spcBef>
-        <a:buFont typeface="Arial" panose="020B0604020202020204" pitchFamily="34" charset="0"/>
-        <a:buChar char="•"/>
-        <a:defRPr sz="1800" kern="1200">
-          <a:solidFill>
-            <a:schemeClr val="tx1"/>
-          </a:solidFill>
-          <a:latin typeface="+mn-lt"/>
-          <a:ea typeface="+mn-ea"/>
-          <a:cs typeface="+mn-cs"/>
-        </a:defRPr>
-      </a:lvl4pPr>
-      <a:lvl5pPr marL="2057400" indent="-228600" algn="l" defTabSz="914400" rtl="0" eaLnBrk="1" latinLnBrk="0" hangingPunct="1">
-        <a:lnSpc>
-          <a:spcPct val="90000"/>
-        </a:lnSpc>
-        <a:spcBef>
-          <a:spcPts val="500"/>
-        </a:spcBef>
-        <a:buFont typeface="Arial" panose="020B0604020202020204" pitchFamily="34" charset="0"/>
-        <a:buChar char="•"/>
-        <a:defRPr sz="1800" kern="1200">
-          <a:solidFill>
-            <a:schemeClr val="tx1"/>
-          </a:solidFill>
-          <a:latin typeface="+mn-lt"/>
-          <a:ea typeface="+mn-ea"/>
-          <a:cs typeface="+mn-cs"/>
-        </a:defRPr>
-      </a:lvl5pPr>
-      <a:lvl6pPr marL="2514600" indent="-228600" algn="l" defTabSz="914400" rtl="0" eaLnBrk="1" latinLnBrk="0" hangingPunct="1">
-        <a:lnSpc>
-          <a:spcPct val="90000"/>
-        </a:lnSpc>
-        <a:spcBef>
-          <a:spcPts val="500"/>
-        </a:spcBef>
-        <a:buFont typeface="Arial" panose="020B0604020202020204" pitchFamily="34" charset="0"/>
-        <a:buChar char="•"/>
-        <a:defRPr sz="1800" kern="1200">
-          <a:solidFill>
-            <a:schemeClr val="tx1"/>
-          </a:solidFill>
-          <a:latin typeface="+mn-lt"/>
-          <a:ea typeface="+mn-ea"/>
-          <a:cs typeface="+mn-cs"/>
-        </a:defRPr>
-      </a:lvl6pPr>
-      <a:lvl7pPr marL="2971800" indent="-228600" algn="l" defTabSz="914400" rtl="0" eaLnBrk="1" latinLnBrk="0" hangingPunct="1">
-        <a:lnSpc>
-          <a:spcPct val="90000"/>
-        </a:lnSpc>
-        <a:spcBef>
-          <a:spcPts val="500"/>
-        </a:spcBef>
-        <a:buFont typeface="Arial" panose="020B0604020202020204" pitchFamily="34" charset="0"/>
-        <a:buChar char="•"/>
-        <a:defRPr sz="1800" kern="1200">
-          <a:solidFill>
-            <a:schemeClr val="tx1"/>
-          </a:solidFill>
-          <a:latin typeface="+mn-lt"/>
-          <a:ea typeface="+mn-ea"/>
-          <a:cs typeface="+mn-cs"/>
-        </a:defRPr>
-      </a:lvl7pPr>
-      <a:lvl8pPr marL="3429000" indent="-228600" algn="l" defTabSz="914400" rtl="0" eaLnBrk="1" latinLnBrk="0" hangingPunct="1">
-        <a:lnSpc>
-          <a:spcPct val="90000"/>
-        </a:lnSpc>
-        <a:spcBef>
-          <a:spcPts val="500"/>
-        </a:spcBef>
-        <a:buFont typeface="Arial" panose="020B0604020202020204" pitchFamily="34" charset="0"/>
-        <a:buChar char="•"/>
-        <a:defRPr sz="1800" kern="1200">
-          <a:solidFill>
-            <a:schemeClr val="tx1"/>
-          </a:solidFill>
-          <a:latin typeface="+mn-lt"/>
-          <a:ea typeface="+mn-ea"/>
-          <a:cs typeface="+mn-cs"/>
-        </a:defRPr>
-      </a:lvl8pPr>
-      <a:lvl9pPr marL="3886200" indent="-228600" algn="l" defTabSz="914400" rtl="0" eaLnBrk="1" latinLnBrk="0" hangingPunct="1">
-        <a:lnSpc>
-          <a:spcPct val="90000"/>
-        </a:lnSpc>
-        <a:spcBef>
-          <a:spcPts val="500"/>
-        </a:spcBef>
-        <a:buFont typeface="Arial" panose="020B0604020202020204" pitchFamily="34" charset="0"/>
-        <a:buChar char="•"/>
-        <a:defRPr sz="1800" kern="1200">
-          <a:solidFill>
-            <a:schemeClr val="tx1"/>
-          </a:solidFill>
-          <a:latin typeface="+mn-lt"/>
-          <a:ea typeface="+mn-ea"/>
-          <a:cs typeface="+mn-cs"/>
-        </a:defRPr>
-      </a:lvl9pPr>
-    </p:bodyStyle>
-    <p:otherStyle>
-      <a:defPPr>
-        <a:defRPr lang="en-US"/>
-      </a:defPPr>
-      <a:lvl1pPr marL="0" algn="l" defTabSz="914400" rtl="0" eaLnBrk="1" latinLnBrk="0" hangingPunct="1">
-        <a:defRPr sz="1800" kern="1200">
-          <a:solidFill>
-            <a:schemeClr val="tx1"/>
-          </a:solidFill>
-          <a:latin typeface="+mn-lt"/>
-          <a:ea typeface="+mn-ea"/>
-          <a:cs typeface="+mn-cs"/>
-        </a:defRPr>
-      </a:lvl1pPr>
-      <a:lvl2pPr marL="457200" algn="l" defTabSz="914400" rtl="0" eaLnBrk="1" latinLnBrk="0" hangingPunct="1">
-        <a:defRPr sz="1800" kern="1200">
-          <a:solidFill>
-            <a:schemeClr val="tx1"/>
-          </a:solidFill>
-          <a:latin typeface="+mn-lt"/>
-          <a:ea typeface="+mn-ea"/>
-          <a:cs typeface="+mn-cs"/>
-        </a:defRPr>
-      </a:lvl2pPr>
-      <a:lvl3pPr marL="914400" algn="l" defTabSz="914400" rtl="0" eaLnBrk="1" latinLnBrk="0" hangingPunct="1">
-        <a:defRPr sz="1800" kern="1200">
-          <a:solidFill>
-            <a:schemeClr val="tx1"/>
-          </a:solidFill>
-          <a:latin typeface="+mn-lt"/>
-          <a:ea typeface="+mn-ea"/>
-          <a:cs typeface="+mn-cs"/>
-        </a:defRPr>
-      </a:lvl3pPr>
-      <a:lvl4pPr marL="1371600" algn="l" defTabSz="914400" rtl="0" eaLnBrk="1" latinLnBrk="0" hangingPunct="1">
-        <a:defRPr sz="1800" kern="1200">
-          <a:solidFill>
-            <a:schemeClr val="tx1"/>
-          </a:solidFill>
-          <a:latin typeface="+mn-lt"/>
-          <a:ea typeface="+mn-ea"/>
-          <a:cs typeface="+mn-cs"/>
-        </a:defRPr>
-      </a:lvl4pPr>
-      <a:lvl5pPr marL="1828800" algn="l" defTabSz="914400" rtl="0" eaLnBrk="1" latinLnBrk="0" hangingPunct="1">
-        <a:defRPr sz="1800" kern="1200">
-          <a:solidFill>
-            <a:schemeClr val="tx1"/>
-          </a:solidFill>
-          <a:latin typeface="+mn-lt"/>
-          <a:ea typeface="+mn-ea"/>
-          <a:cs typeface="+mn-cs"/>
-        </a:defRPr>
-      </a:lvl5pPr>
-      <a:lvl6pPr marL="2286000" algn="l" defTabSz="914400" rtl="0" eaLnBrk="1" latinLnBrk="0" hangingPunct="1">
-        <a:defRPr sz="1800" kern="1200">
-          <a:solidFill>
-            <a:schemeClr val="tx1"/>
-          </a:solidFill>
-          <a:latin typeface="+mn-lt"/>
-          <a:ea typeface="+mn-ea"/>
-          <a:cs typeface="+mn-cs"/>
-        </a:defRPr>
-      </a:lvl6pPr>
-      <a:lvl7pPr marL="2743200" algn="l" defTabSz="914400" rtl="0" eaLnBrk="1" latinLnBrk="0" hangingPunct="1">
-        <a:defRPr sz="1800" kern="1200">
-          <a:solidFill>
-            <a:schemeClr val="tx1"/>
-          </a:solidFill>
-          <a:latin typeface="+mn-lt"/>
-          <a:ea typeface="+mn-ea"/>
-          <a:cs typeface="+mn-cs"/>
-        </a:defRPr>
-      </a:lvl7pPr>
-      <a:lvl8pPr marL="3200400" algn="l" defTabSz="914400" rtl="0" eaLnBrk="1" latinLnBrk="0" hangingPunct="1">
-        <a:defRPr sz="1800" kern="1200">
-          <a:solidFill>
-            <a:schemeClr val="tx1"/>
-          </a:solidFill>
-          <a:latin typeface="+mn-lt"/>
-          <a:ea typeface="+mn-ea"/>
-          <a:cs typeface="+mn-cs"/>
-        </a:defRPr>
-      </a:lvl8pPr>
-      <a:lvl9pPr marL="3657600" algn="l" defTabSz="914400" rtl="0" eaLnBrk="1" latinLnBrk="0" hangingPunct="1">
-        <a:defRPr sz="1800" kern="1200">
-          <a:solidFill>
-            <a:schemeClr val="tx1"/>
-          </a:solidFill>
-          <a:latin typeface="+mn-lt"/>
-          <a:ea typeface="+mn-ea"/>
-          <a:cs typeface="+mn-cs"/>
-        </a:defRPr>
-      </a:lvl9pPr>
-    </p:otherStyle>
-  </p:txStyles>
-</p:sldMaster>
+  <p:clrMapOvr>
+    <a:masterClrMapping/>
+  </p:clrMapOvr>
+  <p:transition>
+    <p:fade/>
+  </p:transition>
+  <p:extLst>
+    <p:ext uri="{DCECCB84-F9BA-43D5-87BE-67443E8EF086}">
+      <p15:sldGuideLst xmlns:p15="http://schemas.microsoft.com/office/powerpoint/2012/main">
+        <p15:guide id="4" orient="horz" pos="906">
+          <p15:clr>
+            <a:srgbClr val="5ACBF0"/>
+          </p15:clr>
+        </p15:guide>
+        <p15:guide id="5" orient="horz" pos="288">
+          <p15:clr>
+            <a:srgbClr val="5ACBF0"/>
+          </p15:clr>
+        </p15:guide>
+        <p15:guide id="6" pos="1963">
+          <p15:clr>
+            <a:srgbClr val="5ACBF0"/>
+          </p15:clr>
+        </p15:guide>
+        <p15:guide id="7" pos="2150">
+          <p15:clr>
+            <a:srgbClr val="5ACBF0"/>
+          </p15:clr>
+        </p15:guide>
+        <p15:guide id="8" pos="3746">
+          <p15:clr>
+            <a:srgbClr val="5ACBF0"/>
+          </p15:clr>
+        </p15:guide>
+        <p15:guide id="9" pos="3934">
+          <p15:clr>
+            <a:srgbClr val="5ACBF0"/>
+          </p15:clr>
+        </p15:guide>
+        <p15:guide id="10" pos="5530">
+          <p15:clr>
+            <a:srgbClr val="5ACBF0"/>
+          </p15:clr>
+        </p15:guide>
+        <p15:guide id="11" pos="5716">
+          <p15:clr>
+            <a:srgbClr val="5ACBF0"/>
+          </p15:clr>
+        </p15:guide>
+        <p15:guide id="12" orient="horz" pos="1436">
+          <p15:clr>
+            <a:srgbClr val="5ACBF0"/>
+          </p15:clr>
+        </p15:guide>
+      </p15:sldGuideLst>
+    </p:ext>
+  </p:extLst>
+</p:sldLayout>
 </file>
 
-<file path=ppt/slideMasters/slideMaster2.xml><?xml version="1.0" encoding="utf-8"?>
+<file path=ppt/slideMasters/slideMaster1.xml><?xml version="1.0" encoding="utf-8"?>
 <p:sldMaster xmlns:a="http://schemas.openxmlformats.org/drawingml/2006/main" xmlns:r="http://schemas.openxmlformats.org/officeDocument/2006/relationships" xmlns:p="http://schemas.openxmlformats.org/presentationml/2006/main">
   <p:cSld>
     <p:bg>
@@ -20709,728 +17489,6 @@
       </p:grpSpPr>
       <p:sp>
         <p:nvSpPr>
-          <p:cNvPr id="10" name="TextBox 9">
-            <a:extLst>
-              <a:ext uri="{FF2B5EF4-FFF2-40B4-BE49-F238E27FC236}">
-                <a16:creationId xmlns:a16="http://schemas.microsoft.com/office/drawing/2014/main" id="{BDCB8D2D-00BD-4691-9728-72976040B079}"/>
-              </a:ext>
-            </a:extLst>
-          </p:cNvPr>
-          <p:cNvSpPr txBox="1"/>
-          <p:nvPr/>
-        </p:nvSpPr>
-        <p:spPr>
-          <a:xfrm>
-            <a:off x="253755" y="1213618"/>
-            <a:ext cx="1689758" cy="707886"/>
-          </a:xfrm>
-          <a:prstGeom prst="rect">
-            <a:avLst/>
-          </a:prstGeom>
-          <a:noFill/>
-        </p:spPr>
-        <p:txBody>
-          <a:bodyPr wrap="none" rtlCol="0">
-            <a:spAutoFit/>
-          </a:bodyPr>
-          <a:lstStyle/>
-          <a:p>
-            <a:r>
-              <a:rPr lang="en-AU" sz="2000" dirty="0">
-                <a:solidFill>
-                  <a:srgbClr val="0070C0"/>
-                </a:solidFill>
-              </a:rPr>
-              <a:t>Azure Storage </a:t>
-            </a:r>
-          </a:p>
-          <a:p>
-            <a:r>
-              <a:rPr lang="en-AU" sz="2000" dirty="0">
-                <a:solidFill>
-                  <a:srgbClr val="0070C0"/>
-                </a:solidFill>
-              </a:rPr>
-              <a:t>Static Website</a:t>
-            </a:r>
-          </a:p>
-        </p:txBody>
-      </p:sp>
-      <p:pic>
-        <p:nvPicPr>
-          <p:cNvPr id="1026" name="Picture 2" descr="Things I Learnt in My First Azure Functions Project">
-            <a:extLst>
-              <a:ext uri="{FF2B5EF4-FFF2-40B4-BE49-F238E27FC236}">
-                <a16:creationId xmlns:a16="http://schemas.microsoft.com/office/drawing/2014/main" id="{E8F1D809-BE61-4338-B93F-685105711B13}"/>
-              </a:ext>
-            </a:extLst>
-          </p:cNvPr>
-          <p:cNvPicPr>
-            <a:picLocks noChangeAspect="1" noChangeArrowheads="1"/>
-          </p:cNvPicPr>
-          <p:nvPr/>
-        </p:nvPicPr>
-        <p:blipFill rotWithShape="1">
-          <a:blip r:embed="rId2">
-            <a:extLst>
-              <a:ext uri="{28A0092B-C50C-407E-A947-70E740481C1C}">
-                <a14:useLocalDpi xmlns:a14="http://schemas.microsoft.com/office/drawing/2010/main" val="0"/>
-              </a:ext>
-            </a:extLst>
-          </a:blip>
-          <a:srcRect l="16300" r="11300"/>
-          <a:stretch/>
-        </p:blipFill>
-        <p:spPr bwMode="auto">
-          <a:xfrm>
-            <a:off x="4157195" y="478505"/>
-            <a:ext cx="757589" cy="702130"/>
-          </a:xfrm>
-          <a:prstGeom prst="rect">
-            <a:avLst/>
-          </a:prstGeom>
-          <a:noFill/>
-          <a:extLst>
-            <a:ext uri="{909E8E84-426E-40DD-AFC4-6F175D3DCCD1}">
-              <a14:hiddenFill xmlns:a14="http://schemas.microsoft.com/office/drawing/2010/main">
-                <a:solidFill>
-                  <a:srgbClr val="FFFFFF"/>
-                </a:solidFill>
-              </a14:hiddenFill>
-            </a:ext>
-          </a:extLst>
-        </p:spPr>
-      </p:pic>
-      <p:sp>
-        <p:nvSpPr>
-          <p:cNvPr id="12" name="Arrow: Right 11">
-            <a:extLst>
-              <a:ext uri="{FF2B5EF4-FFF2-40B4-BE49-F238E27FC236}">
-                <a16:creationId xmlns:a16="http://schemas.microsoft.com/office/drawing/2014/main" id="{096BB1C4-6B6C-42BD-B51D-C99E2C1E97E3}"/>
-              </a:ext>
-            </a:extLst>
-          </p:cNvPr>
-          <p:cNvSpPr/>
-          <p:nvPr/>
-        </p:nvSpPr>
-        <p:spPr>
-          <a:xfrm>
-            <a:off x="2702664" y="3062206"/>
-            <a:ext cx="352425" cy="390525"/>
-          </a:xfrm>
-          <a:prstGeom prst="rightArrow">
-            <a:avLst/>
-          </a:prstGeom>
-        </p:spPr>
-        <p:style>
-          <a:lnRef idx="2">
-            <a:schemeClr val="accent1">
-              <a:shade val="50000"/>
-            </a:schemeClr>
-          </a:lnRef>
-          <a:fillRef idx="1">
-            <a:schemeClr val="accent1"/>
-          </a:fillRef>
-          <a:effectRef idx="0">
-            <a:schemeClr val="accent1"/>
-          </a:effectRef>
-          <a:fontRef idx="minor">
-            <a:schemeClr val="lt1"/>
-          </a:fontRef>
-        </p:style>
-        <p:txBody>
-          <a:bodyPr rtlCol="0" anchor="ctr"/>
-          <a:lstStyle/>
-          <a:p>
-            <a:pPr algn="ctr"/>
-            <a:endParaRPr lang="en-AU"/>
-          </a:p>
-        </p:txBody>
-      </p:sp>
-      <p:sp>
-        <p:nvSpPr>
-          <p:cNvPr id="13" name="TextBox 12">
-            <a:extLst>
-              <a:ext uri="{FF2B5EF4-FFF2-40B4-BE49-F238E27FC236}">
-                <a16:creationId xmlns:a16="http://schemas.microsoft.com/office/drawing/2014/main" id="{0C19427D-844C-4752-9436-BE86D990E13B}"/>
-              </a:ext>
-            </a:extLst>
-          </p:cNvPr>
-          <p:cNvSpPr txBox="1"/>
-          <p:nvPr/>
-        </p:nvSpPr>
-        <p:spPr>
-          <a:xfrm>
-            <a:off x="3321856" y="1367506"/>
-            <a:ext cx="2832891" cy="400110"/>
-          </a:xfrm>
-          <a:prstGeom prst="rect">
-            <a:avLst/>
-          </a:prstGeom>
-          <a:noFill/>
-        </p:spPr>
-        <p:txBody>
-          <a:bodyPr wrap="none" rtlCol="0">
-            <a:spAutoFit/>
-          </a:bodyPr>
-          <a:lstStyle/>
-          <a:p>
-            <a:r>
-              <a:rPr lang="en-AU" sz="2000" dirty="0">
-                <a:solidFill>
-                  <a:srgbClr val="0070C0"/>
-                </a:solidFill>
-              </a:rPr>
-              <a:t>Azure Function “Control”</a:t>
-            </a:r>
-          </a:p>
-        </p:txBody>
-      </p:sp>
-      <p:sp>
-        <p:nvSpPr>
-          <p:cNvPr id="37" name="Arrow: Right 36">
-            <a:extLst>
-              <a:ext uri="{FF2B5EF4-FFF2-40B4-BE49-F238E27FC236}">
-                <a16:creationId xmlns:a16="http://schemas.microsoft.com/office/drawing/2014/main" id="{C4F18010-AD16-40CA-BD89-220E8675034D}"/>
-              </a:ext>
-            </a:extLst>
-          </p:cNvPr>
-          <p:cNvSpPr/>
-          <p:nvPr/>
-        </p:nvSpPr>
-        <p:spPr>
-          <a:xfrm>
-            <a:off x="5784323" y="3062206"/>
-            <a:ext cx="352425" cy="390525"/>
-          </a:xfrm>
-          <a:prstGeom prst="rightArrow">
-            <a:avLst/>
-          </a:prstGeom>
-        </p:spPr>
-        <p:style>
-          <a:lnRef idx="2">
-            <a:schemeClr val="accent1">
-              <a:shade val="50000"/>
-            </a:schemeClr>
-          </a:lnRef>
-          <a:fillRef idx="1">
-            <a:schemeClr val="accent1"/>
-          </a:fillRef>
-          <a:effectRef idx="0">
-            <a:schemeClr val="accent1"/>
-          </a:effectRef>
-          <a:fontRef idx="minor">
-            <a:schemeClr val="lt1"/>
-          </a:fontRef>
-        </p:style>
-        <p:txBody>
-          <a:bodyPr rtlCol="0" anchor="ctr"/>
-          <a:lstStyle/>
-          <a:p>
-            <a:pPr algn="ctr"/>
-            <a:endParaRPr lang="en-AU"/>
-          </a:p>
-        </p:txBody>
-      </p:sp>
-      <p:sp>
-        <p:nvSpPr>
-          <p:cNvPr id="42" name="TextBox 41">
-            <a:extLst>
-              <a:ext uri="{FF2B5EF4-FFF2-40B4-BE49-F238E27FC236}">
-                <a16:creationId xmlns:a16="http://schemas.microsoft.com/office/drawing/2014/main" id="{6907F484-B691-48C9-814D-D34D3D7637DD}"/>
-              </a:ext>
-            </a:extLst>
-          </p:cNvPr>
-          <p:cNvSpPr txBox="1"/>
-          <p:nvPr/>
-        </p:nvSpPr>
-        <p:spPr>
-          <a:xfrm>
-            <a:off x="10365827" y="1365646"/>
-            <a:ext cx="1639057" cy="707886"/>
-          </a:xfrm>
-          <a:prstGeom prst="rect">
-            <a:avLst/>
-          </a:prstGeom>
-          <a:noFill/>
-        </p:spPr>
-        <p:txBody>
-          <a:bodyPr wrap="square">
-            <a:spAutoFit/>
-          </a:bodyPr>
-          <a:lstStyle/>
-          <a:p>
-            <a:r>
-              <a:rPr lang="en-AU" sz="2000" dirty="0">
-                <a:solidFill>
-                  <a:srgbClr val="0070C0"/>
-                </a:solidFill>
-              </a:rPr>
-              <a:t>Azure Sphere</a:t>
-            </a:r>
-            <a:br>
-              <a:rPr lang="en-AU" sz="2000" dirty="0">
-                <a:solidFill>
-                  <a:srgbClr val="0070C0"/>
-                </a:solidFill>
-              </a:rPr>
-            </a:br>
-            <a:r>
-              <a:rPr lang="en-AU" sz="2000" dirty="0">
-                <a:solidFill>
-                  <a:srgbClr val="0070C0"/>
-                </a:solidFill>
-              </a:rPr>
-              <a:t>HVAC Control</a:t>
-            </a:r>
-          </a:p>
-        </p:txBody>
-      </p:sp>
-      <p:sp>
-        <p:nvSpPr>
-          <p:cNvPr id="43" name="Arrow: Right 42">
-            <a:extLst>
-              <a:ext uri="{FF2B5EF4-FFF2-40B4-BE49-F238E27FC236}">
-                <a16:creationId xmlns:a16="http://schemas.microsoft.com/office/drawing/2014/main" id="{D19F3A9C-E270-4964-973D-0509C0B7321C}"/>
-              </a:ext>
-            </a:extLst>
-          </p:cNvPr>
-          <p:cNvSpPr/>
-          <p:nvPr/>
-        </p:nvSpPr>
-        <p:spPr>
-          <a:xfrm>
-            <a:off x="9884093" y="3062206"/>
-            <a:ext cx="352425" cy="390525"/>
-          </a:xfrm>
-          <a:prstGeom prst="rightArrow">
-            <a:avLst/>
-          </a:prstGeom>
-        </p:spPr>
-        <p:style>
-          <a:lnRef idx="2">
-            <a:schemeClr val="accent1">
-              <a:shade val="50000"/>
-            </a:schemeClr>
-          </a:lnRef>
-          <a:fillRef idx="1">
-            <a:schemeClr val="accent1"/>
-          </a:fillRef>
-          <a:effectRef idx="0">
-            <a:schemeClr val="accent1"/>
-          </a:effectRef>
-          <a:fontRef idx="minor">
-            <a:schemeClr val="lt1"/>
-          </a:fontRef>
-        </p:style>
-        <p:txBody>
-          <a:bodyPr rtlCol="0" anchor="ctr"/>
-          <a:lstStyle/>
-          <a:p>
-            <a:pPr algn="ctr"/>
-            <a:endParaRPr lang="en-AU"/>
-          </a:p>
-        </p:txBody>
-      </p:sp>
-      <p:pic>
-        <p:nvPicPr>
-          <p:cNvPr id="1036" name="Picture 12" descr="Archiving Data with Azure Blob Storage Archive Tier and PowerShell ...">
-            <a:extLst>
-              <a:ext uri="{FF2B5EF4-FFF2-40B4-BE49-F238E27FC236}">
-                <a16:creationId xmlns:a16="http://schemas.microsoft.com/office/drawing/2014/main" id="{D4BD4CDF-DFAB-49B5-9043-F68820267931}"/>
-              </a:ext>
-            </a:extLst>
-          </p:cNvPr>
-          <p:cNvPicPr>
-            <a:picLocks noChangeAspect="1" noChangeArrowheads="1"/>
-          </p:cNvPicPr>
-          <p:nvPr/>
-        </p:nvPicPr>
-        <p:blipFill rotWithShape="1">
-          <a:blip r:embed="rId3">
-            <a:extLst>
-              <a:ext uri="{28A0092B-C50C-407E-A947-70E740481C1C}">
-                <a14:useLocalDpi xmlns:a14="http://schemas.microsoft.com/office/drawing/2010/main" val="0"/>
-              </a:ext>
-            </a:extLst>
-          </a:blip>
-          <a:srcRect r="54580"/>
-          <a:stretch/>
-        </p:blipFill>
-        <p:spPr bwMode="auto">
-          <a:xfrm>
-            <a:off x="998479" y="478505"/>
-            <a:ext cx="826616" cy="702130"/>
-          </a:xfrm>
-          <a:prstGeom prst="rect">
-            <a:avLst/>
-          </a:prstGeom>
-          <a:noFill/>
-          <a:extLst>
-            <a:ext uri="{909E8E84-426E-40DD-AFC4-6F175D3DCCD1}">
-              <a14:hiddenFill xmlns:a14="http://schemas.microsoft.com/office/drawing/2010/main">
-                <a:solidFill>
-                  <a:srgbClr val="FFFFFF"/>
-                </a:solidFill>
-              </a14:hiddenFill>
-            </a:ext>
-          </a:extLst>
-        </p:spPr>
-      </p:pic>
-      <p:sp>
-        <p:nvSpPr>
-          <p:cNvPr id="2" name="TextBox 1">
-            <a:extLst>
-              <a:ext uri="{FF2B5EF4-FFF2-40B4-BE49-F238E27FC236}">
-                <a16:creationId xmlns:a16="http://schemas.microsoft.com/office/drawing/2014/main" id="{0BC51BA7-4906-4E78-9D66-63F05F32876F}"/>
-              </a:ext>
-            </a:extLst>
-          </p:cNvPr>
-          <p:cNvSpPr txBox="1"/>
-          <p:nvPr/>
-        </p:nvSpPr>
-        <p:spPr>
-          <a:xfrm>
-            <a:off x="169937" y="5646788"/>
-            <a:ext cx="2483701" cy="738664"/>
-          </a:xfrm>
-          <a:prstGeom prst="rect">
-            <a:avLst/>
-          </a:prstGeom>
-          <a:noFill/>
-        </p:spPr>
-        <p:txBody>
-          <a:bodyPr wrap="square" rtlCol="0">
-            <a:spAutoFit/>
-          </a:bodyPr>
-          <a:lstStyle/>
-          <a:p>
-            <a:r>
-              <a:rPr lang="en-AU" sz="1400" dirty="0"/>
-              <a:t>Azure Storage Static Website HTML/JavaScript page calls Azure Function HTTP Trigger</a:t>
-            </a:r>
-          </a:p>
-        </p:txBody>
-      </p:sp>
-      <p:sp>
-        <p:nvSpPr>
-          <p:cNvPr id="34" name="TextBox 33">
-            <a:extLst>
-              <a:ext uri="{FF2B5EF4-FFF2-40B4-BE49-F238E27FC236}">
-                <a16:creationId xmlns:a16="http://schemas.microsoft.com/office/drawing/2014/main" id="{53474A43-03BD-4244-9632-1A93D8A5D9D0}"/>
-              </a:ext>
-            </a:extLst>
-          </p:cNvPr>
-          <p:cNvSpPr txBox="1"/>
-          <p:nvPr/>
-        </p:nvSpPr>
-        <p:spPr>
-          <a:xfrm>
-            <a:off x="3370483" y="5646788"/>
-            <a:ext cx="2305639" cy="738664"/>
-          </a:xfrm>
-          <a:prstGeom prst="rect">
-            <a:avLst/>
-          </a:prstGeom>
-          <a:noFill/>
-        </p:spPr>
-        <p:txBody>
-          <a:bodyPr wrap="square" rtlCol="0">
-            <a:spAutoFit/>
-          </a:bodyPr>
-          <a:lstStyle/>
-          <a:p>
-            <a:r>
-              <a:rPr lang="en-AU" sz="1400" dirty="0"/>
-              <a:t>Azure Function invokes IoT Central Update Properties REST API</a:t>
-            </a:r>
-          </a:p>
-        </p:txBody>
-      </p:sp>
-      <p:sp>
-        <p:nvSpPr>
-          <p:cNvPr id="36" name="TextBox 35">
-            <a:extLst>
-              <a:ext uri="{FF2B5EF4-FFF2-40B4-BE49-F238E27FC236}">
-                <a16:creationId xmlns:a16="http://schemas.microsoft.com/office/drawing/2014/main" id="{5B9BA019-2B3C-49F4-B37C-0EEA87C8B978}"/>
-              </a:ext>
-            </a:extLst>
-          </p:cNvPr>
-          <p:cNvSpPr txBox="1"/>
-          <p:nvPr/>
-        </p:nvSpPr>
-        <p:spPr>
-          <a:xfrm>
-            <a:off x="6765103" y="5646788"/>
-            <a:ext cx="2483701" cy="738664"/>
-          </a:xfrm>
-          <a:prstGeom prst="rect">
-            <a:avLst/>
-          </a:prstGeom>
-          <a:noFill/>
-        </p:spPr>
-        <p:txBody>
-          <a:bodyPr wrap="square" rtlCol="0">
-            <a:spAutoFit/>
-          </a:bodyPr>
-          <a:lstStyle/>
-          <a:p>
-            <a:r>
-              <a:rPr lang="en-AU" sz="1400" dirty="0"/>
-              <a:t>IoT Central requests Azure IoT Hub to send “desired temperature” device twin</a:t>
-            </a:r>
-          </a:p>
-        </p:txBody>
-      </p:sp>
-      <p:sp>
-        <p:nvSpPr>
-          <p:cNvPr id="38" name="TextBox 37">
-            <a:extLst>
-              <a:ext uri="{FF2B5EF4-FFF2-40B4-BE49-F238E27FC236}">
-                <a16:creationId xmlns:a16="http://schemas.microsoft.com/office/drawing/2014/main" id="{0A62029E-3E13-4E11-8403-17C011DE7A01}"/>
-              </a:ext>
-            </a:extLst>
-          </p:cNvPr>
-          <p:cNvSpPr txBox="1"/>
-          <p:nvPr/>
-        </p:nvSpPr>
-        <p:spPr>
-          <a:xfrm>
-            <a:off x="10337785" y="5646788"/>
-            <a:ext cx="1667099" cy="738664"/>
-          </a:xfrm>
-          <a:prstGeom prst="rect">
-            <a:avLst/>
-          </a:prstGeom>
-          <a:noFill/>
-        </p:spPr>
-        <p:txBody>
-          <a:bodyPr wrap="square" rtlCol="0">
-            <a:spAutoFit/>
-          </a:bodyPr>
-          <a:lstStyle/>
-          <a:p>
-            <a:r>
-              <a:rPr lang="en-AU" sz="1400" dirty="0"/>
-              <a:t>Azure Sphere implements HVAC actions</a:t>
-            </a:r>
-          </a:p>
-        </p:txBody>
-      </p:sp>
-      <p:pic>
-        <p:nvPicPr>
-          <p:cNvPr id="4" name="Picture 3">
-            <a:extLst>
-              <a:ext uri="{FF2B5EF4-FFF2-40B4-BE49-F238E27FC236}">
-                <a16:creationId xmlns:a16="http://schemas.microsoft.com/office/drawing/2014/main" id="{04BE6BAF-FBA1-4B8B-B2EA-8E32E31B5DE5}"/>
-              </a:ext>
-            </a:extLst>
-          </p:cNvPr>
-          <p:cNvPicPr>
-            <a:picLocks noChangeAspect="1"/>
-          </p:cNvPicPr>
-          <p:nvPr/>
-        </p:nvPicPr>
-        <p:blipFill rotWithShape="1">
-          <a:blip r:embed="rId4"/>
-          <a:srcRect r="62073"/>
-          <a:stretch/>
-        </p:blipFill>
-        <p:spPr>
-          <a:xfrm>
-            <a:off x="429110" y="2121643"/>
-            <a:ext cx="2212227" cy="2614713"/>
-          </a:xfrm>
-          <a:prstGeom prst="rect">
-            <a:avLst/>
-          </a:prstGeom>
-        </p:spPr>
-      </p:pic>
-      <p:pic>
-        <p:nvPicPr>
-          <p:cNvPr id="5" name="Picture 2" descr="Azure Sphere">
-            <a:extLst>
-              <a:ext uri="{FF2B5EF4-FFF2-40B4-BE49-F238E27FC236}">
-                <a16:creationId xmlns:a16="http://schemas.microsoft.com/office/drawing/2014/main" id="{2DF9388A-E644-4AAD-BB07-78A93B2ECCBF}"/>
-              </a:ext>
-            </a:extLst>
-          </p:cNvPr>
-          <p:cNvPicPr>
-            <a:picLocks noChangeAspect="1" noChangeArrowheads="1"/>
-          </p:cNvPicPr>
-          <p:nvPr/>
-        </p:nvPicPr>
-        <p:blipFill>
-          <a:blip r:embed="rId5">
-            <a:extLst>
-              <a:ext uri="{28A0092B-C50C-407E-A947-70E740481C1C}">
-                <a14:useLocalDpi xmlns:a14="http://schemas.microsoft.com/office/drawing/2010/main" val="0"/>
-              </a:ext>
-            </a:extLst>
-          </a:blip>
-          <a:srcRect/>
-          <a:stretch>
-            <a:fillRect/>
-          </a:stretch>
-        </p:blipFill>
-        <p:spPr bwMode="auto">
-          <a:xfrm>
-            <a:off x="10395462" y="2668387"/>
-            <a:ext cx="1551743" cy="1163807"/>
-          </a:xfrm>
-          <a:prstGeom prst="rect">
-            <a:avLst/>
-          </a:prstGeom>
-          <a:noFill/>
-          <a:extLst>
-            <a:ext uri="{909E8E84-426E-40DD-AFC4-6F175D3DCCD1}">
-              <a14:hiddenFill xmlns:a14="http://schemas.microsoft.com/office/drawing/2010/main">
-                <a:solidFill>
-                  <a:srgbClr val="FFFFFF"/>
-                </a:solidFill>
-              </a14:hiddenFill>
-            </a:ext>
-          </a:extLst>
-        </p:spPr>
-      </p:pic>
-      <p:pic>
-        <p:nvPicPr>
-          <p:cNvPr id="1028" name="Picture 4" descr="Azure Sphere | Microsoft Azure">
-            <a:extLst>
-              <a:ext uri="{FF2B5EF4-FFF2-40B4-BE49-F238E27FC236}">
-                <a16:creationId xmlns:a16="http://schemas.microsoft.com/office/drawing/2014/main" id="{BD28767D-6517-49EF-B63A-82F00C599D90}"/>
-              </a:ext>
-            </a:extLst>
-          </p:cNvPr>
-          <p:cNvPicPr>
-            <a:picLocks noChangeAspect="1" noChangeArrowheads="1"/>
-          </p:cNvPicPr>
-          <p:nvPr/>
-        </p:nvPicPr>
-        <p:blipFill>
-          <a:blip r:embed="rId6">
-            <a:extLst>
-              <a:ext uri="{28A0092B-C50C-407E-A947-70E740481C1C}">
-                <a14:useLocalDpi xmlns:a14="http://schemas.microsoft.com/office/drawing/2010/main" val="0"/>
-              </a:ext>
-            </a:extLst>
-          </a:blip>
-          <a:srcRect/>
-          <a:stretch>
-            <a:fillRect/>
-          </a:stretch>
-        </p:blipFill>
-        <p:spPr bwMode="auto">
-          <a:xfrm>
-            <a:off x="10337785" y="381706"/>
-            <a:ext cx="1605412" cy="895728"/>
-          </a:xfrm>
-          <a:prstGeom prst="rect">
-            <a:avLst/>
-          </a:prstGeom>
-          <a:noFill/>
-          <a:extLst>
-            <a:ext uri="{909E8E84-426E-40DD-AFC4-6F175D3DCCD1}">
-              <a14:hiddenFill xmlns:a14="http://schemas.microsoft.com/office/drawing/2010/main">
-                <a:solidFill>
-                  <a:srgbClr val="FFFFFF"/>
-                </a:solidFill>
-              </a14:hiddenFill>
-            </a:ext>
-          </a:extLst>
-        </p:spPr>
-      </p:pic>
-      <p:pic>
-        <p:nvPicPr>
-          <p:cNvPr id="7" name="Picture 6">
-            <a:extLst>
-              <a:ext uri="{FF2B5EF4-FFF2-40B4-BE49-F238E27FC236}">
-                <a16:creationId xmlns:a16="http://schemas.microsoft.com/office/drawing/2014/main" id="{BE4616F3-BDBF-423C-ACBA-67F9320F1D5C}"/>
-              </a:ext>
-            </a:extLst>
-          </p:cNvPr>
-          <p:cNvPicPr>
-            <a:picLocks noChangeAspect="1"/>
-          </p:cNvPicPr>
-          <p:nvPr/>
-        </p:nvPicPr>
-        <p:blipFill rotWithShape="1">
-          <a:blip r:embed="rId7"/>
-          <a:srcRect r="19578"/>
-          <a:stretch/>
-        </p:blipFill>
-        <p:spPr>
-          <a:xfrm>
-            <a:off x="3119728" y="2101673"/>
-            <a:ext cx="2508746" cy="2654651"/>
-          </a:xfrm>
-          <a:prstGeom prst="rect">
-            <a:avLst/>
-          </a:prstGeom>
-        </p:spPr>
-      </p:pic>
-      <p:pic>
-        <p:nvPicPr>
-          <p:cNvPr id="14" name="Picture 13">
-            <a:extLst>
-              <a:ext uri="{FF2B5EF4-FFF2-40B4-BE49-F238E27FC236}">
-                <a16:creationId xmlns:a16="http://schemas.microsoft.com/office/drawing/2014/main" id="{145F92FD-F6E9-4F51-971E-A32BF676787A}"/>
-              </a:ext>
-            </a:extLst>
-          </p:cNvPr>
-          <p:cNvPicPr>
-            <a:picLocks noChangeAspect="1"/>
-          </p:cNvPicPr>
-          <p:nvPr/>
-        </p:nvPicPr>
-        <p:blipFill>
-          <a:blip r:embed="rId8"/>
-          <a:stretch>
-            <a:fillRect/>
-          </a:stretch>
-        </p:blipFill>
-        <p:spPr>
-          <a:xfrm>
-            <a:off x="6172433" y="1971487"/>
-            <a:ext cx="3711660" cy="2571962"/>
-          </a:xfrm>
-          <a:prstGeom prst="rect">
-            <a:avLst/>
-          </a:prstGeom>
-        </p:spPr>
-      </p:pic>
-    </p:spTree>
-    <p:extLst>
-      <p:ext uri="{BB962C8B-B14F-4D97-AF65-F5344CB8AC3E}">
-        <p14:creationId xmlns:p14="http://schemas.microsoft.com/office/powerpoint/2010/main" val="2650558024"/>
-      </p:ext>
-    </p:extLst>
-  </p:cSld>
-  <p:clrMapOvr>
-    <a:masterClrMapping/>
-  </p:clrMapOvr>
-</p:sld>
-</file>
-
-<file path=ppt/slides/slide2.xml><?xml version="1.0" encoding="utf-8"?>
-<p:sld xmlns:a="http://schemas.openxmlformats.org/drawingml/2006/main" xmlns:r="http://schemas.openxmlformats.org/officeDocument/2006/relationships" xmlns:p="http://schemas.openxmlformats.org/presentationml/2006/main">
-  <p:cSld>
-    <p:spTree>
-      <p:nvGrpSpPr>
-        <p:cNvPr id="1" name=""/>
-        <p:cNvGrpSpPr/>
-        <p:nvPr/>
-      </p:nvGrpSpPr>
-      <p:grpSpPr>
-        <a:xfrm>
-          <a:off x="0" y="0"/>
-          <a:ext cx="0" cy="0"/>
-          <a:chOff x="0" y="0"/>
-          <a:chExt cx="0" cy="0"/>
-        </a:xfrm>
-      </p:grpSpPr>
-      <p:sp>
-        <p:nvSpPr>
           <p:cNvPr id="5" name="TextBox"/>
           <p:cNvSpPr txBox="1">
             <a:spLocks noGrp="1" noSelect="1" noRot="1" noMove="1"/>
@@ -22743,9 +18801,7 @@
             <a:avLst/>
           </a:prstGeom>
           <a:solidFill>
-            <a:srgbClr val="5B9BD5">
-              <a:lumMod val="50000"/>
-            </a:srgbClr>
+            <a:srgbClr val="A9D18E"/>
           </a:solidFill>
           <a:ln w="12700" cap="flat" cmpd="sng" algn="ctr">
             <a:solidFill>
@@ -22780,13 +18836,10 @@
               <a:defRPr/>
             </a:pPr>
             <a:r>
-              <a:rPr kumimoji="0" lang="en-AU" sz="800" b="0" i="0" u="none" strike="noStrike" kern="0" cap="none" spc="0" normalizeH="0" baseline="0" noProof="0" err="1">
+              <a:rPr kumimoji="0" lang="en-AU" sz="800" b="0" i="0" u="none" strike="noStrike" kern="0" cap="none" spc="0" normalizeH="0" baseline="0" noProof="0" dirty="0" err="1">
                 <a:ln>
                   <a:noFill/>
                 </a:ln>
-                <a:solidFill>
-                  <a:prstClr val="white"/>
-                </a:solidFill>
                 <a:effectLst/>
                 <a:uLnTx/>
                 <a:uFillTx/>
@@ -22796,13 +18849,10 @@
               </a:rPr>
               <a:t>Properties.Desired</a:t>
             </a:r>
-            <a:endParaRPr kumimoji="0" lang="en-AU" sz="800" b="0" i="0" u="none" strike="noStrike" kern="0" cap="none" spc="0" normalizeH="0" baseline="0" noProof="0">
+            <a:endParaRPr kumimoji="0" lang="en-AU" sz="800" b="0" i="0" u="none" strike="noStrike" kern="0" cap="none" spc="0" normalizeH="0" baseline="0" noProof="0" dirty="0">
               <a:ln>
                 <a:noFill/>
               </a:ln>
-              <a:solidFill>
-                <a:prstClr val="white"/>
-              </a:solidFill>
               <a:effectLst/>
               <a:uLnTx/>
               <a:uFillTx/>
@@ -22876,7 +18926,7 @@
                 <a:latin typeface="Calibri" panose="020F0502020204030204"/>
                 <a:cs typeface="Arial" pitchFamily="34" charset="0"/>
               </a:rPr>
-              <a:t>JSON</a:t>
+              <a:t>JSON Doc</a:t>
             </a:r>
           </a:p>
         </p:txBody>
@@ -22902,9 +18952,7 @@
             <a:avLst/>
           </a:prstGeom>
           <a:solidFill>
-            <a:srgbClr val="5B9BD5">
-              <a:lumMod val="50000"/>
-            </a:srgbClr>
+            <a:srgbClr val="A9D18E"/>
           </a:solidFill>
           <a:ln w="12700" cap="flat" cmpd="sng" algn="ctr">
             <a:solidFill>
@@ -22939,13 +18987,10 @@
               <a:defRPr/>
             </a:pPr>
             <a:r>
-              <a:rPr kumimoji="0" lang="en-AU" sz="800" b="0" i="0" u="none" strike="noStrike" kern="0" cap="none" spc="0" normalizeH="0" baseline="0" noProof="0" err="1">
+              <a:rPr kumimoji="0" lang="en-AU" sz="800" b="0" i="0" u="none" strike="noStrike" kern="0" cap="none" spc="0" normalizeH="0" baseline="0" noProof="0" dirty="0" err="1">
                 <a:ln>
                   <a:noFill/>
                 </a:ln>
-                <a:solidFill>
-                  <a:prstClr val="white"/>
-                </a:solidFill>
                 <a:effectLst/>
                 <a:uLnTx/>
                 <a:uFillTx/>
@@ -22955,13 +19000,10 @@
               </a:rPr>
               <a:t>Properties.Reported</a:t>
             </a:r>
-            <a:endParaRPr kumimoji="0" lang="en-AU" sz="800" b="0" i="0" u="none" strike="noStrike" kern="0" cap="none" spc="0" normalizeH="0" baseline="0" noProof="0">
+            <a:endParaRPr kumimoji="0" lang="en-AU" sz="800" b="0" i="0" u="none" strike="noStrike" kern="0" cap="none" spc="0" normalizeH="0" baseline="0" noProof="0" dirty="0">
               <a:ln>
                 <a:noFill/>
               </a:ln>
-              <a:solidFill>
-                <a:prstClr val="white"/>
-              </a:solidFill>
               <a:effectLst/>
               <a:uLnTx/>
               <a:uFillTx/>
@@ -23035,7 +19077,7 @@
                 <a:latin typeface="Calibri" panose="020F0502020204030204"/>
                 <a:cs typeface="Arial" pitchFamily="34" charset="0"/>
               </a:rPr>
-              <a:t>JSON</a:t>
+              <a:t>JSON Doc</a:t>
             </a:r>
           </a:p>
         </p:txBody>
@@ -25300,301 +21342,6 @@
 </file>
 
 <file path=ppt/theme/theme1.xml><?xml version="1.0" encoding="utf-8"?>
-<a:theme xmlns:a="http://schemas.openxmlformats.org/drawingml/2006/main" name="Office Theme">
-  <a:themeElements>
-    <a:clrScheme name="Office">
-      <a:dk1>
-        <a:sysClr val="windowText" lastClr="000000"/>
-      </a:dk1>
-      <a:lt1>
-        <a:sysClr val="window" lastClr="FFFFFF"/>
-      </a:lt1>
-      <a:dk2>
-        <a:srgbClr val="44546A"/>
-      </a:dk2>
-      <a:lt2>
-        <a:srgbClr val="E7E6E6"/>
-      </a:lt2>
-      <a:accent1>
-        <a:srgbClr val="4472C4"/>
-      </a:accent1>
-      <a:accent2>
-        <a:srgbClr val="ED7D31"/>
-      </a:accent2>
-      <a:accent3>
-        <a:srgbClr val="A5A5A5"/>
-      </a:accent3>
-      <a:accent4>
-        <a:srgbClr val="FFC000"/>
-      </a:accent4>
-      <a:accent5>
-        <a:srgbClr val="5B9BD5"/>
-      </a:accent5>
-      <a:accent6>
-        <a:srgbClr val="70AD47"/>
-      </a:accent6>
-      <a:hlink>
-        <a:srgbClr val="0563C1"/>
-      </a:hlink>
-      <a:folHlink>
-        <a:srgbClr val="954F72"/>
-      </a:folHlink>
-    </a:clrScheme>
-    <a:fontScheme name="Office">
-      <a:majorFont>
-        <a:latin typeface="Calibri Light" panose="020F0302020204030204"/>
-        <a:ea typeface=""/>
-        <a:cs typeface=""/>
-        <a:font script="Jpan" typeface="游ゴシック Light"/>
-        <a:font script="Hang" typeface="맑은 고딕"/>
-        <a:font script="Hans" typeface="等线 Light"/>
-        <a:font script="Hant" typeface="新細明體"/>
-        <a:font script="Arab" typeface="Times New Roman"/>
-        <a:font script="Hebr" typeface="Times New Roman"/>
-        <a:font script="Thai" typeface="Angsana New"/>
-        <a:font script="Ethi" typeface="Nyala"/>
-        <a:font script="Beng" typeface="Vrinda"/>
-        <a:font script="Gujr" typeface="Shruti"/>
-        <a:font script="Khmr" typeface="MoolBoran"/>
-        <a:font script="Knda" typeface="Tunga"/>
-        <a:font script="Guru" typeface="Raavi"/>
-        <a:font script="Cans" typeface="Euphemia"/>
-        <a:font script="Cher" typeface="Plantagenet Cherokee"/>
-        <a:font script="Yiii" typeface="Microsoft Yi Baiti"/>
-        <a:font script="Tibt" typeface="Microsoft Himalaya"/>
-        <a:font script="Thaa" typeface="MV Boli"/>
-        <a:font script="Deva" typeface="Mangal"/>
-        <a:font script="Telu" typeface="Gautami"/>
-        <a:font script="Taml" typeface="Latha"/>
-        <a:font script="Syrc" typeface="Estrangelo Edessa"/>
-        <a:font script="Orya" typeface="Kalinga"/>
-        <a:font script="Mlym" typeface="Kartika"/>
-        <a:font script="Laoo" typeface="DokChampa"/>
-        <a:font script="Sinh" typeface="Iskoola Pota"/>
-        <a:font script="Mong" typeface="Mongolian Baiti"/>
-        <a:font script="Viet" typeface="Times New Roman"/>
-        <a:font script="Uigh" typeface="Microsoft Uighur"/>
-        <a:font script="Geor" typeface="Sylfaen"/>
-        <a:font script="Armn" typeface="Arial"/>
-        <a:font script="Bugi" typeface="Leelawadee UI"/>
-        <a:font script="Bopo" typeface="Microsoft JhengHei"/>
-        <a:font script="Java" typeface="Javanese Text"/>
-        <a:font script="Lisu" typeface="Segoe UI"/>
-        <a:font script="Mymr" typeface="Myanmar Text"/>
-        <a:font script="Nkoo" typeface="Ebrima"/>
-        <a:font script="Olck" typeface="Nirmala UI"/>
-        <a:font script="Osma" typeface="Ebrima"/>
-        <a:font script="Phag" typeface="Phagspa"/>
-        <a:font script="Syrn" typeface="Estrangelo Edessa"/>
-        <a:font script="Syrj" typeface="Estrangelo Edessa"/>
-        <a:font script="Syre" typeface="Estrangelo Edessa"/>
-        <a:font script="Sora" typeface="Nirmala UI"/>
-        <a:font script="Tale" typeface="Microsoft Tai Le"/>
-        <a:font script="Talu" typeface="Microsoft New Tai Lue"/>
-        <a:font script="Tfng" typeface="Ebrima"/>
-      </a:majorFont>
-      <a:minorFont>
-        <a:latin typeface="Calibri" panose="020F0502020204030204"/>
-        <a:ea typeface=""/>
-        <a:cs typeface=""/>
-        <a:font script="Jpan" typeface="游ゴシック"/>
-        <a:font script="Hang" typeface="맑은 고딕"/>
-        <a:font script="Hans" typeface="等线"/>
-        <a:font script="Hant" typeface="新細明體"/>
-        <a:font script="Arab" typeface="Arial"/>
-        <a:font script="Hebr" typeface="Arial"/>
-        <a:font script="Thai" typeface="Cordia New"/>
-        <a:font script="Ethi" typeface="Nyala"/>
-        <a:font script="Beng" typeface="Vrinda"/>
-        <a:font script="Gujr" typeface="Shruti"/>
-        <a:font script="Khmr" typeface="DaunPenh"/>
-        <a:font script="Knda" typeface="Tunga"/>
-        <a:font script="Guru" typeface="Raavi"/>
-        <a:font script="Cans" typeface="Euphemia"/>
-        <a:font script="Cher" typeface="Plantagenet Cherokee"/>
-        <a:font script="Yiii" typeface="Microsoft Yi Baiti"/>
-        <a:font script="Tibt" typeface="Microsoft Himalaya"/>
-        <a:font script="Thaa" typeface="MV Boli"/>
-        <a:font script="Deva" typeface="Mangal"/>
-        <a:font script="Telu" typeface="Gautami"/>
-        <a:font script="Taml" typeface="Latha"/>
-        <a:font script="Syrc" typeface="Estrangelo Edessa"/>
-        <a:font script="Orya" typeface="Kalinga"/>
-        <a:font script="Mlym" typeface="Kartika"/>
-        <a:font script="Laoo" typeface="DokChampa"/>
-        <a:font script="Sinh" typeface="Iskoola Pota"/>
-        <a:font script="Mong" typeface="Mongolian Baiti"/>
-        <a:font script="Viet" typeface="Arial"/>
-        <a:font script="Uigh" typeface="Microsoft Uighur"/>
-        <a:font script="Geor" typeface="Sylfaen"/>
-        <a:font script="Armn" typeface="Arial"/>
-        <a:font script="Bugi" typeface="Leelawadee UI"/>
-        <a:font script="Bopo" typeface="Microsoft JhengHei"/>
-        <a:font script="Java" typeface="Javanese Text"/>
-        <a:font script="Lisu" typeface="Segoe UI"/>
-        <a:font script="Mymr" typeface="Myanmar Text"/>
-        <a:font script="Nkoo" typeface="Ebrima"/>
-        <a:font script="Olck" typeface="Nirmala UI"/>
-        <a:font script="Osma" typeface="Ebrima"/>
-        <a:font script="Phag" typeface="Phagspa"/>
-        <a:font script="Syrn" typeface="Estrangelo Edessa"/>
-        <a:font script="Syrj" typeface="Estrangelo Edessa"/>
-        <a:font script="Syre" typeface="Estrangelo Edessa"/>
-        <a:font script="Sora" typeface="Nirmala UI"/>
-        <a:font script="Tale" typeface="Microsoft Tai Le"/>
-        <a:font script="Talu" typeface="Microsoft New Tai Lue"/>
-        <a:font script="Tfng" typeface="Ebrima"/>
-      </a:minorFont>
-    </a:fontScheme>
-    <a:fmtScheme name="Office">
-      <a:fillStyleLst>
-        <a:solidFill>
-          <a:schemeClr val="phClr"/>
-        </a:solidFill>
-        <a:gradFill rotWithShape="1">
-          <a:gsLst>
-            <a:gs pos="0">
-              <a:schemeClr val="phClr">
-                <a:lumMod val="110000"/>
-                <a:satMod val="105000"/>
-                <a:tint val="67000"/>
-              </a:schemeClr>
-            </a:gs>
-            <a:gs pos="50000">
-              <a:schemeClr val="phClr">
-                <a:lumMod val="105000"/>
-                <a:satMod val="103000"/>
-                <a:tint val="73000"/>
-              </a:schemeClr>
-            </a:gs>
-            <a:gs pos="100000">
-              <a:schemeClr val="phClr">
-                <a:lumMod val="105000"/>
-                <a:satMod val="109000"/>
-                <a:tint val="81000"/>
-              </a:schemeClr>
-            </a:gs>
-          </a:gsLst>
-          <a:lin ang="5400000" scaled="0"/>
-        </a:gradFill>
-        <a:gradFill rotWithShape="1">
-          <a:gsLst>
-            <a:gs pos="0">
-              <a:schemeClr val="phClr">
-                <a:satMod val="103000"/>
-                <a:lumMod val="102000"/>
-                <a:tint val="94000"/>
-              </a:schemeClr>
-            </a:gs>
-            <a:gs pos="50000">
-              <a:schemeClr val="phClr">
-                <a:satMod val="110000"/>
-                <a:lumMod val="100000"/>
-                <a:shade val="100000"/>
-              </a:schemeClr>
-            </a:gs>
-            <a:gs pos="100000">
-              <a:schemeClr val="phClr">
-                <a:lumMod val="99000"/>
-                <a:satMod val="120000"/>
-                <a:shade val="78000"/>
-              </a:schemeClr>
-            </a:gs>
-          </a:gsLst>
-          <a:lin ang="5400000" scaled="0"/>
-        </a:gradFill>
-      </a:fillStyleLst>
-      <a:lnStyleLst>
-        <a:ln w="6350" cap="flat" cmpd="sng" algn="ctr">
-          <a:solidFill>
-            <a:schemeClr val="phClr"/>
-          </a:solidFill>
-          <a:prstDash val="solid"/>
-          <a:miter lim="800000"/>
-        </a:ln>
-        <a:ln w="12700" cap="flat" cmpd="sng" algn="ctr">
-          <a:solidFill>
-            <a:schemeClr val="phClr"/>
-          </a:solidFill>
-          <a:prstDash val="solid"/>
-          <a:miter lim="800000"/>
-        </a:ln>
-        <a:ln w="19050" cap="flat" cmpd="sng" algn="ctr">
-          <a:solidFill>
-            <a:schemeClr val="phClr"/>
-          </a:solidFill>
-          <a:prstDash val="solid"/>
-          <a:miter lim="800000"/>
-        </a:ln>
-      </a:lnStyleLst>
-      <a:effectStyleLst>
-        <a:effectStyle>
-          <a:effectLst/>
-        </a:effectStyle>
-        <a:effectStyle>
-          <a:effectLst/>
-        </a:effectStyle>
-        <a:effectStyle>
-          <a:effectLst>
-            <a:outerShdw blurRad="57150" dist="19050" dir="5400000" algn="ctr" rotWithShape="0">
-              <a:srgbClr val="000000">
-                <a:alpha val="63000"/>
-              </a:srgbClr>
-            </a:outerShdw>
-          </a:effectLst>
-        </a:effectStyle>
-      </a:effectStyleLst>
-      <a:bgFillStyleLst>
-        <a:solidFill>
-          <a:schemeClr val="phClr"/>
-        </a:solidFill>
-        <a:solidFill>
-          <a:schemeClr val="phClr">
-            <a:tint val="95000"/>
-            <a:satMod val="170000"/>
-          </a:schemeClr>
-        </a:solidFill>
-        <a:gradFill rotWithShape="1">
-          <a:gsLst>
-            <a:gs pos="0">
-              <a:schemeClr val="phClr">
-                <a:tint val="93000"/>
-                <a:satMod val="150000"/>
-                <a:shade val="98000"/>
-                <a:lumMod val="102000"/>
-              </a:schemeClr>
-            </a:gs>
-            <a:gs pos="50000">
-              <a:schemeClr val="phClr">
-                <a:tint val="98000"/>
-                <a:satMod val="130000"/>
-                <a:shade val="90000"/>
-                <a:lumMod val="103000"/>
-              </a:schemeClr>
-            </a:gs>
-            <a:gs pos="100000">
-              <a:schemeClr val="phClr">
-                <a:shade val="63000"/>
-                <a:satMod val="120000"/>
-              </a:schemeClr>
-            </a:gs>
-          </a:gsLst>
-          <a:lin ang="5400000" scaled="0"/>
-        </a:gradFill>
-      </a:bgFillStyleLst>
-    </a:fmtScheme>
-  </a:themeElements>
-  <a:objectDefaults/>
-  <a:extraClrSchemeLst/>
-  <a:extLst>
-    <a:ext uri="{05A4C25C-085E-4340-85A3-A5531E510DB2}">
-      <thm15:themeFamily xmlns:thm15="http://schemas.microsoft.com/office/thememl/2012/main" name="Office Theme" id="{62F939B6-93AF-4DB8-9C6B-D6C7DFDC589F}" vid="{4A3C46E8-61CC-4603-A589-7422A47A8E4A}"/>
-    </a:ext>
-  </a:extLst>
-</a:theme>
-</file>
-
-<file path=ppt/theme/theme2.xml><?xml version="1.0" encoding="utf-8"?>
 <a:theme xmlns:a="http://schemas.openxmlformats.org/drawingml/2006/main" name="Microsoft_Learn_White_Template">
   <a:themeElements>
     <a:clrScheme name="MBAS_Light">
@@ -25867,7 +21614,7 @@
 </a:theme>
 </file>
 
-<file path=ppt/theme/theme3.xml><?xml version="1.0" encoding="utf-8"?>
+<file path=ppt/theme/theme2.xml><?xml version="1.0" encoding="utf-8"?>
 <a:theme xmlns:a="http://schemas.openxmlformats.org/drawingml/2006/main" name="Office Theme">
   <a:themeElements>
     <a:clrScheme name="Office">

--- a/samples/IoT_Central_REST_Hvac_Control/Hvac.Control.JavaScript.REST.Client/architecture.pptx
+++ b/samples/IoT_Central_REST_Hvac_Control/Hvac.Control.JavaScript.REST.Client/architecture.pptx
@@ -17972,7 +17972,7 @@
         </p:nvSpPr>
         <p:spPr>
           <a:xfrm>
-            <a:off x="10423398" y="3584952"/>
+            <a:off x="10423398" y="3541724"/>
             <a:ext cx="1275155" cy="407014"/>
           </a:xfrm>
           <a:prstGeom prst="rect">
@@ -18050,8 +18050,8 @@
         </p:nvSpPr>
         <p:spPr>
           <a:xfrm>
-            <a:off x="10423398" y="4343488"/>
-            <a:ext cx="1275155" cy="458311"/>
+            <a:off x="10423398" y="4213800"/>
+            <a:ext cx="1275155" cy="651287"/>
           </a:xfrm>
           <a:prstGeom prst="rect">
             <a:avLst/>
@@ -18109,8 +18109,39 @@
                 <a:ea typeface="Verdana" panose="020B0604030504040204" pitchFamily="34" charset="0"/>
                 <a:cs typeface="Tahoma" panose="020B0604030504040204" pitchFamily="34" charset="0"/>
               </a:rPr>
-              <a:t>Report configuration</a:t>
-            </a:r>
+              <a:t>Acknowledge </a:t>
+            </a:r>
+            <a:r>
+              <a:rPr kumimoji="0" lang="en-AU" sz="1050" b="0" i="0" u="none" strike="noStrike" kern="0" cap="none" spc="0" normalizeH="0" noProof="0" dirty="0">
+                <a:ln>
+                  <a:noFill/>
+                </a:ln>
+                <a:solidFill>
+                  <a:prstClr val="black"/>
+                </a:solidFill>
+                <a:effectLst/>
+                <a:uLnTx/>
+                <a:uFillTx/>
+                <a:latin typeface="Verdana" panose="020B0604030504040204" pitchFamily="34" charset="0"/>
+                <a:ea typeface="Verdana" panose="020B0604030504040204" pitchFamily="34" charset="0"/>
+                <a:cs typeface="Tahoma" panose="020B0604030504040204" pitchFamily="34" charset="0"/>
+              </a:rPr>
+              <a:t>device twin</a:t>
+            </a:r>
+            <a:endParaRPr kumimoji="0" lang="en-AU" sz="1050" b="0" i="0" u="none" strike="noStrike" kern="0" cap="none" spc="0" normalizeH="0" baseline="0" noProof="0" dirty="0">
+              <a:ln>
+                <a:noFill/>
+              </a:ln>
+              <a:solidFill>
+                <a:prstClr val="black"/>
+              </a:solidFill>
+              <a:effectLst/>
+              <a:uLnTx/>
+              <a:uFillTx/>
+              <a:latin typeface="Verdana" panose="020B0604030504040204" pitchFamily="34" charset="0"/>
+              <a:ea typeface="Verdana" panose="020B0604030504040204" pitchFamily="34" charset="0"/>
+              <a:cs typeface="Tahoma" panose="020B0604030504040204" pitchFamily="34" charset="0"/>
+            </a:endParaRPr>
           </a:p>
         </p:txBody>
       </p:sp>
@@ -18564,7 +18595,7 @@
         <p:spPr>
           <a:xfrm>
             <a:off x="11060975" y="3257746"/>
-            <a:ext cx="1" cy="327206"/>
+            <a:ext cx="1" cy="283978"/>
           </a:xfrm>
           <a:prstGeom prst="straightConnector1">
             <a:avLst/>
@@ -18599,8 +18630,8 @@
         </p:nvCxnSpPr>
         <p:spPr>
           <a:xfrm>
-            <a:off x="11060976" y="3991966"/>
-            <a:ext cx="0" cy="351522"/>
+            <a:off x="11060976" y="3948738"/>
+            <a:ext cx="0" cy="265062"/>
           </a:xfrm>
           <a:prstGeom prst="straightConnector1">
             <a:avLst/>
@@ -18794,8 +18825,8 @@
         </p:nvSpPr>
         <p:spPr>
           <a:xfrm>
-            <a:off x="8540220" y="2361049"/>
-            <a:ext cx="1295349" cy="830176"/>
+            <a:off x="8540220" y="2296222"/>
+            <a:ext cx="1295349" cy="652077"/>
           </a:xfrm>
           <a:prstGeom prst="rect">
             <a:avLst/>
@@ -18877,7 +18908,7 @@
         </p:nvSpPr>
         <p:spPr>
           <a:xfrm>
-            <a:off x="8720024" y="2653026"/>
+            <a:off x="8720024" y="2530565"/>
             <a:ext cx="937802" cy="246221"/>
           </a:xfrm>
           <a:prstGeom prst="rect">
@@ -18926,7 +18957,7 @@
                 <a:latin typeface="Calibri" panose="020F0502020204030204"/>
                 <a:cs typeface="Arial" pitchFamily="34" charset="0"/>
               </a:rPr>
-              <a:t>JSON Doc</a:t>
+              <a:t>JSON</a:t>
             </a:r>
           </a:p>
         </p:txBody>
@@ -18945,8 +18976,8 @@
         </p:nvSpPr>
         <p:spPr>
           <a:xfrm>
-            <a:off x="8540220" y="4151933"/>
-            <a:ext cx="1295349" cy="830176"/>
+            <a:off x="8540220" y="4204504"/>
+            <a:ext cx="1295349" cy="652078"/>
           </a:xfrm>
           <a:prstGeom prst="rect">
             <a:avLst/>
@@ -19028,7 +19059,7 @@
         </p:nvSpPr>
         <p:spPr>
           <a:xfrm>
-            <a:off x="8729185" y="4443910"/>
+            <a:off x="8720024" y="4432192"/>
             <a:ext cx="937802" cy="246221"/>
           </a:xfrm>
           <a:prstGeom prst="rect">
@@ -19077,7 +19108,7 @@
                 <a:latin typeface="Calibri" panose="020F0502020204030204"/>
                 <a:cs typeface="Arial" pitchFamily="34" charset="0"/>
               </a:rPr>
-              <a:t>JSON Doc</a:t>
+              <a:t>JSON</a:t>
             </a:r>
           </a:p>
         </p:txBody>
@@ -19093,15 +19124,13 @@
           </p:cNvPr>
           <p:cNvCxnSpPr>
             <a:cxnSpLocks/>
-            <a:stCxn id="58" idx="3"/>
-            <a:endCxn id="68" idx="1"/>
           </p:cNvCxnSpPr>
           <p:nvPr/>
         </p:nvCxnSpPr>
         <p:spPr>
-          <a:xfrm flipV="1">
-            <a:off x="7933013" y="2776137"/>
-            <a:ext cx="607207" cy="847"/>
+          <a:xfrm>
+            <a:off x="7935074" y="2656492"/>
+            <a:ext cx="784950" cy="0"/>
           </a:xfrm>
           <a:prstGeom prst="straightConnector1">
             <a:avLst/>
@@ -19129,15 +19158,13 @@
           </p:cNvPr>
           <p:cNvCxnSpPr>
             <a:cxnSpLocks/>
-            <a:stCxn id="68" idx="3"/>
-            <a:endCxn id="55" idx="1"/>
           </p:cNvCxnSpPr>
           <p:nvPr/>
         </p:nvCxnSpPr>
         <p:spPr>
           <a:xfrm>
-            <a:off x="9835569" y="2776137"/>
-            <a:ext cx="587829" cy="847"/>
+            <a:off x="9657826" y="2656916"/>
+            <a:ext cx="767633" cy="0"/>
           </a:xfrm>
           <a:prstGeom prst="straightConnector1">
             <a:avLst/>
@@ -19165,15 +19192,14 @@
           </p:cNvPr>
           <p:cNvCxnSpPr>
             <a:cxnSpLocks/>
-            <a:stCxn id="57" idx="1"/>
             <a:endCxn id="71" idx="3"/>
           </p:cNvCxnSpPr>
           <p:nvPr/>
         </p:nvCxnSpPr>
         <p:spPr>
-          <a:xfrm flipH="1" flipV="1">
-            <a:off x="9666987" y="4567021"/>
-            <a:ext cx="756411" cy="5623"/>
+          <a:xfrm flipH="1">
+            <a:off x="9657826" y="4555303"/>
+            <a:ext cx="756411" cy="0"/>
           </a:xfrm>
           <a:prstGeom prst="straightConnector1">
             <a:avLst/>
@@ -19479,8 +19505,8 @@
         </p:nvSpPr>
         <p:spPr>
           <a:xfrm>
-            <a:off x="4956272" y="2311066"/>
-            <a:ext cx="1242647" cy="2600584"/>
+            <a:off x="4956272" y="2296222"/>
+            <a:ext cx="1242647" cy="2560359"/>
           </a:xfrm>
           <a:prstGeom prst="rect">
             <a:avLst/>
@@ -19634,13 +19660,12 @@
           </p:cNvPr>
           <p:cNvCxnSpPr>
             <a:cxnSpLocks/>
-            <a:stCxn id="58" idx="1"/>
           </p:cNvCxnSpPr>
           <p:nvPr/>
         </p:nvCxnSpPr>
         <p:spPr>
           <a:xfrm flipH="1">
-            <a:off x="6198919" y="2776984"/>
+            <a:off x="6200980" y="2656492"/>
             <a:ext cx="602460" cy="0"/>
           </a:xfrm>
           <a:prstGeom prst="straightConnector1">
@@ -19673,7 +19698,7 @@
         </p:nvSpPr>
         <p:spPr>
           <a:xfrm>
-            <a:off x="5556642" y="4350414"/>
+            <a:off x="5563430" y="4308774"/>
             <a:ext cx="681832" cy="577081"/>
           </a:xfrm>
           <a:prstGeom prst="rect">
@@ -19893,14 +19918,13 @@
           </p:cNvPr>
           <p:cNvCxnSpPr>
             <a:cxnSpLocks/>
-            <a:endCxn id="70" idx="1"/>
           </p:cNvCxnSpPr>
           <p:nvPr/>
         </p:nvCxnSpPr>
         <p:spPr>
           <a:xfrm>
-            <a:off x="6198919" y="4567020"/>
-            <a:ext cx="2341301" cy="1"/>
+            <a:off x="6198919" y="4550655"/>
+            <a:ext cx="2521105" cy="4648"/>
           </a:xfrm>
           <a:prstGeom prst="straightConnector1">
             <a:avLst/>
@@ -19931,7 +19955,7 @@
         </p:nvSpPr>
         <p:spPr>
           <a:xfrm>
-            <a:off x="6059331" y="4761529"/>
+            <a:off x="6059331" y="4736186"/>
             <a:ext cx="256674" cy="248652"/>
           </a:xfrm>
           <a:prstGeom prst="ellipse">

--- a/samples/IoT_Central_REST_Hvac_Control/Hvac.Control.JavaScript.REST.Client/architecture.pptx
+++ b/samples/IoT_Central_REST_Hvac_Control/Hvac.Control.JavaScript.REST.Client/architecture.pptx
@@ -18159,8 +18159,8 @@
         </p:nvSpPr>
         <p:spPr>
           <a:xfrm>
-            <a:off x="6801379" y="2296222"/>
-            <a:ext cx="1131634" cy="961524"/>
+            <a:off x="6801379" y="2296221"/>
+            <a:ext cx="1131634" cy="1241839"/>
           </a:xfrm>
           <a:prstGeom prst="rect">
             <a:avLst/>
@@ -18316,7 +18316,7 @@
                 <a:ea typeface="Verdana" panose="020B0604030504040204" pitchFamily="34" charset="0"/>
                 <a:cs typeface="Tahoma" panose="020B0604030504040204" pitchFamily="34" charset="0"/>
               </a:rPr>
-              <a:t>twin</a:t>
+              <a:t>twin and send device twin message</a:t>
             </a:r>
           </a:p>
         </p:txBody>

--- a/samples/IoT_Central_REST_Hvac_Control/Hvac.Control.JavaScript.REST.Client/architecture.pptx
+++ b/samples/IoT_Central_REST_Hvac_Control/Hvac.Control.JavaScript.REST.Client/architecture.pptx
@@ -20043,6 +20043,30 @@
         <p:blipFill rotWithShape="1">
           <a:blip r:embed="rId10">
             <a:extLst>
+              <a:ext uri="{BEBA8EAE-BF5A-486C-A8C5-ECC9F3942E4B}">
+                <a14:imgProps xmlns:a14="http://schemas.microsoft.com/office/drawing/2010/main">
+                  <a14:imgLayer r:embed="rId11">
+                    <a14:imgEffect>
+                      <a14:backgroundRemoval t="7154" b="96870" l="19500" r="86300">
+                        <a14:foregroundMark x1="31700" y1="29955" x2="31700" y2="29955"/>
+                        <a14:foregroundMark x1="23200" y1="58271" x2="30500" y2="68256"/>
+                        <a14:foregroundMark x1="20100" y1="49180" x2="19500" y2="50969"/>
+                        <a14:foregroundMark x1="83800" y1="52757" x2="83800" y2="52757"/>
+                        <a14:foregroundMark x1="54400" y1="7154" x2="54400" y2="7154"/>
+                        <a14:foregroundMark x1="75200" y1="32638" x2="75200" y2="32638"/>
+                        <a14:foregroundMark x1="76500" y1="34575" x2="76500" y2="34575"/>
+                        <a14:foregroundMark x1="69100" y1="25335" x2="81400" y2="41878"/>
+                        <a14:foregroundMark x1="67300" y1="75559" x2="79500" y2="60060"/>
+                        <a14:foregroundMark x1="86300" y1="50075" x2="86300" y2="50075"/>
+                        <a14:foregroundMark x1="41600" y1="92846" x2="41600" y2="92846"/>
+                        <a14:foregroundMark x1="40200" y1="96870" x2="40200" y2="96870"/>
+                        <a14:backgroundMark x1="36600" y1="55589" x2="36600" y2="55589"/>
+                        <a14:backgroundMark x1="36000" y1="38152" x2="41500" y2="60060"/>
+                      </a14:backgroundRemoval>
+                    </a14:imgEffect>
+                  </a14:imgLayer>
+                </a14:imgProps>
+              </a:ext>
               <a:ext uri="{28A0092B-C50C-407E-A947-70E740481C1C}">
                 <a14:useLocalDpi xmlns:a14="http://schemas.microsoft.com/office/drawing/2010/main" val="0"/>
               </a:ext>
@@ -20060,6 +20084,13 @@
             <a:avLst/>
           </a:prstGeom>
           <a:noFill/>
+          <a:effectLst>
+            <a:outerShdw blurRad="50800" dist="38100" dir="2700000" algn="tl" rotWithShape="0">
+              <a:prstClr val="black">
+                <a:alpha val="40000"/>
+              </a:prstClr>
+            </a:outerShdw>
+          </a:effectLst>
           <a:extLst>
             <a:ext uri="{909E8E84-426E-40DD-AFC4-6F175D3DCCD1}">
               <a14:hiddenFill xmlns:a14="http://schemas.microsoft.com/office/drawing/2010/main">
@@ -20086,7 +20117,7 @@
           <p:nvPr/>
         </p:nvPicPr>
         <p:blipFill rotWithShape="1">
-          <a:blip r:embed="rId11"/>
+          <a:blip r:embed="rId12"/>
           <a:srcRect t="1" r="35147" b="-12581"/>
           <a:stretch/>
         </p:blipFill>
@@ -20115,7 +20146,7 @@
           <p:nvPr/>
         </p:nvPicPr>
         <p:blipFill rotWithShape="1">
-          <a:blip r:embed="rId12">
+          <a:blip r:embed="rId13">
             <a:extLst>
               <a:ext uri="{28A0092B-C50C-407E-A947-70E740481C1C}">
                 <a14:useLocalDpi xmlns:a14="http://schemas.microsoft.com/office/drawing/2010/main" val="0"/>
@@ -20134,6 +20165,13 @@
             <a:avLst/>
           </a:prstGeom>
           <a:noFill/>
+          <a:effectLst>
+            <a:outerShdw blurRad="50800" dist="38100" dir="2700000" algn="tl" rotWithShape="0">
+              <a:prstClr val="black">
+                <a:alpha val="40000"/>
+              </a:prstClr>
+            </a:outerShdw>
+          </a:effectLst>
           <a:extLst>
             <a:ext uri="{909E8E84-426E-40DD-AFC4-6F175D3DCCD1}">
               <a14:hiddenFill xmlns:a14="http://schemas.microsoft.com/office/drawing/2010/main">
@@ -20160,7 +20198,7 @@
           <p:nvPr/>
         </p:nvPicPr>
         <p:blipFill rotWithShape="1">
-          <a:blip r:embed="rId13"/>
+          <a:blip r:embed="rId14"/>
           <a:srcRect r="62073"/>
           <a:stretch/>
         </p:blipFill>

--- a/samples/IoT_Central_REST_Hvac_Control/Hvac.Control.JavaScript.REST.Client/architecture.pptx
+++ b/samples/IoT_Central_REST_Hvac_Control/Hvac.Control.JavaScript.REST.Client/architecture.pptx
@@ -197,7 +197,7 @@
           <a:p>
             <a:fld id="{EA730229-60E1-4812-B198-8EFB4471888B}" type="datetimeFigureOut">
               <a:rPr lang="en-AU" smtClean="0"/>
-              <a:t>31/10/2020</a:t>
+              <a:t>1/11/2020</a:t>
             </a:fld>
             <a:endParaRPr lang="en-AU"/>
           </a:p>
@@ -12770,7 +12770,7 @@
             <a:fld id="{B3D10869-6060-4E47-B931-1432A5FBCBE3}" type="datetimeFigureOut">
               <a:rPr lang="en-US" smtClean="0"/>
               <a:pPr/>
-              <a:t>10/31/2020</a:t>
+              <a:t>11/1/2020</a:t>
             </a:fld>
             <a:endParaRPr lang="en-US"/>
           </a:p>
@@ -20183,35 +20183,6 @@
           </a:extLst>
         </p:spPr>
       </p:pic>
-      <p:pic>
-        <p:nvPicPr>
-          <p:cNvPr id="7" name="Picture 6">
-            <a:extLst>
-              <a:ext uri="{FF2B5EF4-FFF2-40B4-BE49-F238E27FC236}">
-                <a16:creationId xmlns:a16="http://schemas.microsoft.com/office/drawing/2014/main" id="{BC37C57E-A4DF-4A08-A2F7-45C42C9FFC18}"/>
-              </a:ext>
-            </a:extLst>
-          </p:cNvPr>
-          <p:cNvPicPr>
-            <a:picLocks noChangeAspect="1"/>
-          </p:cNvPicPr>
-          <p:nvPr/>
-        </p:nvPicPr>
-        <p:blipFill rotWithShape="1">
-          <a:blip r:embed="rId14"/>
-          <a:srcRect r="62073"/>
-          <a:stretch/>
-        </p:blipFill>
-        <p:spPr>
-          <a:xfrm>
-            <a:off x="223027" y="1924683"/>
-            <a:ext cx="2026234" cy="2394881"/>
-          </a:xfrm>
-          <a:prstGeom prst="rect">
-            <a:avLst/>
-          </a:prstGeom>
-        </p:spPr>
-      </p:pic>
       <p:cxnSp>
         <p:nvCxnSpPr>
           <p:cNvPr id="46" name="Straight Arrow Connector 45">
@@ -20263,8 +20234,8 @@
         </p:nvCxnSpPr>
         <p:spPr>
           <a:xfrm flipH="1">
-            <a:off x="4497241" y="3123618"/>
-            <a:ext cx="459031" cy="0"/>
+            <a:off x="4597637" y="3123618"/>
+            <a:ext cx="358636" cy="0"/>
           </a:xfrm>
           <a:prstGeom prst="straightConnector1">
             <a:avLst/>
@@ -20611,6 +20582,66 @@
           </a:p>
         </p:txBody>
       </p:sp>
+      <p:pic>
+        <p:nvPicPr>
+          <p:cNvPr id="10" name="Picture 9">
+            <a:extLst>
+              <a:ext uri="{FF2B5EF4-FFF2-40B4-BE49-F238E27FC236}">
+                <a16:creationId xmlns:a16="http://schemas.microsoft.com/office/drawing/2014/main" id="{8C84510C-F2C1-4CF4-ACE1-C9017F523E2B}"/>
+              </a:ext>
+            </a:extLst>
+          </p:cNvPr>
+          <p:cNvPicPr>
+            <a:picLocks noChangeAspect="1"/>
+          </p:cNvPicPr>
+          <p:nvPr/>
+        </p:nvPicPr>
+        <p:blipFill>
+          <a:blip r:embed="rId14"/>
+          <a:stretch>
+            <a:fillRect/>
+          </a:stretch>
+        </p:blipFill>
+        <p:spPr>
+          <a:xfrm>
+            <a:off x="34449" y="2212586"/>
+            <a:ext cx="1414328" cy="1158190"/>
+          </a:xfrm>
+          <a:prstGeom prst="rect">
+            <a:avLst/>
+          </a:prstGeom>
+        </p:spPr>
+      </p:pic>
+      <p:pic>
+        <p:nvPicPr>
+          <p:cNvPr id="17" name="Picture 16">
+            <a:extLst>
+              <a:ext uri="{FF2B5EF4-FFF2-40B4-BE49-F238E27FC236}">
+                <a16:creationId xmlns:a16="http://schemas.microsoft.com/office/drawing/2014/main" id="{AAA36A63-4266-4447-877D-89E7DC178A26}"/>
+              </a:ext>
+            </a:extLst>
+          </p:cNvPr>
+          <p:cNvPicPr>
+            <a:picLocks noChangeAspect="1"/>
+          </p:cNvPicPr>
+          <p:nvPr/>
+        </p:nvPicPr>
+        <p:blipFill>
+          <a:blip r:embed="rId15"/>
+          <a:stretch>
+            <a:fillRect/>
+          </a:stretch>
+        </p:blipFill>
+        <p:spPr>
+          <a:xfrm>
+            <a:off x="1268140" y="2167611"/>
+            <a:ext cx="850115" cy="1968422"/>
+          </a:xfrm>
+          <a:prstGeom prst="rect">
+            <a:avLst/>
+          </a:prstGeom>
+        </p:spPr>
+      </p:pic>
     </p:spTree>
   </p:cSld>
   <p:clrMapOvr>
@@ -20638,7 +20669,7 @@
                             </p:stCondLst>
                             <p:childTnLst>
                               <p:par>
-                                <p:cTn id="5" presetID="1" presetClass="entr" presetSubtype="0" fill="hold" nodeType="clickEffect">
+                                <p:cTn id="5" presetID="1" presetClass="entr" presetSubtype="0" fill="hold" grpId="0" nodeType="clickEffect">
                                   <p:stCondLst>
                                     <p:cond delay="0"/>
                                   </p:stCondLst>
@@ -20651,7 +20682,7 @@
                                           </p:stCondLst>
                                         </p:cTn>
                                         <p:tgtEl>
-                                          <p:spTgt spid="32"/>
+                                          <p:spTgt spid="45"/>
                                         </p:tgtEl>
                                         <p:attrNameLst>
                                           <p:attrName>style.visibility</p:attrName>
@@ -20665,7 +20696,7 @@
                                 </p:cTn>
                               </p:par>
                               <p:par>
-                                <p:cTn id="7" presetID="1" presetClass="entr" presetSubtype="0" fill="hold" grpId="0" nodeType="withEffect">
+                                <p:cTn id="7" presetID="1" presetClass="entr" presetSubtype="0" fill="hold" nodeType="withEffect">
                                   <p:stCondLst>
                                     <p:cond delay="0"/>
                                   </p:stCondLst>
@@ -20678,7 +20709,7 @@
                                           </p:stCondLst>
                                         </p:cTn>
                                         <p:tgtEl>
-                                          <p:spTgt spid="37"/>
+                                          <p:spTgt spid="46"/>
                                         </p:tgtEl>
                                         <p:attrNameLst>
                                           <p:attrName>style.visibility</p:attrName>
@@ -20710,7 +20741,7 @@
                             </p:stCondLst>
                             <p:childTnLst>
                               <p:par>
-                                <p:cTn id="11" presetID="1" presetClass="entr" presetSubtype="0" fill="hold" grpId="0" nodeType="clickEffect">
+                                <p:cTn id="11" presetID="1" presetClass="entr" presetSubtype="0" fill="hold" nodeType="clickEffect">
                                   <p:stCondLst>
                                     <p:cond delay="0"/>
                                   </p:stCondLst>
@@ -20723,7 +20754,7 @@
                                           </p:stCondLst>
                                         </p:cTn>
                                         <p:tgtEl>
-                                          <p:spTgt spid="58"/>
+                                          <p:spTgt spid="48"/>
                                         </p:tgtEl>
                                         <p:attrNameLst>
                                           <p:attrName>style.visibility</p:attrName>
@@ -20750,34 +20781,7 @@
                                           </p:stCondLst>
                                         </p:cTn>
                                         <p:tgtEl>
-                                          <p:spTgt spid="59"/>
-                                        </p:tgtEl>
-                                        <p:attrNameLst>
-                                          <p:attrName>style.visibility</p:attrName>
-                                        </p:attrNameLst>
-                                      </p:cBhvr>
-                                      <p:to>
-                                        <p:strVal val="visible"/>
-                                      </p:to>
-                                    </p:set>
-                                  </p:childTnLst>
-                                </p:cTn>
-                              </p:par>
-                              <p:par>
-                                <p:cTn id="15" presetID="1" presetClass="entr" presetSubtype="0" fill="hold" nodeType="withEffect">
-                                  <p:stCondLst>
-                                    <p:cond delay="0"/>
-                                  </p:stCondLst>
-                                  <p:childTnLst>
-                                    <p:set>
-                                      <p:cBhvr>
-                                        <p:cTn id="16" dur="1" fill="hold">
-                                          <p:stCondLst>
-                                            <p:cond delay="0"/>
-                                          </p:stCondLst>
-                                        </p:cTn>
-                                        <p:tgtEl>
-                                          <p:spTgt spid="72"/>
+                                          <p:spTgt spid="47"/>
                                         </p:tgtEl>
                                         <p:attrNameLst>
                                           <p:attrName>style.visibility</p:attrName>
@@ -20797,32 +20801,32 @@
                     </p:cTn>
                   </p:par>
                   <p:par>
-                    <p:cTn id="17" fill="hold">
+                    <p:cTn id="15" fill="hold">
                       <p:stCondLst>
                         <p:cond delay="indefinite"/>
                       </p:stCondLst>
                       <p:childTnLst>
                         <p:par>
-                          <p:cTn id="18" fill="hold">
+                          <p:cTn id="16" fill="hold">
                             <p:stCondLst>
                               <p:cond delay="0"/>
                             </p:stCondLst>
                             <p:childTnLst>
                               <p:par>
-                                <p:cTn id="19" presetID="1" presetClass="entr" presetSubtype="0" fill="hold" nodeType="clickEffect">
+                                <p:cTn id="17" presetID="1" presetClass="entr" presetSubtype="0" fill="hold" grpId="0" nodeType="clickEffect">
                                   <p:stCondLst>
                                     <p:cond delay="0"/>
                                   </p:stCondLst>
                                   <p:childTnLst>
                                     <p:set>
                                       <p:cBhvr>
-                                        <p:cTn id="20" dur="1" fill="hold">
+                                        <p:cTn id="18" dur="1" fill="hold">
                                           <p:stCondLst>
                                             <p:cond delay="0"/>
                                           </p:stCondLst>
                                         </p:cTn>
                                         <p:tgtEl>
-                                          <p:spTgt spid="73"/>
+                                          <p:spTgt spid="31"/>
                                         </p:tgtEl>
                                         <p:attrNameLst>
                                           <p:attrName>style.visibility</p:attrName>
@@ -20835,8 +20839,26 @@
                                   </p:childTnLst>
                                 </p:cTn>
                               </p:par>
+                            </p:childTnLst>
+                          </p:cTn>
+                        </p:par>
+                      </p:childTnLst>
+                    </p:cTn>
+                  </p:par>
+                  <p:par>
+                    <p:cTn id="19" fill="hold">
+                      <p:stCondLst>
+                        <p:cond delay="indefinite"/>
+                      </p:stCondLst>
+                      <p:childTnLst>
+                        <p:par>
+                          <p:cTn id="20" fill="hold">
+                            <p:stCondLst>
+                              <p:cond delay="0"/>
+                            </p:stCondLst>
+                            <p:childTnLst>
                               <p:par>
-                                <p:cTn id="21" presetID="1" presetClass="entr" presetSubtype="0" fill="hold" grpId="0" nodeType="withEffect">
+                                <p:cTn id="21" presetID="1" presetClass="entr" presetSubtype="0" fill="hold" nodeType="clickEffect">
                                   <p:stCondLst>
                                     <p:cond delay="0"/>
                                   </p:stCondLst>
@@ -20849,7 +20871,7 @@
                                           </p:stCondLst>
                                         </p:cTn>
                                         <p:tgtEl>
-                                          <p:spTgt spid="55"/>
+                                          <p:spTgt spid="32"/>
                                         </p:tgtEl>
                                         <p:attrNameLst>
                                           <p:attrName>style.visibility</p:attrName>
@@ -20876,7 +20898,7 @@
                                           </p:stCondLst>
                                         </p:cTn>
                                         <p:tgtEl>
-                                          <p:spTgt spid="65"/>
+                                          <p:spTgt spid="37"/>
                                         </p:tgtEl>
                                         <p:attrNameLst>
                                           <p:attrName>style.visibility</p:attrName>
@@ -20908,7 +20930,7 @@
                             </p:stCondLst>
                             <p:childTnLst>
                               <p:par>
-                                <p:cTn id="27" presetID="1" presetClass="entr" presetSubtype="0" fill="hold" nodeType="clickEffect">
+                                <p:cTn id="27" presetID="1" presetClass="entr" presetSubtype="0" fill="hold" grpId="0" nodeType="clickEffect">
                                   <p:stCondLst>
                                     <p:cond delay="0"/>
                                   </p:stCondLst>
@@ -20921,7 +20943,7 @@
                                           </p:stCondLst>
                                         </p:cTn>
                                         <p:tgtEl>
-                                          <p:spTgt spid="62"/>
+                                          <p:spTgt spid="58"/>
                                         </p:tgtEl>
                                         <p:attrNameLst>
                                           <p:attrName>style.visibility</p:attrName>
@@ -20948,7 +20970,7 @@
                                           </p:stCondLst>
                                         </p:cTn>
                                         <p:tgtEl>
-                                          <p:spTgt spid="56"/>
+                                          <p:spTgt spid="59"/>
                                         </p:tgtEl>
                                         <p:attrNameLst>
                                           <p:attrName>style.visibility</p:attrName>
@@ -20962,7 +20984,7 @@
                                 </p:cTn>
                               </p:par>
                               <p:par>
-                                <p:cTn id="31" presetID="1" presetClass="entr" presetSubtype="0" fill="hold" grpId="0" nodeType="withEffect">
+                                <p:cTn id="31" presetID="1" presetClass="entr" presetSubtype="0" fill="hold" nodeType="withEffect">
                                   <p:stCondLst>
                                     <p:cond delay="0"/>
                                   </p:stCondLst>
@@ -20975,7 +20997,7 @@
                                           </p:stCondLst>
                                         </p:cTn>
                                         <p:tgtEl>
-                                          <p:spTgt spid="60"/>
+                                          <p:spTgt spid="72"/>
                                         </p:tgtEl>
                                         <p:attrNameLst>
                                           <p:attrName>style.visibility</p:attrName>
@@ -21020,7 +21042,7 @@
                                           </p:stCondLst>
                                         </p:cTn>
                                         <p:tgtEl>
-                                          <p:spTgt spid="63"/>
+                                          <p:spTgt spid="73"/>
                                         </p:tgtEl>
                                         <p:attrNameLst>
                                           <p:attrName>style.visibility</p:attrName>
@@ -21047,7 +21069,7 @@
                                           </p:stCondLst>
                                         </p:cTn>
                                         <p:tgtEl>
-                                          <p:spTgt spid="61"/>
+                                          <p:spTgt spid="55"/>
                                         </p:tgtEl>
                                         <p:attrNameLst>
                                           <p:attrName>style.visibility</p:attrName>
@@ -21074,34 +21096,7 @@
                                           </p:stCondLst>
                                         </p:cTn>
                                         <p:tgtEl>
-                                          <p:spTgt spid="57"/>
-                                        </p:tgtEl>
-                                        <p:attrNameLst>
-                                          <p:attrName>style.visibility</p:attrName>
-                                        </p:attrNameLst>
-                                      </p:cBhvr>
-                                      <p:to>
-                                        <p:strVal val="visible"/>
-                                      </p:to>
-                                    </p:set>
-                                  </p:childTnLst>
-                                </p:cTn>
-                              </p:par>
-                              <p:par>
-                                <p:cTn id="41" presetID="1" presetClass="entr" presetSubtype="0" fill="hold" nodeType="withEffect">
-                                  <p:stCondLst>
-                                    <p:cond delay="0"/>
-                                  </p:stCondLst>
-                                  <p:childTnLst>
-                                    <p:set>
-                                      <p:cBhvr>
-                                        <p:cTn id="42" dur="1" fill="hold">
-                                          <p:stCondLst>
-                                            <p:cond delay="0"/>
-                                          </p:stCondLst>
-                                        </p:cTn>
-                                        <p:tgtEl>
-                                          <p:spTgt spid="74"/>
+                                          <p:spTgt spid="65"/>
                                         </p:tgtEl>
                                         <p:attrNameLst>
                                           <p:attrName>style.visibility</p:attrName>
@@ -21121,19 +21116,46 @@
                     </p:cTn>
                   </p:par>
                   <p:par>
-                    <p:cTn id="43" fill="hold">
+                    <p:cTn id="41" fill="hold">
                       <p:stCondLst>
                         <p:cond delay="indefinite"/>
                       </p:stCondLst>
                       <p:childTnLst>
                         <p:par>
-                          <p:cTn id="44" fill="hold">
+                          <p:cTn id="42" fill="hold">
                             <p:stCondLst>
                               <p:cond delay="0"/>
                             </p:stCondLst>
                             <p:childTnLst>
                               <p:par>
-                                <p:cTn id="45" presetID="1" presetClass="entr" presetSubtype="0" fill="hold" nodeType="clickEffect">
+                                <p:cTn id="43" presetID="1" presetClass="entr" presetSubtype="0" fill="hold" nodeType="clickEffect">
+                                  <p:stCondLst>
+                                    <p:cond delay="0"/>
+                                  </p:stCondLst>
+                                  <p:childTnLst>
+                                    <p:set>
+                                      <p:cBhvr>
+                                        <p:cTn id="44" dur="1" fill="hold">
+                                          <p:stCondLst>
+                                            <p:cond delay="0"/>
+                                          </p:stCondLst>
+                                        </p:cTn>
+                                        <p:tgtEl>
+                                          <p:spTgt spid="62"/>
+                                        </p:tgtEl>
+                                        <p:attrNameLst>
+                                          <p:attrName>style.visibility</p:attrName>
+                                        </p:attrNameLst>
+                                      </p:cBhvr>
+                                      <p:to>
+                                        <p:strVal val="visible"/>
+                                      </p:to>
+                                    </p:set>
+                                  </p:childTnLst>
+                                </p:cTn>
+                              </p:par>
+                              <p:par>
+                                <p:cTn id="45" presetID="1" presetClass="entr" presetSubtype="0" fill="hold" grpId="0" nodeType="withEffect">
                                   <p:stCondLst>
                                     <p:cond delay="0"/>
                                   </p:stCondLst>
@@ -21146,7 +21168,7 @@
                                           </p:stCondLst>
                                         </p:cTn>
                                         <p:tgtEl>
-                                          <p:spTgt spid="75"/>
+                                          <p:spTgt spid="56"/>
                                         </p:tgtEl>
                                         <p:attrNameLst>
                                           <p:attrName>style.visibility</p:attrName>
@@ -21173,34 +21195,7 @@
                                           </p:stCondLst>
                                         </p:cTn>
                                         <p:tgtEl>
-                                          <p:spTgt spid="35"/>
-                                        </p:tgtEl>
-                                        <p:attrNameLst>
-                                          <p:attrName>style.visibility</p:attrName>
-                                        </p:attrNameLst>
-                                      </p:cBhvr>
-                                      <p:to>
-                                        <p:strVal val="visible"/>
-                                      </p:to>
-                                    </p:set>
-                                  </p:childTnLst>
-                                </p:cTn>
-                              </p:par>
-                              <p:par>
-                                <p:cTn id="49" presetID="1" presetClass="entr" presetSubtype="0" fill="hold" grpId="0" nodeType="withEffect">
-                                  <p:stCondLst>
-                                    <p:cond delay="0"/>
-                                  </p:stCondLst>
-                                  <p:childTnLst>
-                                    <p:set>
-                                      <p:cBhvr>
-                                        <p:cTn id="50" dur="1" fill="hold">
-                                          <p:stCondLst>
-                                            <p:cond delay="0"/>
-                                          </p:stCondLst>
-                                        </p:cTn>
-                                        <p:tgtEl>
-                                          <p:spTgt spid="76"/>
+                                          <p:spTgt spid="60"/>
                                         </p:tgtEl>
                                         <p:attrNameLst>
                                           <p:attrName>style.visibility</p:attrName>
@@ -21220,19 +21215,46 @@
                     </p:cTn>
                   </p:par>
                   <p:par>
-                    <p:cTn id="51" fill="hold">
+                    <p:cTn id="49" fill="hold">
                       <p:stCondLst>
                         <p:cond delay="indefinite"/>
                       </p:stCondLst>
                       <p:childTnLst>
                         <p:par>
-                          <p:cTn id="52" fill="hold">
+                          <p:cTn id="50" fill="hold">
                             <p:stCondLst>
                               <p:cond delay="0"/>
                             </p:stCondLst>
                             <p:childTnLst>
                               <p:par>
-                                <p:cTn id="53" presetID="1" presetClass="entr" presetSubtype="0" fill="hold" nodeType="clickEffect">
+                                <p:cTn id="51" presetID="1" presetClass="entr" presetSubtype="0" fill="hold" nodeType="clickEffect">
+                                  <p:stCondLst>
+                                    <p:cond delay="0"/>
+                                  </p:stCondLst>
+                                  <p:childTnLst>
+                                    <p:set>
+                                      <p:cBhvr>
+                                        <p:cTn id="52" dur="1" fill="hold">
+                                          <p:stCondLst>
+                                            <p:cond delay="0"/>
+                                          </p:stCondLst>
+                                        </p:cTn>
+                                        <p:tgtEl>
+                                          <p:spTgt spid="63"/>
+                                        </p:tgtEl>
+                                        <p:attrNameLst>
+                                          <p:attrName>style.visibility</p:attrName>
+                                        </p:attrNameLst>
+                                      </p:cBhvr>
+                                      <p:to>
+                                        <p:strVal val="visible"/>
+                                      </p:to>
+                                    </p:set>
+                                  </p:childTnLst>
+                                </p:cTn>
+                              </p:par>
+                              <p:par>
+                                <p:cTn id="53" presetID="1" presetClass="entr" presetSubtype="0" fill="hold" grpId="0" nodeType="withEffect">
                                   <p:stCondLst>
                                     <p:cond delay="0"/>
                                   </p:stCondLst>
@@ -21245,7 +21267,61 @@
                                           </p:stCondLst>
                                         </p:cTn>
                                         <p:tgtEl>
-                                          <p:spTgt spid="46"/>
+                                          <p:spTgt spid="61"/>
+                                        </p:tgtEl>
+                                        <p:attrNameLst>
+                                          <p:attrName>style.visibility</p:attrName>
+                                        </p:attrNameLst>
+                                      </p:cBhvr>
+                                      <p:to>
+                                        <p:strVal val="visible"/>
+                                      </p:to>
+                                    </p:set>
+                                  </p:childTnLst>
+                                </p:cTn>
+                              </p:par>
+                              <p:par>
+                                <p:cTn id="55" presetID="1" presetClass="entr" presetSubtype="0" fill="hold" grpId="0" nodeType="withEffect">
+                                  <p:stCondLst>
+                                    <p:cond delay="0"/>
+                                  </p:stCondLst>
+                                  <p:childTnLst>
+                                    <p:set>
+                                      <p:cBhvr>
+                                        <p:cTn id="56" dur="1" fill="hold">
+                                          <p:stCondLst>
+                                            <p:cond delay="0"/>
+                                          </p:stCondLst>
+                                        </p:cTn>
+                                        <p:tgtEl>
+                                          <p:spTgt spid="57"/>
+                                        </p:tgtEl>
+                                        <p:attrNameLst>
+                                          <p:attrName>style.visibility</p:attrName>
+                                        </p:attrNameLst>
+                                      </p:cBhvr>
+                                      <p:to>
+                                        <p:strVal val="visible"/>
+                                      </p:to>
+                                    </p:set>
+                                  </p:childTnLst>
+                                </p:cTn>
+                              </p:par>
+                              <p:par>
+                                <p:cTn id="57" presetID="1" presetClass="entr" presetSubtype="0" fill="hold" nodeType="withEffect">
+                                  <p:stCondLst>
+                                    <p:cond delay="0"/>
+                                  </p:stCondLst>
+                                  <p:childTnLst>
+                                    <p:set>
+                                      <p:cBhvr>
+                                        <p:cTn id="58" dur="1" fill="hold">
+                                          <p:stCondLst>
+                                            <p:cond delay="0"/>
+                                          </p:stCondLst>
+                                        </p:cTn>
+                                        <p:tgtEl>
+                                          <p:spTgt spid="74"/>
                                         </p:tgtEl>
                                         <p:attrNameLst>
                                           <p:attrName>style.visibility</p:attrName>
@@ -21265,32 +21341,32 @@
                     </p:cTn>
                   </p:par>
                   <p:par>
-                    <p:cTn id="55" fill="hold">
+                    <p:cTn id="59" fill="hold">
                       <p:stCondLst>
                         <p:cond delay="indefinite"/>
                       </p:stCondLst>
                       <p:childTnLst>
                         <p:par>
-                          <p:cTn id="56" fill="hold">
+                          <p:cTn id="60" fill="hold">
                             <p:stCondLst>
                               <p:cond delay="0"/>
                             </p:stCondLst>
                             <p:childTnLst>
                               <p:par>
-                                <p:cTn id="57" presetID="1" presetClass="entr" presetSubtype="0" fill="hold" nodeType="clickEffect">
+                                <p:cTn id="61" presetID="1" presetClass="entr" presetSubtype="0" fill="hold" nodeType="clickEffect">
                                   <p:stCondLst>
                                     <p:cond delay="0"/>
                                   </p:stCondLst>
                                   <p:childTnLst>
                                     <p:set>
                                       <p:cBhvr>
-                                        <p:cTn id="58" dur="1" fill="hold">
+                                        <p:cTn id="62" dur="1" fill="hold">
                                           <p:stCondLst>
                                             <p:cond delay="0"/>
                                           </p:stCondLst>
                                         </p:cTn>
                                         <p:tgtEl>
-                                          <p:spTgt spid="48"/>
+                                          <p:spTgt spid="75"/>
                                         </p:tgtEl>
                                         <p:attrNameLst>
                                           <p:attrName>style.visibility</p:attrName>
@@ -21304,20 +21380,20 @@
                                 </p:cTn>
                               </p:par>
                               <p:par>
-                                <p:cTn id="59" presetID="1" presetClass="entr" presetSubtype="0" fill="hold" grpId="0" nodeType="withEffect">
+                                <p:cTn id="63" presetID="1" presetClass="entr" presetSubtype="0" fill="hold" grpId="0" nodeType="withEffect">
                                   <p:stCondLst>
                                     <p:cond delay="0"/>
                                   </p:stCondLst>
                                   <p:childTnLst>
                                     <p:set>
                                       <p:cBhvr>
-                                        <p:cTn id="60" dur="1" fill="hold">
+                                        <p:cTn id="64" dur="1" fill="hold">
                                           <p:stCondLst>
                                             <p:cond delay="0"/>
                                           </p:stCondLst>
                                         </p:cTn>
                                         <p:tgtEl>
-                                          <p:spTgt spid="45"/>
+                                          <p:spTgt spid="35"/>
                                         </p:tgtEl>
                                         <p:attrNameLst>
                                           <p:attrName>style.visibility</p:attrName>
@@ -21331,20 +21407,20 @@
                                 </p:cTn>
                               </p:par>
                               <p:par>
-                                <p:cTn id="61" presetID="1" presetClass="entr" presetSubtype="0" fill="hold" grpId="0" nodeType="withEffect">
+                                <p:cTn id="65" presetID="1" presetClass="entr" presetSubtype="0" fill="hold" grpId="0" nodeType="withEffect">
                                   <p:stCondLst>
                                     <p:cond delay="0"/>
                                   </p:stCondLst>
                                   <p:childTnLst>
                                     <p:set>
                                       <p:cBhvr>
-                                        <p:cTn id="62" dur="1" fill="hold">
+                                        <p:cTn id="66" dur="1" fill="hold">
                                           <p:stCondLst>
                                             <p:cond delay="0"/>
                                           </p:stCondLst>
                                         </p:cTn>
                                         <p:tgtEl>
-                                          <p:spTgt spid="47"/>
+                                          <p:spTgt spid="76"/>
                                         </p:tgtEl>
                                         <p:attrNameLst>
                                           <p:attrName>style.visibility</p:attrName>
@@ -21393,6 +21469,7 @@
       <p:bldP spid="60" grpId="0" animBg="1"/>
       <p:bldP spid="61" grpId="0" animBg="1"/>
       <p:bldP spid="65" grpId="0" animBg="1"/>
+      <p:bldP spid="31" grpId="0" animBg="1"/>
       <p:bldP spid="35" grpId="0"/>
       <p:bldP spid="37" grpId="0" animBg="1"/>
       <p:bldP spid="76" grpId="0" animBg="1"/>

--- a/samples/IoT_Central_REST_Hvac_Control/Hvac.Control.JavaScript.REST.Client/architecture.pptx
+++ b/samples/IoT_Central_REST_Hvac_Control/Hvac.Control.JavaScript.REST.Client/architecture.pptx
@@ -5,10 +5,11 @@
     <p:sldMasterId id="2147483660" r:id="rId1"/>
   </p:sldMasterIdLst>
   <p:notesMasterIdLst>
-    <p:notesMasterId r:id="rId3"/>
+    <p:notesMasterId r:id="rId4"/>
   </p:notesMasterIdLst>
   <p:sldIdLst>
     <p:sldId id="2076138166" r:id="rId2"/>
+    <p:sldId id="2076138167" r:id="rId3"/>
   </p:sldIdLst>
   <p:sldSz cx="12192000" cy="6858000"/>
   <p:notesSz cx="6858000" cy="9144000"/>
@@ -197,7 +198,7 @@
           <a:p>
             <a:fld id="{EA730229-60E1-4812-B198-8EFB4471888B}" type="datetimeFigureOut">
               <a:rPr lang="en-AU" smtClean="0"/>
-              <a:t>1/11/2020</a:t>
+              <a:t>16/11/2020</a:t>
             </a:fld>
             <a:endParaRPr lang="en-AU"/>
           </a:p>
@@ -614,6 +615,169 @@
         </p:txBody>
       </p:sp>
     </p:spTree>
+  </p:cSld>
+  <p:clrMapOvr>
+    <a:masterClrMapping/>
+  </p:clrMapOvr>
+</p:notes>
+</file>
+
+<file path=ppt/notesSlides/notesSlide2.xml><?xml version="1.0" encoding="utf-8"?>
+<p:notes xmlns:a="http://schemas.openxmlformats.org/drawingml/2006/main" xmlns:r="http://schemas.openxmlformats.org/officeDocument/2006/relationships" xmlns:p="http://schemas.openxmlformats.org/presentationml/2006/main">
+  <p:cSld>
+    <p:spTree>
+      <p:nvGrpSpPr>
+        <p:cNvPr id="1" name=""/>
+        <p:cNvGrpSpPr/>
+        <p:nvPr/>
+      </p:nvGrpSpPr>
+      <p:grpSpPr>
+        <a:xfrm>
+          <a:off x="0" y="0"/>
+          <a:ext cx="0" cy="0"/>
+          <a:chOff x="0" y="0"/>
+          <a:chExt cx="0" cy="0"/>
+        </a:xfrm>
+      </p:grpSpPr>
+      <p:sp>
+        <p:nvSpPr>
+          <p:cNvPr id="2" name="Slide Image Placeholder 1"/>
+          <p:cNvSpPr>
+            <a:spLocks noGrp="1" noRot="1" noChangeAspect="1"/>
+          </p:cNvSpPr>
+          <p:nvPr>
+            <p:ph type="sldImg"/>
+          </p:nvPr>
+        </p:nvSpPr>
+        <p:spPr>
+          <a:xfrm>
+            <a:off x="138113" y="1347788"/>
+            <a:ext cx="6462712" cy="3636962"/>
+          </a:xfrm>
+        </p:spPr>
+      </p:sp>
+      <p:sp>
+        <p:nvSpPr>
+          <p:cNvPr id="3" name="Notes Placeholder 2"/>
+          <p:cNvSpPr>
+            <a:spLocks noGrp="1"/>
+          </p:cNvSpPr>
+          <p:nvPr>
+            <p:ph type="body" idx="1"/>
+          </p:nvPr>
+        </p:nvSpPr>
+        <p:spPr/>
+        <p:txBody>
+          <a:bodyPr>
+            <a:normAutofit/>
+          </a:bodyPr>
+          <a:lstStyle/>
+          <a:p>
+            <a:r>
+              <a:rPr lang="en-AU"/>
+              <a:t>Change the rate the sensor </a:t>
+            </a:r>
+            <a:r>
+              <a:rPr lang="en-AU" err="1"/>
+              <a:t>os</a:t>
+            </a:r>
+            <a:r>
+              <a:rPr lang="en-AU"/>
+              <a:t> measured</a:t>
+            </a:r>
+            <a:endParaRPr/>
+          </a:p>
+        </p:txBody>
+      </p:sp>
+      <p:sp>
+        <p:nvSpPr>
+          <p:cNvPr id="4" name="Slide Number Placeholder 3"/>
+          <p:cNvSpPr>
+            <a:spLocks noGrp="1"/>
+          </p:cNvSpPr>
+          <p:nvPr>
+            <p:ph type="sldNum" sz="quarter" idx="10"/>
+          </p:nvPr>
+        </p:nvSpPr>
+        <p:spPr/>
+        <p:txBody>
+          <a:bodyPr/>
+          <a:lstStyle/>
+          <a:p>
+            <a:pPr marL="0" marR="0" lvl="0" indent="0" algn="r" defTabSz="914400" rtl="0" eaLnBrk="1" fontAlgn="auto" latinLnBrk="0" hangingPunct="1">
+              <a:lnSpc>
+                <a:spcPct val="100000"/>
+              </a:lnSpc>
+              <a:spcBef>
+                <a:spcPts val="0"/>
+              </a:spcBef>
+              <a:spcAft>
+                <a:spcPts val="0"/>
+              </a:spcAft>
+              <a:buClrTx/>
+              <a:buSzTx/>
+              <a:buFontTx/>
+              <a:buNone/>
+              <a:tabLst/>
+              <a:defRPr/>
+            </a:pPr>
+            <a:fld id="{6101C5E1-D8E9-464D-A93E-CE21651935A7}" type="slidenum">
+              <a:rPr kumimoji="0" lang="en-US" sz="1200" b="0" i="0" u="none" strike="noStrike" kern="1200" cap="none" spc="0" normalizeH="0" baseline="0" noProof="0" smtClean="0">
+                <a:ln>
+                  <a:noFill/>
+                </a:ln>
+                <a:solidFill>
+                  <a:prstClr val="black"/>
+                </a:solidFill>
+                <a:effectLst/>
+                <a:uLnTx/>
+                <a:uFillTx/>
+                <a:latin typeface="Calibri"/>
+                <a:ea typeface="+mn-ea"/>
+                <a:cs typeface="Arial" pitchFamily="34" charset="0"/>
+              </a:rPr>
+              <a:pPr marL="0" marR="0" lvl="0" indent="0" algn="r" defTabSz="914400" rtl="0" eaLnBrk="1" fontAlgn="auto" latinLnBrk="0" hangingPunct="1">
+                <a:lnSpc>
+                  <a:spcPct val="100000"/>
+                </a:lnSpc>
+                <a:spcBef>
+                  <a:spcPts val="0"/>
+                </a:spcBef>
+                <a:spcAft>
+                  <a:spcPts val="0"/>
+                </a:spcAft>
+                <a:buClrTx/>
+                <a:buSzTx/>
+                <a:buFontTx/>
+                <a:buNone/>
+                <a:tabLst/>
+                <a:defRPr/>
+              </a:pPr>
+              <a:t>2</a:t>
+            </a:fld>
+            <a:endParaRPr kumimoji="0" lang="en-US" sz="1200" b="0" i="0" u="none" strike="noStrike" kern="1200" cap="none" spc="0" normalizeH="0" baseline="0" noProof="0">
+              <a:ln>
+                <a:noFill/>
+              </a:ln>
+              <a:solidFill>
+                <a:prstClr val="black"/>
+              </a:solidFill>
+              <a:effectLst/>
+              <a:uLnTx/>
+              <a:uFillTx/>
+              <a:latin typeface="Calibri"/>
+              <a:ea typeface="+mn-ea"/>
+              <a:cs typeface="Arial" pitchFamily="34" charset="0"/>
+            </a:endParaRPr>
+          </a:p>
+        </p:txBody>
+      </p:sp>
+    </p:spTree>
+    <p:extLst>
+      <p:ext uri="{BB962C8B-B14F-4D97-AF65-F5344CB8AC3E}">
+        <p14:creationId xmlns:p14="http://schemas.microsoft.com/office/powerpoint/2010/main" val="785861816"/>
+      </p:ext>
+    </p:extLst>
   </p:cSld>
   <p:clrMapOvr>
     <a:masterClrMapping/>
@@ -12770,7 +12934,7 @@
             <a:fld id="{B3D10869-6060-4E47-B931-1432A5FBCBE3}" type="datetimeFigureOut">
               <a:rPr lang="en-US" smtClean="0"/>
               <a:pPr/>
-              <a:t>11/1/2020</a:t>
+              <a:t>11/16/2020</a:t>
             </a:fld>
             <a:endParaRPr lang="en-US"/>
           </a:p>
@@ -21480,6 +21644,3153 @@
 </p:sld>
 </file>
 
+<file path=ppt/slides/slide2.xml><?xml version="1.0" encoding="utf-8"?>
+<p:sld xmlns:a="http://schemas.openxmlformats.org/drawingml/2006/main" xmlns:r="http://schemas.openxmlformats.org/officeDocument/2006/relationships" xmlns:p="http://schemas.openxmlformats.org/presentationml/2006/main">
+  <p:cSld>
+    <p:spTree>
+      <p:nvGrpSpPr>
+        <p:cNvPr id="1" name=""/>
+        <p:cNvGrpSpPr/>
+        <p:nvPr/>
+      </p:nvGrpSpPr>
+      <p:grpSpPr>
+        <a:xfrm>
+          <a:off x="0" y="0"/>
+          <a:ext cx="0" cy="0"/>
+          <a:chOff x="0" y="0"/>
+          <a:chExt cx="0" cy="0"/>
+        </a:xfrm>
+      </p:grpSpPr>
+      <p:sp>
+        <p:nvSpPr>
+          <p:cNvPr id="5" name="TextBox"/>
+          <p:cNvSpPr txBox="1">
+            <a:spLocks noGrp="1" noSelect="1" noRot="1" noMove="1"/>
+          </p:cNvSpPr>
+          <p:nvPr/>
+        </p:nvSpPr>
+        <p:spPr>
+          <a:xfrm>
+            <a:off x="2890520" y="2644140"/>
+            <a:ext cx="6411372" cy="1569660"/>
+          </a:xfrm>
+          <a:prstGeom prst="rect">
+            <a:avLst/>
+          </a:prstGeom>
+          <a:noFill/>
+        </p:spPr>
+        <p:txBody>
+          <a:bodyPr wrap="none" rtlCol="0" anchor="ctr" anchorCtr="1">
+            <a:spAutoFit/>
+          </a:bodyPr>
+          <a:lstStyle>
+            <a:lvl1pPr algn="l">
+              <a:lnSpc>
+                <a:spcPct val="150000"/>
+              </a:lnSpc>
+              <a:spcBef>
+                <a:spcPct val="0"/>
+              </a:spcBef>
+              <a:spcAft>
+                <a:spcPct val="0"/>
+              </a:spcAft>
+              <a:defRPr lang="en-US" sz="3200" b="1" noProof="1" dirty="0">
+                <a:solidFill>
+                  <a:prstClr val="red">
+                    <a:lumOff val="30000"/>
+                    <a:alpha val="40000"/>
+                  </a:prstClr>
+                </a:solidFill>
+                <a:effectLst>
+                  <a:outerShdw blurRad="50800" dist="38100" algn="tr" rotWithShape="0">
+                    <a:prstClr val="black">
+                      <a:alpha val="80000"/>
+                    </a:prstClr>
+                  </a:outerShdw>
+                </a:effectLst>
+                <a:latin typeface="Calibri" pitchFamily="34" charset="0"/>
+              </a:defRPr>
+            </a:lvl1pPr>
+          </a:lstStyle>
+          <a:p>
+            <a:pPr marL="0" marR="0" lvl="0" indent="0" algn="ctr" defTabSz="914400" rtl="0" eaLnBrk="1" fontAlgn="auto" latinLnBrk="0" hangingPunct="1">
+              <a:lnSpc>
+                <a:spcPct val="150000"/>
+              </a:lnSpc>
+              <a:spcBef>
+                <a:spcPct val="0"/>
+              </a:spcBef>
+              <a:spcAft>
+                <a:spcPct val="0"/>
+              </a:spcAft>
+              <a:buClrTx/>
+              <a:buSzTx/>
+              <a:buFontTx/>
+              <a:buNone/>
+              <a:tabLst/>
+              <a:defRPr/>
+            </a:pPr>
+            <a:endParaRPr kumimoji="0" lang="en-US" sz="3200" b="1" i="0" u="none" strike="noStrike" kern="1200" cap="none" spc="0" normalizeH="0" baseline="0" noProof="1">
+              <a:ln>
+                <a:noFill/>
+              </a:ln>
+              <a:solidFill>
+                <a:prstClr val="red">
+                  <a:lumOff val="30000"/>
+                  <a:alpha val="40000"/>
+                </a:prstClr>
+              </a:solidFill>
+              <a:effectLst>
+                <a:outerShdw blurRad="50800" dist="38100" algn="tr" rotWithShape="0">
+                  <a:prstClr val="black">
+                    <a:alpha val="80000"/>
+                  </a:prstClr>
+                </a:outerShdw>
+              </a:effectLst>
+              <a:uLnTx/>
+              <a:uFillTx/>
+              <a:latin typeface="Calibri" pitchFamily="34" charset="0"/>
+              <a:cs typeface="Arial" pitchFamily="34" charset="0"/>
+            </a:endParaRPr>
+          </a:p>
+          <a:p>
+            <a:pPr marL="0" marR="0" lvl="0" indent="0" algn="ctr" defTabSz="914400" rtl="0" eaLnBrk="1" fontAlgn="auto" latinLnBrk="0" hangingPunct="1">
+              <a:lnSpc>
+                <a:spcPct val="150000"/>
+              </a:lnSpc>
+              <a:spcBef>
+                <a:spcPct val="0"/>
+              </a:spcBef>
+              <a:spcAft>
+                <a:spcPct val="0"/>
+              </a:spcAft>
+              <a:buClrTx/>
+              <a:buSzTx/>
+              <a:buFontTx/>
+              <a:buNone/>
+              <a:tabLst/>
+              <a:defRPr/>
+            </a:pPr>
+            <a:endParaRPr kumimoji="0" lang="en-US" sz="3200" b="1" i="0" u="none" strike="noStrike" kern="1200" cap="none" spc="0" normalizeH="0" baseline="0" noProof="1">
+              <a:ln>
+                <a:noFill/>
+              </a:ln>
+              <a:solidFill>
+                <a:prstClr val="red">
+                  <a:lumOff val="30000"/>
+                  <a:alpha val="40000"/>
+                </a:prstClr>
+              </a:solidFill>
+              <a:effectLst>
+                <a:outerShdw blurRad="50800" dist="38100" algn="tr" rotWithShape="0">
+                  <a:prstClr val="black">
+                    <a:alpha val="80000"/>
+                  </a:prstClr>
+                </a:outerShdw>
+              </a:effectLst>
+              <a:uLnTx/>
+              <a:uFillTx/>
+              <a:latin typeface="Calibri" pitchFamily="34" charset="0"/>
+              <a:cs typeface="Arial" pitchFamily="34" charset="0"/>
+            </a:endParaRPr>
+          </a:p>
+          <a:p>
+            <a:pPr marL="0" marR="0" lvl="0" indent="0" algn="ctr" defTabSz="914400" rtl="0" eaLnBrk="1" fontAlgn="auto" latinLnBrk="0" hangingPunct="1">
+              <a:lnSpc>
+                <a:spcPct val="150000"/>
+              </a:lnSpc>
+              <a:spcBef>
+                <a:spcPct val="0"/>
+              </a:spcBef>
+              <a:spcAft>
+                <a:spcPct val="0"/>
+              </a:spcAft>
+              <a:buClrTx/>
+              <a:buSzTx/>
+              <a:buFontTx/>
+              <a:buNone/>
+              <a:tabLst/>
+              <a:defRPr/>
+            </a:pPr>
+            <a:endParaRPr kumimoji="0" lang="en-US" sz="3200" b="1" i="0" u="none" strike="noStrike" kern="1200" cap="none" spc="0" normalizeH="0" baseline="0" noProof="1">
+              <a:ln>
+                <a:noFill/>
+              </a:ln>
+              <a:solidFill>
+                <a:prstClr val="red">
+                  <a:lumOff val="30000"/>
+                  <a:alpha val="40000"/>
+                </a:prstClr>
+              </a:solidFill>
+              <a:effectLst>
+                <a:outerShdw blurRad="50800" dist="38100" algn="tr" rotWithShape="0">
+                  <a:prstClr val="black">
+                    <a:alpha val="80000"/>
+                  </a:prstClr>
+                </a:outerShdw>
+              </a:effectLst>
+              <a:uLnTx/>
+              <a:uFillTx/>
+              <a:latin typeface="Calibri" pitchFamily="34" charset="0"/>
+              <a:cs typeface="Arial" pitchFamily="34" charset="0"/>
+            </a:endParaRPr>
+          </a:p>
+        </p:txBody>
+      </p:sp>
+      <p:pic>
+        <p:nvPicPr>
+          <p:cNvPr id="2" name="Picture 2" descr="Things I Learnt in My First Azure Functions Project">
+            <a:extLst>
+              <a:ext uri="{FF2B5EF4-FFF2-40B4-BE49-F238E27FC236}">
+                <a16:creationId xmlns:a16="http://schemas.microsoft.com/office/drawing/2014/main" id="{05F01EE1-5889-472F-867B-BE28BB00AF41}"/>
+              </a:ext>
+            </a:extLst>
+          </p:cNvPr>
+          <p:cNvPicPr>
+            <a:picLocks noChangeAspect="1" noChangeArrowheads="1"/>
+          </p:cNvPicPr>
+          <p:nvPr/>
+        </p:nvPicPr>
+        <p:blipFill rotWithShape="1">
+          <a:blip r:embed="rId3">
+            <a:extLst>
+              <a:ext uri="{BEBA8EAE-BF5A-486C-A8C5-ECC9F3942E4B}">
+                <a14:imgProps xmlns:a14="http://schemas.microsoft.com/office/drawing/2010/main">
+                  <a14:imgLayer r:embed="rId4">
+                    <a14:imgEffect>
+                      <a14:backgroundRemoval t="7154" b="96870" l="19500" r="86300">
+                        <a14:foregroundMark x1="31700" y1="29955" x2="31700" y2="29955"/>
+                        <a14:foregroundMark x1="23200" y1="58271" x2="30500" y2="68256"/>
+                        <a14:foregroundMark x1="20100" y1="49180" x2="19500" y2="50969"/>
+                        <a14:foregroundMark x1="83800" y1="52757" x2="83800" y2="52757"/>
+                        <a14:foregroundMark x1="54400" y1="7154" x2="54400" y2="7154"/>
+                        <a14:foregroundMark x1="75200" y1="32638" x2="75200" y2="32638"/>
+                        <a14:foregroundMark x1="76500" y1="34575" x2="76500" y2="34575"/>
+                        <a14:foregroundMark x1="69100" y1="25335" x2="81400" y2="41878"/>
+                        <a14:foregroundMark x1="67300" y1="75559" x2="79500" y2="60060"/>
+                        <a14:foregroundMark x1="86300" y1="50075" x2="86300" y2="50075"/>
+                        <a14:foregroundMark x1="41600" y1="92846" x2="41600" y2="92846"/>
+                        <a14:foregroundMark x1="40200" y1="96870" x2="40200" y2="96870"/>
+                        <a14:backgroundMark x1="36600" y1="55589" x2="36600" y2="55589"/>
+                        <a14:backgroundMark x1="36000" y1="38152" x2="41500" y2="60060"/>
+                      </a14:backgroundRemoval>
+                    </a14:imgEffect>
+                  </a14:imgLayer>
+                </a14:imgProps>
+              </a:ext>
+              <a:ext uri="{28A0092B-C50C-407E-A947-70E740481C1C}">
+                <a14:useLocalDpi xmlns:a14="http://schemas.microsoft.com/office/drawing/2010/main" val="0"/>
+              </a:ext>
+            </a:extLst>
+          </a:blip>
+          <a:srcRect l="16300" r="11300"/>
+          <a:stretch/>
+        </p:blipFill>
+        <p:spPr bwMode="auto">
+          <a:xfrm>
+            <a:off x="2439068" y="536784"/>
+            <a:ext cx="1010308" cy="936350"/>
+          </a:xfrm>
+          <a:prstGeom prst="rect">
+            <a:avLst/>
+          </a:prstGeom>
+          <a:noFill/>
+          <a:effectLst>
+            <a:outerShdw blurRad="50800" dist="38100" dir="2700000" algn="tl" rotWithShape="0">
+              <a:prstClr val="black">
+                <a:alpha val="40000"/>
+              </a:prstClr>
+            </a:outerShdw>
+          </a:effectLst>
+          <a:extLst>
+            <a:ext uri="{909E8E84-426E-40DD-AFC4-6F175D3DCCD1}">
+              <a14:hiddenFill xmlns:a14="http://schemas.microsoft.com/office/drawing/2010/main">
+                <a:solidFill>
+                  <a:srgbClr val="FFFFFF"/>
+                </a:solidFill>
+              </a14:hiddenFill>
+            </a:ext>
+          </a:extLst>
+        </p:spPr>
+      </p:pic>
+      <p:pic>
+        <p:nvPicPr>
+          <p:cNvPr id="3" name="Picture 2">
+            <a:extLst>
+              <a:ext uri="{FF2B5EF4-FFF2-40B4-BE49-F238E27FC236}">
+                <a16:creationId xmlns:a16="http://schemas.microsoft.com/office/drawing/2014/main" id="{577BBEFF-4F23-49EB-839F-AECA194BAEDD}"/>
+              </a:ext>
+            </a:extLst>
+          </p:cNvPr>
+          <p:cNvPicPr>
+            <a:picLocks noChangeAspect="1"/>
+          </p:cNvPicPr>
+          <p:nvPr/>
+        </p:nvPicPr>
+        <p:blipFill rotWithShape="1">
+          <a:blip r:embed="rId5"/>
+          <a:srcRect l="1" t="1" r="39729" b="-12581"/>
+          <a:stretch/>
+        </p:blipFill>
+        <p:spPr>
+          <a:xfrm>
+            <a:off x="2004168" y="1876458"/>
+            <a:ext cx="1880108" cy="2988635"/>
+          </a:xfrm>
+          <a:prstGeom prst="rect">
+            <a:avLst/>
+          </a:prstGeom>
+        </p:spPr>
+      </p:pic>
+      <p:pic>
+        <p:nvPicPr>
+          <p:cNvPr id="6" name="Picture 12" descr="Archiving Data with Azure Blob Storage Archive Tier and PowerShell ...">
+            <a:extLst>
+              <a:ext uri="{FF2B5EF4-FFF2-40B4-BE49-F238E27FC236}">
+                <a16:creationId xmlns:a16="http://schemas.microsoft.com/office/drawing/2014/main" id="{6090DDF5-6A0A-4F3C-BD35-8241BDD8EF2B}"/>
+              </a:ext>
+            </a:extLst>
+          </p:cNvPr>
+          <p:cNvPicPr>
+            <a:picLocks noChangeAspect="1" noChangeArrowheads="1"/>
+          </p:cNvPicPr>
+          <p:nvPr/>
+        </p:nvPicPr>
+        <p:blipFill rotWithShape="1">
+          <a:blip r:embed="rId6">
+            <a:extLst>
+              <a:ext uri="{28A0092B-C50C-407E-A947-70E740481C1C}">
+                <a14:useLocalDpi xmlns:a14="http://schemas.microsoft.com/office/drawing/2010/main" val="0"/>
+              </a:ext>
+            </a:extLst>
+          </a:blip>
+          <a:srcRect r="54580"/>
+          <a:stretch/>
+        </p:blipFill>
+        <p:spPr bwMode="auto">
+          <a:xfrm>
+            <a:off x="822836" y="648325"/>
+            <a:ext cx="826616" cy="702130"/>
+          </a:xfrm>
+          <a:prstGeom prst="rect">
+            <a:avLst/>
+          </a:prstGeom>
+          <a:noFill/>
+          <a:effectLst>
+            <a:outerShdw blurRad="50800" dist="38100" dir="2700000" algn="tl" rotWithShape="0">
+              <a:prstClr val="black">
+                <a:alpha val="40000"/>
+              </a:prstClr>
+            </a:outerShdw>
+          </a:effectLst>
+          <a:extLst>
+            <a:ext uri="{909E8E84-426E-40DD-AFC4-6F175D3DCCD1}">
+              <a14:hiddenFill xmlns:a14="http://schemas.microsoft.com/office/drawing/2010/main">
+                <a:solidFill>
+                  <a:srgbClr val="FFFFFF"/>
+                </a:solidFill>
+              </a14:hiddenFill>
+            </a:ext>
+          </a:extLst>
+        </p:spPr>
+      </p:pic>
+      <p:cxnSp>
+        <p:nvCxnSpPr>
+          <p:cNvPr id="46" name="Straight Arrow Connector 45">
+            <a:extLst>
+              <a:ext uri="{FF2B5EF4-FFF2-40B4-BE49-F238E27FC236}">
+                <a16:creationId xmlns:a16="http://schemas.microsoft.com/office/drawing/2014/main" id="{9E5F8826-8822-455E-AAB8-E951D0143660}"/>
+              </a:ext>
+            </a:extLst>
+          </p:cNvPr>
+          <p:cNvCxnSpPr>
+            <a:cxnSpLocks/>
+          </p:cNvCxnSpPr>
+          <p:nvPr/>
+        </p:nvCxnSpPr>
+        <p:spPr>
+          <a:xfrm flipH="1">
+            <a:off x="1702938" y="3122123"/>
+            <a:ext cx="301230" cy="0"/>
+          </a:xfrm>
+          <a:prstGeom prst="straightConnector1">
+            <a:avLst/>
+          </a:prstGeom>
+          <a:noFill/>
+          <a:ln w="38100" cap="flat" cmpd="sng" algn="ctr">
+            <a:solidFill>
+              <a:srgbClr val="4472C4"/>
+            </a:solidFill>
+            <a:prstDash val="solid"/>
+            <a:miter lim="800000"/>
+            <a:headEnd type="triangle" w="med" len="med"/>
+            <a:tailEnd type="none" w="med" len="med"/>
+          </a:ln>
+          <a:effectLst/>
+        </p:spPr>
+      </p:cxnSp>
+      <p:sp>
+        <p:nvSpPr>
+          <p:cNvPr id="11" name="TextBox 10">
+            <a:extLst>
+              <a:ext uri="{FF2B5EF4-FFF2-40B4-BE49-F238E27FC236}">
+                <a16:creationId xmlns:a16="http://schemas.microsoft.com/office/drawing/2014/main" id="{02AF5A2A-9EA0-48A0-BCC0-7A1722A28A91}"/>
+              </a:ext>
+            </a:extLst>
+          </p:cNvPr>
+          <p:cNvSpPr txBox="1"/>
+          <p:nvPr/>
+        </p:nvSpPr>
+        <p:spPr>
+          <a:xfrm>
+            <a:off x="43998" y="5578324"/>
+            <a:ext cx="1788286" cy="769441"/>
+          </a:xfrm>
+          <a:prstGeom prst="rect">
+            <a:avLst/>
+          </a:prstGeom>
+          <a:noFill/>
+        </p:spPr>
+        <p:txBody>
+          <a:bodyPr wrap="square" rtlCol="0">
+            <a:spAutoFit/>
+          </a:bodyPr>
+          <a:lstStyle/>
+          <a:p>
+            <a:pPr marL="0" marR="0" lvl="0" indent="0" algn="l" defTabSz="914400" rtl="0" eaLnBrk="1" fontAlgn="auto" latinLnBrk="0" hangingPunct="1">
+              <a:lnSpc>
+                <a:spcPct val="100000"/>
+              </a:lnSpc>
+              <a:spcBef>
+                <a:spcPts val="0"/>
+              </a:spcBef>
+              <a:spcAft>
+                <a:spcPts val="0"/>
+              </a:spcAft>
+              <a:buClrTx/>
+              <a:buSzTx/>
+              <a:buFontTx/>
+              <a:buNone/>
+              <a:tabLst/>
+              <a:defRPr/>
+            </a:pPr>
+            <a:r>
+              <a:rPr kumimoji="0" lang="en-AU" sz="1100" b="0" i="0" u="none" strike="noStrike" kern="1200" cap="none" spc="0" normalizeH="0" baseline="0" noProof="0" dirty="0">
+                <a:ln>
+                  <a:noFill/>
+                </a:ln>
+                <a:solidFill>
+                  <a:srgbClr val="000000"/>
+                </a:solidFill>
+                <a:effectLst/>
+                <a:uLnTx/>
+                <a:uFillTx/>
+                <a:latin typeface="Segoe UI"/>
+                <a:cs typeface="Arial" pitchFamily="34" charset="0"/>
+              </a:rPr>
+              <a:t>Azure Storage Static Website HTML/JavaScript page calls Azure Function HTTP Trigger</a:t>
+            </a:r>
+          </a:p>
+        </p:txBody>
+      </p:sp>
+      <p:sp>
+        <p:nvSpPr>
+          <p:cNvPr id="12" name="TextBox 11">
+            <a:extLst>
+              <a:ext uri="{FF2B5EF4-FFF2-40B4-BE49-F238E27FC236}">
+                <a16:creationId xmlns:a16="http://schemas.microsoft.com/office/drawing/2014/main" id="{236A0B0D-FE8C-430E-B77B-F93696EFB504}"/>
+              </a:ext>
+            </a:extLst>
+          </p:cNvPr>
+          <p:cNvSpPr txBox="1"/>
+          <p:nvPr/>
+        </p:nvSpPr>
+        <p:spPr>
+          <a:xfrm>
+            <a:off x="2061798" y="5578324"/>
+            <a:ext cx="1667100" cy="600164"/>
+          </a:xfrm>
+          <a:prstGeom prst="rect">
+            <a:avLst/>
+          </a:prstGeom>
+          <a:noFill/>
+        </p:spPr>
+        <p:txBody>
+          <a:bodyPr wrap="square" rtlCol="0">
+            <a:spAutoFit/>
+          </a:bodyPr>
+          <a:lstStyle/>
+          <a:p>
+            <a:pPr marL="0" marR="0" lvl="0" indent="0" algn="l" defTabSz="914400" rtl="0" eaLnBrk="1" fontAlgn="auto" latinLnBrk="0" hangingPunct="1">
+              <a:lnSpc>
+                <a:spcPct val="100000"/>
+              </a:lnSpc>
+              <a:spcBef>
+                <a:spcPts val="0"/>
+              </a:spcBef>
+              <a:spcAft>
+                <a:spcPts val="0"/>
+              </a:spcAft>
+              <a:buClrTx/>
+              <a:buSzTx/>
+              <a:buFontTx/>
+              <a:buNone/>
+              <a:tabLst/>
+              <a:defRPr/>
+            </a:pPr>
+            <a:r>
+              <a:rPr kumimoji="0" lang="en-AU" sz="1100" b="0" i="0" u="none" strike="noStrike" kern="1200" cap="none" spc="0" normalizeH="0" baseline="0" noProof="0" dirty="0">
+                <a:ln>
+                  <a:noFill/>
+                </a:ln>
+                <a:solidFill>
+                  <a:srgbClr val="000000"/>
+                </a:solidFill>
+                <a:effectLst/>
+                <a:uLnTx/>
+                <a:uFillTx/>
+                <a:latin typeface="Segoe UI"/>
+                <a:cs typeface="Arial" pitchFamily="34" charset="0"/>
+              </a:rPr>
+              <a:t>Azure Function invokes IoT Central Update Property REST API</a:t>
+            </a:r>
+          </a:p>
+        </p:txBody>
+      </p:sp>
+      <p:sp>
+        <p:nvSpPr>
+          <p:cNvPr id="13" name="TextBox 12">
+            <a:extLst>
+              <a:ext uri="{FF2B5EF4-FFF2-40B4-BE49-F238E27FC236}">
+                <a16:creationId xmlns:a16="http://schemas.microsoft.com/office/drawing/2014/main" id="{E347D9C0-347B-41BA-BD55-080858D94A92}"/>
+              </a:ext>
+            </a:extLst>
+          </p:cNvPr>
+          <p:cNvSpPr txBox="1"/>
+          <p:nvPr/>
+        </p:nvSpPr>
+        <p:spPr>
+          <a:xfrm>
+            <a:off x="3958412" y="5578324"/>
+            <a:ext cx="1667100" cy="938719"/>
+          </a:xfrm>
+          <a:prstGeom prst="rect">
+            <a:avLst/>
+          </a:prstGeom>
+          <a:noFill/>
+        </p:spPr>
+        <p:txBody>
+          <a:bodyPr wrap="square" rtlCol="0">
+            <a:spAutoFit/>
+          </a:bodyPr>
+          <a:lstStyle/>
+          <a:p>
+            <a:pPr marL="0" marR="0" lvl="0" indent="0" algn="l" defTabSz="914400" rtl="0" eaLnBrk="1" fontAlgn="auto" latinLnBrk="0" hangingPunct="1">
+              <a:lnSpc>
+                <a:spcPct val="100000"/>
+              </a:lnSpc>
+              <a:spcBef>
+                <a:spcPts val="0"/>
+              </a:spcBef>
+              <a:spcAft>
+                <a:spcPts val="0"/>
+              </a:spcAft>
+              <a:buClrTx/>
+              <a:buSzTx/>
+              <a:buFontTx/>
+              <a:buNone/>
+              <a:tabLst/>
+              <a:defRPr/>
+            </a:pPr>
+            <a:r>
+              <a:rPr kumimoji="0" lang="en-AU" sz="1100" b="0" i="0" u="none" strike="noStrike" kern="1200" cap="none" spc="0" normalizeH="0" baseline="0" noProof="0" dirty="0">
+                <a:ln>
+                  <a:noFill/>
+                </a:ln>
+                <a:solidFill>
+                  <a:srgbClr val="000000"/>
+                </a:solidFill>
+                <a:effectLst/>
+                <a:uLnTx/>
+                <a:uFillTx/>
+                <a:latin typeface="Segoe UI"/>
+                <a:cs typeface="Arial" pitchFamily="34" charset="0"/>
+              </a:rPr>
+              <a:t>Azure IoT Central requests Azure IoT Hub to send “desired temperature” device twin</a:t>
+            </a:r>
+          </a:p>
+        </p:txBody>
+      </p:sp>
+      <p:sp>
+        <p:nvSpPr>
+          <p:cNvPr id="14" name="TextBox 13">
+            <a:extLst>
+              <a:ext uri="{FF2B5EF4-FFF2-40B4-BE49-F238E27FC236}">
+                <a16:creationId xmlns:a16="http://schemas.microsoft.com/office/drawing/2014/main" id="{9B7B4803-58B2-474D-BDED-9F0A340BB2DC}"/>
+              </a:ext>
+            </a:extLst>
+          </p:cNvPr>
+          <p:cNvSpPr txBox="1"/>
+          <p:nvPr/>
+        </p:nvSpPr>
+        <p:spPr>
+          <a:xfrm>
+            <a:off x="9602484" y="5578324"/>
+            <a:ext cx="1584227" cy="769441"/>
+          </a:xfrm>
+          <a:prstGeom prst="rect">
+            <a:avLst/>
+          </a:prstGeom>
+          <a:noFill/>
+        </p:spPr>
+        <p:txBody>
+          <a:bodyPr wrap="square" rtlCol="0">
+            <a:spAutoFit/>
+          </a:bodyPr>
+          <a:lstStyle/>
+          <a:p>
+            <a:pPr marL="0" marR="0" lvl="0" indent="0" algn="l" defTabSz="914400" rtl="0" eaLnBrk="1" fontAlgn="auto" latinLnBrk="0" hangingPunct="1">
+              <a:lnSpc>
+                <a:spcPct val="100000"/>
+              </a:lnSpc>
+              <a:spcBef>
+                <a:spcPts val="0"/>
+              </a:spcBef>
+              <a:spcAft>
+                <a:spcPts val="0"/>
+              </a:spcAft>
+              <a:buClrTx/>
+              <a:buSzTx/>
+              <a:buFontTx/>
+              <a:buNone/>
+              <a:tabLst/>
+              <a:defRPr/>
+            </a:pPr>
+            <a:r>
+              <a:rPr kumimoji="0" lang="en-AU" sz="1100" b="0" i="0" u="none" strike="noStrike" kern="1200" cap="none" spc="0" normalizeH="0" baseline="0" noProof="0" dirty="0">
+                <a:ln>
+                  <a:noFill/>
+                </a:ln>
+                <a:solidFill>
+                  <a:srgbClr val="000000"/>
+                </a:solidFill>
+                <a:effectLst/>
+                <a:uLnTx/>
+                <a:uFillTx/>
+                <a:latin typeface="Segoe UI"/>
+                <a:cs typeface="Arial" pitchFamily="34" charset="0"/>
+              </a:rPr>
+              <a:t>Azure Sphere implements HVAC actions and reports state</a:t>
+            </a:r>
+          </a:p>
+        </p:txBody>
+      </p:sp>
+      <p:sp>
+        <p:nvSpPr>
+          <p:cNvPr id="16" name="TextBox 15">
+            <a:extLst>
+              <a:ext uri="{FF2B5EF4-FFF2-40B4-BE49-F238E27FC236}">
+                <a16:creationId xmlns:a16="http://schemas.microsoft.com/office/drawing/2014/main" id="{4E86CA0D-9035-4963-A711-706CBE068AA6}"/>
+              </a:ext>
+            </a:extLst>
+          </p:cNvPr>
+          <p:cNvSpPr txBox="1"/>
+          <p:nvPr/>
+        </p:nvSpPr>
+        <p:spPr>
+          <a:xfrm>
+            <a:off x="6096000" y="5578324"/>
+            <a:ext cx="1988321" cy="769441"/>
+          </a:xfrm>
+          <a:prstGeom prst="rect">
+            <a:avLst/>
+          </a:prstGeom>
+          <a:noFill/>
+        </p:spPr>
+        <p:txBody>
+          <a:bodyPr wrap="square" rtlCol="0">
+            <a:spAutoFit/>
+          </a:bodyPr>
+          <a:lstStyle/>
+          <a:p>
+            <a:pPr marL="0" marR="0" lvl="0" indent="0" algn="l" defTabSz="914400" rtl="0" eaLnBrk="1" fontAlgn="auto" latinLnBrk="0" hangingPunct="1">
+              <a:lnSpc>
+                <a:spcPct val="100000"/>
+              </a:lnSpc>
+              <a:spcBef>
+                <a:spcPts val="0"/>
+              </a:spcBef>
+              <a:spcAft>
+                <a:spcPts val="0"/>
+              </a:spcAft>
+              <a:buClrTx/>
+              <a:buSzTx/>
+              <a:buFontTx/>
+              <a:buNone/>
+              <a:tabLst/>
+              <a:defRPr/>
+            </a:pPr>
+            <a:r>
+              <a:rPr kumimoji="0" lang="en-AU" sz="1100" b="0" i="0" u="none" strike="noStrike" kern="1200" cap="none" spc="0" normalizeH="0" baseline="0" noProof="0" dirty="0">
+                <a:ln>
+                  <a:noFill/>
+                </a:ln>
+                <a:solidFill>
+                  <a:srgbClr val="000000"/>
+                </a:solidFill>
+                <a:effectLst/>
+                <a:uLnTx/>
+                <a:uFillTx/>
+                <a:latin typeface="Segoe UI"/>
+                <a:cs typeface="Arial" pitchFamily="34" charset="0"/>
+              </a:rPr>
+              <a:t>Azure IoT Hub updates device twin and sends device twin message to Azure Sphere HVAC control device</a:t>
+            </a:r>
+          </a:p>
+        </p:txBody>
+      </p:sp>
+      <p:pic>
+        <p:nvPicPr>
+          <p:cNvPr id="10" name="Picture 9">
+            <a:extLst>
+              <a:ext uri="{FF2B5EF4-FFF2-40B4-BE49-F238E27FC236}">
+                <a16:creationId xmlns:a16="http://schemas.microsoft.com/office/drawing/2014/main" id="{8C84510C-F2C1-4CF4-ACE1-C9017F523E2B}"/>
+              </a:ext>
+            </a:extLst>
+          </p:cNvPr>
+          <p:cNvPicPr>
+            <a:picLocks noChangeAspect="1"/>
+          </p:cNvPicPr>
+          <p:nvPr/>
+        </p:nvPicPr>
+        <p:blipFill>
+          <a:blip r:embed="rId7"/>
+          <a:stretch>
+            <a:fillRect/>
+          </a:stretch>
+        </p:blipFill>
+        <p:spPr>
+          <a:xfrm>
+            <a:off x="43998" y="2505460"/>
+            <a:ext cx="1001776" cy="820352"/>
+          </a:xfrm>
+          <a:prstGeom prst="rect">
+            <a:avLst/>
+          </a:prstGeom>
+        </p:spPr>
+      </p:pic>
+      <p:pic>
+        <p:nvPicPr>
+          <p:cNvPr id="17" name="Picture 16">
+            <a:extLst>
+              <a:ext uri="{FF2B5EF4-FFF2-40B4-BE49-F238E27FC236}">
+                <a16:creationId xmlns:a16="http://schemas.microsoft.com/office/drawing/2014/main" id="{AAA36A63-4266-4447-877D-89E7DC178A26}"/>
+              </a:ext>
+            </a:extLst>
+          </p:cNvPr>
+          <p:cNvPicPr>
+            <a:picLocks noChangeAspect="1"/>
+          </p:cNvPicPr>
+          <p:nvPr/>
+        </p:nvPicPr>
+        <p:blipFill>
+          <a:blip r:embed="rId8"/>
+          <a:stretch>
+            <a:fillRect/>
+          </a:stretch>
+        </p:blipFill>
+        <p:spPr>
+          <a:xfrm>
+            <a:off x="885003" y="2137912"/>
+            <a:ext cx="850115" cy="1968422"/>
+          </a:xfrm>
+          <a:prstGeom prst="rect">
+            <a:avLst/>
+          </a:prstGeom>
+        </p:spPr>
+      </p:pic>
+      <p:sp>
+        <p:nvSpPr>
+          <p:cNvPr id="49" name="Rectangle 48">
+            <a:extLst>
+              <a:ext uri="{FF2B5EF4-FFF2-40B4-BE49-F238E27FC236}">
+                <a16:creationId xmlns:a16="http://schemas.microsoft.com/office/drawing/2014/main" id="{10265569-4D27-48BE-BF45-A4BD1A6E3101}"/>
+              </a:ext>
+            </a:extLst>
+          </p:cNvPr>
+          <p:cNvSpPr/>
+          <p:nvPr/>
+        </p:nvSpPr>
+        <p:spPr>
+          <a:xfrm>
+            <a:off x="6208495" y="1643136"/>
+            <a:ext cx="1588551" cy="3727062"/>
+          </a:xfrm>
+          <a:prstGeom prst="rect">
+            <a:avLst/>
+          </a:prstGeom>
+          <a:solidFill>
+            <a:schemeClr val="accent1">
+              <a:lumMod val="40000"/>
+              <a:lumOff val="60000"/>
+            </a:schemeClr>
+          </a:solidFill>
+          <a:ln w="12700" cap="flat" cmpd="sng" algn="ctr">
+            <a:solidFill>
+              <a:srgbClr val="4472C4">
+                <a:shade val="50000"/>
+              </a:srgbClr>
+            </a:solidFill>
+            <a:prstDash val="solid"/>
+            <a:miter lim="800000"/>
+          </a:ln>
+          <a:effectLst/>
+        </p:spPr>
+        <p:txBody>
+          <a:bodyPr rtlCol="0" anchor="t"/>
+          <a:lstStyle/>
+          <a:p>
+            <a:pPr marL="0" marR="0" lvl="0" indent="0" algn="ctr" defTabSz="914400" rtl="0" eaLnBrk="1" fontAlgn="auto" latinLnBrk="0" hangingPunct="1">
+              <a:lnSpc>
+                <a:spcPct val="100000"/>
+              </a:lnSpc>
+              <a:spcBef>
+                <a:spcPts val="0"/>
+              </a:spcBef>
+              <a:spcAft>
+                <a:spcPts val="0"/>
+              </a:spcAft>
+              <a:buClrTx/>
+              <a:buSzTx/>
+              <a:buFontTx/>
+              <a:buNone/>
+              <a:tabLst/>
+              <a:defRPr/>
+            </a:pPr>
+            <a:r>
+              <a:rPr kumimoji="0" lang="en-AU" sz="1400" b="0" i="0" u="none" strike="noStrike" kern="0" cap="none" spc="0" normalizeH="0" baseline="0" noProof="0" dirty="0">
+                <a:ln>
+                  <a:noFill/>
+                </a:ln>
+                <a:solidFill>
+                  <a:prstClr val="black"/>
+                </a:solidFill>
+                <a:effectLst/>
+                <a:uLnTx/>
+                <a:uFillTx/>
+                <a:latin typeface="Calibri" panose="020F0502020204030204" pitchFamily="34" charset="0"/>
+                <a:ea typeface="Verdana" panose="020B0604030504040204" pitchFamily="34" charset="0"/>
+                <a:cs typeface="Calibri" panose="020F0502020204030204" pitchFamily="34" charset="0"/>
+              </a:rPr>
+              <a:t>Azure IoT Hub</a:t>
+            </a:r>
+          </a:p>
+        </p:txBody>
+      </p:sp>
+      <p:sp>
+        <p:nvSpPr>
+          <p:cNvPr id="50" name="Rectangle 49">
+            <a:extLst>
+              <a:ext uri="{FF2B5EF4-FFF2-40B4-BE49-F238E27FC236}">
+                <a16:creationId xmlns:a16="http://schemas.microsoft.com/office/drawing/2014/main" id="{CE883925-FFB7-473D-8D3B-8384F0B91A4F}"/>
+              </a:ext>
+            </a:extLst>
+          </p:cNvPr>
+          <p:cNvSpPr/>
+          <p:nvPr/>
+        </p:nvSpPr>
+        <p:spPr>
+          <a:xfrm>
+            <a:off x="6376666" y="2662695"/>
+            <a:ext cx="1295349" cy="1153356"/>
+          </a:xfrm>
+          <a:prstGeom prst="rect">
+            <a:avLst/>
+          </a:prstGeom>
+          <a:solidFill>
+            <a:srgbClr val="FFD44B"/>
+          </a:solidFill>
+          <a:ln w="12700" cap="flat" cmpd="sng" algn="ctr">
+            <a:solidFill>
+              <a:srgbClr val="4472C4">
+                <a:shade val="50000"/>
+              </a:srgbClr>
+            </a:solidFill>
+            <a:prstDash val="solid"/>
+            <a:miter lim="800000"/>
+          </a:ln>
+          <a:effectLst/>
+        </p:spPr>
+        <p:txBody>
+          <a:bodyPr rtlCol="0" anchor="t"/>
+          <a:lstStyle/>
+          <a:p>
+            <a:pPr marL="0" marR="0" lvl="0" indent="0" algn="ctr" defTabSz="914400" rtl="0" eaLnBrk="1" fontAlgn="auto" latinLnBrk="0" hangingPunct="1">
+              <a:lnSpc>
+                <a:spcPct val="100000"/>
+              </a:lnSpc>
+              <a:spcBef>
+                <a:spcPts val="0"/>
+              </a:spcBef>
+              <a:spcAft>
+                <a:spcPts val="0"/>
+              </a:spcAft>
+              <a:buClrTx/>
+              <a:buSzTx/>
+              <a:buFontTx/>
+              <a:buNone/>
+              <a:tabLst/>
+              <a:defRPr/>
+            </a:pPr>
+            <a:r>
+              <a:rPr kumimoji="0" lang="en-AU" sz="1100" b="0" i="0" u="none" strike="noStrike" kern="0" cap="none" spc="0" normalizeH="0" baseline="0" noProof="0" dirty="0">
+                <a:ln>
+                  <a:noFill/>
+                </a:ln>
+                <a:solidFill>
+                  <a:srgbClr val="000000"/>
+                </a:solidFill>
+                <a:effectLst/>
+                <a:uLnTx/>
+                <a:uFillTx/>
+                <a:latin typeface="Calibri" panose="020F0502020204030204" pitchFamily="34" charset="0"/>
+                <a:ea typeface="Verdana" panose="020B0604030504040204" pitchFamily="34" charset="0"/>
+                <a:cs typeface="Calibri" panose="020F0502020204030204" pitchFamily="34" charset="0"/>
+              </a:rPr>
+              <a:t>IoT Hub Messaging</a:t>
+            </a:r>
+          </a:p>
+        </p:txBody>
+      </p:sp>
+      <p:sp>
+        <p:nvSpPr>
+          <p:cNvPr id="51" name="Rectangle 50">
+            <a:extLst>
+              <a:ext uri="{FF2B5EF4-FFF2-40B4-BE49-F238E27FC236}">
+                <a16:creationId xmlns:a16="http://schemas.microsoft.com/office/drawing/2014/main" id="{6EA3341B-830F-4631-AE31-44217C60AB13}"/>
+              </a:ext>
+            </a:extLst>
+          </p:cNvPr>
+          <p:cNvSpPr/>
+          <p:nvPr/>
+        </p:nvSpPr>
+        <p:spPr>
+          <a:xfrm>
+            <a:off x="6359799" y="4048351"/>
+            <a:ext cx="1295349" cy="936003"/>
+          </a:xfrm>
+          <a:prstGeom prst="rect">
+            <a:avLst/>
+          </a:prstGeom>
+          <a:solidFill>
+            <a:srgbClr val="FFD44B"/>
+          </a:solidFill>
+          <a:ln w="12700" cap="flat" cmpd="sng" algn="ctr">
+            <a:solidFill>
+              <a:srgbClr val="4472C4">
+                <a:shade val="50000"/>
+              </a:srgbClr>
+            </a:solidFill>
+            <a:prstDash val="solid"/>
+            <a:miter lim="800000"/>
+          </a:ln>
+          <a:effectLst/>
+        </p:spPr>
+        <p:txBody>
+          <a:bodyPr rtlCol="0" anchor="t"/>
+          <a:lstStyle/>
+          <a:p>
+            <a:pPr marL="0" marR="0" lvl="0" indent="0" algn="ctr" defTabSz="914400" rtl="0" eaLnBrk="1" fontAlgn="auto" latinLnBrk="0" hangingPunct="1">
+              <a:lnSpc>
+                <a:spcPct val="100000"/>
+              </a:lnSpc>
+              <a:spcBef>
+                <a:spcPts val="0"/>
+              </a:spcBef>
+              <a:spcAft>
+                <a:spcPts val="0"/>
+              </a:spcAft>
+              <a:buClrTx/>
+              <a:buSzTx/>
+              <a:buFontTx/>
+              <a:buNone/>
+              <a:tabLst/>
+              <a:defRPr/>
+            </a:pPr>
+            <a:r>
+              <a:rPr kumimoji="0" lang="en-AU" sz="1100" b="0" i="0" u="none" strike="noStrike" kern="0" cap="none" spc="0" normalizeH="0" baseline="0" noProof="0" dirty="0">
+                <a:ln>
+                  <a:noFill/>
+                </a:ln>
+                <a:solidFill>
+                  <a:srgbClr val="000000"/>
+                </a:solidFill>
+                <a:effectLst/>
+                <a:uLnTx/>
+                <a:uFillTx/>
+                <a:latin typeface="Calibri" panose="020F0502020204030204" pitchFamily="34" charset="0"/>
+                <a:ea typeface="Verdana" panose="020B0604030504040204" pitchFamily="34" charset="0"/>
+                <a:cs typeface="Calibri" panose="020F0502020204030204" pitchFamily="34" charset="0"/>
+              </a:rPr>
+              <a:t>Device twin</a:t>
+            </a:r>
+          </a:p>
+          <a:p>
+            <a:pPr marL="0" marR="0" lvl="0" indent="0" algn="ctr" defTabSz="914400" rtl="0" eaLnBrk="1" fontAlgn="auto" latinLnBrk="0" hangingPunct="1">
+              <a:lnSpc>
+                <a:spcPct val="100000"/>
+              </a:lnSpc>
+              <a:spcBef>
+                <a:spcPts val="0"/>
+              </a:spcBef>
+              <a:spcAft>
+                <a:spcPts val="0"/>
+              </a:spcAft>
+              <a:buClrTx/>
+              <a:buSzTx/>
+              <a:buFontTx/>
+              <a:buNone/>
+              <a:tabLst/>
+              <a:defRPr/>
+            </a:pPr>
+            <a:r>
+              <a:rPr lang="en-AU" sz="1100" kern="0" dirty="0">
+                <a:solidFill>
+                  <a:srgbClr val="000000"/>
+                </a:solidFill>
+                <a:latin typeface="Calibri" panose="020F0502020204030204" pitchFamily="34" charset="0"/>
+                <a:ea typeface="Verdana" panose="020B0604030504040204" pitchFamily="34" charset="0"/>
+                <a:cs typeface="Calibri" panose="020F0502020204030204" pitchFamily="34" charset="0"/>
+              </a:rPr>
+              <a:t>Desired Temperature</a:t>
+            </a:r>
+            <a:endParaRPr kumimoji="0" lang="en-AU" sz="1100" b="0" i="0" u="none" strike="noStrike" kern="0" cap="none" spc="0" normalizeH="0" baseline="0" noProof="0" dirty="0">
+              <a:ln>
+                <a:noFill/>
+              </a:ln>
+              <a:solidFill>
+                <a:srgbClr val="000000"/>
+              </a:solidFill>
+              <a:effectLst/>
+              <a:uLnTx/>
+              <a:uFillTx/>
+              <a:latin typeface="Calibri" panose="020F0502020204030204" pitchFamily="34" charset="0"/>
+              <a:ea typeface="Verdana" panose="020B0604030504040204" pitchFamily="34" charset="0"/>
+              <a:cs typeface="Calibri" panose="020F0502020204030204" pitchFamily="34" charset="0"/>
+            </a:endParaRPr>
+          </a:p>
+        </p:txBody>
+      </p:sp>
+      <p:sp>
+        <p:nvSpPr>
+          <p:cNvPr id="52" name="TextBox 51">
+            <a:extLst>
+              <a:ext uri="{FF2B5EF4-FFF2-40B4-BE49-F238E27FC236}">
+                <a16:creationId xmlns:a16="http://schemas.microsoft.com/office/drawing/2014/main" id="{6CE79B01-F26D-447C-BC56-91F5DA6EBC5A}"/>
+              </a:ext>
+            </a:extLst>
+          </p:cNvPr>
+          <p:cNvSpPr txBox="1"/>
+          <p:nvPr/>
+        </p:nvSpPr>
+        <p:spPr>
+          <a:xfrm>
+            <a:off x="6555439" y="4652285"/>
+            <a:ext cx="937802" cy="261610"/>
+          </a:xfrm>
+          <a:prstGeom prst="rect">
+            <a:avLst/>
+          </a:prstGeom>
+          <a:solidFill>
+            <a:srgbClr val="5B9BD5">
+              <a:lumMod val="75000"/>
+            </a:srgbClr>
+          </a:solidFill>
+        </p:spPr>
+        <p:txBody>
+          <a:bodyPr wrap="square" rtlCol="0">
+            <a:spAutoFit/>
+          </a:bodyPr>
+          <a:lstStyle/>
+          <a:p>
+            <a:pPr marL="0" marR="0" lvl="0" indent="0" algn="ctr" defTabSz="914400" rtl="0" eaLnBrk="1" fontAlgn="auto" latinLnBrk="0" hangingPunct="1">
+              <a:lnSpc>
+                <a:spcPct val="100000"/>
+              </a:lnSpc>
+              <a:spcBef>
+                <a:spcPts val="0"/>
+              </a:spcBef>
+              <a:spcAft>
+                <a:spcPts val="0"/>
+              </a:spcAft>
+              <a:buClrTx/>
+              <a:buSzTx/>
+              <a:buFontTx/>
+              <a:buNone/>
+              <a:tabLst/>
+              <a:defRPr/>
+            </a:pPr>
+            <a:r>
+              <a:rPr kumimoji="0" lang="en-AU" sz="1100" b="0" i="0" u="none" strike="noStrike" kern="0" cap="none" spc="0" normalizeH="0" baseline="0" noProof="0" dirty="0">
+                <a:ln>
+                  <a:noFill/>
+                </a:ln>
+                <a:solidFill>
+                  <a:prstClr val="white"/>
+                </a:solidFill>
+                <a:effectLst/>
+                <a:uLnTx/>
+                <a:uFillTx/>
+                <a:latin typeface="Calibri" panose="020F0502020204030204" pitchFamily="34" charset="0"/>
+                <a:cs typeface="Calibri" panose="020F0502020204030204" pitchFamily="34" charset="0"/>
+              </a:rPr>
+              <a:t>JSON</a:t>
+            </a:r>
+          </a:p>
+        </p:txBody>
+      </p:sp>
+      <p:pic>
+        <p:nvPicPr>
+          <p:cNvPr id="66" name="Picture 65">
+            <a:extLst>
+              <a:ext uri="{FF2B5EF4-FFF2-40B4-BE49-F238E27FC236}">
+                <a16:creationId xmlns:a16="http://schemas.microsoft.com/office/drawing/2014/main" id="{F499BA48-D431-4088-8D84-5C39CF73E6BA}"/>
+              </a:ext>
+            </a:extLst>
+          </p:cNvPr>
+          <p:cNvPicPr>
+            <a:picLocks noChangeAspect="1"/>
+          </p:cNvPicPr>
+          <p:nvPr/>
+        </p:nvPicPr>
+        <p:blipFill>
+          <a:blip r:embed="rId9">
+            <a:extLst>
+              <a:ext uri="{BEBA8EAE-BF5A-486C-A8C5-ECC9F3942E4B}">
+                <a14:imgProps xmlns:a14="http://schemas.microsoft.com/office/drawing/2010/main">
+                  <a14:imgLayer r:embed="rId10">
+                    <a14:imgEffect>
+                      <a14:backgroundRemoval t="6522" b="93478" l="7500" r="92500">
+                        <a14:foregroundMark x1="41250" y1="82609" x2="41250" y2="82609"/>
+                        <a14:foregroundMark x1="42500" y1="89130" x2="41250" y2="92391"/>
+                        <a14:foregroundMark x1="32000" y1="89130" x2="40000" y2="93478"/>
+                        <a14:foregroundMark x1="30000" y1="88043" x2="32000" y2="89130"/>
+                        <a14:foregroundMark x1="82500" y1="81522" x2="86250" y2="81522"/>
+                        <a14:foregroundMark x1="78750" y1="52174" x2="80000" y2="48913"/>
+                        <a14:foregroundMark x1="92500" y1="21739" x2="92500" y2="18478"/>
+                        <a14:foregroundMark x1="57500" y1="7609" x2="8750" y2="42391"/>
+                        <a14:foregroundMark x1="8750" y1="42391" x2="7500" y2="66304"/>
+                        <a14:foregroundMark x1="7500" y1="7609" x2="56250" y2="6522"/>
+                        <a14:foregroundMark x1="82082" y1="86957" x2="78750" y2="89130"/>
+                        <a14:foregroundMark x1="83749" y1="85870" x2="82082" y2="86957"/>
+                        <a14:foregroundMark x1="88750" y1="82609" x2="86142" y2="84310"/>
+                        <a14:foregroundMark x1="88751" y1="89130" x2="92500" y2="86957"/>
+                        <a14:foregroundMark x1="86876" y1="90217" x2="88751" y2="89130"/>
+                        <a14:foregroundMark x1="81250" y1="93478" x2="86876" y2="90217"/>
+                        <a14:foregroundMark x1="88750" y1="91304" x2="88750" y2="91304"/>
+                        <a14:foregroundMark x1="90000" y1="90217" x2="88750" y2="92391"/>
+                        <a14:backgroundMark x1="37500" y1="88043" x2="37500" y2="88043"/>
+                        <a14:backgroundMark x1="36250" y1="89130" x2="36250" y2="89130"/>
+                        <a14:backgroundMark x1="33750" y1="89130" x2="33750" y2="89130"/>
+                        <a14:backgroundMark x1="85000" y1="86957" x2="85000" y2="86957"/>
+                        <a14:backgroundMark x1="86250" y1="85870" x2="86250" y2="85870"/>
+                        <a14:backgroundMark x1="85000" y1="85870" x2="86250" y2="86957"/>
+                        <a14:backgroundMark x1="83750" y1="86957" x2="83750" y2="86957"/>
+                        <a14:backgroundMark x1="83750" y1="85870" x2="85000" y2="85870"/>
+                        <a14:backgroundMark x1="85000" y1="84783" x2="85000" y2="84783"/>
+                        <a14:backgroundMark x1="82500" y1="86957" x2="82500" y2="86957"/>
+                        <a14:backgroundMark x1="86250" y1="89130" x2="86250" y2="89130"/>
+                        <a14:backgroundMark x1="85000" y1="90217" x2="85000" y2="90217"/>
+                      </a14:backgroundRemoval>
+                    </a14:imgEffect>
+                  </a14:imgLayer>
+                </a14:imgProps>
+              </a:ext>
+            </a:extLst>
+          </a:blip>
+          <a:stretch>
+            <a:fillRect/>
+          </a:stretch>
+        </p:blipFill>
+        <p:spPr>
+          <a:xfrm>
+            <a:off x="6616991" y="546231"/>
+            <a:ext cx="761908" cy="876194"/>
+          </a:xfrm>
+          <a:prstGeom prst="rect">
+            <a:avLst/>
+          </a:prstGeom>
+          <a:effectLst>
+            <a:outerShdw blurRad="50800" dist="38100" dir="2700000" algn="tl" rotWithShape="0">
+              <a:prstClr val="black">
+                <a:alpha val="40000"/>
+              </a:prstClr>
+            </a:outerShdw>
+          </a:effectLst>
+        </p:spPr>
+      </p:pic>
+      <p:sp>
+        <p:nvSpPr>
+          <p:cNvPr id="67" name="Rectangle 66">
+            <a:extLst>
+              <a:ext uri="{FF2B5EF4-FFF2-40B4-BE49-F238E27FC236}">
+                <a16:creationId xmlns:a16="http://schemas.microsoft.com/office/drawing/2014/main" id="{43BDE44E-03F2-4F75-BA76-37C97A2B3BF8}"/>
+              </a:ext>
+            </a:extLst>
+          </p:cNvPr>
+          <p:cNvSpPr/>
+          <p:nvPr/>
+        </p:nvSpPr>
+        <p:spPr>
+          <a:xfrm>
+            <a:off x="8397495" y="1643136"/>
+            <a:ext cx="3710725" cy="3727062"/>
+          </a:xfrm>
+          <a:prstGeom prst="rect">
+            <a:avLst/>
+          </a:prstGeom>
+          <a:solidFill>
+            <a:schemeClr val="accent1">
+              <a:lumMod val="20000"/>
+              <a:lumOff val="80000"/>
+            </a:schemeClr>
+          </a:solidFill>
+          <a:ln w="12700" cap="flat" cmpd="sng" algn="ctr">
+            <a:solidFill>
+              <a:srgbClr val="4472C4">
+                <a:shade val="50000"/>
+              </a:srgbClr>
+            </a:solidFill>
+            <a:prstDash val="solid"/>
+            <a:miter lim="800000"/>
+          </a:ln>
+          <a:effectLst/>
+        </p:spPr>
+        <p:txBody>
+          <a:bodyPr rtlCol="0" anchor="t"/>
+          <a:lstStyle/>
+          <a:p>
+            <a:pPr marL="0" marR="0" lvl="0" indent="0" algn="ctr" defTabSz="914400" rtl="0" eaLnBrk="1" fontAlgn="auto" latinLnBrk="0" hangingPunct="1">
+              <a:lnSpc>
+                <a:spcPct val="100000"/>
+              </a:lnSpc>
+              <a:spcBef>
+                <a:spcPts val="0"/>
+              </a:spcBef>
+              <a:spcAft>
+                <a:spcPts val="0"/>
+              </a:spcAft>
+              <a:buClrTx/>
+              <a:buSzTx/>
+              <a:buFontTx/>
+              <a:buNone/>
+              <a:tabLst/>
+              <a:defRPr/>
+            </a:pPr>
+            <a:r>
+              <a:rPr kumimoji="0" lang="en-AU" sz="1400" b="0" i="0" u="none" strike="noStrike" kern="0" cap="none" spc="0" normalizeH="0" baseline="0" noProof="0" dirty="0">
+                <a:ln>
+                  <a:noFill/>
+                </a:ln>
+                <a:solidFill>
+                  <a:prstClr val="black"/>
+                </a:solidFill>
+                <a:effectLst/>
+                <a:uLnTx/>
+                <a:uFillTx/>
+                <a:latin typeface="Calibri" panose="020F0502020204030204" pitchFamily="34" charset="0"/>
+                <a:ea typeface="Verdana" panose="020B0604030504040204" pitchFamily="34" charset="0"/>
+                <a:cs typeface="Calibri" panose="020F0502020204030204" pitchFamily="34" charset="0"/>
+              </a:rPr>
+              <a:t>Azure Sphere</a:t>
+            </a:r>
+          </a:p>
+        </p:txBody>
+      </p:sp>
+      <p:sp>
+        <p:nvSpPr>
+          <p:cNvPr id="77" name="Rectangle 76">
+            <a:extLst>
+              <a:ext uri="{FF2B5EF4-FFF2-40B4-BE49-F238E27FC236}">
+                <a16:creationId xmlns:a16="http://schemas.microsoft.com/office/drawing/2014/main" id="{7B0B4C19-B6B5-4C6F-8FE0-62F902B7ECFD}"/>
+              </a:ext>
+            </a:extLst>
+          </p:cNvPr>
+          <p:cNvSpPr/>
+          <p:nvPr/>
+        </p:nvSpPr>
+        <p:spPr bwMode="auto">
+          <a:xfrm>
+            <a:off x="8470146" y="1915209"/>
+            <a:ext cx="1227854" cy="3383290"/>
+          </a:xfrm>
+          <a:prstGeom prst="rect">
+            <a:avLst/>
+          </a:prstGeom>
+          <a:solidFill>
+            <a:srgbClr val="008AF2"/>
+          </a:solidFill>
+          <a:ln>
+            <a:noFill/>
+            <a:headEnd type="none" w="med" len="med"/>
+            <a:tailEnd type="none" w="med" len="med"/>
+          </a:ln>
+          <a:effectLst/>
+        </p:spPr>
+        <p:style>
+          <a:lnRef idx="1">
+            <a:schemeClr val="accent2"/>
+          </a:lnRef>
+          <a:fillRef idx="3">
+            <a:schemeClr val="accent2"/>
+          </a:fillRef>
+          <a:effectRef idx="2">
+            <a:schemeClr val="accent2"/>
+          </a:effectRef>
+          <a:fontRef idx="minor">
+            <a:schemeClr val="lt1"/>
+          </a:fontRef>
+        </p:style>
+        <p:txBody>
+          <a:bodyPr rot="0" spcFirstLastPara="0" vertOverflow="overflow" horzOverflow="overflow" vert="horz" wrap="square" lIns="182880" tIns="146304" rIns="182880" bIns="146304" numCol="1" spcCol="0" rtlCol="0" fromWordArt="0" anchor="t" anchorCtr="0" forceAA="0" compatLnSpc="1">
+            <a:prstTxWarp prst="textNoShape">
+              <a:avLst/>
+            </a:prstTxWarp>
+            <a:noAutofit/>
+          </a:bodyPr>
+          <a:lstStyle/>
+          <a:p>
+            <a:pPr algn="ctr" defTabSz="932472" fontAlgn="base">
+              <a:spcBef>
+                <a:spcPct val="0"/>
+              </a:spcBef>
+              <a:spcAft>
+                <a:spcPct val="0"/>
+              </a:spcAft>
+            </a:pPr>
+            <a:r>
+              <a:rPr lang="en-AU" sz="1600" dirty="0">
+                <a:solidFill>
+                  <a:schemeClr val="bg1"/>
+                </a:solidFill>
+                <a:latin typeface="Calibri" panose="020F0502020204030204" pitchFamily="34" charset="0"/>
+                <a:ea typeface="Segoe UI" pitchFamily="34" charset="0"/>
+                <a:cs typeface="Calibri" panose="020F0502020204030204" pitchFamily="34" charset="0"/>
+              </a:rPr>
+              <a:t>Cortex A7 High-level</a:t>
+            </a:r>
+          </a:p>
+        </p:txBody>
+      </p:sp>
+      <p:pic>
+        <p:nvPicPr>
+          <p:cNvPr id="78" name="Picture 77">
+            <a:extLst>
+              <a:ext uri="{FF2B5EF4-FFF2-40B4-BE49-F238E27FC236}">
+                <a16:creationId xmlns:a16="http://schemas.microsoft.com/office/drawing/2014/main" id="{9C7EB782-DF61-42EC-A58C-2CF92DE9F55C}"/>
+              </a:ext>
+            </a:extLst>
+          </p:cNvPr>
+          <p:cNvPicPr>
+            <a:picLocks noChangeAspect="1" noChangeArrowheads="1"/>
+          </p:cNvPicPr>
+          <p:nvPr/>
+        </p:nvPicPr>
+        <p:blipFill>
+          <a:blip r:embed="rId11" cstate="print">
+            <a:extLst>
+              <a:ext uri="{28A0092B-C50C-407E-A947-70E740481C1C}">
+                <a14:useLocalDpi xmlns:a14="http://schemas.microsoft.com/office/drawing/2010/main" val="0"/>
+              </a:ext>
+            </a:extLst>
+          </a:blip>
+          <a:srcRect/>
+          <a:stretch>
+            <a:fillRect/>
+          </a:stretch>
+        </p:blipFill>
+        <p:spPr bwMode="auto">
+          <a:xfrm>
+            <a:off x="9357125" y="526311"/>
+            <a:ext cx="1641805" cy="916033"/>
+          </a:xfrm>
+          <a:prstGeom prst="rect">
+            <a:avLst/>
+          </a:prstGeom>
+          <a:noFill/>
+          <a:extLst>
+            <a:ext uri="{909E8E84-426E-40DD-AFC4-6F175D3DCCD1}">
+              <a14:hiddenFill xmlns:a14="http://schemas.microsoft.com/office/drawing/2010/main">
+                <a:solidFill>
+                  <a:srgbClr val="FFFFFF"/>
+                </a:solidFill>
+              </a14:hiddenFill>
+            </a:ext>
+          </a:extLst>
+        </p:spPr>
+      </p:pic>
+      <p:sp>
+        <p:nvSpPr>
+          <p:cNvPr id="79" name="Rectangle 78">
+            <a:extLst>
+              <a:ext uri="{FF2B5EF4-FFF2-40B4-BE49-F238E27FC236}">
+                <a16:creationId xmlns:a16="http://schemas.microsoft.com/office/drawing/2014/main" id="{25711B0C-140A-4F2B-BC9F-FE3458BE98EF}"/>
+              </a:ext>
+            </a:extLst>
+          </p:cNvPr>
+          <p:cNvSpPr/>
+          <p:nvPr/>
+        </p:nvSpPr>
+        <p:spPr>
+          <a:xfrm>
+            <a:off x="4026174" y="1643136"/>
+            <a:ext cx="1584817" cy="3727062"/>
+          </a:xfrm>
+          <a:prstGeom prst="rect">
+            <a:avLst/>
+          </a:prstGeom>
+          <a:solidFill>
+            <a:schemeClr val="accent1">
+              <a:lumMod val="60000"/>
+              <a:lumOff val="40000"/>
+            </a:schemeClr>
+          </a:solidFill>
+          <a:ln w="12700" cap="flat" cmpd="sng" algn="ctr">
+            <a:solidFill>
+              <a:srgbClr val="4472C4">
+                <a:shade val="50000"/>
+              </a:srgbClr>
+            </a:solidFill>
+            <a:prstDash val="solid"/>
+            <a:miter lim="800000"/>
+          </a:ln>
+          <a:effectLst/>
+        </p:spPr>
+        <p:txBody>
+          <a:bodyPr rtlCol="0" anchor="t"/>
+          <a:lstStyle/>
+          <a:p>
+            <a:pPr marL="0" marR="0" lvl="0" indent="0" algn="ctr" defTabSz="914400" rtl="0" eaLnBrk="1" fontAlgn="auto" latinLnBrk="0" hangingPunct="1">
+              <a:lnSpc>
+                <a:spcPct val="100000"/>
+              </a:lnSpc>
+              <a:spcBef>
+                <a:spcPts val="0"/>
+              </a:spcBef>
+              <a:spcAft>
+                <a:spcPts val="0"/>
+              </a:spcAft>
+              <a:buClrTx/>
+              <a:buSzTx/>
+              <a:buFontTx/>
+              <a:buNone/>
+              <a:tabLst/>
+              <a:defRPr/>
+            </a:pPr>
+            <a:r>
+              <a:rPr kumimoji="0" lang="en-AU" sz="1400" b="0" i="0" u="none" strike="noStrike" kern="0" cap="none" spc="0" normalizeH="0" baseline="0" noProof="0" dirty="0">
+                <a:ln>
+                  <a:noFill/>
+                </a:ln>
+                <a:solidFill>
+                  <a:prstClr val="black"/>
+                </a:solidFill>
+                <a:effectLst/>
+                <a:uLnTx/>
+                <a:uFillTx/>
+                <a:latin typeface="Calibri" panose="020F0502020204030204" pitchFamily="34" charset="0"/>
+                <a:ea typeface="Verdana" panose="020B0604030504040204" pitchFamily="34" charset="0"/>
+                <a:cs typeface="Calibri" panose="020F0502020204030204" pitchFamily="34" charset="0"/>
+              </a:rPr>
+              <a:t>Azure IoT Central</a:t>
+            </a:r>
+          </a:p>
+        </p:txBody>
+      </p:sp>
+      <p:sp>
+        <p:nvSpPr>
+          <p:cNvPr id="80" name="Rectangle 79">
+            <a:extLst>
+              <a:ext uri="{FF2B5EF4-FFF2-40B4-BE49-F238E27FC236}">
+                <a16:creationId xmlns:a16="http://schemas.microsoft.com/office/drawing/2014/main" id="{5C1BDD13-7B31-4850-978A-FBEB6DF4672B}"/>
+              </a:ext>
+            </a:extLst>
+          </p:cNvPr>
+          <p:cNvSpPr/>
+          <p:nvPr/>
+        </p:nvSpPr>
+        <p:spPr>
+          <a:xfrm>
+            <a:off x="4197258" y="2313311"/>
+            <a:ext cx="1242647" cy="2600584"/>
+          </a:xfrm>
+          <a:prstGeom prst="rect">
+            <a:avLst/>
+          </a:prstGeom>
+          <a:solidFill>
+            <a:srgbClr val="FFD44B"/>
+          </a:solidFill>
+          <a:ln w="12700" cap="flat" cmpd="sng" algn="ctr">
+            <a:solidFill>
+              <a:srgbClr val="4472C4">
+                <a:shade val="50000"/>
+              </a:srgbClr>
+            </a:solidFill>
+            <a:prstDash val="solid"/>
+            <a:miter lim="800000"/>
+          </a:ln>
+          <a:effectLst/>
+        </p:spPr>
+        <p:txBody>
+          <a:bodyPr rtlCol="0" anchor="ctr"/>
+          <a:lstStyle/>
+          <a:p>
+            <a:pPr marL="0" marR="0" lvl="0" indent="0" algn="ctr" defTabSz="914400" rtl="0" eaLnBrk="1" fontAlgn="auto" latinLnBrk="0" hangingPunct="1">
+              <a:lnSpc>
+                <a:spcPct val="100000"/>
+              </a:lnSpc>
+              <a:spcBef>
+                <a:spcPts val="0"/>
+              </a:spcBef>
+              <a:spcAft>
+                <a:spcPts val="0"/>
+              </a:spcAft>
+              <a:buClrTx/>
+              <a:buSzTx/>
+              <a:buFontTx/>
+              <a:buNone/>
+              <a:tabLst/>
+              <a:defRPr/>
+            </a:pPr>
+            <a:endParaRPr kumimoji="0" lang="en-AU" sz="1100" b="0" i="0" u="none" strike="noStrike" kern="0" cap="none" spc="0" normalizeH="0" baseline="0" noProof="0" dirty="0">
+              <a:ln>
+                <a:noFill/>
+              </a:ln>
+              <a:solidFill>
+                <a:prstClr val="black"/>
+              </a:solidFill>
+              <a:effectLst/>
+              <a:uLnTx/>
+              <a:uFillTx/>
+              <a:latin typeface="Calibri" panose="020F0502020204030204" pitchFamily="34" charset="0"/>
+              <a:ea typeface="Verdana" panose="020B0604030504040204" pitchFamily="34" charset="0"/>
+              <a:cs typeface="Calibri" panose="020F0502020204030204" pitchFamily="34" charset="0"/>
+            </a:endParaRPr>
+          </a:p>
+        </p:txBody>
+      </p:sp>
+      <p:pic>
+        <p:nvPicPr>
+          <p:cNvPr id="81" name="Picture 2" descr="See the source image">
+            <a:extLst>
+              <a:ext uri="{FF2B5EF4-FFF2-40B4-BE49-F238E27FC236}">
+                <a16:creationId xmlns:a16="http://schemas.microsoft.com/office/drawing/2014/main" id="{B6152EC1-E7B0-44A7-B863-C6F3A9BC46E6}"/>
+              </a:ext>
+            </a:extLst>
+          </p:cNvPr>
+          <p:cNvPicPr>
+            <a:picLocks noChangeAspect="1" noChangeArrowheads="1"/>
+          </p:cNvPicPr>
+          <p:nvPr/>
+        </p:nvPicPr>
+        <p:blipFill>
+          <a:blip r:embed="rId12" cstate="print">
+            <a:extLst>
+              <a:ext uri="{BEBA8EAE-BF5A-486C-A8C5-ECC9F3942E4B}">
+                <a14:imgProps xmlns:a14="http://schemas.microsoft.com/office/drawing/2010/main">
+                  <a14:imgLayer r:embed="rId13">
+                    <a14:imgEffect>
+                      <a14:backgroundRemoval t="3125" b="96307" l="3797" r="94304">
+                        <a14:foregroundMark x1="28797" y1="16761" x2="28797" y2="16761"/>
+                        <a14:foregroundMark x1="6646" y1="35227" x2="6646" y2="35227"/>
+                        <a14:foregroundMark x1="51266" y1="4545" x2="51266" y2="4545"/>
+                        <a14:foregroundMark x1="94620" y1="41761" x2="94620" y2="41761"/>
+                        <a14:foregroundMark x1="48418" y1="96307" x2="48418" y2="96307"/>
+                        <a14:foregroundMark x1="4747" y1="70170" x2="4747" y2="70170"/>
+                        <a14:foregroundMark x1="4114" y1="34091" x2="4114" y2="34091"/>
+                        <a14:foregroundMark x1="3797" y1="68182" x2="3797" y2="68182"/>
+                        <a14:foregroundMark x1="53797" y1="49432" x2="53797" y2="49432"/>
+                      </a14:backgroundRemoval>
+                    </a14:imgEffect>
+                  </a14:imgLayer>
+                </a14:imgProps>
+              </a:ext>
+              <a:ext uri="{28A0092B-C50C-407E-A947-70E740481C1C}">
+                <a14:useLocalDpi xmlns:a14="http://schemas.microsoft.com/office/drawing/2010/main" val="0"/>
+              </a:ext>
+            </a:extLst>
+          </a:blip>
+          <a:srcRect/>
+          <a:stretch>
+            <a:fillRect/>
+          </a:stretch>
+        </p:blipFill>
+        <p:spPr bwMode="auto">
+          <a:xfrm>
+            <a:off x="4399598" y="517613"/>
+            <a:ext cx="837966" cy="933430"/>
+          </a:xfrm>
+          <a:prstGeom prst="rect">
+            <a:avLst/>
+          </a:prstGeom>
+          <a:noFill/>
+          <a:effectLst>
+            <a:outerShdw blurRad="50800" dist="38100" dir="2700000" algn="tl" rotWithShape="0">
+              <a:prstClr val="black">
+                <a:alpha val="40000"/>
+              </a:prstClr>
+            </a:outerShdw>
+          </a:effectLst>
+          <a:extLst>
+            <a:ext uri="{909E8E84-426E-40DD-AFC4-6F175D3DCCD1}">
+              <a14:hiddenFill xmlns:a14="http://schemas.microsoft.com/office/drawing/2010/main">
+                <a:solidFill>
+                  <a:srgbClr val="FFFFFF"/>
+                </a:solidFill>
+              </a14:hiddenFill>
+            </a:ext>
+          </a:extLst>
+        </p:spPr>
+      </p:pic>
+      <p:sp>
+        <p:nvSpPr>
+          <p:cNvPr id="82" name="Oval 81">
+            <a:extLst>
+              <a:ext uri="{FF2B5EF4-FFF2-40B4-BE49-F238E27FC236}">
+                <a16:creationId xmlns:a16="http://schemas.microsoft.com/office/drawing/2014/main" id="{A1D9B4C9-1348-4409-99BF-90F77BAD744C}"/>
+              </a:ext>
+            </a:extLst>
+          </p:cNvPr>
+          <p:cNvSpPr/>
+          <p:nvPr/>
+        </p:nvSpPr>
+        <p:spPr>
+          <a:xfrm>
+            <a:off x="5300317" y="4783090"/>
+            <a:ext cx="256674" cy="248652"/>
+          </a:xfrm>
+          <a:prstGeom prst="ellipse">
+            <a:avLst/>
+          </a:prstGeom>
+          <a:solidFill>
+            <a:srgbClr val="5B9BD5">
+              <a:lumMod val="75000"/>
+            </a:srgbClr>
+          </a:solidFill>
+          <a:ln w="12700" cap="flat" cmpd="sng" algn="ctr">
+            <a:solidFill>
+              <a:srgbClr val="4472C4">
+                <a:shade val="50000"/>
+              </a:srgbClr>
+            </a:solidFill>
+            <a:prstDash val="solid"/>
+            <a:miter lim="800000"/>
+          </a:ln>
+          <a:effectLst/>
+        </p:spPr>
+        <p:txBody>
+          <a:bodyPr rtlCol="0" anchor="ctr"/>
+          <a:lstStyle/>
+          <a:p>
+            <a:pPr marL="0" marR="0" lvl="0" indent="0" algn="ctr" defTabSz="914400" rtl="0" eaLnBrk="1" fontAlgn="auto" latinLnBrk="0" hangingPunct="1">
+              <a:lnSpc>
+                <a:spcPct val="100000"/>
+              </a:lnSpc>
+              <a:spcBef>
+                <a:spcPts val="0"/>
+              </a:spcBef>
+              <a:spcAft>
+                <a:spcPts val="0"/>
+              </a:spcAft>
+              <a:buClrTx/>
+              <a:buSzTx/>
+              <a:buFontTx/>
+              <a:buNone/>
+              <a:tabLst/>
+              <a:defRPr/>
+            </a:pPr>
+            <a:r>
+              <a:rPr kumimoji="0" lang="en-AU" sz="1100" b="0" i="0" u="none" strike="noStrike" kern="0" cap="none" spc="0" normalizeH="0" baseline="0" noProof="0">
+                <a:ln>
+                  <a:noFill/>
+                </a:ln>
+                <a:solidFill>
+                  <a:prstClr val="white"/>
+                </a:solidFill>
+                <a:effectLst/>
+                <a:uLnTx/>
+                <a:uFillTx/>
+                <a:latin typeface="Calibri" panose="020F0502020204030204" pitchFamily="34" charset="0"/>
+                <a:ea typeface="Verdana" panose="020B0604030504040204" pitchFamily="34" charset="0"/>
+                <a:cs typeface="Calibri" panose="020F0502020204030204" pitchFamily="34" charset="0"/>
+              </a:rPr>
+              <a:t>6</a:t>
+            </a:r>
+          </a:p>
+        </p:txBody>
+      </p:sp>
+      <p:cxnSp>
+        <p:nvCxnSpPr>
+          <p:cNvPr id="83" name="Straight Arrow Connector 82">
+            <a:extLst>
+              <a:ext uri="{FF2B5EF4-FFF2-40B4-BE49-F238E27FC236}">
+                <a16:creationId xmlns:a16="http://schemas.microsoft.com/office/drawing/2014/main" id="{A4CB47DE-926C-41D7-9219-CB85C54992B5}"/>
+              </a:ext>
+            </a:extLst>
+          </p:cNvPr>
+          <p:cNvCxnSpPr>
+            <a:cxnSpLocks/>
+          </p:cNvCxnSpPr>
+          <p:nvPr/>
+        </p:nvCxnSpPr>
+        <p:spPr>
+          <a:xfrm flipH="1">
+            <a:off x="5447208" y="3032938"/>
+            <a:ext cx="929458" cy="0"/>
+          </a:xfrm>
+          <a:prstGeom prst="straightConnector1">
+            <a:avLst/>
+          </a:prstGeom>
+          <a:noFill/>
+          <a:ln w="38100" cap="flat" cmpd="sng" algn="ctr">
+            <a:solidFill>
+              <a:srgbClr val="4472C4"/>
+            </a:solidFill>
+            <a:prstDash val="solid"/>
+            <a:miter lim="800000"/>
+            <a:headEnd type="triangle" w="med" len="med"/>
+            <a:tailEnd type="triangle" w="med" len="med"/>
+          </a:ln>
+          <a:effectLst/>
+        </p:spPr>
+      </p:cxnSp>
+      <p:cxnSp>
+        <p:nvCxnSpPr>
+          <p:cNvPr id="84" name="Straight Arrow Connector 83">
+            <a:extLst>
+              <a:ext uri="{FF2B5EF4-FFF2-40B4-BE49-F238E27FC236}">
+                <a16:creationId xmlns:a16="http://schemas.microsoft.com/office/drawing/2014/main" id="{E8F753E2-0226-4A87-A1A7-7A156E20526B}"/>
+              </a:ext>
+            </a:extLst>
+          </p:cNvPr>
+          <p:cNvCxnSpPr>
+            <a:cxnSpLocks/>
+            <a:endCxn id="51" idx="1"/>
+          </p:cNvCxnSpPr>
+          <p:nvPr/>
+        </p:nvCxnSpPr>
+        <p:spPr>
+          <a:xfrm>
+            <a:off x="5439905" y="4516353"/>
+            <a:ext cx="919894" cy="0"/>
+          </a:xfrm>
+          <a:prstGeom prst="straightConnector1">
+            <a:avLst/>
+          </a:prstGeom>
+          <a:noFill/>
+          <a:ln w="38100" cap="flat" cmpd="sng" algn="ctr">
+            <a:solidFill>
+              <a:srgbClr val="4472C4"/>
+            </a:solidFill>
+            <a:prstDash val="solid"/>
+            <a:miter lim="800000"/>
+            <a:headEnd type="triangle" w="med" len="med"/>
+            <a:tailEnd type="triangle" w="med" len="med"/>
+          </a:ln>
+          <a:effectLst/>
+        </p:spPr>
+      </p:cxnSp>
+      <p:sp>
+        <p:nvSpPr>
+          <p:cNvPr id="85" name="Rectangle 84">
+            <a:extLst>
+              <a:ext uri="{FF2B5EF4-FFF2-40B4-BE49-F238E27FC236}">
+                <a16:creationId xmlns:a16="http://schemas.microsoft.com/office/drawing/2014/main" id="{37126F2D-3ACA-4DBA-B583-93CA11A7D35A}"/>
+              </a:ext>
+            </a:extLst>
+          </p:cNvPr>
+          <p:cNvSpPr/>
+          <p:nvPr/>
+        </p:nvSpPr>
+        <p:spPr bwMode="auto">
+          <a:xfrm>
+            <a:off x="10677021" y="1915209"/>
+            <a:ext cx="1349797" cy="3383290"/>
+          </a:xfrm>
+          <a:prstGeom prst="rect">
+            <a:avLst/>
+          </a:prstGeom>
+          <a:solidFill>
+            <a:srgbClr val="C00000"/>
+          </a:solidFill>
+          <a:ln>
+            <a:noFill/>
+            <a:headEnd type="none" w="med" len="med"/>
+            <a:tailEnd type="none" w="med" len="med"/>
+          </a:ln>
+          <a:effectLst/>
+        </p:spPr>
+        <p:style>
+          <a:lnRef idx="1">
+            <a:schemeClr val="accent2"/>
+          </a:lnRef>
+          <a:fillRef idx="3">
+            <a:schemeClr val="accent2"/>
+          </a:fillRef>
+          <a:effectRef idx="2">
+            <a:schemeClr val="accent2"/>
+          </a:effectRef>
+          <a:fontRef idx="minor">
+            <a:schemeClr val="lt1"/>
+          </a:fontRef>
+        </p:style>
+        <p:txBody>
+          <a:bodyPr rot="0" spcFirstLastPara="0" vertOverflow="overflow" horzOverflow="overflow" vert="horz" wrap="square" lIns="182880" tIns="146304" rIns="182880" bIns="146304" numCol="1" spcCol="0" rtlCol="0" fromWordArt="0" anchor="t" anchorCtr="0" forceAA="0" compatLnSpc="1">
+            <a:prstTxWarp prst="textNoShape">
+              <a:avLst/>
+            </a:prstTxWarp>
+            <a:noAutofit/>
+          </a:bodyPr>
+          <a:lstStyle/>
+          <a:p>
+            <a:pPr algn="ctr" defTabSz="932472" fontAlgn="base">
+              <a:spcBef>
+                <a:spcPct val="0"/>
+              </a:spcBef>
+              <a:spcAft>
+                <a:spcPct val="0"/>
+              </a:spcAft>
+            </a:pPr>
+            <a:r>
+              <a:rPr lang="en-AU" sz="1600" dirty="0">
+                <a:solidFill>
+                  <a:schemeClr val="bg1"/>
+                </a:solidFill>
+                <a:latin typeface="Calibri" panose="020F0502020204030204" pitchFamily="34" charset="0"/>
+                <a:ea typeface="Segoe UI" pitchFamily="34" charset="0"/>
+                <a:cs typeface="Calibri" panose="020F0502020204030204" pitchFamily="34" charset="0"/>
+              </a:rPr>
+              <a:t>Cortex M4 Real-time</a:t>
+            </a:r>
+          </a:p>
+        </p:txBody>
+      </p:sp>
+      <p:sp>
+        <p:nvSpPr>
+          <p:cNvPr id="86" name="Rectangle 85">
+            <a:extLst>
+              <a:ext uri="{FF2B5EF4-FFF2-40B4-BE49-F238E27FC236}">
+                <a16:creationId xmlns:a16="http://schemas.microsoft.com/office/drawing/2014/main" id="{758263E7-C5DE-46A2-A715-39B33E9ED350}"/>
+              </a:ext>
+            </a:extLst>
+          </p:cNvPr>
+          <p:cNvSpPr/>
+          <p:nvPr/>
+        </p:nvSpPr>
+        <p:spPr>
+          <a:xfrm>
+            <a:off x="8566619" y="2752564"/>
+            <a:ext cx="1018773" cy="978613"/>
+          </a:xfrm>
+          <a:prstGeom prst="rect">
+            <a:avLst/>
+          </a:prstGeom>
+          <a:solidFill>
+            <a:srgbClr val="FFD44B"/>
+          </a:solidFill>
+          <a:ln w="12700" cap="flat" cmpd="sng" algn="ctr">
+            <a:solidFill>
+              <a:srgbClr val="4472C4">
+                <a:shade val="50000"/>
+              </a:srgbClr>
+            </a:solidFill>
+            <a:prstDash val="solid"/>
+            <a:miter lim="800000"/>
+          </a:ln>
+          <a:effectLst/>
+        </p:spPr>
+        <p:txBody>
+          <a:bodyPr rtlCol="0" anchor="ctr"/>
+          <a:lstStyle/>
+          <a:p>
+            <a:pPr marL="0" marR="0" lvl="0" indent="0" algn="ctr" defTabSz="914400" rtl="0" eaLnBrk="1" fontAlgn="auto" latinLnBrk="0" hangingPunct="1">
+              <a:lnSpc>
+                <a:spcPct val="100000"/>
+              </a:lnSpc>
+              <a:spcBef>
+                <a:spcPts val="0"/>
+              </a:spcBef>
+              <a:spcAft>
+                <a:spcPts val="0"/>
+              </a:spcAft>
+              <a:buClrTx/>
+              <a:buSzTx/>
+              <a:buFontTx/>
+              <a:buNone/>
+              <a:tabLst/>
+              <a:defRPr/>
+            </a:pPr>
+            <a:r>
+              <a:rPr kumimoji="0" lang="en-AU" sz="1200" b="0" i="0" u="none" strike="noStrike" kern="0" cap="none" spc="0" normalizeH="0" baseline="0" noProof="0" dirty="0">
+                <a:ln>
+                  <a:noFill/>
+                </a:ln>
+                <a:solidFill>
+                  <a:srgbClr val="000000"/>
+                </a:solidFill>
+                <a:effectLst/>
+                <a:uLnTx/>
+                <a:uFillTx/>
+                <a:latin typeface="Calibri" panose="020F0502020204030204" pitchFamily="34" charset="0"/>
+                <a:ea typeface="Verdana" panose="020B0604030504040204" pitchFamily="34" charset="0"/>
+                <a:cs typeface="Calibri" panose="020F0502020204030204" pitchFamily="34" charset="0"/>
+              </a:rPr>
+              <a:t>Telemetry streaming</a:t>
+            </a:r>
+          </a:p>
+        </p:txBody>
+      </p:sp>
+      <p:sp>
+        <p:nvSpPr>
+          <p:cNvPr id="87" name="Rectangle 86">
+            <a:extLst>
+              <a:ext uri="{FF2B5EF4-FFF2-40B4-BE49-F238E27FC236}">
+                <a16:creationId xmlns:a16="http://schemas.microsoft.com/office/drawing/2014/main" id="{E93DB86A-AEDE-4145-962B-F9E332A76A0F}"/>
+              </a:ext>
+            </a:extLst>
+          </p:cNvPr>
+          <p:cNvSpPr/>
+          <p:nvPr/>
+        </p:nvSpPr>
+        <p:spPr>
+          <a:xfrm>
+            <a:off x="10846083" y="2752564"/>
+            <a:ext cx="1025045" cy="978613"/>
+          </a:xfrm>
+          <a:prstGeom prst="rect">
+            <a:avLst/>
+          </a:prstGeom>
+          <a:solidFill>
+            <a:srgbClr val="FFD44B"/>
+          </a:solidFill>
+          <a:ln w="12700" cap="flat" cmpd="sng" algn="ctr">
+            <a:solidFill>
+              <a:srgbClr val="4472C4">
+                <a:shade val="50000"/>
+              </a:srgbClr>
+            </a:solidFill>
+            <a:prstDash val="solid"/>
+            <a:miter lim="800000"/>
+          </a:ln>
+          <a:effectLst/>
+        </p:spPr>
+        <p:txBody>
+          <a:bodyPr rtlCol="0" anchor="ctr"/>
+          <a:lstStyle/>
+          <a:p>
+            <a:pPr algn="ctr">
+              <a:defRPr/>
+            </a:pPr>
+            <a:r>
+              <a:rPr kumimoji="0" lang="en-AU" sz="1200" b="0" i="0" u="none" strike="noStrike" kern="1200" cap="none" spc="0" normalizeH="0" baseline="0" noProof="0" dirty="0">
+                <a:ln>
+                  <a:noFill/>
+                </a:ln>
+                <a:effectLst/>
+                <a:uLnTx/>
+                <a:uFillTx/>
+                <a:latin typeface="Calibri" panose="020F0502020204030204" pitchFamily="34" charset="0"/>
+                <a:cs typeface="Calibri" panose="020F0502020204030204" pitchFamily="34" charset="0"/>
+              </a:rPr>
+              <a:t>Environment service thread</a:t>
+            </a:r>
+          </a:p>
+        </p:txBody>
+      </p:sp>
+      <p:sp>
+        <p:nvSpPr>
+          <p:cNvPr id="88" name="Rectangle 87">
+            <a:extLst>
+              <a:ext uri="{FF2B5EF4-FFF2-40B4-BE49-F238E27FC236}">
+                <a16:creationId xmlns:a16="http://schemas.microsoft.com/office/drawing/2014/main" id="{AD863552-8E8A-47EF-B1F8-C236B9F8C070}"/>
+              </a:ext>
+            </a:extLst>
+          </p:cNvPr>
+          <p:cNvSpPr/>
+          <p:nvPr/>
+        </p:nvSpPr>
+        <p:spPr>
+          <a:xfrm>
+            <a:off x="10846083" y="4005740"/>
+            <a:ext cx="1025045" cy="978613"/>
+          </a:xfrm>
+          <a:prstGeom prst="rect">
+            <a:avLst/>
+          </a:prstGeom>
+          <a:solidFill>
+            <a:srgbClr val="FFD44B"/>
+          </a:solidFill>
+          <a:ln w="12700" cap="flat" cmpd="sng" algn="ctr">
+            <a:solidFill>
+              <a:srgbClr val="4472C4">
+                <a:shade val="50000"/>
+              </a:srgbClr>
+            </a:solidFill>
+            <a:prstDash val="solid"/>
+            <a:miter lim="800000"/>
+          </a:ln>
+          <a:effectLst/>
+        </p:spPr>
+        <p:txBody>
+          <a:bodyPr rtlCol="0" anchor="ctr"/>
+          <a:lstStyle/>
+          <a:p>
+            <a:pPr marL="0" marR="0" lvl="0" indent="0" algn="ctr" defTabSz="914400" rtl="0" eaLnBrk="1" fontAlgn="auto" latinLnBrk="0" hangingPunct="1">
+              <a:lnSpc>
+                <a:spcPct val="100000"/>
+              </a:lnSpc>
+              <a:spcBef>
+                <a:spcPts val="0"/>
+              </a:spcBef>
+              <a:spcAft>
+                <a:spcPts val="0"/>
+              </a:spcAft>
+              <a:buClrTx/>
+              <a:buSzTx/>
+              <a:buFontTx/>
+              <a:buNone/>
+              <a:tabLst/>
+              <a:defRPr/>
+            </a:pPr>
+            <a:r>
+              <a:rPr kumimoji="0" lang="en-US" sz="1200" b="0" i="0" u="none" strike="noStrike" kern="1200" cap="none" spc="0" normalizeH="0" baseline="0" noProof="0" dirty="0">
+                <a:ln>
+                  <a:noFill/>
+                </a:ln>
+                <a:effectLst/>
+                <a:uLnTx/>
+                <a:uFillTx/>
+                <a:latin typeface="Calibri" panose="020F0502020204030204" pitchFamily="34" charset="0"/>
+                <a:cs typeface="Calibri" panose="020F0502020204030204" pitchFamily="34" charset="0"/>
+              </a:rPr>
+              <a:t>Environment sensor thread</a:t>
+            </a:r>
+            <a:endParaRPr kumimoji="0" lang="en-AU" sz="1200" b="0" i="0" u="none" strike="noStrike" kern="1200" cap="none" spc="0" normalizeH="0" baseline="0" noProof="0" dirty="0">
+              <a:ln>
+                <a:noFill/>
+              </a:ln>
+              <a:effectLst/>
+              <a:uLnTx/>
+              <a:uFillTx/>
+              <a:latin typeface="Calibri" panose="020F0502020204030204" pitchFamily="34" charset="0"/>
+              <a:cs typeface="Calibri" panose="020F0502020204030204" pitchFamily="34" charset="0"/>
+            </a:endParaRPr>
+          </a:p>
+        </p:txBody>
+      </p:sp>
+      <p:sp>
+        <p:nvSpPr>
+          <p:cNvPr id="89" name="Rectangle 88">
+            <a:extLst>
+              <a:ext uri="{FF2B5EF4-FFF2-40B4-BE49-F238E27FC236}">
+                <a16:creationId xmlns:a16="http://schemas.microsoft.com/office/drawing/2014/main" id="{03FC92C1-0B3F-4E52-8885-F66C929BA989}"/>
+              </a:ext>
+            </a:extLst>
+          </p:cNvPr>
+          <p:cNvSpPr/>
+          <p:nvPr/>
+        </p:nvSpPr>
+        <p:spPr bwMode="auto">
+          <a:xfrm>
+            <a:off x="9977466" y="1915209"/>
+            <a:ext cx="396475" cy="3360200"/>
+          </a:xfrm>
+          <a:prstGeom prst="rect">
+            <a:avLst/>
+          </a:prstGeom>
+          <a:solidFill>
+            <a:srgbClr val="FFD44B"/>
+          </a:solidFill>
+          <a:ln w="12700" cap="flat" cmpd="sng" algn="ctr">
+            <a:solidFill>
+              <a:srgbClr val="4472C4">
+                <a:shade val="50000"/>
+              </a:srgbClr>
+            </a:solidFill>
+            <a:prstDash val="solid"/>
+            <a:miter lim="800000"/>
+          </a:ln>
+          <a:effectLst/>
+        </p:spPr>
+        <p:txBody>
+          <a:bodyPr vert="vert270" rtlCol="0" anchor="ctr"/>
+          <a:lstStyle/>
+          <a:p>
+            <a:pPr algn="ctr"/>
+            <a:r>
+              <a:rPr lang="en-AU" dirty="0" err="1">
+                <a:solidFill>
+                  <a:schemeClr val="tx1"/>
+                </a:solidFill>
+                <a:latin typeface="Calibri" panose="020F0502020204030204" pitchFamily="34" charset="0"/>
+                <a:cs typeface="Calibri" panose="020F0502020204030204" pitchFamily="34" charset="0"/>
+              </a:rPr>
+              <a:t>Intercore</a:t>
+            </a:r>
+            <a:r>
+              <a:rPr lang="en-AU" dirty="0">
+                <a:solidFill>
+                  <a:schemeClr val="tx1"/>
+                </a:solidFill>
+                <a:latin typeface="Calibri" panose="020F0502020204030204" pitchFamily="34" charset="0"/>
+                <a:cs typeface="Calibri" panose="020F0502020204030204" pitchFamily="34" charset="0"/>
+              </a:rPr>
+              <a:t> message bridge</a:t>
+            </a:r>
+          </a:p>
+        </p:txBody>
+      </p:sp>
+      <p:cxnSp>
+        <p:nvCxnSpPr>
+          <p:cNvPr id="90" name="Straight Arrow Connector 89">
+            <a:extLst>
+              <a:ext uri="{FF2B5EF4-FFF2-40B4-BE49-F238E27FC236}">
+                <a16:creationId xmlns:a16="http://schemas.microsoft.com/office/drawing/2014/main" id="{751D8B74-EF86-41DA-83F1-A0E131328374}"/>
+              </a:ext>
+            </a:extLst>
+          </p:cNvPr>
+          <p:cNvCxnSpPr>
+            <a:cxnSpLocks/>
+          </p:cNvCxnSpPr>
+          <p:nvPr/>
+        </p:nvCxnSpPr>
+        <p:spPr>
+          <a:xfrm flipH="1">
+            <a:off x="7663396" y="3239373"/>
+            <a:ext cx="915242" cy="0"/>
+          </a:xfrm>
+          <a:prstGeom prst="straightConnector1">
+            <a:avLst/>
+          </a:prstGeom>
+          <a:noFill/>
+          <a:ln w="38100" cap="flat" cmpd="sng" algn="ctr">
+            <a:solidFill>
+              <a:srgbClr val="4472C4"/>
+            </a:solidFill>
+            <a:prstDash val="solid"/>
+            <a:miter lim="800000"/>
+            <a:tailEnd type="triangle"/>
+          </a:ln>
+          <a:effectLst/>
+        </p:spPr>
+      </p:cxnSp>
+      <p:sp>
+        <p:nvSpPr>
+          <p:cNvPr id="91" name="TextBox 90">
+            <a:extLst>
+              <a:ext uri="{FF2B5EF4-FFF2-40B4-BE49-F238E27FC236}">
+                <a16:creationId xmlns:a16="http://schemas.microsoft.com/office/drawing/2014/main" id="{25FCF15B-DFF7-4186-A044-186F30D73AFE}"/>
+              </a:ext>
+            </a:extLst>
+          </p:cNvPr>
+          <p:cNvSpPr txBox="1"/>
+          <p:nvPr/>
+        </p:nvSpPr>
+        <p:spPr>
+          <a:xfrm>
+            <a:off x="6447259" y="2903989"/>
+            <a:ext cx="1154162" cy="846386"/>
+          </a:xfrm>
+          <a:prstGeom prst="rect">
+            <a:avLst/>
+          </a:prstGeom>
+          <a:noFill/>
+        </p:spPr>
+        <p:txBody>
+          <a:bodyPr wrap="none" lIns="0" tIns="0" rIns="0" bIns="0" rtlCol="0">
+            <a:spAutoFit/>
+          </a:bodyPr>
+          <a:lstStyle/>
+          <a:p>
+            <a:pPr algn="l"/>
+            <a:r>
+              <a:rPr lang="en-AU" sz="1100" dirty="0">
+                <a:latin typeface="Calibri" panose="020F0502020204030204" pitchFamily="34" charset="0"/>
+                <a:cs typeface="Calibri" panose="020F0502020204030204" pitchFamily="34" charset="0"/>
+              </a:rPr>
+              <a:t>{ </a:t>
+            </a:r>
+          </a:p>
+          <a:p>
+            <a:pPr algn="l"/>
+            <a:r>
+              <a:rPr lang="en-AU" sz="1100" dirty="0">
+                <a:latin typeface="Calibri" panose="020F0502020204030204" pitchFamily="34" charset="0"/>
+                <a:cs typeface="Calibri" panose="020F0502020204030204" pitchFamily="34" charset="0"/>
+              </a:rPr>
+              <a:t>  “Temperature”:26,</a:t>
+            </a:r>
+          </a:p>
+          <a:p>
+            <a:pPr algn="l"/>
+            <a:r>
+              <a:rPr lang="en-AU" sz="1100" dirty="0">
+                <a:latin typeface="Calibri" panose="020F0502020204030204" pitchFamily="34" charset="0"/>
+                <a:cs typeface="Calibri" panose="020F0502020204030204" pitchFamily="34" charset="0"/>
+              </a:rPr>
+              <a:t>  “Humidity”:55,</a:t>
+            </a:r>
+          </a:p>
+          <a:p>
+            <a:pPr algn="l"/>
+            <a:r>
+              <a:rPr lang="en-AU" sz="1100" dirty="0">
+                <a:latin typeface="Calibri" panose="020F0502020204030204" pitchFamily="34" charset="0"/>
+                <a:cs typeface="Calibri" panose="020F0502020204030204" pitchFamily="34" charset="0"/>
+              </a:rPr>
+              <a:t>  “Pressure”: 1100</a:t>
+            </a:r>
+          </a:p>
+          <a:p>
+            <a:pPr algn="l"/>
+            <a:r>
+              <a:rPr lang="en-AU" sz="1100" dirty="0">
+                <a:latin typeface="Calibri" panose="020F0502020204030204" pitchFamily="34" charset="0"/>
+                <a:cs typeface="Calibri" panose="020F0502020204030204" pitchFamily="34" charset="0"/>
+              </a:rPr>
+              <a:t>}</a:t>
+            </a:r>
+          </a:p>
+        </p:txBody>
+      </p:sp>
+      <p:sp>
+        <p:nvSpPr>
+          <p:cNvPr id="92" name="Rectangle 91">
+            <a:extLst>
+              <a:ext uri="{FF2B5EF4-FFF2-40B4-BE49-F238E27FC236}">
+                <a16:creationId xmlns:a16="http://schemas.microsoft.com/office/drawing/2014/main" id="{62D7CB87-1240-4B37-A7CE-7D976778AD4E}"/>
+              </a:ext>
+            </a:extLst>
+          </p:cNvPr>
+          <p:cNvSpPr/>
+          <p:nvPr/>
+        </p:nvSpPr>
+        <p:spPr>
+          <a:xfrm>
+            <a:off x="8566618" y="4048351"/>
+            <a:ext cx="1018774" cy="936002"/>
+          </a:xfrm>
+          <a:prstGeom prst="rect">
+            <a:avLst/>
+          </a:prstGeom>
+          <a:solidFill>
+            <a:srgbClr val="FFD44B"/>
+          </a:solidFill>
+          <a:ln w="12700" cap="flat" cmpd="sng" algn="ctr">
+            <a:solidFill>
+              <a:srgbClr val="4472C4">
+                <a:shade val="50000"/>
+              </a:srgbClr>
+            </a:solidFill>
+            <a:prstDash val="solid"/>
+            <a:miter lim="800000"/>
+          </a:ln>
+          <a:effectLst/>
+        </p:spPr>
+        <p:txBody>
+          <a:bodyPr rtlCol="0" anchor="ctr"/>
+          <a:lstStyle/>
+          <a:p>
+            <a:pPr marL="0" marR="0" lvl="0" indent="0" algn="ctr" defTabSz="914400" rtl="0" eaLnBrk="1" fontAlgn="auto" latinLnBrk="0" hangingPunct="1">
+              <a:lnSpc>
+                <a:spcPct val="100000"/>
+              </a:lnSpc>
+              <a:spcBef>
+                <a:spcPts val="0"/>
+              </a:spcBef>
+              <a:spcAft>
+                <a:spcPts val="0"/>
+              </a:spcAft>
+              <a:buClrTx/>
+              <a:buSzTx/>
+              <a:buFontTx/>
+              <a:buNone/>
+              <a:tabLst/>
+              <a:defRPr/>
+            </a:pPr>
+            <a:r>
+              <a:rPr kumimoji="0" lang="en-AU" sz="1200" b="0" i="0" u="none" strike="noStrike" kern="0" cap="none" spc="0" normalizeH="0" baseline="0" noProof="0" dirty="0">
+                <a:ln>
+                  <a:noFill/>
+                </a:ln>
+                <a:solidFill>
+                  <a:srgbClr val="000000"/>
+                </a:solidFill>
+                <a:effectLst/>
+                <a:uLnTx/>
+                <a:uFillTx/>
+                <a:latin typeface="Calibri" panose="020F0502020204030204" pitchFamily="34" charset="0"/>
+                <a:ea typeface="Verdana" panose="020B0604030504040204" pitchFamily="34" charset="0"/>
+                <a:cs typeface="Calibri" panose="020F0502020204030204" pitchFamily="34" charset="0"/>
+              </a:rPr>
+              <a:t>Device twin virtual HVAC control</a:t>
+            </a:r>
+          </a:p>
+        </p:txBody>
+      </p:sp>
+      <p:sp>
+        <p:nvSpPr>
+          <p:cNvPr id="93" name="Oval 92">
+            <a:extLst>
+              <a:ext uri="{FF2B5EF4-FFF2-40B4-BE49-F238E27FC236}">
+                <a16:creationId xmlns:a16="http://schemas.microsoft.com/office/drawing/2014/main" id="{E697B7BC-818E-4FED-8CA0-E72BF4A84ABF}"/>
+              </a:ext>
+            </a:extLst>
+          </p:cNvPr>
+          <p:cNvSpPr/>
+          <p:nvPr/>
+        </p:nvSpPr>
+        <p:spPr>
+          <a:xfrm>
+            <a:off x="11742791" y="2628238"/>
+            <a:ext cx="256674" cy="248652"/>
+          </a:xfrm>
+          <a:prstGeom prst="ellipse">
+            <a:avLst/>
+          </a:prstGeom>
+          <a:solidFill>
+            <a:srgbClr val="5B9BD5">
+              <a:lumMod val="75000"/>
+            </a:srgbClr>
+          </a:solidFill>
+          <a:ln w="12700" cap="flat" cmpd="sng" algn="ctr">
+            <a:solidFill>
+              <a:srgbClr val="4472C4">
+                <a:shade val="50000"/>
+              </a:srgbClr>
+            </a:solidFill>
+            <a:prstDash val="solid"/>
+            <a:miter lim="800000"/>
+          </a:ln>
+          <a:effectLst/>
+        </p:spPr>
+        <p:txBody>
+          <a:bodyPr rtlCol="0" anchor="ctr"/>
+          <a:lstStyle/>
+          <a:p>
+            <a:pPr marL="0" marR="0" lvl="0" indent="0" algn="ctr" defTabSz="914400" rtl="0" eaLnBrk="1" fontAlgn="auto" latinLnBrk="0" hangingPunct="1">
+              <a:lnSpc>
+                <a:spcPct val="100000"/>
+              </a:lnSpc>
+              <a:spcBef>
+                <a:spcPts val="0"/>
+              </a:spcBef>
+              <a:spcAft>
+                <a:spcPts val="0"/>
+              </a:spcAft>
+              <a:buClrTx/>
+              <a:buSzTx/>
+              <a:buFontTx/>
+              <a:buNone/>
+              <a:tabLst/>
+              <a:defRPr/>
+            </a:pPr>
+            <a:r>
+              <a:rPr lang="en-AU" sz="1100" kern="0" dirty="0">
+                <a:solidFill>
+                  <a:prstClr val="white"/>
+                </a:solidFill>
+                <a:latin typeface="Calibri" panose="020F0502020204030204" pitchFamily="34" charset="0"/>
+                <a:ea typeface="Verdana" panose="020B0604030504040204" pitchFamily="34" charset="0"/>
+                <a:cs typeface="Calibri" panose="020F0502020204030204" pitchFamily="34" charset="0"/>
+              </a:rPr>
+              <a:t>3</a:t>
+            </a:r>
+            <a:endParaRPr kumimoji="0" lang="en-AU" sz="1100" b="0" i="0" u="none" strike="noStrike" kern="0" cap="none" spc="0" normalizeH="0" baseline="0" noProof="0" dirty="0">
+              <a:ln>
+                <a:noFill/>
+              </a:ln>
+              <a:solidFill>
+                <a:prstClr val="white"/>
+              </a:solidFill>
+              <a:effectLst/>
+              <a:uLnTx/>
+              <a:uFillTx/>
+              <a:latin typeface="Calibri" panose="020F0502020204030204" pitchFamily="34" charset="0"/>
+              <a:ea typeface="Verdana" panose="020B0604030504040204" pitchFamily="34" charset="0"/>
+              <a:cs typeface="Calibri" panose="020F0502020204030204" pitchFamily="34" charset="0"/>
+            </a:endParaRPr>
+          </a:p>
+        </p:txBody>
+      </p:sp>
+      <p:sp>
+        <p:nvSpPr>
+          <p:cNvPr id="94" name="Oval 93">
+            <a:extLst>
+              <a:ext uri="{FF2B5EF4-FFF2-40B4-BE49-F238E27FC236}">
+                <a16:creationId xmlns:a16="http://schemas.microsoft.com/office/drawing/2014/main" id="{844CD143-592D-443F-9596-AF6634715B2C}"/>
+              </a:ext>
+            </a:extLst>
+          </p:cNvPr>
+          <p:cNvSpPr/>
+          <p:nvPr/>
+        </p:nvSpPr>
+        <p:spPr>
+          <a:xfrm>
+            <a:off x="5300317" y="2202245"/>
+            <a:ext cx="256674" cy="248652"/>
+          </a:xfrm>
+          <a:prstGeom prst="ellipse">
+            <a:avLst/>
+          </a:prstGeom>
+          <a:solidFill>
+            <a:srgbClr val="5B9BD5">
+              <a:lumMod val="75000"/>
+            </a:srgbClr>
+          </a:solidFill>
+          <a:ln w="12700" cap="flat" cmpd="sng" algn="ctr">
+            <a:solidFill>
+              <a:srgbClr val="4472C4">
+                <a:shade val="50000"/>
+              </a:srgbClr>
+            </a:solidFill>
+            <a:prstDash val="solid"/>
+            <a:miter lim="800000"/>
+          </a:ln>
+          <a:effectLst/>
+        </p:spPr>
+        <p:txBody>
+          <a:bodyPr rtlCol="0" anchor="ctr"/>
+          <a:lstStyle/>
+          <a:p>
+            <a:pPr marL="0" marR="0" lvl="0" indent="0" algn="ctr" defTabSz="914400" rtl="0" eaLnBrk="1" fontAlgn="auto" latinLnBrk="0" hangingPunct="1">
+              <a:lnSpc>
+                <a:spcPct val="100000"/>
+              </a:lnSpc>
+              <a:spcBef>
+                <a:spcPts val="0"/>
+              </a:spcBef>
+              <a:spcAft>
+                <a:spcPts val="0"/>
+              </a:spcAft>
+              <a:buClrTx/>
+              <a:buSzTx/>
+              <a:buFontTx/>
+              <a:buNone/>
+              <a:tabLst/>
+              <a:defRPr/>
+            </a:pPr>
+            <a:r>
+              <a:rPr kumimoji="0" lang="en-AU" sz="1100" b="0" i="0" u="none" strike="noStrike" kern="0" cap="none" spc="0" normalizeH="0" baseline="0" noProof="0" dirty="0">
+                <a:ln>
+                  <a:noFill/>
+                </a:ln>
+                <a:solidFill>
+                  <a:prstClr val="white"/>
+                </a:solidFill>
+                <a:effectLst/>
+                <a:uLnTx/>
+                <a:uFillTx/>
+                <a:latin typeface="Calibri" panose="020F0502020204030204" pitchFamily="34" charset="0"/>
+                <a:ea typeface="Verdana" panose="020B0604030504040204" pitchFamily="34" charset="0"/>
+                <a:cs typeface="Calibri" panose="020F0502020204030204" pitchFamily="34" charset="0"/>
+              </a:rPr>
+              <a:t>5</a:t>
+            </a:r>
+          </a:p>
+        </p:txBody>
+      </p:sp>
+      <p:sp>
+        <p:nvSpPr>
+          <p:cNvPr id="97" name="Oval 96">
+            <a:extLst>
+              <a:ext uri="{FF2B5EF4-FFF2-40B4-BE49-F238E27FC236}">
+                <a16:creationId xmlns:a16="http://schemas.microsoft.com/office/drawing/2014/main" id="{B352CCD6-9A7C-44A3-9F7D-6505DB59DC52}"/>
+              </a:ext>
+            </a:extLst>
+          </p:cNvPr>
+          <p:cNvSpPr/>
+          <p:nvPr/>
+        </p:nvSpPr>
+        <p:spPr>
+          <a:xfrm>
+            <a:off x="9452722" y="3941921"/>
+            <a:ext cx="256674" cy="248652"/>
+          </a:xfrm>
+          <a:prstGeom prst="ellipse">
+            <a:avLst/>
+          </a:prstGeom>
+          <a:solidFill>
+            <a:srgbClr val="5B9BD5">
+              <a:lumMod val="75000"/>
+            </a:srgbClr>
+          </a:solidFill>
+          <a:ln w="12700" cap="flat" cmpd="sng" algn="ctr">
+            <a:solidFill>
+              <a:srgbClr val="4472C4">
+                <a:shade val="50000"/>
+              </a:srgbClr>
+            </a:solidFill>
+            <a:prstDash val="solid"/>
+            <a:miter lim="800000"/>
+          </a:ln>
+          <a:effectLst/>
+        </p:spPr>
+        <p:txBody>
+          <a:bodyPr rtlCol="0" anchor="ctr"/>
+          <a:lstStyle/>
+          <a:p>
+            <a:pPr marL="0" marR="0" lvl="0" indent="0" algn="ctr" defTabSz="914400" rtl="0" eaLnBrk="1" fontAlgn="auto" latinLnBrk="0" hangingPunct="1">
+              <a:lnSpc>
+                <a:spcPct val="100000"/>
+              </a:lnSpc>
+              <a:spcBef>
+                <a:spcPts val="0"/>
+              </a:spcBef>
+              <a:spcAft>
+                <a:spcPts val="0"/>
+              </a:spcAft>
+              <a:buClrTx/>
+              <a:buSzTx/>
+              <a:buFontTx/>
+              <a:buNone/>
+              <a:tabLst/>
+              <a:defRPr/>
+            </a:pPr>
+            <a:r>
+              <a:rPr kumimoji="0" lang="en-US" sz="1100" b="0" i="0" u="none" strike="noStrike" kern="0" cap="none" spc="0" normalizeH="0" baseline="0" noProof="0" dirty="0">
+                <a:ln>
+                  <a:noFill/>
+                </a:ln>
+                <a:solidFill>
+                  <a:prstClr val="white"/>
+                </a:solidFill>
+                <a:effectLst/>
+                <a:uLnTx/>
+                <a:uFillTx/>
+                <a:latin typeface="Calibri" panose="020F0502020204030204" pitchFamily="34" charset="0"/>
+                <a:ea typeface="Verdana" panose="020B0604030504040204" pitchFamily="34" charset="0"/>
+                <a:cs typeface="Calibri" panose="020F0502020204030204" pitchFamily="34" charset="0"/>
+              </a:rPr>
+              <a:t>7</a:t>
+            </a:r>
+            <a:endParaRPr kumimoji="0" lang="en-AU" sz="1100" b="0" i="0" u="none" strike="noStrike" kern="0" cap="none" spc="0" normalizeH="0" baseline="0" noProof="0" dirty="0">
+              <a:ln>
+                <a:noFill/>
+              </a:ln>
+              <a:solidFill>
+                <a:prstClr val="white"/>
+              </a:solidFill>
+              <a:effectLst/>
+              <a:uLnTx/>
+              <a:uFillTx/>
+              <a:latin typeface="Calibri" panose="020F0502020204030204" pitchFamily="34" charset="0"/>
+              <a:ea typeface="Verdana" panose="020B0604030504040204" pitchFamily="34" charset="0"/>
+              <a:cs typeface="Calibri" panose="020F0502020204030204" pitchFamily="34" charset="0"/>
+            </a:endParaRPr>
+          </a:p>
+        </p:txBody>
+      </p:sp>
+      <p:cxnSp>
+        <p:nvCxnSpPr>
+          <p:cNvPr id="99" name="Straight Arrow Connector 98">
+            <a:extLst>
+              <a:ext uri="{FF2B5EF4-FFF2-40B4-BE49-F238E27FC236}">
+                <a16:creationId xmlns:a16="http://schemas.microsoft.com/office/drawing/2014/main" id="{51662D48-7499-4D9F-9EE0-99B4E7BB902D}"/>
+              </a:ext>
+            </a:extLst>
+          </p:cNvPr>
+          <p:cNvCxnSpPr>
+            <a:cxnSpLocks/>
+          </p:cNvCxnSpPr>
+          <p:nvPr/>
+        </p:nvCxnSpPr>
+        <p:spPr>
+          <a:xfrm flipV="1">
+            <a:off x="7663396" y="4640644"/>
+            <a:ext cx="915242" cy="382"/>
+          </a:xfrm>
+          <a:prstGeom prst="straightConnector1">
+            <a:avLst/>
+          </a:prstGeom>
+          <a:noFill/>
+          <a:ln w="38100" cap="flat" cmpd="sng" algn="ctr">
+            <a:solidFill>
+              <a:srgbClr val="4472C4"/>
+            </a:solidFill>
+            <a:prstDash val="solid"/>
+            <a:miter lim="800000"/>
+            <a:headEnd type="triangle" w="med" len="med"/>
+            <a:tailEnd type="triangle" w="med" len="med"/>
+          </a:ln>
+          <a:effectLst/>
+        </p:spPr>
+      </p:cxnSp>
+      <p:cxnSp>
+        <p:nvCxnSpPr>
+          <p:cNvPr id="100" name="Straight Arrow Connector 99">
+            <a:extLst>
+              <a:ext uri="{FF2B5EF4-FFF2-40B4-BE49-F238E27FC236}">
+                <a16:creationId xmlns:a16="http://schemas.microsoft.com/office/drawing/2014/main" id="{26C12377-EEC6-40D7-921E-4BA5BDAB2202}"/>
+              </a:ext>
+            </a:extLst>
+          </p:cNvPr>
+          <p:cNvCxnSpPr>
+            <a:cxnSpLocks/>
+          </p:cNvCxnSpPr>
+          <p:nvPr/>
+        </p:nvCxnSpPr>
+        <p:spPr>
+          <a:xfrm>
+            <a:off x="9602484" y="3050910"/>
+            <a:ext cx="374982" cy="0"/>
+          </a:xfrm>
+          <a:prstGeom prst="straightConnector1">
+            <a:avLst/>
+          </a:prstGeom>
+          <a:noFill/>
+          <a:ln w="38100" cap="flat" cmpd="sng" algn="ctr">
+            <a:solidFill>
+              <a:srgbClr val="4472C4"/>
+            </a:solidFill>
+            <a:prstDash val="solid"/>
+            <a:miter lim="800000"/>
+            <a:headEnd type="triangle" w="med" len="med"/>
+            <a:tailEnd type="triangle" w="med" len="med"/>
+          </a:ln>
+          <a:effectLst/>
+        </p:spPr>
+      </p:cxnSp>
+      <p:cxnSp>
+        <p:nvCxnSpPr>
+          <p:cNvPr id="101" name="Straight Arrow Connector 100">
+            <a:extLst>
+              <a:ext uri="{FF2B5EF4-FFF2-40B4-BE49-F238E27FC236}">
+                <a16:creationId xmlns:a16="http://schemas.microsoft.com/office/drawing/2014/main" id="{E59523DB-0E26-4829-A4E7-9B3AC02E8FE6}"/>
+              </a:ext>
+            </a:extLst>
+          </p:cNvPr>
+          <p:cNvCxnSpPr>
+            <a:cxnSpLocks/>
+          </p:cNvCxnSpPr>
+          <p:nvPr/>
+        </p:nvCxnSpPr>
+        <p:spPr>
+          <a:xfrm>
+            <a:off x="10373941" y="3050910"/>
+            <a:ext cx="374982" cy="0"/>
+          </a:xfrm>
+          <a:prstGeom prst="straightConnector1">
+            <a:avLst/>
+          </a:prstGeom>
+          <a:noFill/>
+          <a:ln w="38100" cap="flat" cmpd="sng" algn="ctr">
+            <a:solidFill>
+              <a:srgbClr val="4472C4"/>
+            </a:solidFill>
+            <a:prstDash val="solid"/>
+            <a:miter lim="800000"/>
+            <a:headEnd type="triangle" w="med" len="med"/>
+            <a:tailEnd type="triangle" w="med" len="med"/>
+          </a:ln>
+          <a:effectLst/>
+        </p:spPr>
+      </p:cxnSp>
+      <p:sp>
+        <p:nvSpPr>
+          <p:cNvPr id="102" name="Oval 101">
+            <a:extLst>
+              <a:ext uri="{FF2B5EF4-FFF2-40B4-BE49-F238E27FC236}">
+                <a16:creationId xmlns:a16="http://schemas.microsoft.com/office/drawing/2014/main" id="{50CE9048-C709-4071-B30F-CF284705DD35}"/>
+              </a:ext>
+            </a:extLst>
+          </p:cNvPr>
+          <p:cNvSpPr/>
+          <p:nvPr/>
+        </p:nvSpPr>
+        <p:spPr>
+          <a:xfrm>
+            <a:off x="7535059" y="2534690"/>
+            <a:ext cx="256674" cy="248652"/>
+          </a:xfrm>
+          <a:prstGeom prst="ellipse">
+            <a:avLst/>
+          </a:prstGeom>
+          <a:solidFill>
+            <a:srgbClr val="5B9BD5">
+              <a:lumMod val="75000"/>
+            </a:srgbClr>
+          </a:solidFill>
+          <a:ln w="12700" cap="flat" cmpd="sng" algn="ctr">
+            <a:solidFill>
+              <a:srgbClr val="4472C4">
+                <a:shade val="50000"/>
+              </a:srgbClr>
+            </a:solidFill>
+            <a:prstDash val="solid"/>
+            <a:miter lim="800000"/>
+          </a:ln>
+          <a:effectLst/>
+        </p:spPr>
+        <p:txBody>
+          <a:bodyPr rtlCol="0" anchor="ctr"/>
+          <a:lstStyle/>
+          <a:p>
+            <a:pPr marL="0" marR="0" lvl="0" indent="0" algn="ctr" defTabSz="914400" rtl="0" eaLnBrk="1" fontAlgn="auto" latinLnBrk="0" hangingPunct="1">
+              <a:lnSpc>
+                <a:spcPct val="100000"/>
+              </a:lnSpc>
+              <a:spcBef>
+                <a:spcPts val="0"/>
+              </a:spcBef>
+              <a:spcAft>
+                <a:spcPts val="0"/>
+              </a:spcAft>
+              <a:buClrTx/>
+              <a:buSzTx/>
+              <a:buFontTx/>
+              <a:buNone/>
+              <a:tabLst/>
+              <a:defRPr/>
+            </a:pPr>
+            <a:r>
+              <a:rPr lang="en-AU" sz="1100" kern="0" dirty="0">
+                <a:solidFill>
+                  <a:prstClr val="white"/>
+                </a:solidFill>
+                <a:latin typeface="Calibri" panose="020F0502020204030204" pitchFamily="34" charset="0"/>
+                <a:ea typeface="Verdana" panose="020B0604030504040204" pitchFamily="34" charset="0"/>
+                <a:cs typeface="Calibri" panose="020F0502020204030204" pitchFamily="34" charset="0"/>
+              </a:rPr>
+              <a:t>4</a:t>
+            </a:r>
+            <a:endParaRPr kumimoji="0" lang="en-AU" sz="1100" b="0" i="0" u="none" strike="noStrike" kern="0" cap="none" spc="0" normalizeH="0" baseline="0" noProof="0" dirty="0">
+              <a:ln>
+                <a:noFill/>
+              </a:ln>
+              <a:solidFill>
+                <a:prstClr val="white"/>
+              </a:solidFill>
+              <a:effectLst/>
+              <a:uLnTx/>
+              <a:uFillTx/>
+              <a:latin typeface="Calibri" panose="020F0502020204030204" pitchFamily="34" charset="0"/>
+              <a:ea typeface="Verdana" panose="020B0604030504040204" pitchFamily="34" charset="0"/>
+              <a:cs typeface="Calibri" panose="020F0502020204030204" pitchFamily="34" charset="0"/>
+            </a:endParaRPr>
+          </a:p>
+        </p:txBody>
+      </p:sp>
+      <p:pic>
+        <p:nvPicPr>
+          <p:cNvPr id="103" name="Picture 102">
+            <a:extLst>
+              <a:ext uri="{FF2B5EF4-FFF2-40B4-BE49-F238E27FC236}">
+                <a16:creationId xmlns:a16="http://schemas.microsoft.com/office/drawing/2014/main" id="{CF4ACF53-8DC3-4FB2-AB98-F5BF928C2573}"/>
+              </a:ext>
+            </a:extLst>
+          </p:cNvPr>
+          <p:cNvPicPr>
+            <a:picLocks noChangeAspect="1"/>
+          </p:cNvPicPr>
+          <p:nvPr/>
+        </p:nvPicPr>
+        <p:blipFill>
+          <a:blip r:embed="rId14"/>
+          <a:stretch>
+            <a:fillRect/>
+          </a:stretch>
+        </p:blipFill>
+        <p:spPr>
+          <a:xfrm>
+            <a:off x="4247715" y="2561963"/>
+            <a:ext cx="1135409" cy="936214"/>
+          </a:xfrm>
+          <a:prstGeom prst="rect">
+            <a:avLst/>
+          </a:prstGeom>
+        </p:spPr>
+      </p:pic>
+      <p:sp>
+        <p:nvSpPr>
+          <p:cNvPr id="104" name="Oval 103">
+            <a:extLst>
+              <a:ext uri="{FF2B5EF4-FFF2-40B4-BE49-F238E27FC236}">
+                <a16:creationId xmlns:a16="http://schemas.microsoft.com/office/drawing/2014/main" id="{E284B86A-EB39-4DAA-9378-E93E180ADABA}"/>
+              </a:ext>
+            </a:extLst>
+          </p:cNvPr>
+          <p:cNvSpPr/>
+          <p:nvPr/>
+        </p:nvSpPr>
+        <p:spPr>
+          <a:xfrm>
+            <a:off x="9427779" y="2620913"/>
+            <a:ext cx="256674" cy="248652"/>
+          </a:xfrm>
+          <a:prstGeom prst="ellipse">
+            <a:avLst/>
+          </a:prstGeom>
+          <a:solidFill>
+            <a:srgbClr val="5B9BD5">
+              <a:lumMod val="75000"/>
+            </a:srgbClr>
+          </a:solidFill>
+          <a:ln w="12700" cap="flat" cmpd="sng" algn="ctr">
+            <a:solidFill>
+              <a:srgbClr val="4472C4">
+                <a:shade val="50000"/>
+              </a:srgbClr>
+            </a:solidFill>
+            <a:prstDash val="solid"/>
+            <a:miter lim="800000"/>
+          </a:ln>
+          <a:effectLst/>
+        </p:spPr>
+        <p:txBody>
+          <a:bodyPr rtlCol="0" anchor="ctr"/>
+          <a:lstStyle/>
+          <a:p>
+            <a:pPr marL="0" marR="0" lvl="0" indent="0" algn="ctr" defTabSz="914400" rtl="0" eaLnBrk="1" fontAlgn="auto" latinLnBrk="0" hangingPunct="1">
+              <a:lnSpc>
+                <a:spcPct val="100000"/>
+              </a:lnSpc>
+              <a:spcBef>
+                <a:spcPts val="0"/>
+              </a:spcBef>
+              <a:spcAft>
+                <a:spcPts val="0"/>
+              </a:spcAft>
+              <a:buClrTx/>
+              <a:buSzTx/>
+              <a:buFontTx/>
+              <a:buNone/>
+              <a:tabLst/>
+              <a:defRPr/>
+            </a:pPr>
+            <a:r>
+              <a:rPr kumimoji="0" lang="en-AU" sz="1100" b="0" i="0" u="none" strike="noStrike" kern="0" cap="none" spc="0" normalizeH="0" baseline="0" noProof="0" dirty="0">
+                <a:ln>
+                  <a:noFill/>
+                </a:ln>
+                <a:solidFill>
+                  <a:prstClr val="white"/>
+                </a:solidFill>
+                <a:effectLst/>
+                <a:uLnTx/>
+                <a:uFillTx/>
+                <a:latin typeface="Calibri" panose="020F0502020204030204" pitchFamily="34" charset="0"/>
+                <a:ea typeface="Verdana" panose="020B0604030504040204" pitchFamily="34" charset="0"/>
+                <a:cs typeface="Calibri" panose="020F0502020204030204" pitchFamily="34" charset="0"/>
+              </a:rPr>
+              <a:t>2</a:t>
+            </a:r>
+          </a:p>
+        </p:txBody>
+      </p:sp>
+      <p:sp>
+        <p:nvSpPr>
+          <p:cNvPr id="105" name="Oval 104">
+            <a:extLst>
+              <a:ext uri="{FF2B5EF4-FFF2-40B4-BE49-F238E27FC236}">
+                <a16:creationId xmlns:a16="http://schemas.microsoft.com/office/drawing/2014/main" id="{962F0061-0570-4822-8F55-9FC4F657C610}"/>
+              </a:ext>
+            </a:extLst>
+          </p:cNvPr>
+          <p:cNvSpPr/>
+          <p:nvPr/>
+        </p:nvSpPr>
+        <p:spPr>
+          <a:xfrm>
+            <a:off x="11743435" y="3885749"/>
+            <a:ext cx="256674" cy="248652"/>
+          </a:xfrm>
+          <a:prstGeom prst="ellipse">
+            <a:avLst/>
+          </a:prstGeom>
+          <a:solidFill>
+            <a:srgbClr val="5B9BD5">
+              <a:lumMod val="75000"/>
+            </a:srgbClr>
+          </a:solidFill>
+          <a:ln w="12700" cap="flat" cmpd="sng" algn="ctr">
+            <a:solidFill>
+              <a:srgbClr val="4472C4">
+                <a:shade val="50000"/>
+              </a:srgbClr>
+            </a:solidFill>
+            <a:prstDash val="solid"/>
+            <a:miter lim="800000"/>
+          </a:ln>
+          <a:effectLst/>
+        </p:spPr>
+        <p:txBody>
+          <a:bodyPr rtlCol="0" anchor="ctr"/>
+          <a:lstStyle/>
+          <a:p>
+            <a:pPr marL="0" marR="0" lvl="0" indent="0" algn="ctr" defTabSz="914400" rtl="0" eaLnBrk="1" fontAlgn="auto" latinLnBrk="0" hangingPunct="1">
+              <a:lnSpc>
+                <a:spcPct val="100000"/>
+              </a:lnSpc>
+              <a:spcBef>
+                <a:spcPts val="0"/>
+              </a:spcBef>
+              <a:spcAft>
+                <a:spcPts val="0"/>
+              </a:spcAft>
+              <a:buClrTx/>
+              <a:buSzTx/>
+              <a:buFontTx/>
+              <a:buNone/>
+              <a:tabLst/>
+              <a:defRPr/>
+            </a:pPr>
+            <a:r>
+              <a:rPr kumimoji="0" lang="en-AU" sz="1100" b="0" i="0" u="none" strike="noStrike" kern="0" cap="none" spc="0" normalizeH="0" baseline="0" noProof="0" dirty="0">
+                <a:ln>
+                  <a:noFill/>
+                </a:ln>
+                <a:solidFill>
+                  <a:prstClr val="white"/>
+                </a:solidFill>
+                <a:effectLst/>
+                <a:uLnTx/>
+                <a:uFillTx/>
+                <a:latin typeface="Calibri" panose="020F0502020204030204" pitchFamily="34" charset="0"/>
+                <a:ea typeface="Verdana" panose="020B0604030504040204" pitchFamily="34" charset="0"/>
+                <a:cs typeface="Calibri" panose="020F0502020204030204" pitchFamily="34" charset="0"/>
+              </a:rPr>
+              <a:t>1</a:t>
+            </a:r>
+          </a:p>
+        </p:txBody>
+      </p:sp>
+      <p:pic>
+        <p:nvPicPr>
+          <p:cNvPr id="106" name="Picture 105">
+            <a:extLst>
+              <a:ext uri="{FF2B5EF4-FFF2-40B4-BE49-F238E27FC236}">
+                <a16:creationId xmlns:a16="http://schemas.microsoft.com/office/drawing/2014/main" id="{9E455ECC-2586-4153-9975-67680F3ABECE}"/>
+              </a:ext>
+            </a:extLst>
+          </p:cNvPr>
+          <p:cNvPicPr>
+            <a:picLocks noChangeAspect="1"/>
+          </p:cNvPicPr>
+          <p:nvPr/>
+        </p:nvPicPr>
+        <p:blipFill>
+          <a:blip r:embed="rId15"/>
+          <a:stretch>
+            <a:fillRect/>
+          </a:stretch>
+        </p:blipFill>
+        <p:spPr>
+          <a:xfrm>
+            <a:off x="4250475" y="3831760"/>
+            <a:ext cx="1130303" cy="874854"/>
+          </a:xfrm>
+          <a:prstGeom prst="rect">
+            <a:avLst/>
+          </a:prstGeom>
+        </p:spPr>
+      </p:pic>
+      <p:sp>
+        <p:nvSpPr>
+          <p:cNvPr id="45" name="Oval 44">
+            <a:extLst>
+              <a:ext uri="{FF2B5EF4-FFF2-40B4-BE49-F238E27FC236}">
+                <a16:creationId xmlns:a16="http://schemas.microsoft.com/office/drawing/2014/main" id="{573E048C-8320-4528-9C20-D3C7AEAD1714}"/>
+              </a:ext>
+            </a:extLst>
+          </p:cNvPr>
+          <p:cNvSpPr/>
+          <p:nvPr/>
+        </p:nvSpPr>
+        <p:spPr>
+          <a:xfrm>
+            <a:off x="1706763" y="2776136"/>
+            <a:ext cx="256674" cy="248652"/>
+          </a:xfrm>
+          <a:prstGeom prst="ellipse">
+            <a:avLst/>
+          </a:prstGeom>
+          <a:solidFill>
+            <a:srgbClr val="5B9BD5">
+              <a:lumMod val="75000"/>
+            </a:srgbClr>
+          </a:solidFill>
+          <a:ln w="12700" cap="flat" cmpd="sng" algn="ctr">
+            <a:solidFill>
+              <a:srgbClr val="4472C4">
+                <a:shade val="50000"/>
+              </a:srgbClr>
+            </a:solidFill>
+            <a:prstDash val="solid"/>
+            <a:miter lim="800000"/>
+          </a:ln>
+          <a:effectLst/>
+        </p:spPr>
+        <p:txBody>
+          <a:bodyPr rtlCol="0" anchor="ctr"/>
+          <a:lstStyle/>
+          <a:p>
+            <a:pPr marL="0" marR="0" lvl="0" indent="0" algn="ctr" defTabSz="914400" rtl="0" eaLnBrk="1" fontAlgn="auto" latinLnBrk="0" hangingPunct="1">
+              <a:lnSpc>
+                <a:spcPct val="100000"/>
+              </a:lnSpc>
+              <a:spcBef>
+                <a:spcPts val="0"/>
+              </a:spcBef>
+              <a:spcAft>
+                <a:spcPts val="0"/>
+              </a:spcAft>
+              <a:buClrTx/>
+              <a:buSzTx/>
+              <a:buFontTx/>
+              <a:buNone/>
+              <a:tabLst/>
+              <a:defRPr/>
+            </a:pPr>
+            <a:r>
+              <a:rPr kumimoji="0" lang="en-AU" sz="1100" b="0" i="0" u="none" strike="noStrike" kern="0" cap="none" spc="0" normalizeH="0" baseline="0" noProof="0">
+                <a:ln>
+                  <a:noFill/>
+                </a:ln>
+                <a:solidFill>
+                  <a:prstClr val="white"/>
+                </a:solidFill>
+                <a:effectLst/>
+                <a:uLnTx/>
+                <a:uFillTx/>
+                <a:latin typeface="Verdana" panose="020B0604030504040204" pitchFamily="34" charset="0"/>
+                <a:ea typeface="Verdana" panose="020B0604030504040204" pitchFamily="34" charset="0"/>
+                <a:cs typeface="Tahoma" panose="020B0604030504040204" pitchFamily="34" charset="0"/>
+              </a:rPr>
+              <a:t>1</a:t>
+            </a:r>
+          </a:p>
+        </p:txBody>
+      </p:sp>
+    </p:spTree>
+    <p:extLst>
+      <p:ext uri="{BB962C8B-B14F-4D97-AF65-F5344CB8AC3E}">
+        <p14:creationId xmlns:p14="http://schemas.microsoft.com/office/powerpoint/2010/main" val="2923497652"/>
+      </p:ext>
+    </p:extLst>
+  </p:cSld>
+  <p:clrMapOvr>
+    <a:masterClrMapping/>
+  </p:clrMapOvr>
+  <p:transition/>
+  <p:timing>
+    <p:tnLst>
+      <p:par>
+        <p:cTn id="1" dur="indefinite" restart="never" nodeType="tmRoot">
+          <p:childTnLst>
+            <p:seq concurrent="1" nextAc="seek">
+              <p:cTn id="2" dur="indefinite" nodeType="mainSeq">
+                <p:childTnLst>
+                  <p:par>
+                    <p:cTn id="3" fill="hold">
+                      <p:stCondLst>
+                        <p:cond delay="indefinite"/>
+                      </p:stCondLst>
+                      <p:childTnLst>
+                        <p:par>
+                          <p:cTn id="4" fill="hold">
+                            <p:stCondLst>
+                              <p:cond delay="0"/>
+                            </p:stCondLst>
+                            <p:childTnLst>
+                              <p:par>
+                                <p:cTn id="5" presetID="1" presetClass="entr" presetSubtype="0" fill="hold" grpId="0" nodeType="clickEffect">
+                                  <p:stCondLst>
+                                    <p:cond delay="0"/>
+                                  </p:stCondLst>
+                                  <p:childTnLst>
+                                    <p:set>
+                                      <p:cBhvr>
+                                        <p:cTn id="6" dur="1" fill="hold">
+                                          <p:stCondLst>
+                                            <p:cond delay="0"/>
+                                          </p:stCondLst>
+                                        </p:cTn>
+                                        <p:tgtEl>
+                                          <p:spTgt spid="45"/>
+                                        </p:tgtEl>
+                                        <p:attrNameLst>
+                                          <p:attrName>style.visibility</p:attrName>
+                                        </p:attrNameLst>
+                                      </p:cBhvr>
+                                      <p:to>
+                                        <p:strVal val="visible"/>
+                                      </p:to>
+                                    </p:set>
+                                  </p:childTnLst>
+                                </p:cTn>
+                              </p:par>
+                              <p:par>
+                                <p:cTn id="7" presetID="1" presetClass="entr" presetSubtype="0" fill="hold" nodeType="withEffect">
+                                  <p:stCondLst>
+                                    <p:cond delay="0"/>
+                                  </p:stCondLst>
+                                  <p:childTnLst>
+                                    <p:set>
+                                      <p:cBhvr>
+                                        <p:cTn id="8" dur="1" fill="hold">
+                                          <p:stCondLst>
+                                            <p:cond delay="0"/>
+                                          </p:stCondLst>
+                                        </p:cTn>
+                                        <p:tgtEl>
+                                          <p:spTgt spid="46"/>
+                                        </p:tgtEl>
+                                        <p:attrNameLst>
+                                          <p:attrName>style.visibility</p:attrName>
+                                        </p:attrNameLst>
+                                      </p:cBhvr>
+                                      <p:to>
+                                        <p:strVal val="visible"/>
+                                      </p:to>
+                                    </p:set>
+                                  </p:childTnLst>
+                                </p:cTn>
+                              </p:par>
+                            </p:childTnLst>
+                          </p:cTn>
+                        </p:par>
+                      </p:childTnLst>
+                    </p:cTn>
+                  </p:par>
+                </p:childTnLst>
+              </p:cTn>
+              <p:prevCondLst>
+                <p:cond evt="onPrev" delay="0">
+                  <p:tgtEl>
+                    <p:sldTgt/>
+                  </p:tgtEl>
+                </p:cond>
+              </p:prevCondLst>
+              <p:nextCondLst>
+                <p:cond evt="onNext" delay="0">
+                  <p:tgtEl>
+                    <p:sldTgt/>
+                  </p:tgtEl>
+                </p:cond>
+              </p:nextCondLst>
+            </p:seq>
+          </p:childTnLst>
+        </p:cTn>
+      </p:par>
+    </p:tnLst>
+    <p:bldLst>
+      <p:bldP spid="45" grpId="0" animBg="1"/>
+    </p:bldLst>
+  </p:timing>
+</p:sld>
+</file>
+
 <file path=ppt/theme/theme1.xml><?xml version="1.0" encoding="utf-8"?>
 <a:theme xmlns:a="http://schemas.openxmlformats.org/drawingml/2006/main" name="Microsoft_Learn_White_Template">
   <a:themeElements>
